--- a/GAIA.pptx
+++ b/GAIA.pptx
@@ -302,7 +302,7 @@
           <a:p>
             <a:fld id="{74C155AF-8203-4E7A-8823-85863D4D5395}" type="datetimeFigureOut">
               <a:rPr lang="it-IT" smtClean="0"/>
-              <a:t>23/05/2025</a:t>
+              <a:t>24/05/2025</a:t>
             </a:fld>
             <a:endParaRPr lang="it-IT"/>
           </a:p>
@@ -500,7 +500,7 @@
           <a:p>
             <a:fld id="{74C155AF-8203-4E7A-8823-85863D4D5395}" type="datetimeFigureOut">
               <a:rPr lang="it-IT" smtClean="0"/>
-              <a:t>23/05/2025</a:t>
+              <a:t>24/05/2025</a:t>
             </a:fld>
             <a:endParaRPr lang="it-IT"/>
           </a:p>
@@ -708,7 +708,7 @@
           <a:p>
             <a:fld id="{74C155AF-8203-4E7A-8823-85863D4D5395}" type="datetimeFigureOut">
               <a:rPr lang="it-IT" smtClean="0"/>
-              <a:t>23/05/2025</a:t>
+              <a:t>24/05/2025</a:t>
             </a:fld>
             <a:endParaRPr lang="it-IT"/>
           </a:p>
@@ -906,7 +906,7 @@
           <a:p>
             <a:fld id="{74C155AF-8203-4E7A-8823-85863D4D5395}" type="datetimeFigureOut">
               <a:rPr lang="it-IT" smtClean="0"/>
-              <a:t>23/05/2025</a:t>
+              <a:t>24/05/2025</a:t>
             </a:fld>
             <a:endParaRPr lang="it-IT"/>
           </a:p>
@@ -1181,7 +1181,7 @@
           <a:p>
             <a:fld id="{74C155AF-8203-4E7A-8823-85863D4D5395}" type="datetimeFigureOut">
               <a:rPr lang="it-IT" smtClean="0"/>
-              <a:t>23/05/2025</a:t>
+              <a:t>24/05/2025</a:t>
             </a:fld>
             <a:endParaRPr lang="it-IT"/>
           </a:p>
@@ -1446,7 +1446,7 @@
           <a:p>
             <a:fld id="{74C155AF-8203-4E7A-8823-85863D4D5395}" type="datetimeFigureOut">
               <a:rPr lang="it-IT" smtClean="0"/>
-              <a:t>23/05/2025</a:t>
+              <a:t>24/05/2025</a:t>
             </a:fld>
             <a:endParaRPr lang="it-IT"/>
           </a:p>
@@ -1858,7 +1858,7 @@
           <a:p>
             <a:fld id="{74C155AF-8203-4E7A-8823-85863D4D5395}" type="datetimeFigureOut">
               <a:rPr lang="it-IT" smtClean="0"/>
-              <a:t>23/05/2025</a:t>
+              <a:t>24/05/2025</a:t>
             </a:fld>
             <a:endParaRPr lang="it-IT"/>
           </a:p>
@@ -1999,7 +1999,7 @@
           <a:p>
             <a:fld id="{74C155AF-8203-4E7A-8823-85863D4D5395}" type="datetimeFigureOut">
               <a:rPr lang="it-IT" smtClean="0"/>
-              <a:t>23/05/2025</a:t>
+              <a:t>24/05/2025</a:t>
             </a:fld>
             <a:endParaRPr lang="it-IT"/>
           </a:p>
@@ -2112,7 +2112,7 @@
           <a:p>
             <a:fld id="{74C155AF-8203-4E7A-8823-85863D4D5395}" type="datetimeFigureOut">
               <a:rPr lang="it-IT" smtClean="0"/>
-              <a:t>23/05/2025</a:t>
+              <a:t>24/05/2025</a:t>
             </a:fld>
             <a:endParaRPr lang="it-IT"/>
           </a:p>
@@ -2423,7 +2423,7 @@
           <a:p>
             <a:fld id="{74C155AF-8203-4E7A-8823-85863D4D5395}" type="datetimeFigureOut">
               <a:rPr lang="it-IT" smtClean="0"/>
-              <a:t>23/05/2025</a:t>
+              <a:t>24/05/2025</a:t>
             </a:fld>
             <a:endParaRPr lang="it-IT"/>
           </a:p>
@@ -2711,7 +2711,7 @@
           <a:p>
             <a:fld id="{74C155AF-8203-4E7A-8823-85863D4D5395}" type="datetimeFigureOut">
               <a:rPr lang="it-IT" smtClean="0"/>
-              <a:t>23/05/2025</a:t>
+              <a:t>24/05/2025</a:t>
             </a:fld>
             <a:endParaRPr lang="it-IT"/>
           </a:p>
@@ -2952,7 +2952,7 @@
           <a:p>
             <a:fld id="{74C155AF-8203-4E7A-8823-85863D4D5395}" type="datetimeFigureOut">
               <a:rPr lang="it-IT" smtClean="0"/>
-              <a:t>23/05/2025</a:t>
+              <a:t>24/05/2025</a:t>
             </a:fld>
             <a:endParaRPr lang="it-IT"/>
           </a:p>
@@ -3930,7 +3930,7 @@
                 </a:solidFill>
                 <a:latin typeface="Abadi" panose="020F0502020204030204" pitchFamily="34" charset="0"/>
               </a:rPr>
-              <a:t>collects</a:t>
+              <a:t>reads</a:t>
             </a:r>
             <a:r>
               <a:rPr lang="it-IT" sz="2800" dirty="0">
@@ -3939,7 +3939,7 @@
                 </a:solidFill>
                 <a:latin typeface="Abadi" panose="020F0502020204030204" pitchFamily="34" charset="0"/>
               </a:rPr>
-              <a:t> data from the </a:t>
+              <a:t> </a:t>
             </a:r>
             <a:r>
               <a:rPr lang="it-IT" sz="2800" dirty="0" err="1">
@@ -3948,7 +3948,7 @@
                 </a:solidFill>
                 <a:latin typeface="Abadi" panose="020F0502020204030204" pitchFamily="34" charset="0"/>
               </a:rPr>
-              <a:t>surroundings</a:t>
+              <a:t>real</a:t>
             </a:r>
             <a:r>
               <a:rPr lang="it-IT" sz="2800" dirty="0">
@@ -3957,7 +3957,7 @@
                 </a:solidFill>
                 <a:latin typeface="Abadi" panose="020F0502020204030204" pitchFamily="34" charset="0"/>
               </a:rPr>
-              <a:t> thanks to a DHT22 </a:t>
+              <a:t>-world data from a DHT22 </a:t>
             </a:r>
             <a:r>
               <a:rPr lang="it-IT" sz="2800" dirty="0" err="1">
@@ -4316,7 +4316,7 @@
                 </a:solidFill>
                 <a:latin typeface="Abadi" panose="020F0502020204030204" pitchFamily="34" charset="0"/>
               </a:rPr>
-              <a:t>It </a:t>
+              <a:t>The Arduino </a:t>
             </a:r>
             <a:r>
               <a:rPr lang="it-IT" sz="2800" dirty="0" err="1">
@@ -4343,7 +4343,7 @@
                 </a:solidFill>
                 <a:latin typeface="Abadi" panose="020F0502020204030204" pitchFamily="34" charset="0"/>
               </a:rPr>
-              <a:t>generates</a:t>
+              <a:t>manages</a:t>
             </a:r>
             <a:r>
               <a:rPr lang="it-IT" sz="2800" dirty="0">
@@ -4352,7 +4352,7 @@
                 </a:solidFill>
                 <a:latin typeface="Abadi" panose="020F0502020204030204" pitchFamily="34" charset="0"/>
               </a:rPr>
-              <a:t> random time-</a:t>
+              <a:t> musical timing and event generation (for </a:t>
             </a:r>
             <a:r>
               <a:rPr lang="it-IT" sz="2800" dirty="0" err="1">
@@ -4361,7 +4361,7 @@
                 </a:solidFill>
                 <a:latin typeface="Abadi" panose="020F0502020204030204" pitchFamily="34" charset="0"/>
               </a:rPr>
-              <a:t>based</a:t>
+              <a:t>bars</a:t>
             </a:r>
             <a:r>
               <a:rPr lang="it-IT" sz="2800" dirty="0">
@@ -4370,43 +4370,7 @@
                 </a:solidFill>
                 <a:latin typeface="Abadi" panose="020F0502020204030204" pitchFamily="34" charset="0"/>
               </a:rPr>
-              <a:t> events (</a:t>
-            </a:r>
-            <a:r>
-              <a:rPr lang="it-IT" sz="2800" dirty="0" err="1">
-                <a:solidFill>
-                  <a:srgbClr val="5BA191"/>
-                </a:solidFill>
-                <a:latin typeface="Abadi" panose="020F0502020204030204" pitchFamily="34" charset="0"/>
-              </a:rPr>
-              <a:t>bars</a:t>
-            </a:r>
-            <a:r>
-              <a:rPr lang="it-IT" sz="2800" dirty="0">
-                <a:solidFill>
-                  <a:srgbClr val="5BA191"/>
-                </a:solidFill>
-                <a:latin typeface="Abadi" panose="020F0502020204030204" pitchFamily="34" charset="0"/>
-              </a:rPr>
-              <a:t> and musical notes) that are </a:t>
-            </a:r>
-            <a:r>
-              <a:rPr lang="it-IT" sz="2800" dirty="0" err="1">
-                <a:solidFill>
-                  <a:srgbClr val="5BA191"/>
-                </a:solidFill>
-                <a:latin typeface="Abadi" panose="020F0502020204030204" pitchFamily="34" charset="0"/>
-              </a:rPr>
-              <a:t>used</a:t>
-            </a:r>
-            <a:r>
-              <a:rPr lang="it-IT" sz="2800" dirty="0">
-                <a:solidFill>
-                  <a:srgbClr val="5BA191"/>
-                </a:solidFill>
-                <a:latin typeface="Abadi" panose="020F0502020204030204" pitchFamily="34" charset="0"/>
-              </a:rPr>
-              <a:t> to </a:t>
+              <a:t> and notes) to </a:t>
             </a:r>
             <a:r>
               <a:rPr lang="it-IT" sz="2800" dirty="0" err="1">
@@ -4756,7 +4720,7 @@
                 </a:solidFill>
                 <a:latin typeface="Abadi" panose="020F0502020204030204" pitchFamily="34" charset="0"/>
               </a:rPr>
-              <a:t>sent</a:t>
+              <a:t>formatted</a:t>
             </a:r>
             <a:r>
               <a:rPr lang="it-IT" sz="2800" dirty="0">
@@ -4765,7 +4729,7 @@
                 </a:solidFill>
                 <a:latin typeface="Abadi" panose="020F0502020204030204" pitchFamily="34" charset="0"/>
               </a:rPr>
-              <a:t> via Wi-Fi to the user machine, </a:t>
+              <a:t> and </a:t>
             </a:r>
             <a:r>
               <a:rPr lang="it-IT" sz="2800" dirty="0" err="1">
@@ -4774,6 +4738,27 @@
                 </a:solidFill>
                 <a:latin typeface="Abadi" panose="020F0502020204030204" pitchFamily="34" charset="0"/>
               </a:rPr>
+              <a:t>transmitted</a:t>
+            </a:r>
+            <a:r>
+              <a:rPr lang="it-IT" sz="2800" dirty="0">
+                <a:solidFill>
+                  <a:srgbClr val="5BA191"/>
+                </a:solidFill>
+                <a:latin typeface="Abadi" panose="020F0502020204030204" pitchFamily="34" charset="0"/>
+              </a:rPr>
+              <a:t>  via Open Sound Control (OSC) over Wi-Fi to the user machine, </a:t>
+            </a:r>
+          </a:p>
+          <a:p>
+            <a:pPr algn="ctr"/>
+            <a:r>
+              <a:rPr lang="it-IT" sz="2800" dirty="0" err="1">
+                <a:solidFill>
+                  <a:srgbClr val="5BA191"/>
+                </a:solidFill>
+                <a:latin typeface="Abadi" panose="020F0502020204030204" pitchFamily="34" charset="0"/>
+              </a:rPr>
               <a:t>specifically</a:t>
             </a:r>
             <a:r>
@@ -4784,60 +4769,6 @@
                 <a:latin typeface="Abadi" panose="020F0502020204030204" pitchFamily="34" charset="0"/>
               </a:rPr>
               <a:t> to SuperCollider and Processing. </a:t>
-            </a:r>
-            <a:r>
-              <a:rPr lang="it-IT" sz="2800" dirty="0" err="1">
-                <a:solidFill>
-                  <a:srgbClr val="5BA191"/>
-                </a:solidFill>
-                <a:latin typeface="Abadi" panose="020F0502020204030204" pitchFamily="34" charset="0"/>
-              </a:rPr>
-              <a:t>Both</a:t>
-            </a:r>
-            <a:r>
-              <a:rPr lang="it-IT" sz="2800" dirty="0">
-                <a:solidFill>
-                  <a:srgbClr val="5BA191"/>
-                </a:solidFill>
-                <a:latin typeface="Abadi" panose="020F0502020204030204" pitchFamily="34" charset="0"/>
-              </a:rPr>
-              <a:t> the transmissions </a:t>
-            </a:r>
-            <a:r>
-              <a:rPr lang="it-IT" sz="2800" dirty="0" err="1">
-                <a:solidFill>
-                  <a:srgbClr val="5BA191"/>
-                </a:solidFill>
-                <a:latin typeface="Abadi" panose="020F0502020204030204" pitchFamily="34" charset="0"/>
-              </a:rPr>
-              <a:t>happens</a:t>
-            </a:r>
-            <a:r>
-              <a:rPr lang="it-IT" sz="2800" dirty="0">
-                <a:solidFill>
-                  <a:srgbClr val="5BA191"/>
-                </a:solidFill>
-                <a:latin typeface="Abadi" panose="020F0502020204030204" pitchFamily="34" charset="0"/>
-              </a:rPr>
-              <a:t> via OSC </a:t>
-            </a:r>
-            <a:r>
-              <a:rPr lang="it-IT" sz="2800" dirty="0" err="1">
-                <a:solidFill>
-                  <a:srgbClr val="5BA191"/>
-                </a:solidFill>
-                <a:latin typeface="Abadi" panose="020F0502020204030204" pitchFamily="34" charset="0"/>
-              </a:rPr>
-              <a:t>protocol</a:t>
-            </a:r>
-            <a:r>
-              <a:rPr lang="it-IT" sz="2800" dirty="0">
-                <a:solidFill>
-                  <a:srgbClr val="5BA191"/>
-                </a:solidFill>
-                <a:latin typeface="Abadi" panose="020F0502020204030204" pitchFamily="34" charset="0"/>
-              </a:rPr>
-              <a:t>. </a:t>
             </a:r>
             <a:endParaRPr lang="it-IT" sz="2400" dirty="0">
               <a:solidFill>
@@ -6704,7 +6635,7 @@
                 </a:solidFill>
                 <a:latin typeface="Abadi" panose="020F0502020204030204" pitchFamily="34" charset="0"/>
               </a:rPr>
-              <a:t> via the GAIA totem.</a:t>
+              <a:t> from the GAIA totem.</a:t>
             </a:r>
             <a:endParaRPr lang="it-IT" sz="2400" dirty="0">
               <a:solidFill>
@@ -9453,7 +9384,7 @@
                 </a:solidFill>
                 <a:latin typeface="Abadi" panose="020F0502020204030204" pitchFamily="34" charset="0"/>
               </a:rPr>
-              <a:t> a </a:t>
+              <a:t> an ambient generative system </a:t>
             </a:r>
             <a:r>
               <a:rPr lang="it-IT" sz="2800" dirty="0" err="1">
@@ -9462,7 +9393,7 @@
                 </a:solidFill>
                 <a:latin typeface="Abadi" panose="020F0502020204030204" pitchFamily="34" charset="0"/>
               </a:rPr>
-              <a:t>synthetizer</a:t>
+              <a:t>that</a:t>
             </a:r>
             <a:r>
               <a:rPr lang="it-IT" sz="2800" dirty="0">
@@ -9471,7 +9402,7 @@
                 </a:solidFill>
                 <a:latin typeface="Abadi" panose="020F0502020204030204" pitchFamily="34" charset="0"/>
               </a:rPr>
-              <a:t> that combines data from the </a:t>
+              <a:t> </a:t>
             </a:r>
             <a:r>
               <a:rPr lang="it-IT" sz="2800" dirty="0" err="1">
@@ -9480,7 +9411,7 @@
                 </a:solidFill>
                 <a:latin typeface="Abadi" panose="020F0502020204030204" pitchFamily="34" charset="0"/>
               </a:rPr>
-              <a:t>real</a:t>
+              <a:t>transforms</a:t>
             </a:r>
             <a:r>
               <a:rPr lang="it-IT" sz="2800" dirty="0">
@@ -9489,7 +9420,112 @@
                 </a:solidFill>
                 <a:latin typeface="Abadi" panose="020F0502020204030204" pitchFamily="34" charset="0"/>
               </a:rPr>
-              <a:t> world and the input of a user to create background music.</a:t>
+              <a:t> </a:t>
+            </a:r>
+          </a:p>
+          <a:p>
+            <a:pPr algn="ctr"/>
+            <a:r>
+              <a:rPr lang="it-IT" sz="2800" dirty="0">
+                <a:solidFill>
+                  <a:srgbClr val="5BA191"/>
+                </a:solidFill>
+                <a:latin typeface="Abadi" panose="020F0502020204030204" pitchFamily="34" charset="0"/>
+              </a:rPr>
+              <a:t>real-time </a:t>
+            </a:r>
+            <a:r>
+              <a:rPr lang="it-IT" sz="2800" dirty="0" err="1">
+                <a:solidFill>
+                  <a:srgbClr val="5BA191"/>
+                </a:solidFill>
+                <a:latin typeface="Abadi" panose="020F0502020204030204" pitchFamily="34" charset="0"/>
+              </a:rPr>
+              <a:t>enviromental</a:t>
+            </a:r>
+            <a:r>
+              <a:rPr lang="it-IT" sz="2800" dirty="0">
+                <a:solidFill>
+                  <a:srgbClr val="5BA191"/>
+                </a:solidFill>
+                <a:latin typeface="Abadi" panose="020F0502020204030204" pitchFamily="34" charset="0"/>
+              </a:rPr>
+              <a:t> </a:t>
+            </a:r>
+            <a:r>
+              <a:rPr lang="it-IT" sz="2800" dirty="0" err="1">
+                <a:solidFill>
+                  <a:srgbClr val="5BA191"/>
+                </a:solidFill>
+                <a:latin typeface="Abadi" panose="020F0502020204030204" pitchFamily="34" charset="0"/>
+              </a:rPr>
+              <a:t>conditions</a:t>
+            </a:r>
+            <a:r>
+              <a:rPr lang="it-IT" sz="2800" dirty="0">
+                <a:solidFill>
+                  <a:srgbClr val="5BA191"/>
+                </a:solidFill>
+                <a:latin typeface="Abadi" panose="020F0502020204030204" pitchFamily="34" charset="0"/>
+              </a:rPr>
+              <a:t> and user interaction </a:t>
+            </a:r>
+          </a:p>
+          <a:p>
+            <a:pPr algn="ctr"/>
+            <a:r>
+              <a:rPr lang="it-IT" sz="2800" dirty="0" err="1">
+                <a:solidFill>
+                  <a:srgbClr val="5BA191"/>
+                </a:solidFill>
+                <a:latin typeface="Abadi" panose="020F0502020204030204" pitchFamily="34" charset="0"/>
+              </a:rPr>
+              <a:t>into</a:t>
+            </a:r>
+            <a:r>
+              <a:rPr lang="it-IT" sz="2800" dirty="0">
+                <a:solidFill>
+                  <a:srgbClr val="5BA191"/>
+                </a:solidFill>
+                <a:latin typeface="Abadi" panose="020F0502020204030204" pitchFamily="34" charset="0"/>
+              </a:rPr>
+              <a:t> immersive </a:t>
+            </a:r>
+            <a:r>
+              <a:rPr lang="it-IT" sz="2800" dirty="0" err="1">
+                <a:solidFill>
+                  <a:srgbClr val="5BA191"/>
+                </a:solidFill>
+                <a:latin typeface="Abadi" panose="020F0502020204030204" pitchFamily="34" charset="0"/>
+              </a:rPr>
+              <a:t>audiovisual</a:t>
+            </a:r>
+            <a:r>
+              <a:rPr lang="it-IT" sz="2800" dirty="0">
+                <a:solidFill>
+                  <a:srgbClr val="5BA191"/>
+                </a:solidFill>
+                <a:latin typeface="Abadi" panose="020F0502020204030204" pitchFamily="34" charset="0"/>
+              </a:rPr>
+              <a:t> </a:t>
+            </a:r>
+            <a:r>
+              <a:rPr lang="it-IT" sz="2800" dirty="0" err="1">
+                <a:solidFill>
+                  <a:srgbClr val="5BA191"/>
+                </a:solidFill>
+                <a:latin typeface="Abadi" panose="020F0502020204030204" pitchFamily="34" charset="0"/>
+              </a:rPr>
+              <a:t>experience</a:t>
+            </a:r>
+            <a:r>
+              <a:rPr lang="it-IT" sz="2800" dirty="0">
+                <a:solidFill>
+                  <a:srgbClr val="5BA191"/>
+                </a:solidFill>
+                <a:latin typeface="Abadi" panose="020F0502020204030204" pitchFamily="34" charset="0"/>
+              </a:rPr>
+              <a:t>.</a:t>
             </a:r>
             <a:endParaRPr lang="it-IT" sz="2400" dirty="0">
               <a:solidFill>
@@ -9898,7 +9934,7 @@
                 </a:solidFill>
                 <a:latin typeface="Abadi" panose="020F0502020204030204" pitchFamily="34" charset="0"/>
               </a:rPr>
-              <a:t>The Reaper DAW </a:t>
+              <a:t>Reaper DAW </a:t>
             </a:r>
             <a:r>
               <a:rPr lang="it-IT" sz="2800" dirty="0" err="1">
@@ -9916,6 +9952,45 @@
                 </a:solidFill>
                 <a:latin typeface="Abadi" panose="020F0502020204030204" pitchFamily="34" charset="0"/>
               </a:rPr>
+              <a:t> the input from </a:t>
+            </a:r>
+            <a:r>
+              <a:rPr lang="it-IT" sz="2800" dirty="0" err="1">
+                <a:solidFill>
+                  <a:srgbClr val="5BA191"/>
+                </a:solidFill>
+                <a:latin typeface="Abadi" panose="020F0502020204030204" pitchFamily="34" charset="0"/>
+              </a:rPr>
+              <a:t>Supercollider</a:t>
+            </a:r>
+            <a:r>
+              <a:rPr lang="it-IT" sz="2800" dirty="0">
+                <a:solidFill>
+                  <a:srgbClr val="5BA191"/>
+                </a:solidFill>
+                <a:latin typeface="Abadi" panose="020F0502020204030204" pitchFamily="34" charset="0"/>
+              </a:rPr>
+              <a:t>, </a:t>
+            </a:r>
+          </a:p>
+          <a:p>
+            <a:pPr algn="ctr"/>
+            <a:r>
+              <a:rPr lang="it-IT" sz="2800" dirty="0" err="1">
+                <a:solidFill>
+                  <a:srgbClr val="5BA191"/>
+                </a:solidFill>
+                <a:latin typeface="Abadi" panose="020F0502020204030204" pitchFamily="34" charset="0"/>
+              </a:rPr>
+              <a:t>that</a:t>
+            </a:r>
+            <a:r>
+              <a:rPr lang="it-IT" sz="2800" dirty="0">
+                <a:solidFill>
+                  <a:srgbClr val="5BA191"/>
+                </a:solidFill>
+                <a:latin typeface="Abadi" panose="020F0502020204030204" pitchFamily="34" charset="0"/>
+              </a:rPr>
               <a:t> </a:t>
             </a:r>
             <a:r>
@@ -9925,7 +10000,7 @@
                 </a:solidFill>
                 <a:latin typeface="Abadi" panose="020F0502020204030204" pitchFamily="34" charset="0"/>
               </a:rPr>
-              <a:t>as</a:t>
+              <a:t>consists</a:t>
             </a:r>
             <a:r>
               <a:rPr lang="it-IT" sz="2800" dirty="0">
@@ -9934,7 +10009,7 @@
                 </a:solidFill>
                 <a:latin typeface="Abadi" panose="020F0502020204030204" pitchFamily="34" charset="0"/>
               </a:rPr>
-              <a:t> an </a:t>
+              <a:t> of </a:t>
             </a:r>
             <a:r>
               <a:rPr lang="it-IT" sz="2800" dirty="0" err="1">
@@ -9943,7 +10018,7 @@
                 </a:solidFill>
                 <a:latin typeface="Abadi" panose="020F0502020204030204" pitchFamily="34" charset="0"/>
               </a:rPr>
-              <a:t>imput</a:t>
+              <a:t>three</a:t>
             </a:r>
             <a:r>
               <a:rPr lang="it-IT" sz="2800" dirty="0">
@@ -9952,7 +10027,7 @@
                 </a:solidFill>
                 <a:latin typeface="Abadi" panose="020F0502020204030204" pitchFamily="34" charset="0"/>
               </a:rPr>
-              <a:t> a bus of </a:t>
+              <a:t> </a:t>
             </a:r>
             <a:r>
               <a:rPr lang="it-IT" sz="2800" dirty="0" err="1">
@@ -9961,7 +10036,7 @@
                 </a:solidFill>
                 <a:latin typeface="Abadi" panose="020F0502020204030204" pitchFamily="34" charset="0"/>
               </a:rPr>
-              <a:t>six</a:t>
+              <a:t>couples</a:t>
             </a:r>
             <a:r>
               <a:rPr lang="it-IT" sz="2800" dirty="0">
@@ -9970,7 +10045,19 @@
                 </a:solidFill>
                 <a:latin typeface="Abadi" panose="020F0502020204030204" pitchFamily="34" charset="0"/>
               </a:rPr>
-              <a:t> </a:t>
+              <a:t> of L/R stereo inputs </a:t>
+            </a:r>
+          </a:p>
+          <a:p>
+            <a:pPr algn="ctr"/>
+            <a:r>
+              <a:rPr lang="it-IT" sz="2800" dirty="0">
+                <a:solidFill>
+                  <a:srgbClr val="5BA191"/>
+                </a:solidFill>
+                <a:latin typeface="Abadi" panose="020F0502020204030204" pitchFamily="34" charset="0"/>
+              </a:rPr>
+              <a:t>(Bass, </a:t>
             </a:r>
             <a:r>
               <a:rPr lang="it-IT" sz="2800" dirty="0" err="1">
@@ -9979,7 +10066,7 @@
                 </a:solidFill>
                 <a:latin typeface="Abadi" panose="020F0502020204030204" pitchFamily="34" charset="0"/>
               </a:rPr>
-              <a:t>channels</a:t>
+              <a:t>Chors</a:t>
             </a:r>
             <a:r>
               <a:rPr lang="it-IT" sz="2800" dirty="0">
@@ -9988,61 +10075,7 @@
                 </a:solidFill>
                 <a:latin typeface="Abadi" panose="020F0502020204030204" pitchFamily="34" charset="0"/>
               </a:rPr>
-              <a:t>, that </a:t>
-            </a:r>
-            <a:r>
-              <a:rPr lang="it-IT" sz="2800" dirty="0" err="1">
-                <a:solidFill>
-                  <a:srgbClr val="5BA191"/>
-                </a:solidFill>
-                <a:latin typeface="Abadi" panose="020F0502020204030204" pitchFamily="34" charset="0"/>
-              </a:rPr>
-              <a:t>represent</a:t>
-            </a:r>
-            <a:r>
-              <a:rPr lang="it-IT" sz="2800" dirty="0">
-                <a:solidFill>
-                  <a:srgbClr val="5BA191"/>
-                </a:solidFill>
-                <a:latin typeface="Abadi" panose="020F0502020204030204" pitchFamily="34" charset="0"/>
-              </a:rPr>
-              <a:t> </a:t>
-            </a:r>
-            <a:r>
-              <a:rPr lang="it-IT" sz="2800" dirty="0" err="1">
-                <a:solidFill>
-                  <a:srgbClr val="5BA191"/>
-                </a:solidFill>
-                <a:latin typeface="Abadi" panose="020F0502020204030204" pitchFamily="34" charset="0"/>
-              </a:rPr>
-              <a:t>three</a:t>
-            </a:r>
-            <a:r>
-              <a:rPr lang="it-IT" sz="2800" dirty="0">
-                <a:solidFill>
-                  <a:srgbClr val="5BA191"/>
-                </a:solidFill>
-                <a:latin typeface="Abadi" panose="020F0502020204030204" pitchFamily="34" charset="0"/>
-              </a:rPr>
-              <a:t> </a:t>
-            </a:r>
-            <a:r>
-              <a:rPr lang="it-IT" sz="2800" dirty="0" err="1">
-                <a:solidFill>
-                  <a:srgbClr val="5BA191"/>
-                </a:solidFill>
-                <a:latin typeface="Abadi" panose="020F0502020204030204" pitchFamily="34" charset="0"/>
-              </a:rPr>
-              <a:t>couples</a:t>
-            </a:r>
-            <a:r>
-              <a:rPr lang="it-IT" sz="2800" dirty="0">
-                <a:solidFill>
-                  <a:srgbClr val="5BA191"/>
-                </a:solidFill>
-                <a:latin typeface="Abadi" panose="020F0502020204030204" pitchFamily="34" charset="0"/>
-              </a:rPr>
-              <a:t> of L/R stereo inputs.</a:t>
+              <a:t> and Notes).</a:t>
             </a:r>
             <a:endParaRPr lang="it-IT" sz="2400" dirty="0">
               <a:solidFill>
@@ -10392,7 +10425,7 @@
                 </a:solidFill>
                 <a:latin typeface="Abadi" panose="020F0502020204030204" pitchFamily="34" charset="0"/>
               </a:rPr>
-              <a:t>lets</a:t>
+              <a:t>allows</a:t>
             </a:r>
             <a:r>
               <a:rPr lang="it-IT" sz="2800" dirty="0">
@@ -10401,6 +10434,60 @@
                 </a:solidFill>
                 <a:latin typeface="Abadi" panose="020F0502020204030204" pitchFamily="34" charset="0"/>
               </a:rPr>
+              <a:t> the user to </a:t>
+            </a:r>
+            <a:r>
+              <a:rPr lang="it-IT" sz="2800" dirty="0" err="1">
+                <a:solidFill>
+                  <a:srgbClr val="5BA191"/>
+                </a:solidFill>
+                <a:latin typeface="Abadi" panose="020F0502020204030204" pitchFamily="34" charset="0"/>
+              </a:rPr>
+              <a:t>interact</a:t>
+            </a:r>
+            <a:r>
+              <a:rPr lang="it-IT" sz="2800" dirty="0">
+                <a:solidFill>
+                  <a:srgbClr val="5BA191"/>
+                </a:solidFill>
+                <a:latin typeface="Abadi" panose="020F0502020204030204" pitchFamily="34" charset="0"/>
+              </a:rPr>
+              <a:t> with the JUCE </a:t>
+            </a:r>
+            <a:r>
+              <a:rPr lang="it-IT" sz="2800" dirty="0" err="1">
+                <a:solidFill>
+                  <a:srgbClr val="5BA191"/>
+                </a:solidFill>
+                <a:latin typeface="Abadi" panose="020F0502020204030204" pitchFamily="34" charset="0"/>
+              </a:rPr>
+              <a:t>plugin’s</a:t>
+            </a:r>
+            <a:r>
+              <a:rPr lang="it-IT" sz="2800" dirty="0">
+                <a:solidFill>
+                  <a:srgbClr val="5BA191"/>
+                </a:solidFill>
+                <a:latin typeface="Abadi" panose="020F0502020204030204" pitchFamily="34" charset="0"/>
+              </a:rPr>
+              <a:t> UI, </a:t>
+            </a:r>
+            <a:r>
+              <a:rPr lang="it-IT" sz="2800" dirty="0" err="1">
+                <a:solidFill>
+                  <a:srgbClr val="5BA191"/>
+                </a:solidFill>
+                <a:latin typeface="Abadi" panose="020F0502020204030204" pitchFamily="34" charset="0"/>
+              </a:rPr>
+              <a:t>letting</a:t>
+            </a:r>
+            <a:r>
+              <a:rPr lang="it-IT" sz="2800" dirty="0">
+                <a:solidFill>
+                  <a:srgbClr val="5BA191"/>
+                </a:solidFill>
+                <a:latin typeface="Abadi" panose="020F0502020204030204" pitchFamily="34" charset="0"/>
+              </a:rPr>
               <a:t> the user </a:t>
             </a:r>
             <a:r>
@@ -10410,79 +10497,7 @@
                 </a:solidFill>
                 <a:latin typeface="Abadi" panose="020F0502020204030204" pitchFamily="34" charset="0"/>
               </a:rPr>
-              <a:t>interact</a:t>
-            </a:r>
-            <a:r>
-              <a:rPr lang="it-IT" sz="2800" dirty="0">
-                <a:solidFill>
-                  <a:srgbClr val="5BA191"/>
-                </a:solidFill>
-                <a:latin typeface="Abadi" panose="020F0502020204030204" pitchFamily="34" charset="0"/>
-              </a:rPr>
-              <a:t> with the JUCE </a:t>
-            </a:r>
-            <a:r>
-              <a:rPr lang="it-IT" sz="2800" dirty="0" err="1">
-                <a:solidFill>
-                  <a:srgbClr val="5BA191"/>
-                </a:solidFill>
-                <a:latin typeface="Abadi" panose="020F0502020204030204" pitchFamily="34" charset="0"/>
-              </a:rPr>
-              <a:t>plugin’s</a:t>
-            </a:r>
-            <a:r>
-              <a:rPr lang="it-IT" sz="2800" dirty="0">
-                <a:solidFill>
-                  <a:srgbClr val="5BA191"/>
-                </a:solidFill>
-                <a:latin typeface="Abadi" panose="020F0502020204030204" pitchFamily="34" charset="0"/>
-              </a:rPr>
-              <a:t> UI, </a:t>
-            </a:r>
-            <a:r>
-              <a:rPr lang="it-IT" sz="2800" dirty="0" err="1">
-                <a:solidFill>
-                  <a:srgbClr val="5BA191"/>
-                </a:solidFill>
-                <a:latin typeface="Abadi" panose="020F0502020204030204" pitchFamily="34" charset="0"/>
-              </a:rPr>
-              <a:t>allowing</a:t>
-            </a:r>
-            <a:r>
-              <a:rPr lang="it-IT" sz="2800" dirty="0">
-                <a:solidFill>
-                  <a:srgbClr val="5BA191"/>
-                </a:solidFill>
-                <a:latin typeface="Abadi" panose="020F0502020204030204" pitchFamily="34" charset="0"/>
-              </a:rPr>
-              <a:t> the </a:t>
-            </a:r>
-            <a:r>
-              <a:rPr lang="it-IT" sz="2800" dirty="0" err="1">
-                <a:solidFill>
-                  <a:srgbClr val="5BA191"/>
-                </a:solidFill>
-                <a:latin typeface="Abadi" panose="020F0502020204030204" pitchFamily="34" charset="0"/>
-              </a:rPr>
-              <a:t>possibility</a:t>
-            </a:r>
-            <a:r>
-              <a:rPr lang="it-IT" sz="2800" dirty="0">
-                <a:solidFill>
-                  <a:srgbClr val="5BA191"/>
-                </a:solidFill>
-                <a:latin typeface="Abadi" panose="020F0502020204030204" pitchFamily="34" charset="0"/>
-              </a:rPr>
-              <a:t> of </a:t>
-            </a:r>
-            <a:r>
-              <a:rPr lang="it-IT" sz="2800" dirty="0" err="1">
-                <a:solidFill>
-                  <a:srgbClr val="5BA191"/>
-                </a:solidFill>
-                <a:latin typeface="Abadi" panose="020F0502020204030204" pitchFamily="34" charset="0"/>
-              </a:rPr>
-              <a:t>manipulating</a:t>
+              <a:t>manipulate</a:t>
             </a:r>
             <a:r>
               <a:rPr lang="it-IT" sz="2800" dirty="0">
@@ -10894,7 +10909,7 @@
                 </a:solidFill>
                 <a:latin typeface="Abadi" panose="020F0502020204030204" pitchFamily="34" charset="0"/>
               </a:rPr>
-              <a:t> inputs are </a:t>
+              <a:t> stereo </a:t>
             </a:r>
             <a:r>
               <a:rPr lang="it-IT" sz="2800" dirty="0" err="1">
@@ -10903,6 +10918,24 @@
                 </a:solidFill>
                 <a:latin typeface="Abadi" panose="020F0502020204030204" pitchFamily="34" charset="0"/>
               </a:rPr>
+              <a:t>signals</a:t>
+            </a:r>
+            <a:r>
+              <a:rPr lang="it-IT" sz="2800" dirty="0">
+                <a:solidFill>
+                  <a:srgbClr val="5BA191"/>
+                </a:solidFill>
+                <a:latin typeface="Abadi" panose="020F0502020204030204" pitchFamily="34" charset="0"/>
+              </a:rPr>
+              <a:t> are </a:t>
+            </a:r>
+            <a:r>
+              <a:rPr lang="it-IT" sz="2800" dirty="0" err="1">
+                <a:solidFill>
+                  <a:srgbClr val="5BA191"/>
+                </a:solidFill>
+                <a:latin typeface="Abadi" panose="020F0502020204030204" pitchFamily="34" charset="0"/>
+              </a:rPr>
               <a:t>then</a:t>
             </a:r>
             <a:r>
@@ -10930,7 +10963,25 @@
                 </a:solidFill>
                 <a:latin typeface="Abadi" panose="020F0502020204030204" pitchFamily="34" charset="0"/>
               </a:rPr>
-              <a:t> in a single output thanks to the DAW </a:t>
+              <a:t> </a:t>
+            </a:r>
+            <a:r>
+              <a:rPr lang="it-IT" sz="2800" dirty="0" err="1">
+                <a:solidFill>
+                  <a:srgbClr val="5BA191"/>
+                </a:solidFill>
+                <a:latin typeface="Abadi" panose="020F0502020204030204" pitchFamily="34" charset="0"/>
+              </a:rPr>
+              <a:t>into</a:t>
+            </a:r>
+            <a:r>
+              <a:rPr lang="it-IT" sz="2800" dirty="0">
+                <a:solidFill>
+                  <a:srgbClr val="5BA191"/>
+                </a:solidFill>
+                <a:latin typeface="Abadi" panose="020F0502020204030204" pitchFamily="34" charset="0"/>
+              </a:rPr>
+              <a:t> a single output thanks to the DAW </a:t>
             </a:r>
             <a:r>
               <a:rPr lang="it-IT" sz="2800" dirty="0" err="1">
@@ -12015,7 +12066,7 @@
                 </a:solidFill>
                 <a:latin typeface="Abadi" panose="020F0502020204030204" pitchFamily="34" charset="0"/>
               </a:rPr>
-              <a:t>The user can </a:t>
+              <a:t>The user </a:t>
             </a:r>
             <a:r>
               <a:rPr lang="it-IT" sz="2800" dirty="0" err="1">
@@ -12024,7 +12075,7 @@
                 </a:solidFill>
                 <a:latin typeface="Abadi" panose="020F0502020204030204" pitchFamily="34" charset="0"/>
               </a:rPr>
-              <a:t>interact</a:t>
+              <a:t>interacts</a:t>
             </a:r>
             <a:r>
               <a:rPr lang="it-IT" sz="2800" dirty="0">
@@ -12042,7 +12093,7 @@
                 </a:solidFill>
                 <a:latin typeface="Abadi" panose="020F0502020204030204" pitchFamily="34" charset="0"/>
               </a:rPr>
-              <a:t>various</a:t>
+              <a:t>different</a:t>
             </a:r>
             <a:r>
               <a:rPr lang="it-IT" sz="2800" dirty="0">
@@ -12053,6 +12104,9 @@
               </a:rPr>
               <a:t> handles. </a:t>
             </a:r>
+          </a:p>
+          <a:p>
+            <a:pPr algn="ctr"/>
             <a:r>
               <a:rPr lang="it-IT" sz="2800" dirty="0" err="1">
                 <a:solidFill>
@@ -12069,7 +12123,7 @@
                 </a:solidFill>
                 <a:latin typeface="Abadi" panose="020F0502020204030204" pitchFamily="34" charset="0"/>
               </a:rPr>
-              <a:t> one of </a:t>
+              <a:t> of </a:t>
             </a:r>
             <a:r>
               <a:rPr lang="it-IT" sz="2800" dirty="0" err="1">
@@ -12619,7 +12673,7 @@
                 </a:solidFill>
                 <a:latin typeface="Abadi" panose="020F0502020204030204" pitchFamily="34" charset="0"/>
               </a:rPr>
-              <a:t> of </a:t>
+              <a:t> of  the </a:t>
             </a:r>
             <a:r>
               <a:rPr lang="it-IT" sz="2800" dirty="0" err="1">
@@ -12646,7 +12700,7 @@
                 </a:solidFill>
                 <a:latin typeface="Abadi" panose="020F0502020204030204" pitchFamily="34" charset="0"/>
               </a:rPr>
-              <a:t>specific</a:t>
+              <a:t>implemented</a:t>
             </a:r>
             <a:r>
               <a:rPr lang="it-IT" sz="2800" dirty="0">
@@ -12709,7 +12763,19 @@
                 </a:solidFill>
                 <a:latin typeface="Abadi" panose="020F0502020204030204" pitchFamily="34" charset="0"/>
               </a:rPr>
-              <a:t> and delay. The user can </a:t>
+              <a:t> and delay. </a:t>
+            </a:r>
+          </a:p>
+          <a:p>
+            <a:pPr algn="ctr"/>
+            <a:r>
+              <a:rPr lang="it-IT" sz="2800" dirty="0">
+                <a:solidFill>
+                  <a:srgbClr val="5BA191"/>
+                </a:solidFill>
+                <a:latin typeface="Abadi" panose="020F0502020204030204" pitchFamily="34" charset="0"/>
+              </a:rPr>
+              <a:t>The user can </a:t>
             </a:r>
             <a:r>
               <a:rPr lang="it-IT" sz="2800" dirty="0" err="1">
@@ -13662,7 +13728,7 @@
                 </a:solidFill>
                 <a:latin typeface="Abadi" panose="020F0502020204030204" pitchFamily="34" charset="0"/>
               </a:rPr>
-              <a:t>Visual component</a:t>
+              <a:t>Visual generation</a:t>
             </a:r>
             <a:endParaRPr lang="it-IT" sz="2000" dirty="0">
               <a:solidFill>
@@ -14068,13 +14134,22 @@
           <a:p>
             <a:pPr algn="ctr"/>
             <a:r>
+              <a:rPr lang="it-IT" sz="2800" dirty="0" err="1">
+                <a:solidFill>
+                  <a:srgbClr val="5BA191"/>
+                </a:solidFill>
+                <a:latin typeface="Abadi" panose="020F0502020204030204" pitchFamily="34" charset="0"/>
+              </a:rPr>
+              <a:t>It</a:t>
+            </a:r>
+            <a:r>
               <a:rPr lang="it-IT" sz="2800" dirty="0">
                 <a:solidFill>
                   <a:srgbClr val="5BA191"/>
                 </a:solidFill>
                 <a:latin typeface="Abadi" panose="020F0502020204030204" pitchFamily="34" charset="0"/>
               </a:rPr>
-              <a:t>The temperature of the place </a:t>
+              <a:t> </a:t>
             </a:r>
             <a:r>
               <a:rPr lang="it-IT" sz="2800" dirty="0" err="1">
@@ -14083,7 +14158,7 @@
                 </a:solidFill>
                 <a:latin typeface="Abadi" panose="020F0502020204030204" pitchFamily="34" charset="0"/>
               </a:rPr>
-              <a:t>is</a:t>
+              <a:t>captures</a:t>
             </a:r>
             <a:r>
               <a:rPr lang="it-IT" sz="2800" dirty="0">
@@ -14092,6 +14167,60 @@
                 </a:solidFill>
                 <a:latin typeface="Abadi" panose="020F0502020204030204" pitchFamily="34" charset="0"/>
               </a:rPr>
+              <a:t> ambient data – temperature, light and </a:t>
+            </a:r>
+            <a:r>
+              <a:rPr lang="it-IT" sz="2800" dirty="0" err="1">
+                <a:solidFill>
+                  <a:srgbClr val="5BA191"/>
+                </a:solidFill>
+                <a:latin typeface="Abadi" panose="020F0502020204030204" pitchFamily="34" charset="0"/>
+              </a:rPr>
+              <a:t>humidity</a:t>
+            </a:r>
+            <a:r>
+              <a:rPr lang="it-IT" sz="2800" dirty="0">
+                <a:solidFill>
+                  <a:srgbClr val="5BA191"/>
+                </a:solidFill>
+                <a:latin typeface="Abadi" panose="020F0502020204030204" pitchFamily="34" charset="0"/>
+              </a:rPr>
+              <a:t> – </a:t>
+            </a:r>
+            <a:r>
+              <a:rPr lang="it-IT" sz="2800" dirty="0" err="1">
+                <a:solidFill>
+                  <a:srgbClr val="5BA191"/>
+                </a:solidFill>
+                <a:latin typeface="Abadi" panose="020F0502020204030204" pitchFamily="34" charset="0"/>
+              </a:rPr>
+              <a:t>using</a:t>
+            </a:r>
+            <a:r>
+              <a:rPr lang="it-IT" sz="2800" dirty="0">
+                <a:solidFill>
+                  <a:srgbClr val="5BA191"/>
+                </a:solidFill>
+                <a:latin typeface="Abadi" panose="020F0502020204030204" pitchFamily="34" charset="0"/>
+              </a:rPr>
+              <a:t> Arduino-</a:t>
+            </a:r>
+            <a:r>
+              <a:rPr lang="it-IT" sz="2800" dirty="0" err="1">
+                <a:solidFill>
+                  <a:srgbClr val="5BA191"/>
+                </a:solidFill>
+                <a:latin typeface="Abadi" panose="020F0502020204030204" pitchFamily="34" charset="0"/>
+              </a:rPr>
+              <a:t>based</a:t>
+            </a:r>
+            <a:r>
+              <a:rPr lang="it-IT" sz="2800" dirty="0">
+                <a:solidFill>
+                  <a:srgbClr val="5BA191"/>
+                </a:solidFill>
+                <a:latin typeface="Abadi" panose="020F0502020204030204" pitchFamily="34" charset="0"/>
+              </a:rPr>
               <a:t> </a:t>
             </a:r>
             <a:r>
@@ -14101,7 +14230,7 @@
                 </a:solidFill>
                 <a:latin typeface="Abadi" panose="020F0502020204030204" pitchFamily="34" charset="0"/>
               </a:rPr>
-              <a:t>used</a:t>
+              <a:t>sensors</a:t>
             </a:r>
             <a:r>
               <a:rPr lang="it-IT" sz="2800" dirty="0">
@@ -14110,14 +14239,98 @@
                 </a:solidFill>
                 <a:latin typeface="Abadi" panose="020F0502020204030204" pitchFamily="34" charset="0"/>
               </a:rPr>
-              <a:t> to</a:t>
-            </a:r>
-            <a:endParaRPr lang="it-IT" sz="2400" dirty="0">
-              <a:solidFill>
-                <a:srgbClr val="5BA191"/>
-              </a:solidFill>
-              <a:latin typeface="Abadi" panose="020F0502020204030204" pitchFamily="34" charset="0"/>
-            </a:endParaRPr>
+              <a:t> and </a:t>
+            </a:r>
+            <a:r>
+              <a:rPr lang="it-IT" sz="2800" dirty="0" err="1">
+                <a:solidFill>
+                  <a:srgbClr val="5BA191"/>
+                </a:solidFill>
+                <a:latin typeface="Abadi" panose="020F0502020204030204" pitchFamily="34" charset="0"/>
+              </a:rPr>
+              <a:t>converts</a:t>
+            </a:r>
+            <a:r>
+              <a:rPr lang="it-IT" sz="2800" dirty="0">
+                <a:solidFill>
+                  <a:srgbClr val="5BA191"/>
+                </a:solidFill>
+                <a:latin typeface="Abadi" panose="020F0502020204030204" pitchFamily="34" charset="0"/>
+              </a:rPr>
+              <a:t> </a:t>
+            </a:r>
+            <a:r>
+              <a:rPr lang="it-IT" sz="2800" dirty="0" err="1">
+                <a:solidFill>
+                  <a:srgbClr val="5BA191"/>
+                </a:solidFill>
+                <a:latin typeface="Abadi" panose="020F0502020204030204" pitchFamily="34" charset="0"/>
+              </a:rPr>
+              <a:t>them</a:t>
+            </a:r>
+            <a:r>
+              <a:rPr lang="it-IT" sz="2800" dirty="0">
+                <a:solidFill>
+                  <a:srgbClr val="5BA191"/>
+                </a:solidFill>
+                <a:latin typeface="Abadi" panose="020F0502020204030204" pitchFamily="34" charset="0"/>
+              </a:rPr>
+              <a:t> </a:t>
+            </a:r>
+            <a:r>
+              <a:rPr lang="it-IT" sz="2800" dirty="0" err="1">
+                <a:solidFill>
+                  <a:srgbClr val="5BA191"/>
+                </a:solidFill>
+                <a:latin typeface="Abadi" panose="020F0502020204030204" pitchFamily="34" charset="0"/>
+              </a:rPr>
+              <a:t>into</a:t>
+            </a:r>
+            <a:r>
+              <a:rPr lang="it-IT" sz="2800" dirty="0">
+                <a:solidFill>
+                  <a:srgbClr val="5BA191"/>
+                </a:solidFill>
+                <a:latin typeface="Abadi" panose="020F0502020204030204" pitchFamily="34" charset="0"/>
+              </a:rPr>
+              <a:t> </a:t>
+            </a:r>
+            <a:r>
+              <a:rPr lang="it-IT" sz="2800" dirty="0" err="1">
+                <a:solidFill>
+                  <a:srgbClr val="5BA191"/>
+                </a:solidFill>
+                <a:latin typeface="Abadi" panose="020F0502020204030204" pitchFamily="34" charset="0"/>
+              </a:rPr>
+              <a:t>dynamic</a:t>
+            </a:r>
+            <a:r>
+              <a:rPr lang="it-IT" sz="2800" dirty="0">
+                <a:solidFill>
+                  <a:srgbClr val="5BA191"/>
+                </a:solidFill>
+                <a:latin typeface="Abadi" panose="020F0502020204030204" pitchFamily="34" charset="0"/>
+              </a:rPr>
+              <a:t> </a:t>
+            </a:r>
+            <a:r>
+              <a:rPr lang="it-IT" sz="2800" dirty="0" err="1">
+                <a:solidFill>
+                  <a:srgbClr val="5BA191"/>
+                </a:solidFill>
+                <a:latin typeface="Abadi" panose="020F0502020204030204" pitchFamily="34" charset="0"/>
+              </a:rPr>
+              <a:t>soundscapes</a:t>
+            </a:r>
+            <a:r>
+              <a:rPr lang="it-IT" sz="2800" dirty="0">
+                <a:solidFill>
+                  <a:srgbClr val="5BA191"/>
+                </a:solidFill>
+                <a:latin typeface="Abadi" panose="020F0502020204030204" pitchFamily="34" charset="0"/>
+              </a:rPr>
+              <a:t> and visuals.</a:t>
+            </a:r>
           </a:p>
         </p:txBody>
       </p:sp>
@@ -14774,7 +14987,7 @@
                 </a:solidFill>
                 <a:latin typeface="Abadi" panose="020F0502020204030204" pitchFamily="34" charset="0"/>
               </a:rPr>
-              <a:t> that </a:t>
+              <a:t> </a:t>
             </a:r>
             <a:r>
               <a:rPr lang="it-IT" sz="2800" dirty="0" err="1">
@@ -14783,7 +14996,7 @@
                 </a:solidFill>
                 <a:latin typeface="Abadi" panose="020F0502020204030204" pitchFamily="34" charset="0"/>
               </a:rPr>
-              <a:t>responds</a:t>
+              <a:t>that</a:t>
             </a:r>
             <a:r>
               <a:rPr lang="it-IT" sz="2800" dirty="0">
@@ -14792,7 +15005,7 @@
                 </a:solidFill>
                 <a:latin typeface="Abadi" panose="020F0502020204030204" pitchFamily="34" charset="0"/>
               </a:rPr>
-              <a:t> to the </a:t>
+              <a:t> </a:t>
             </a:r>
             <a:r>
               <a:rPr lang="it-IT" sz="2800" dirty="0" err="1">
@@ -14801,6 +15014,54 @@
                 </a:solidFill>
                 <a:latin typeface="Abadi" panose="020F0502020204030204" pitchFamily="34" charset="0"/>
               </a:rPr>
+              <a:t>varies</a:t>
+            </a:r>
+            <a:r>
+              <a:rPr lang="it-IT" sz="2800" dirty="0">
+                <a:solidFill>
+                  <a:srgbClr val="5BA191"/>
+                </a:solidFill>
+                <a:latin typeface="Abadi" panose="020F0502020204030204" pitchFamily="34" charset="0"/>
+              </a:rPr>
+              <a:t> </a:t>
+            </a:r>
+          </a:p>
+          <a:p>
+            <a:pPr algn="ctr"/>
+            <a:r>
+              <a:rPr lang="it-IT" sz="2800" dirty="0">
+                <a:solidFill>
+                  <a:srgbClr val="5BA191"/>
+                </a:solidFill>
+                <a:latin typeface="Abadi" panose="020F0502020204030204" pitchFamily="34" charset="0"/>
+              </a:rPr>
+              <a:t>with </a:t>
+            </a:r>
+            <a:r>
+              <a:rPr lang="it-IT" sz="2800" dirty="0" err="1">
+                <a:solidFill>
+                  <a:srgbClr val="5BA191"/>
+                </a:solidFill>
+                <a:latin typeface="Abadi" panose="020F0502020204030204" pitchFamily="34" charset="0"/>
+              </a:rPr>
+              <a:t>respect</a:t>
+            </a:r>
+            <a:r>
+              <a:rPr lang="it-IT" sz="2800" dirty="0">
+                <a:solidFill>
+                  <a:srgbClr val="5BA191"/>
+                </a:solidFill>
+                <a:latin typeface="Abadi" panose="020F0502020204030204" pitchFamily="34" charset="0"/>
+              </a:rPr>
+              <a:t> to </a:t>
+            </a:r>
+            <a:r>
+              <a:rPr lang="it-IT" sz="2800" dirty="0" err="1">
+                <a:solidFill>
+                  <a:srgbClr val="5BA191"/>
+                </a:solidFill>
+                <a:latin typeface="Abadi" panose="020F0502020204030204" pitchFamily="34" charset="0"/>
+              </a:rPr>
               <a:t>external</a:t>
             </a:r>
             <a:r>
@@ -14810,7 +15071,7 @@
                 </a:solidFill>
                 <a:latin typeface="Abadi" panose="020F0502020204030204" pitchFamily="34" charset="0"/>
               </a:rPr>
-              <a:t> world </a:t>
+              <a:t> </a:t>
             </a:r>
             <a:r>
               <a:rPr lang="it-IT" sz="2800" dirty="0" err="1">
@@ -14819,7 +15080,25 @@
                 </a:solidFill>
                 <a:latin typeface="Abadi" panose="020F0502020204030204" pitchFamily="34" charset="0"/>
               </a:rPr>
-              <a:t>stimuli</a:t>
+              <a:t>real</a:t>
+            </a:r>
+            <a:r>
+              <a:rPr lang="it-IT" sz="2800" dirty="0">
+                <a:solidFill>
+                  <a:srgbClr val="5BA191"/>
+                </a:solidFill>
+                <a:latin typeface="Abadi" panose="020F0502020204030204" pitchFamily="34" charset="0"/>
+              </a:rPr>
+              <a:t>-world data </a:t>
+            </a:r>
+            <a:r>
+              <a:rPr lang="it-IT" sz="2800" dirty="0" err="1">
+                <a:solidFill>
+                  <a:srgbClr val="5BA191"/>
+                </a:solidFill>
+                <a:latin typeface="Abadi" panose="020F0502020204030204" pitchFamily="34" charset="0"/>
+              </a:rPr>
+              <a:t>collected</a:t>
             </a:r>
             <a:r>
               <a:rPr lang="it-IT" sz="2800" dirty="0">
@@ -15785,69 +16064,15 @@
           <a:p>
             <a:pPr algn="ctr"/>
             <a:r>
-              <a:rPr lang="it-IT" sz="2800" dirty="0">
-                <a:solidFill>
-                  <a:srgbClr val="5BA191"/>
-                </a:solidFill>
-                <a:latin typeface="Abadi" panose="020F0502020204030204" pitchFamily="34" charset="0"/>
-              </a:rPr>
-              <a:t>The </a:t>
-            </a:r>
-            <a:r>
-              <a:rPr lang="it-IT" sz="2800" dirty="0" err="1">
-                <a:solidFill>
-                  <a:srgbClr val="5BA191"/>
-                </a:solidFill>
-                <a:latin typeface="Abadi" panose="020F0502020204030204" pitchFamily="34" charset="0"/>
-              </a:rPr>
-              <a:t>brightness</a:t>
-            </a:r>
-            <a:r>
-              <a:rPr lang="it-IT" sz="2800" dirty="0">
-                <a:solidFill>
-                  <a:srgbClr val="5BA191"/>
-                </a:solidFill>
-                <a:latin typeface="Abadi" panose="020F0502020204030204" pitchFamily="34" charset="0"/>
-              </a:rPr>
-              <a:t> of the place </a:t>
-            </a:r>
-            <a:r>
-              <a:rPr lang="it-IT" sz="2800" dirty="0" err="1">
-                <a:solidFill>
-                  <a:srgbClr val="5BA191"/>
-                </a:solidFill>
-                <a:latin typeface="Abadi" panose="020F0502020204030204" pitchFamily="34" charset="0"/>
-              </a:rPr>
-              <a:t>is</a:t>
-            </a:r>
-            <a:r>
-              <a:rPr lang="it-IT" sz="2800" dirty="0">
-                <a:solidFill>
-                  <a:srgbClr val="5BA191"/>
-                </a:solidFill>
-                <a:latin typeface="Abadi" panose="020F0502020204030204" pitchFamily="34" charset="0"/>
-              </a:rPr>
-              <a:t> </a:t>
-            </a:r>
-            <a:r>
-              <a:rPr lang="it-IT" sz="2800" dirty="0" err="1">
-                <a:solidFill>
-                  <a:srgbClr val="5BA191"/>
-                </a:solidFill>
-                <a:latin typeface="Abadi" panose="020F0502020204030204" pitchFamily="34" charset="0"/>
-              </a:rPr>
-              <a:t>used</a:t>
-            </a:r>
-            <a:r>
-              <a:rPr lang="it-IT" sz="2800" dirty="0">
-                <a:solidFill>
-                  <a:srgbClr val="5BA191"/>
-                </a:solidFill>
-                <a:latin typeface="Abadi" panose="020F0502020204030204" pitchFamily="34" charset="0"/>
-              </a:rPr>
-              <a:t> to</a:t>
-            </a:r>
-            <a:endParaRPr lang="it-IT" sz="2400" dirty="0">
+              <a:rPr lang="it-IT" sz="4400" dirty="0" err="1">
+                <a:solidFill>
+                  <a:srgbClr val="5BA191"/>
+                </a:solidFill>
+                <a:latin typeface="Abadi" panose="020F0502020204030204" pitchFamily="34" charset="0"/>
+              </a:rPr>
+              <a:t>Brightness</a:t>
+            </a:r>
+            <a:endParaRPr lang="it-IT" sz="4400" dirty="0">
               <a:solidFill>
                 <a:srgbClr val="5BA191"/>
               </a:solidFill>
@@ -16251,69 +16476,15 @@
           <a:p>
             <a:pPr algn="ctr"/>
             <a:r>
-              <a:rPr lang="it-IT" sz="2800" dirty="0">
-                <a:solidFill>
-                  <a:srgbClr val="5BA191"/>
-                </a:solidFill>
-                <a:latin typeface="Abadi" panose="020F0502020204030204" pitchFamily="34" charset="0"/>
-              </a:rPr>
-              <a:t>The </a:t>
-            </a:r>
-            <a:r>
-              <a:rPr lang="it-IT" sz="2800" dirty="0" err="1">
-                <a:solidFill>
-                  <a:srgbClr val="5BA191"/>
-                </a:solidFill>
-                <a:latin typeface="Abadi" panose="020F0502020204030204" pitchFamily="34" charset="0"/>
-              </a:rPr>
-              <a:t>humidity</a:t>
-            </a:r>
-            <a:r>
-              <a:rPr lang="it-IT" sz="2800" dirty="0">
-                <a:solidFill>
-                  <a:srgbClr val="5BA191"/>
-                </a:solidFill>
-                <a:latin typeface="Abadi" panose="020F0502020204030204" pitchFamily="34" charset="0"/>
-              </a:rPr>
-              <a:t> of the place </a:t>
-            </a:r>
-            <a:r>
-              <a:rPr lang="it-IT" sz="2800" dirty="0" err="1">
-                <a:solidFill>
-                  <a:srgbClr val="5BA191"/>
-                </a:solidFill>
-                <a:latin typeface="Abadi" panose="020F0502020204030204" pitchFamily="34" charset="0"/>
-              </a:rPr>
-              <a:t>is</a:t>
-            </a:r>
-            <a:r>
-              <a:rPr lang="it-IT" sz="2800" dirty="0">
-                <a:solidFill>
-                  <a:srgbClr val="5BA191"/>
-                </a:solidFill>
-                <a:latin typeface="Abadi" panose="020F0502020204030204" pitchFamily="34" charset="0"/>
-              </a:rPr>
-              <a:t> </a:t>
-            </a:r>
-            <a:r>
-              <a:rPr lang="it-IT" sz="2800" dirty="0" err="1">
-                <a:solidFill>
-                  <a:srgbClr val="5BA191"/>
-                </a:solidFill>
-                <a:latin typeface="Abadi" panose="020F0502020204030204" pitchFamily="34" charset="0"/>
-              </a:rPr>
-              <a:t>used</a:t>
-            </a:r>
-            <a:r>
-              <a:rPr lang="it-IT" sz="2800" dirty="0">
-                <a:solidFill>
-                  <a:srgbClr val="5BA191"/>
-                </a:solidFill>
-                <a:latin typeface="Abadi" panose="020F0502020204030204" pitchFamily="34" charset="0"/>
-              </a:rPr>
-              <a:t> to</a:t>
-            </a:r>
-            <a:endParaRPr lang="it-IT" sz="2400" dirty="0">
+              <a:rPr lang="it-IT" sz="4400" dirty="0" err="1">
+                <a:solidFill>
+                  <a:srgbClr val="5BA191"/>
+                </a:solidFill>
+                <a:latin typeface="Abadi" panose="020F0502020204030204" pitchFamily="34" charset="0"/>
+              </a:rPr>
+              <a:t>Humidity</a:t>
+            </a:r>
+            <a:endParaRPr lang="it-IT" sz="4400" dirty="0">
               <a:solidFill>
                 <a:srgbClr val="5BA191"/>
               </a:solidFill>
@@ -16717,13 +16888,22 @@
           <a:p>
             <a:pPr algn="ctr"/>
             <a:r>
+              <a:rPr lang="it-IT" sz="2800" dirty="0">
+                <a:solidFill>
+                  <a:srgbClr val="5BA191"/>
+                </a:solidFill>
+                <a:latin typeface="Abadi" panose="020F0502020204030204" pitchFamily="34" charset="0"/>
+              </a:rPr>
+              <a:t>The system blends </a:t>
+            </a:r>
+            <a:r>
               <a:rPr lang="it-IT" sz="2800" dirty="0" err="1">
                 <a:solidFill>
                   <a:srgbClr val="5BA191"/>
                 </a:solidFill>
                 <a:latin typeface="Abadi" panose="020F0502020204030204" pitchFamily="34" charset="0"/>
               </a:rPr>
-              <a:t>Installing</a:t>
+              <a:t>real</a:t>
             </a:r>
             <a:r>
               <a:rPr lang="it-IT" sz="2800" dirty="0">
@@ -16732,7 +16912,7 @@
                 </a:solidFill>
                 <a:latin typeface="Abadi" panose="020F0502020204030204" pitchFamily="34" charset="0"/>
               </a:rPr>
-              <a:t> GAIA in </a:t>
+              <a:t>-world inputs with </a:t>
             </a:r>
             <a:r>
               <a:rPr lang="it-IT" sz="2800" dirty="0" err="1">
@@ -16741,7 +16921,7 @@
                 </a:solidFill>
                 <a:latin typeface="Abadi" panose="020F0502020204030204" pitchFamily="34" charset="0"/>
               </a:rPr>
-              <a:t>various</a:t>
+              <a:t>algorithmic</a:t>
             </a:r>
             <a:r>
               <a:rPr lang="it-IT" sz="2800" dirty="0">
@@ -16750,7 +16930,7 @@
                 </a:solidFill>
                 <a:latin typeface="Abadi" panose="020F0502020204030204" pitchFamily="34" charset="0"/>
               </a:rPr>
-              <a:t> parts of the world can produce </a:t>
+              <a:t> </a:t>
             </a:r>
             <a:r>
               <a:rPr lang="it-IT" sz="2800" dirty="0" err="1">
@@ -16759,7 +16939,7 @@
                 </a:solidFill>
                 <a:latin typeface="Abadi" panose="020F0502020204030204" pitchFamily="34" charset="0"/>
               </a:rPr>
-              <a:t>different</a:t>
+              <a:t>composition</a:t>
             </a:r>
             <a:r>
               <a:rPr lang="it-IT" sz="2800" dirty="0">
@@ -16768,7 +16948,7 @@
                 </a:solidFill>
                 <a:latin typeface="Abadi" panose="020F0502020204030204" pitchFamily="34" charset="0"/>
               </a:rPr>
-              <a:t> outputs, </a:t>
+              <a:t> to produce </a:t>
             </a:r>
             <a:r>
               <a:rPr lang="it-IT" sz="2800" dirty="0" err="1">
@@ -16777,7 +16957,7 @@
                 </a:solidFill>
                 <a:latin typeface="Abadi" panose="020F0502020204030204" pitchFamily="34" charset="0"/>
               </a:rPr>
-              <a:t>creating</a:t>
+              <a:t>evolving</a:t>
             </a:r>
             <a:r>
               <a:rPr lang="it-IT" sz="2800" dirty="0">
@@ -16786,8 +16966,11 @@
                 </a:solidFill>
                 <a:latin typeface="Abadi" panose="020F0502020204030204" pitchFamily="34" charset="0"/>
               </a:rPr>
-              <a:t> an </a:t>
-            </a:r>
+              <a:t>, meditative ambient music, </a:t>
+            </a:r>
+          </a:p>
+          <a:p>
+            <a:pPr algn="ctr"/>
             <a:r>
               <a:rPr lang="it-IT" sz="2800" dirty="0" err="1">
                 <a:solidFill>
@@ -16795,7 +16978,7 @@
                 </a:solidFill>
                 <a:latin typeface="Abadi" panose="020F0502020204030204" pitchFamily="34" charset="0"/>
               </a:rPr>
-              <a:t>experience</a:t>
+              <a:t>visually</a:t>
             </a:r>
             <a:r>
               <a:rPr lang="it-IT" sz="2800" dirty="0">
@@ -16804,7 +16987,7 @@
                 </a:solidFill>
                 <a:latin typeface="Abadi" panose="020F0502020204030204" pitchFamily="34" charset="0"/>
               </a:rPr>
-              <a:t> that </a:t>
+              <a:t> </a:t>
             </a:r>
             <a:r>
               <a:rPr lang="it-IT" sz="2800" dirty="0" err="1">
@@ -16813,7 +16996,7 @@
                 </a:solidFill>
                 <a:latin typeface="Abadi" panose="020F0502020204030204" pitchFamily="34" charset="0"/>
               </a:rPr>
-              <a:t>always</a:t>
+              <a:t>enhanced</a:t>
             </a:r>
             <a:r>
               <a:rPr lang="it-IT" sz="2800" dirty="0">
@@ -16822,7 +17005,7 @@
                 </a:solidFill>
                 <a:latin typeface="Abadi" panose="020F0502020204030204" pitchFamily="34" charset="0"/>
               </a:rPr>
-              <a:t> </a:t>
+              <a:t> by a responsive </a:t>
             </a:r>
             <a:r>
               <a:rPr lang="it-IT" sz="2800" dirty="0" err="1">
@@ -16831,7 +17014,7 @@
                 </a:solidFill>
                 <a:latin typeface="Abadi" panose="020F0502020204030204" pitchFamily="34" charset="0"/>
               </a:rPr>
-              <a:t>change</a:t>
+              <a:t>particle</a:t>
             </a:r>
             <a:r>
               <a:rPr lang="it-IT" sz="2800" dirty="0">
@@ -16840,7 +17023,7 @@
                 </a:solidFill>
                 <a:latin typeface="Abadi" panose="020F0502020204030204" pitchFamily="34" charset="0"/>
               </a:rPr>
-              <a:t>.</a:t>
+              <a:t> system.</a:t>
             </a:r>
             <a:endParaRPr lang="it-IT" sz="2400" dirty="0">
               <a:solidFill>
@@ -17169,7 +17352,20 @@
                 <a:latin typeface="Leelawadee UI" panose="020B0502040204020203" pitchFamily="34" charset="-34"/>
                 <a:cs typeface="Leelawadee UI" panose="020B0502040204020203" pitchFamily="34" charset="-34"/>
               </a:rPr>
-              <a:t>«Guarda, se metto la mano sopra il sensore di luce le palline vanno più veloci e cambiano colore»</a:t>
+              <a:t>«Guarda, se metto la mano sopra il sensore di luce </a:t>
+            </a:r>
+          </a:p>
+          <a:p>
+            <a:pPr algn="ctr"/>
+            <a:r>
+              <a:rPr lang="it-IT" sz="2800" dirty="0">
+                <a:solidFill>
+                  <a:srgbClr val="5BA191"/>
+                </a:solidFill>
+                <a:latin typeface="Leelawadee UI" panose="020B0502040204020203" pitchFamily="34" charset="-34"/>
+                <a:cs typeface="Leelawadee UI" panose="020B0502040204020203" pitchFamily="34" charset="-34"/>
+              </a:rPr>
+              <a:t>le palline cambiano colore»</a:t>
             </a:r>
           </a:p>
           <a:p>
@@ -19089,6 +19285,21 @@
 </file>
 
 <file path=customXml/item1.xml><?xml version="1.0" encoding="utf-8"?>
+<p:properties xmlns:p="http://schemas.microsoft.com/office/2006/metadata/properties" xmlns:xsi="http://www.w3.org/2001/XMLSchema-instance" xmlns:pc="http://schemas.microsoft.com/office/infopath/2007/PartnerControls">
+  <documentManagement/>
+</p:properties>
+</file>
+
+<file path=customXml/item2.xml><?xml version="1.0" encoding="utf-8"?>
+<?mso-contentType ?>
+<FormTemplates xmlns="http://schemas.microsoft.com/sharepoint/v3/contenttype/forms">
+  <Display>DocumentLibraryForm</Display>
+  <Edit>DocumentLibraryForm</Edit>
+  <New>DocumentLibraryForm</New>
+</FormTemplates>
+</file>
+
+<file path=customXml/item3.xml><?xml version="1.0" encoding="utf-8"?>
 <ct:contentTypeSchema xmlns:ct="http://schemas.microsoft.com/office/2006/metadata/contentType" xmlns:ma="http://schemas.microsoft.com/office/2006/metadata/properties/metaAttributes" ct:_="" ma:_="" ma:contentTypeName="Documento" ma:contentTypeID="0x010100EF6F287076A75F49AD17119B034FDA65" ma:contentTypeVersion="1" ma:contentTypeDescription="Creare un nuovo documento." ma:contentTypeScope="" ma:versionID="291687a67f9e0d66d5b62e50c4f8e497">
   <xsd:schema xmlns:xsd="http://www.w3.org/2001/XMLSchema" xmlns:xs="http://www.w3.org/2001/XMLSchema" xmlns:p="http://schemas.microsoft.com/office/2006/metadata/properties" xmlns:ns3="af9f28c8-f242-4bf2-863d-de7360702220" targetNamespace="http://schemas.microsoft.com/office/2006/metadata/properties" ma:root="true" ma:fieldsID="5775cb98dde6c85c8448a2da11691acf" ns3:_="">
     <xsd:import namespace="af9f28c8-f242-4bf2-863d-de7360702220"/>
@@ -19214,22 +19425,31 @@
 </ct:contentTypeSchema>
 </file>
 
-<file path=customXml/item2.xml><?xml version="1.0" encoding="utf-8"?>
-<?mso-contentType ?>
-<FormTemplates xmlns="http://schemas.microsoft.com/sharepoint/v3/contenttype/forms">
-  <Display>DocumentLibraryForm</Display>
-  <Edit>DocumentLibraryForm</Edit>
-  <New>DocumentLibraryForm</New>
-</FormTemplates>
+<file path=customXml/itemProps1.xml><?xml version="1.0" encoding="utf-8"?>
+<ds:datastoreItem xmlns:ds="http://schemas.openxmlformats.org/officeDocument/2006/customXml" ds:itemID="{FE89E9C8-511E-4A56-8538-1DA5EA97DF81}">
+  <ds:schemaRefs>
+    <ds:schemaRef ds:uri="http://schemas.microsoft.com/office/2006/documentManagement/types"/>
+    <ds:schemaRef ds:uri="http://schemas.microsoft.com/office/infopath/2007/PartnerControls"/>
+    <ds:schemaRef ds:uri="http://purl.org/dc/elements/1.1/"/>
+    <ds:schemaRef ds:uri="http://schemas.microsoft.com/office/2006/metadata/properties"/>
+    <ds:schemaRef ds:uri="af9f28c8-f242-4bf2-863d-de7360702220"/>
+    <ds:schemaRef ds:uri="http://purl.org/dc/terms/"/>
+    <ds:schemaRef ds:uri="http://schemas.openxmlformats.org/package/2006/metadata/core-properties"/>
+    <ds:schemaRef ds:uri="http://www.w3.org/XML/1998/namespace"/>
+    <ds:schemaRef ds:uri="http://purl.org/dc/dcmitype/"/>
+  </ds:schemaRefs>
+</ds:datastoreItem>
 </file>
 
-<file path=customXml/item3.xml><?xml version="1.0" encoding="utf-8"?>
-<p:properties xmlns:p="http://schemas.microsoft.com/office/2006/metadata/properties" xmlns:xsi="http://www.w3.org/2001/XMLSchema-instance" xmlns:pc="http://schemas.microsoft.com/office/infopath/2007/PartnerControls">
-  <documentManagement/>
-</p:properties>
+<file path=customXml/itemProps2.xml><?xml version="1.0" encoding="utf-8"?>
+<ds:datastoreItem xmlns:ds="http://schemas.openxmlformats.org/officeDocument/2006/customXml" ds:itemID="{D1A546C4-0117-4AF1-AB94-BF911D43918A}">
+  <ds:schemaRefs>
+    <ds:schemaRef ds:uri="http://schemas.microsoft.com/sharepoint/v3/contenttype/forms"/>
+  </ds:schemaRefs>
+</ds:datastoreItem>
 </file>
 
-<file path=customXml/itemProps1.xml><?xml version="1.0" encoding="utf-8"?>
+<file path=customXml/itemProps3.xml><?xml version="1.0" encoding="utf-8"?>
 <ds:datastoreItem xmlns:ds="http://schemas.openxmlformats.org/officeDocument/2006/customXml" ds:itemID="{7CE14167-4FD5-46A0-8649-46C325B593EB}">
   <ds:schemaRefs>
     <ds:schemaRef ds:uri="http://schemas.microsoft.com/office/2006/metadata/contentType"/>
@@ -19245,28 +19465,4 @@
     <ds:schemaRef ds:uri="http://schemas.microsoft.com/internal/obd"/>
   </ds:schemaRefs>
 </ds:datastoreItem>
-</file>
-
-<file path=customXml/itemProps2.xml><?xml version="1.0" encoding="utf-8"?>
-<ds:datastoreItem xmlns:ds="http://schemas.openxmlformats.org/officeDocument/2006/customXml" ds:itemID="{D1A546C4-0117-4AF1-AB94-BF911D43918A}">
-  <ds:schemaRefs>
-    <ds:schemaRef ds:uri="http://schemas.microsoft.com/sharepoint/v3/contenttype/forms"/>
-  </ds:schemaRefs>
-</ds:datastoreItem>
-</file>
-
-<file path=customXml/itemProps3.xml><?xml version="1.0" encoding="utf-8"?>
-<ds:datastoreItem xmlns:ds="http://schemas.openxmlformats.org/officeDocument/2006/customXml" ds:itemID="{FE89E9C8-511E-4A56-8538-1DA5EA97DF81}">
-  <ds:schemaRefs>
-    <ds:schemaRef ds:uri="http://schemas.microsoft.com/office/2006/documentManagement/types"/>
-    <ds:schemaRef ds:uri="http://schemas.microsoft.com/office/infopath/2007/PartnerControls"/>
-    <ds:schemaRef ds:uri="http://purl.org/dc/elements/1.1/"/>
-    <ds:schemaRef ds:uri="http://schemas.microsoft.com/office/2006/metadata/properties"/>
-    <ds:schemaRef ds:uri="af9f28c8-f242-4bf2-863d-de7360702220"/>
-    <ds:schemaRef ds:uri="http://purl.org/dc/terms/"/>
-    <ds:schemaRef ds:uri="http://schemas.openxmlformats.org/package/2006/metadata/core-properties"/>
-    <ds:schemaRef ds:uri="http://www.w3.org/XML/1998/namespace"/>
-    <ds:schemaRef ds:uri="http://purl.org/dc/dcmitype/"/>
-  </ds:schemaRefs>
-</ds:datastoreItem>
 </file>
--- a/GAIA.pptx
+++ b/GAIA.pptx
@@ -5110,25 +5110,7 @@
                 </a:solidFill>
                 <a:latin typeface="Abadi" panose="020F0502020204030204" pitchFamily="34" charset="0"/>
               </a:rPr>
-              <a:t>Data </a:t>
-            </a:r>
-            <a:r>
-              <a:rPr lang="it-IT" sz="2400" dirty="0" err="1">
-                <a:solidFill>
-                  <a:srgbClr val="5BA191"/>
-                </a:solidFill>
-                <a:latin typeface="Abadi" panose="020F0502020204030204" pitchFamily="34" charset="0"/>
-              </a:rPr>
-              <a:t>manipulation</a:t>
-            </a:r>
-            <a:r>
-              <a:rPr lang="it-IT" sz="2400" dirty="0">
-                <a:solidFill>
-                  <a:srgbClr val="5BA191"/>
-                </a:solidFill>
-                <a:latin typeface="Abadi" panose="020F0502020204030204" pitchFamily="34" charset="0"/>
-              </a:rPr>
-              <a:t> – Sound generation</a:t>
+              <a:t>Sound generation</a:t>
             </a:r>
             <a:endParaRPr lang="it-IT" sz="2000" dirty="0">
               <a:solidFill>
@@ -5341,25 +5323,7 @@
                 </a:solidFill>
                 <a:latin typeface="Abadi" panose="020F0502020204030204" pitchFamily="34" charset="0"/>
               </a:rPr>
-              <a:t>Data </a:t>
-            </a:r>
-            <a:r>
-              <a:rPr lang="it-IT" sz="2400" dirty="0" err="1">
-                <a:solidFill>
-                  <a:srgbClr val="5BA191"/>
-                </a:solidFill>
-                <a:latin typeface="Abadi" panose="020F0502020204030204" pitchFamily="34" charset="0"/>
-              </a:rPr>
-              <a:t>manipulation</a:t>
-            </a:r>
-            <a:r>
-              <a:rPr lang="it-IT" sz="2400" dirty="0">
-                <a:solidFill>
-                  <a:srgbClr val="5BA191"/>
-                </a:solidFill>
-                <a:latin typeface="Abadi" panose="020F0502020204030204" pitchFamily="34" charset="0"/>
-              </a:rPr>
-              <a:t> – Sound generation</a:t>
+              <a:t>Sound generation</a:t>
             </a:r>
             <a:endParaRPr lang="it-IT" sz="2000" dirty="0">
               <a:solidFill>
@@ -9041,7 +9005,7 @@
             <a:r>
               <a:rPr lang="it-IT" sz="3600" b="1" dirty="0" err="1">
                 <a:solidFill>
-                  <a:srgbClr val="2F8277"/>
+                  <a:srgbClr val="1C656D"/>
                 </a:solidFill>
                 <a:latin typeface="Leelawadee UI" panose="020B0502040204020203" pitchFamily="34" charset="-34"/>
                 <a:cs typeface="Leelawadee UI" panose="020B0502040204020203" pitchFamily="34" charset="-34"/>
@@ -9051,7 +9015,7 @@
             <a:r>
               <a:rPr lang="it-IT" sz="3600" b="1" dirty="0">
                 <a:solidFill>
-                  <a:srgbClr val="2F8277"/>
+                  <a:srgbClr val="1C656D"/>
                 </a:solidFill>
                 <a:latin typeface="Leelawadee UI" panose="020B0502040204020203" pitchFamily="34" charset="-34"/>
                 <a:cs typeface="Leelawadee UI" panose="020B0502040204020203" pitchFamily="34" charset="-34"/>
@@ -9061,7 +9025,7 @@
             <a:r>
               <a:rPr lang="it-IT" sz="3600" b="1" dirty="0" err="1">
                 <a:solidFill>
-                  <a:srgbClr val="2F8277"/>
+                  <a:srgbClr val="1C656D"/>
                 </a:solidFill>
                 <a:latin typeface="Leelawadee UI" panose="020B0502040204020203" pitchFamily="34" charset="-34"/>
                 <a:cs typeface="Leelawadee UI" panose="020B0502040204020203" pitchFamily="34" charset="-34"/>
@@ -9071,7 +9035,7 @@
             <a:r>
               <a:rPr lang="it-IT" sz="3600" b="1" dirty="0">
                 <a:solidFill>
-                  <a:srgbClr val="2F8277"/>
+                  <a:srgbClr val="1C656D"/>
                 </a:solidFill>
                 <a:latin typeface="Leelawadee UI" panose="020B0502040204020203" pitchFamily="34" charset="-34"/>
                 <a:cs typeface="Leelawadee UI" panose="020B0502040204020203" pitchFamily="34" charset="-34"/>
@@ -9080,7 +9044,7 @@
             </a:r>
             <a:endParaRPr lang="it-IT" sz="3200" dirty="0">
               <a:solidFill>
-                <a:srgbClr val="2F8277"/>
+                <a:srgbClr val="1C656D"/>
               </a:solidFill>
               <a:latin typeface="Leelawadee UI" panose="020B0502040204020203" pitchFamily="34" charset="-34"/>
               <a:cs typeface="Leelawadee UI" panose="020B0502040204020203" pitchFamily="34" charset="-34"/>
@@ -19285,21 +19249,6 @@
 </file>
 
 <file path=customXml/item1.xml><?xml version="1.0" encoding="utf-8"?>
-<p:properties xmlns:p="http://schemas.microsoft.com/office/2006/metadata/properties" xmlns:xsi="http://www.w3.org/2001/XMLSchema-instance" xmlns:pc="http://schemas.microsoft.com/office/infopath/2007/PartnerControls">
-  <documentManagement/>
-</p:properties>
-</file>
-
-<file path=customXml/item2.xml><?xml version="1.0" encoding="utf-8"?>
-<?mso-contentType ?>
-<FormTemplates xmlns="http://schemas.microsoft.com/sharepoint/v3/contenttype/forms">
-  <Display>DocumentLibraryForm</Display>
-  <Edit>DocumentLibraryForm</Edit>
-  <New>DocumentLibraryForm</New>
-</FormTemplates>
-</file>
-
-<file path=customXml/item3.xml><?xml version="1.0" encoding="utf-8"?>
 <ct:contentTypeSchema xmlns:ct="http://schemas.microsoft.com/office/2006/metadata/contentType" xmlns:ma="http://schemas.microsoft.com/office/2006/metadata/properties/metaAttributes" ct:_="" ma:_="" ma:contentTypeName="Documento" ma:contentTypeID="0x010100EF6F287076A75F49AD17119B034FDA65" ma:contentTypeVersion="1" ma:contentTypeDescription="Creare un nuovo documento." ma:contentTypeScope="" ma:versionID="291687a67f9e0d66d5b62e50c4f8e497">
   <xsd:schema xmlns:xsd="http://www.w3.org/2001/XMLSchema" xmlns:xs="http://www.w3.org/2001/XMLSchema" xmlns:p="http://schemas.microsoft.com/office/2006/metadata/properties" xmlns:ns3="af9f28c8-f242-4bf2-863d-de7360702220" targetNamespace="http://schemas.microsoft.com/office/2006/metadata/properties" ma:root="true" ma:fieldsID="5775cb98dde6c85c8448a2da11691acf" ns3:_="">
     <xsd:import namespace="af9f28c8-f242-4bf2-863d-de7360702220"/>
@@ -19425,31 +19374,22 @@
 </ct:contentTypeSchema>
 </file>
 
-<file path=customXml/itemProps1.xml><?xml version="1.0" encoding="utf-8"?>
-<ds:datastoreItem xmlns:ds="http://schemas.openxmlformats.org/officeDocument/2006/customXml" ds:itemID="{FE89E9C8-511E-4A56-8538-1DA5EA97DF81}">
-  <ds:schemaRefs>
-    <ds:schemaRef ds:uri="http://schemas.microsoft.com/office/2006/documentManagement/types"/>
-    <ds:schemaRef ds:uri="http://schemas.microsoft.com/office/infopath/2007/PartnerControls"/>
-    <ds:schemaRef ds:uri="http://purl.org/dc/elements/1.1/"/>
-    <ds:schemaRef ds:uri="http://schemas.microsoft.com/office/2006/metadata/properties"/>
-    <ds:schemaRef ds:uri="af9f28c8-f242-4bf2-863d-de7360702220"/>
-    <ds:schemaRef ds:uri="http://purl.org/dc/terms/"/>
-    <ds:schemaRef ds:uri="http://schemas.openxmlformats.org/package/2006/metadata/core-properties"/>
-    <ds:schemaRef ds:uri="http://www.w3.org/XML/1998/namespace"/>
-    <ds:schemaRef ds:uri="http://purl.org/dc/dcmitype/"/>
-  </ds:schemaRefs>
-</ds:datastoreItem>
+<file path=customXml/item2.xml><?xml version="1.0" encoding="utf-8"?>
+<?mso-contentType ?>
+<FormTemplates xmlns="http://schemas.microsoft.com/sharepoint/v3/contenttype/forms">
+  <Display>DocumentLibraryForm</Display>
+  <Edit>DocumentLibraryForm</Edit>
+  <New>DocumentLibraryForm</New>
+</FormTemplates>
 </file>
 
-<file path=customXml/itemProps2.xml><?xml version="1.0" encoding="utf-8"?>
-<ds:datastoreItem xmlns:ds="http://schemas.openxmlformats.org/officeDocument/2006/customXml" ds:itemID="{D1A546C4-0117-4AF1-AB94-BF911D43918A}">
-  <ds:schemaRefs>
-    <ds:schemaRef ds:uri="http://schemas.microsoft.com/sharepoint/v3/contenttype/forms"/>
-  </ds:schemaRefs>
-</ds:datastoreItem>
+<file path=customXml/item3.xml><?xml version="1.0" encoding="utf-8"?>
+<p:properties xmlns:p="http://schemas.microsoft.com/office/2006/metadata/properties" xmlns:xsi="http://www.w3.org/2001/XMLSchema-instance" xmlns:pc="http://schemas.microsoft.com/office/infopath/2007/PartnerControls">
+  <documentManagement/>
+</p:properties>
 </file>
 
-<file path=customXml/itemProps3.xml><?xml version="1.0" encoding="utf-8"?>
+<file path=customXml/itemProps1.xml><?xml version="1.0" encoding="utf-8"?>
 <ds:datastoreItem xmlns:ds="http://schemas.openxmlformats.org/officeDocument/2006/customXml" ds:itemID="{7CE14167-4FD5-46A0-8649-46C325B593EB}">
   <ds:schemaRefs>
     <ds:schemaRef ds:uri="http://schemas.microsoft.com/office/2006/metadata/contentType"/>
@@ -19465,4 +19405,28 @@
     <ds:schemaRef ds:uri="http://schemas.microsoft.com/internal/obd"/>
   </ds:schemaRefs>
 </ds:datastoreItem>
+</file>
+
+<file path=customXml/itemProps2.xml><?xml version="1.0" encoding="utf-8"?>
+<ds:datastoreItem xmlns:ds="http://schemas.openxmlformats.org/officeDocument/2006/customXml" ds:itemID="{D1A546C4-0117-4AF1-AB94-BF911D43918A}">
+  <ds:schemaRefs>
+    <ds:schemaRef ds:uri="http://schemas.microsoft.com/sharepoint/v3/contenttype/forms"/>
+  </ds:schemaRefs>
+</ds:datastoreItem>
+</file>
+
+<file path=customXml/itemProps3.xml><?xml version="1.0" encoding="utf-8"?>
+<ds:datastoreItem xmlns:ds="http://schemas.openxmlformats.org/officeDocument/2006/customXml" ds:itemID="{FE89E9C8-511E-4A56-8538-1DA5EA97DF81}">
+  <ds:schemaRefs>
+    <ds:schemaRef ds:uri="http://schemas.microsoft.com/office/2006/documentManagement/types"/>
+    <ds:schemaRef ds:uri="http://schemas.microsoft.com/office/infopath/2007/PartnerControls"/>
+    <ds:schemaRef ds:uri="http://purl.org/dc/elements/1.1/"/>
+    <ds:schemaRef ds:uri="http://schemas.microsoft.com/office/2006/metadata/properties"/>
+    <ds:schemaRef ds:uri="af9f28c8-f242-4bf2-863d-de7360702220"/>
+    <ds:schemaRef ds:uri="http://purl.org/dc/terms/"/>
+    <ds:schemaRef ds:uri="http://schemas.openxmlformats.org/package/2006/metadata/core-properties"/>
+    <ds:schemaRef ds:uri="http://www.w3.org/XML/1998/namespace"/>
+    <ds:schemaRef ds:uri="http://purl.org/dc/dcmitype/"/>
+  </ds:schemaRefs>
+</ds:datastoreItem>
 </file>
--- a/GAIA.pptx
+++ b/GAIA.pptx
@@ -165,12 +165,12 @@
   <pc:docChgLst>
     <pc:chgData name="Giacomo De Toni" userId="e6ace2866e317739" providerId="LiveId" clId="{7414448D-E60C-4F16-99D3-9C24E744FF90}"/>
     <pc:docChg chg="undo custSel addSld delSld modSld">
-      <pc:chgData name="Giacomo De Toni" userId="e6ace2866e317739" providerId="LiveId" clId="{7414448D-E60C-4F16-99D3-9C24E744FF90}" dt="2025-05-25T17:18:32.168" v="1054" actId="6549"/>
+      <pc:chgData name="Giacomo De Toni" userId="e6ace2866e317739" providerId="LiveId" clId="{7414448D-E60C-4F16-99D3-9C24E744FF90}" dt="2025-05-25T20:11:05.649" v="1350" actId="2711"/>
       <pc:docMkLst>
         <pc:docMk/>
       </pc:docMkLst>
       <pc:sldChg chg="addSp delSp modSp mod">
-        <pc:chgData name="Giacomo De Toni" userId="e6ace2866e317739" providerId="LiveId" clId="{7414448D-E60C-4F16-99D3-9C24E744FF90}" dt="2025-05-25T17:02:49.870" v="514" actId="2711"/>
+        <pc:chgData name="Giacomo De Toni" userId="e6ace2866e317739" providerId="LiveId" clId="{7414448D-E60C-4F16-99D3-9C24E744FF90}" dt="2025-05-25T20:05:29.303" v="1276" actId="2711"/>
         <pc:sldMkLst>
           <pc:docMk/>
           <pc:sldMk cId="2956257888" sldId="256"/>
@@ -192,7 +192,7 @@
           </ac:spMkLst>
         </pc:spChg>
         <pc:spChg chg="mod topLvl">
-          <ac:chgData name="Giacomo De Toni" userId="e6ace2866e317739" providerId="LiveId" clId="{7414448D-E60C-4F16-99D3-9C24E744FF90}" dt="2025-05-25T17:01:58.937" v="509" actId="2711"/>
+          <ac:chgData name="Giacomo De Toni" userId="e6ace2866e317739" providerId="LiveId" clId="{7414448D-E60C-4F16-99D3-9C24E744FF90}" dt="2025-05-25T20:05:22.229" v="1275" actId="2711"/>
           <ac:spMkLst>
             <pc:docMk/>
             <pc:sldMk cId="2956257888" sldId="256"/>
@@ -200,7 +200,7 @@
           </ac:spMkLst>
         </pc:spChg>
         <pc:spChg chg="mod topLvl">
-          <ac:chgData name="Giacomo De Toni" userId="e6ace2866e317739" providerId="LiveId" clId="{7414448D-E60C-4F16-99D3-9C24E744FF90}" dt="2025-05-25T17:02:49.870" v="514" actId="2711"/>
+          <ac:chgData name="Giacomo De Toni" userId="e6ace2866e317739" providerId="LiveId" clId="{7414448D-E60C-4F16-99D3-9C24E744FF90}" dt="2025-05-25T20:05:29.303" v="1276" actId="2711"/>
           <ac:spMkLst>
             <pc:docMk/>
             <pc:sldMk cId="2956257888" sldId="256"/>
@@ -241,13 +241,13 @@
         </pc:picChg>
       </pc:sldChg>
       <pc:sldChg chg="modSp mod">
-        <pc:chgData name="Giacomo De Toni" userId="e6ace2866e317739" providerId="LiveId" clId="{7414448D-E60C-4F16-99D3-9C24E744FF90}" dt="2025-05-25T17:02:37.087" v="513" actId="2711"/>
+        <pc:chgData name="Giacomo De Toni" userId="e6ace2866e317739" providerId="LiveId" clId="{7414448D-E60C-4F16-99D3-9C24E744FF90}" dt="2025-05-25T20:05:46.978" v="1279" actId="2711"/>
         <pc:sldMkLst>
           <pc:docMk/>
           <pc:sldMk cId="4063116261" sldId="262"/>
         </pc:sldMkLst>
         <pc:spChg chg="mod">
-          <ac:chgData name="Giacomo De Toni" userId="e6ace2866e317739" providerId="LiveId" clId="{7414448D-E60C-4F16-99D3-9C24E744FF90}" dt="2025-05-25T17:02:32.150" v="512" actId="2711"/>
+          <ac:chgData name="Giacomo De Toni" userId="e6ace2866e317739" providerId="LiveId" clId="{7414448D-E60C-4F16-99D3-9C24E744FF90}" dt="2025-05-25T20:05:42.213" v="1278" actId="2711"/>
           <ac:spMkLst>
             <pc:docMk/>
             <pc:sldMk cId="4063116261" sldId="262"/>
@@ -255,7 +255,7 @@
           </ac:spMkLst>
         </pc:spChg>
         <pc:spChg chg="mod">
-          <ac:chgData name="Giacomo De Toni" userId="e6ace2866e317739" providerId="LiveId" clId="{7414448D-E60C-4F16-99D3-9C24E744FF90}" dt="2025-05-25T17:02:37.087" v="513" actId="2711"/>
+          <ac:chgData name="Giacomo De Toni" userId="e6ace2866e317739" providerId="LiveId" clId="{7414448D-E60C-4F16-99D3-9C24E744FF90}" dt="2025-05-25T20:05:46.978" v="1279" actId="2711"/>
           <ac:spMkLst>
             <pc:docMk/>
             <pc:sldMk cId="4063116261" sldId="262"/>
@@ -310,7 +310,7 @@
         </pc:sldMkLst>
       </pc:sldChg>
       <pc:sldChg chg="addSp delSp modSp mod">
-        <pc:chgData name="Giacomo De Toni" userId="e6ace2866e317739" providerId="LiveId" clId="{7414448D-E60C-4F16-99D3-9C24E744FF90}" dt="2025-05-25T17:02:55.989" v="515" actId="2711"/>
+        <pc:chgData name="Giacomo De Toni" userId="e6ace2866e317739" providerId="LiveId" clId="{7414448D-E60C-4F16-99D3-9C24E744FF90}" dt="2025-05-25T20:05:53.517" v="1280" actId="2711"/>
         <pc:sldMkLst>
           <pc:docMk/>
           <pc:sldMk cId="2387010843" sldId="272"/>
@@ -324,7 +324,7 @@
           </ac:spMkLst>
         </pc:spChg>
         <pc:spChg chg="mod">
-          <ac:chgData name="Giacomo De Toni" userId="e6ace2866e317739" providerId="LiveId" clId="{7414448D-E60C-4F16-99D3-9C24E744FF90}" dt="2025-05-25T17:02:55.989" v="515" actId="2711"/>
+          <ac:chgData name="Giacomo De Toni" userId="e6ace2866e317739" providerId="LiveId" clId="{7414448D-E60C-4F16-99D3-9C24E744FF90}" dt="2025-05-25T20:05:53.517" v="1280" actId="2711"/>
           <ac:spMkLst>
             <pc:docMk/>
             <pc:sldMk cId="2387010843" sldId="272"/>
@@ -397,7 +397,7 @@
         </pc:picChg>
       </pc:sldChg>
       <pc:sldChg chg="addSp delSp modSp mod">
-        <pc:chgData name="Giacomo De Toni" userId="e6ace2866e317739" providerId="LiveId" clId="{7414448D-E60C-4F16-99D3-9C24E744FF90}" dt="2025-05-25T17:03:04.135" v="516" actId="2711"/>
+        <pc:chgData name="Giacomo De Toni" userId="e6ace2866e317739" providerId="LiveId" clId="{7414448D-E60C-4F16-99D3-9C24E744FF90}" dt="2025-05-25T20:06:00.830" v="1281" actId="2711"/>
         <pc:sldMkLst>
           <pc:docMk/>
           <pc:sldMk cId="3722606618" sldId="273"/>
@@ -411,7 +411,7 @@
           </ac:spMkLst>
         </pc:spChg>
         <pc:spChg chg="mod">
-          <ac:chgData name="Giacomo De Toni" userId="e6ace2866e317739" providerId="LiveId" clId="{7414448D-E60C-4F16-99D3-9C24E744FF90}" dt="2025-05-25T17:03:04.135" v="516" actId="2711"/>
+          <ac:chgData name="Giacomo De Toni" userId="e6ace2866e317739" providerId="LiveId" clId="{7414448D-E60C-4F16-99D3-9C24E744FF90}" dt="2025-05-25T20:06:00.830" v="1281" actId="2711"/>
           <ac:spMkLst>
             <pc:docMk/>
             <pc:sldMk cId="3722606618" sldId="273"/>
@@ -436,13 +436,13 @@
         </pc:picChg>
       </pc:sldChg>
       <pc:sldChg chg="addSp delSp modSp mod">
-        <pc:chgData name="Giacomo De Toni" userId="e6ace2866e317739" providerId="LiveId" clId="{7414448D-E60C-4F16-99D3-9C24E744FF90}" dt="2025-05-25T17:03:22.798" v="533" actId="313"/>
+        <pc:chgData name="Giacomo De Toni" userId="e6ace2866e317739" providerId="LiveId" clId="{7414448D-E60C-4F16-99D3-9C24E744FF90}" dt="2025-05-25T20:06:07.462" v="1282" actId="2711"/>
         <pc:sldMkLst>
           <pc:docMk/>
           <pc:sldMk cId="4239053765" sldId="274"/>
         </pc:sldMkLst>
         <pc:spChg chg="mod">
-          <ac:chgData name="Giacomo De Toni" userId="e6ace2866e317739" providerId="LiveId" clId="{7414448D-E60C-4F16-99D3-9C24E744FF90}" dt="2025-05-25T17:03:22.798" v="533" actId="313"/>
+          <ac:chgData name="Giacomo De Toni" userId="e6ace2866e317739" providerId="LiveId" clId="{7414448D-E60C-4F16-99D3-9C24E744FF90}" dt="2025-05-25T20:06:07.462" v="1282" actId="2711"/>
           <ac:spMkLst>
             <pc:docMk/>
             <pc:sldMk cId="4239053765" sldId="274"/>
@@ -475,17 +475,33 @@
         </pc:picChg>
       </pc:sldChg>
       <pc:sldChg chg="addSp delSp modSp mod">
-        <pc:chgData name="Giacomo De Toni" userId="e6ace2866e317739" providerId="LiveId" clId="{7414448D-E60C-4F16-99D3-9C24E744FF90}" dt="2025-05-25T16:32:06.656" v="309" actId="403"/>
+        <pc:chgData name="Giacomo De Toni" userId="e6ace2866e317739" providerId="LiveId" clId="{7414448D-E60C-4F16-99D3-9C24E744FF90}" dt="2025-05-25T20:06:24.139" v="1285" actId="2711"/>
         <pc:sldMkLst>
           <pc:docMk/>
           <pc:sldMk cId="4095143225" sldId="275"/>
         </pc:sldMkLst>
         <pc:spChg chg="mod">
-          <ac:chgData name="Giacomo De Toni" userId="e6ace2866e317739" providerId="LiveId" clId="{7414448D-E60C-4F16-99D3-9C24E744FF90}" dt="2025-05-25T16:32:06.656" v="309" actId="403"/>
+          <ac:chgData name="Giacomo De Toni" userId="e6ace2866e317739" providerId="LiveId" clId="{7414448D-E60C-4F16-99D3-9C24E744FF90}" dt="2025-05-25T20:06:14.248" v="1283" actId="2711"/>
           <ac:spMkLst>
             <pc:docMk/>
             <pc:sldMk cId="4095143225" sldId="275"/>
             <ac:spMk id="4" creationId="{61CA8BF3-1768-90BD-F978-F179A0656219}"/>
+          </ac:spMkLst>
+        </pc:spChg>
+        <pc:spChg chg="mod">
+          <ac:chgData name="Giacomo De Toni" userId="e6ace2866e317739" providerId="LiveId" clId="{7414448D-E60C-4F16-99D3-9C24E744FF90}" dt="2025-05-25T20:06:19.878" v="1284" actId="2711"/>
+          <ac:spMkLst>
+            <pc:docMk/>
+            <pc:sldMk cId="4095143225" sldId="275"/>
+            <ac:spMk id="80" creationId="{B04CE735-FC20-8A1D-5CEB-0DE0BCB74106}"/>
+          </ac:spMkLst>
+        </pc:spChg>
+        <pc:spChg chg="mod">
+          <ac:chgData name="Giacomo De Toni" userId="e6ace2866e317739" providerId="LiveId" clId="{7414448D-E60C-4F16-99D3-9C24E744FF90}" dt="2025-05-25T20:06:24.139" v="1285" actId="2711"/>
+          <ac:spMkLst>
+            <pc:docMk/>
+            <pc:sldMk cId="4095143225" sldId="275"/>
+            <ac:spMk id="81" creationId="{5BBEA883-C7F0-2DCC-8F8C-88EED8D61C64}"/>
           </ac:spMkLst>
         </pc:spChg>
         <pc:picChg chg="add mod">
@@ -506,13 +522,13 @@
         </pc:picChg>
       </pc:sldChg>
       <pc:sldChg chg="addSp delSp modSp mod">
-        <pc:chgData name="Giacomo De Toni" userId="e6ace2866e317739" providerId="LiveId" clId="{7414448D-E60C-4F16-99D3-9C24E744FF90}" dt="2025-05-25T17:16:17.195" v="992" actId="164"/>
+        <pc:chgData name="Giacomo De Toni" userId="e6ace2866e317739" providerId="LiveId" clId="{7414448D-E60C-4F16-99D3-9C24E744FF90}" dt="2025-05-25T20:06:44.810" v="1289" actId="2711"/>
         <pc:sldMkLst>
           <pc:docMk/>
           <pc:sldMk cId="1785097808" sldId="276"/>
         </pc:sldMkLst>
         <pc:spChg chg="mod">
-          <ac:chgData name="Giacomo De Toni" userId="e6ace2866e317739" providerId="LiveId" clId="{7414448D-E60C-4F16-99D3-9C24E744FF90}" dt="2025-05-25T16:32:14.886" v="311" actId="403"/>
+          <ac:chgData name="Giacomo De Toni" userId="e6ace2866e317739" providerId="LiveId" clId="{7414448D-E60C-4F16-99D3-9C24E744FF90}" dt="2025-05-25T20:06:40.997" v="1288" actId="2711"/>
           <ac:spMkLst>
             <pc:docMk/>
             <pc:sldMk cId="1785097808" sldId="276"/>
@@ -520,7 +536,7 @@
           </ac:spMkLst>
         </pc:spChg>
         <pc:spChg chg="mod">
-          <ac:chgData name="Giacomo De Toni" userId="e6ace2866e317739" providerId="LiveId" clId="{7414448D-E60C-4F16-99D3-9C24E744FF90}" dt="2025-05-25T17:15:36.032" v="951" actId="1076"/>
+          <ac:chgData name="Giacomo De Toni" userId="e6ace2866e317739" providerId="LiveId" clId="{7414448D-E60C-4F16-99D3-9C24E744FF90}" dt="2025-05-25T20:06:44.810" v="1289" actId="2711"/>
           <ac:spMkLst>
             <pc:docMk/>
             <pc:sldMk cId="1785097808" sldId="276"/>
@@ -616,13 +632,13 @@
         </pc:picChg>
       </pc:sldChg>
       <pc:sldChg chg="addSp delSp modSp mod">
-        <pc:chgData name="Giacomo De Toni" userId="e6ace2866e317739" providerId="LiveId" clId="{7414448D-E60C-4F16-99D3-9C24E744FF90}" dt="2025-05-25T17:17:26.655" v="1033" actId="207"/>
+        <pc:chgData name="Giacomo De Toni" userId="e6ace2866e317739" providerId="LiveId" clId="{7414448D-E60C-4F16-99D3-9C24E744FF90}" dt="2025-05-25T20:07:13.388" v="1304" actId="2711"/>
         <pc:sldMkLst>
           <pc:docMk/>
           <pc:sldMk cId="2681593300" sldId="280"/>
         </pc:sldMkLst>
         <pc:spChg chg="mod">
-          <ac:chgData name="Giacomo De Toni" userId="e6ace2866e317739" providerId="LiveId" clId="{7414448D-E60C-4F16-99D3-9C24E744FF90}" dt="2025-05-25T17:01:34.076" v="508"/>
+          <ac:chgData name="Giacomo De Toni" userId="e6ace2866e317739" providerId="LiveId" clId="{7414448D-E60C-4F16-99D3-9C24E744FF90}" dt="2025-05-25T20:07:05.471" v="1303" actId="20577"/>
           <ac:spMkLst>
             <pc:docMk/>
             <pc:sldMk cId="2681593300" sldId="280"/>
@@ -630,7 +646,7 @@
           </ac:spMkLst>
         </pc:spChg>
         <pc:spChg chg="mod">
-          <ac:chgData name="Giacomo De Toni" userId="e6ace2866e317739" providerId="LiveId" clId="{7414448D-E60C-4F16-99D3-9C24E744FF90}" dt="2025-05-25T17:07:24.394" v="795" actId="20577"/>
+          <ac:chgData name="Giacomo De Toni" userId="e6ace2866e317739" providerId="LiveId" clId="{7414448D-E60C-4F16-99D3-9C24E744FF90}" dt="2025-05-25T20:07:13.388" v="1304" actId="2711"/>
           <ac:spMkLst>
             <pc:docMk/>
             <pc:sldMk cId="2681593300" sldId="280"/>
@@ -711,13 +727,13 @@
         </pc:picChg>
       </pc:sldChg>
       <pc:sldChg chg="addSp delSp modSp mod">
-        <pc:chgData name="Giacomo De Toni" userId="e6ace2866e317739" providerId="LiveId" clId="{7414448D-E60C-4F16-99D3-9C24E744FF90}" dt="2025-05-25T17:18:32.168" v="1054" actId="6549"/>
+        <pc:chgData name="Giacomo De Toni" userId="e6ace2866e317739" providerId="LiveId" clId="{7414448D-E60C-4F16-99D3-9C24E744FF90}" dt="2025-05-25T20:07:24.431" v="1306" actId="2711"/>
         <pc:sldMkLst>
           <pc:docMk/>
           <pc:sldMk cId="2696015522" sldId="282"/>
         </pc:sldMkLst>
         <pc:spChg chg="mod">
-          <ac:chgData name="Giacomo De Toni" userId="e6ace2866e317739" providerId="LiveId" clId="{7414448D-E60C-4F16-99D3-9C24E744FF90}" dt="2025-05-25T16:32:34.406" v="315" actId="403"/>
+          <ac:chgData name="Giacomo De Toni" userId="e6ace2866e317739" providerId="LiveId" clId="{7414448D-E60C-4F16-99D3-9C24E744FF90}" dt="2025-05-25T20:07:20.630" v="1305" actId="2711"/>
           <ac:spMkLst>
             <pc:docMk/>
             <pc:sldMk cId="2696015522" sldId="282"/>
@@ -725,7 +741,7 @@
           </ac:spMkLst>
         </pc:spChg>
         <pc:spChg chg="mod">
-          <ac:chgData name="Giacomo De Toni" userId="e6ace2866e317739" providerId="LiveId" clId="{7414448D-E60C-4F16-99D3-9C24E744FF90}" dt="2025-05-25T17:18:32.168" v="1054" actId="6549"/>
+          <ac:chgData name="Giacomo De Toni" userId="e6ace2866e317739" providerId="LiveId" clId="{7414448D-E60C-4F16-99D3-9C24E744FF90}" dt="2025-05-25T20:07:24.431" v="1306" actId="2711"/>
           <ac:spMkLst>
             <pc:docMk/>
             <pc:sldMk cId="2696015522" sldId="282"/>
@@ -806,13 +822,13 @@
         </pc:picChg>
       </pc:sldChg>
       <pc:sldChg chg="addSp delSp modSp mod">
-        <pc:chgData name="Giacomo De Toni" userId="e6ace2866e317739" providerId="LiveId" clId="{7414448D-E60C-4F16-99D3-9C24E744FF90}" dt="2025-05-25T16:33:07.018" v="326" actId="403"/>
+        <pc:chgData name="Giacomo De Toni" userId="e6ace2866e317739" providerId="LiveId" clId="{7414448D-E60C-4F16-99D3-9C24E744FF90}" dt="2025-05-25T20:08:22.597" v="1314" actId="2711"/>
         <pc:sldMkLst>
           <pc:docMk/>
           <pc:sldMk cId="4008291325" sldId="283"/>
         </pc:sldMkLst>
         <pc:spChg chg="mod">
-          <ac:chgData name="Giacomo De Toni" userId="e6ace2866e317739" providerId="LiveId" clId="{7414448D-E60C-4F16-99D3-9C24E744FF90}" dt="2025-05-25T16:33:07.018" v="326" actId="403"/>
+          <ac:chgData name="Giacomo De Toni" userId="e6ace2866e317739" providerId="LiveId" clId="{7414448D-E60C-4F16-99D3-9C24E744FF90}" dt="2025-05-25T20:08:22.597" v="1314" actId="2711"/>
           <ac:spMkLst>
             <pc:docMk/>
             <pc:sldMk cId="4008291325" sldId="283"/>
@@ -917,13 +933,13 @@
         </pc:cxnChg>
       </pc:sldChg>
       <pc:sldChg chg="addSp delSp modSp mod">
-        <pc:chgData name="Giacomo De Toni" userId="e6ace2866e317739" providerId="LiveId" clId="{7414448D-E60C-4F16-99D3-9C24E744FF90}" dt="2025-05-25T16:49:01.886" v="451" actId="207"/>
+        <pc:chgData name="Giacomo De Toni" userId="e6ace2866e317739" providerId="LiveId" clId="{7414448D-E60C-4F16-99D3-9C24E744FF90}" dt="2025-05-25T20:07:56.050" v="1311" actId="2711"/>
         <pc:sldMkLst>
           <pc:docMk/>
           <pc:sldMk cId="2863261500" sldId="284"/>
         </pc:sldMkLst>
         <pc:spChg chg="mod">
-          <ac:chgData name="Giacomo De Toni" userId="e6ace2866e317739" providerId="LiveId" clId="{7414448D-E60C-4F16-99D3-9C24E744FF90}" dt="2025-05-25T16:32:47.302" v="319" actId="403"/>
+          <ac:chgData name="Giacomo De Toni" userId="e6ace2866e317739" providerId="LiveId" clId="{7414448D-E60C-4F16-99D3-9C24E744FF90}" dt="2025-05-25T20:07:56.050" v="1311" actId="2711"/>
           <ac:spMkLst>
             <pc:docMk/>
             <pc:sldMk cId="2863261500" sldId="284"/>
@@ -931,7 +947,7 @@
           </ac:spMkLst>
         </pc:spChg>
         <pc:spChg chg="mod">
-          <ac:chgData name="Giacomo De Toni" userId="e6ace2866e317739" providerId="LiveId" clId="{7414448D-E60C-4F16-99D3-9C24E744FF90}" dt="2025-05-25T16:49:01.886" v="451" actId="207"/>
+          <ac:chgData name="Giacomo De Toni" userId="e6ace2866e317739" providerId="LiveId" clId="{7414448D-E60C-4F16-99D3-9C24E744FF90}" dt="2025-05-25T20:07:49.695" v="1310" actId="2711"/>
           <ac:spMkLst>
             <pc:docMk/>
             <pc:sldMk cId="2863261500" sldId="284"/>
@@ -956,13 +972,13 @@
         </pc:picChg>
       </pc:sldChg>
       <pc:sldChg chg="addSp delSp modSp mod">
-        <pc:chgData name="Giacomo De Toni" userId="e6ace2866e317739" providerId="LiveId" clId="{7414448D-E60C-4F16-99D3-9C24E744FF90}" dt="2025-05-25T16:49:07.650" v="452" actId="207"/>
+        <pc:chgData name="Giacomo De Toni" userId="e6ace2866e317739" providerId="LiveId" clId="{7414448D-E60C-4F16-99D3-9C24E744FF90}" dt="2025-05-25T20:07:59.380" v="1312" actId="2711"/>
         <pc:sldMkLst>
           <pc:docMk/>
           <pc:sldMk cId="478401566" sldId="285"/>
         </pc:sldMkLst>
         <pc:spChg chg="mod">
-          <ac:chgData name="Giacomo De Toni" userId="e6ace2866e317739" providerId="LiveId" clId="{7414448D-E60C-4F16-99D3-9C24E744FF90}" dt="2025-05-25T16:32:55.853" v="321" actId="403"/>
+          <ac:chgData name="Giacomo De Toni" userId="e6ace2866e317739" providerId="LiveId" clId="{7414448D-E60C-4F16-99D3-9C24E744FF90}" dt="2025-05-25T20:07:59.380" v="1312" actId="2711"/>
           <ac:spMkLst>
             <pc:docMk/>
             <pc:sldMk cId="478401566" sldId="285"/>
@@ -970,7 +986,7 @@
           </ac:spMkLst>
         </pc:spChg>
         <pc:spChg chg="mod">
-          <ac:chgData name="Giacomo De Toni" userId="e6ace2866e317739" providerId="LiveId" clId="{7414448D-E60C-4F16-99D3-9C24E744FF90}" dt="2025-05-25T16:49:07.650" v="452" actId="207"/>
+          <ac:chgData name="Giacomo De Toni" userId="e6ace2866e317739" providerId="LiveId" clId="{7414448D-E60C-4F16-99D3-9C24E744FF90}" dt="2025-05-25T19:47:50.064" v="1150" actId="20577"/>
           <ac:spMkLst>
             <pc:docMk/>
             <pc:sldMk cId="478401566" sldId="285"/>
@@ -995,13 +1011,13 @@
         </pc:picChg>
       </pc:sldChg>
       <pc:sldChg chg="addSp delSp modSp mod">
-        <pc:chgData name="Giacomo De Toni" userId="e6ace2866e317739" providerId="LiveId" clId="{7414448D-E60C-4F16-99D3-9C24E744FF90}" dt="2025-05-25T16:49:11.941" v="453" actId="207"/>
+        <pc:chgData name="Giacomo De Toni" userId="e6ace2866e317739" providerId="LiveId" clId="{7414448D-E60C-4F16-99D3-9C24E744FF90}" dt="2025-05-25T20:08:11.647" v="1313" actId="2711"/>
         <pc:sldMkLst>
           <pc:docMk/>
           <pc:sldMk cId="183034043" sldId="286"/>
         </pc:sldMkLst>
         <pc:spChg chg="mod">
-          <ac:chgData name="Giacomo De Toni" userId="e6ace2866e317739" providerId="LiveId" clId="{7414448D-E60C-4F16-99D3-9C24E744FF90}" dt="2025-05-25T16:33:02.301" v="324" actId="403"/>
+          <ac:chgData name="Giacomo De Toni" userId="e6ace2866e317739" providerId="LiveId" clId="{7414448D-E60C-4F16-99D3-9C24E744FF90}" dt="2025-05-25T20:08:11.647" v="1313" actId="2711"/>
           <ac:spMkLst>
             <pc:docMk/>
             <pc:sldMk cId="183034043" sldId="286"/>
@@ -1009,7 +1025,7 @@
           </ac:spMkLst>
         </pc:spChg>
         <pc:spChg chg="mod">
-          <ac:chgData name="Giacomo De Toni" userId="e6ace2866e317739" providerId="LiveId" clId="{7414448D-E60C-4F16-99D3-9C24E744FF90}" dt="2025-05-25T16:49:11.941" v="453" actId="207"/>
+          <ac:chgData name="Giacomo De Toni" userId="e6ace2866e317739" providerId="LiveId" clId="{7414448D-E60C-4F16-99D3-9C24E744FF90}" dt="2025-05-25T19:48:06.973" v="1152" actId="20577"/>
           <ac:spMkLst>
             <pc:docMk/>
             <pc:sldMk cId="183034043" sldId="286"/>
@@ -1034,13 +1050,13 @@
         </pc:picChg>
       </pc:sldChg>
       <pc:sldChg chg="addSp delSp modSp add del mod">
-        <pc:chgData name="Giacomo De Toni" userId="e6ace2866e317739" providerId="LiveId" clId="{7414448D-E60C-4F16-99D3-9C24E744FF90}" dt="2025-05-25T16:48:58.089" v="450" actId="207"/>
+        <pc:chgData name="Giacomo De Toni" userId="e6ace2866e317739" providerId="LiveId" clId="{7414448D-E60C-4F16-99D3-9C24E744FF90}" dt="2025-05-25T20:07:41.541" v="1309" actId="2711"/>
         <pc:sldMkLst>
           <pc:docMk/>
           <pc:sldMk cId="2626402151" sldId="287"/>
         </pc:sldMkLst>
         <pc:spChg chg="mod">
-          <ac:chgData name="Giacomo De Toni" userId="e6ace2866e317739" providerId="LiveId" clId="{7414448D-E60C-4F16-99D3-9C24E744FF90}" dt="2025-05-25T16:32:42.180" v="317" actId="403"/>
+          <ac:chgData name="Giacomo De Toni" userId="e6ace2866e317739" providerId="LiveId" clId="{7414448D-E60C-4F16-99D3-9C24E744FF90}" dt="2025-05-25T20:07:41.541" v="1309" actId="2711"/>
           <ac:spMkLst>
             <pc:docMk/>
             <pc:sldMk cId="2626402151" sldId="287"/>
@@ -1048,7 +1064,7 @@
           </ac:spMkLst>
         </pc:spChg>
         <pc:spChg chg="mod">
-          <ac:chgData name="Giacomo De Toni" userId="e6ace2866e317739" providerId="LiveId" clId="{7414448D-E60C-4F16-99D3-9C24E744FF90}" dt="2025-05-25T16:48:58.089" v="450" actId="207"/>
+          <ac:chgData name="Giacomo De Toni" userId="e6ace2866e317739" providerId="LiveId" clId="{7414448D-E60C-4F16-99D3-9C24E744FF90}" dt="2025-05-25T19:41:25.907" v="1074" actId="20577"/>
           <ac:spMkLst>
             <pc:docMk/>
             <pc:sldMk cId="2626402151" sldId="287"/>
@@ -1073,13 +1089,13 @@
         </pc:picChg>
       </pc:sldChg>
       <pc:sldChg chg="addSp delSp modSp mod">
-        <pc:chgData name="Giacomo De Toni" userId="e6ace2866e317739" providerId="LiveId" clId="{7414448D-E60C-4F16-99D3-9C24E744FF90}" dt="2025-05-25T17:03:47.662" v="534" actId="2711"/>
+        <pc:chgData name="Giacomo De Toni" userId="e6ace2866e317739" providerId="LiveId" clId="{7414448D-E60C-4F16-99D3-9C24E744FF90}" dt="2025-05-25T20:06:36.349" v="1287" actId="2711"/>
         <pc:sldMkLst>
           <pc:docMk/>
           <pc:sldMk cId="2499611579" sldId="288"/>
         </pc:sldMkLst>
         <pc:spChg chg="mod">
-          <ac:chgData name="Giacomo De Toni" userId="e6ace2866e317739" providerId="LiveId" clId="{7414448D-E60C-4F16-99D3-9C24E744FF90}" dt="2025-05-25T16:34:33.524" v="351" actId="404"/>
+          <ac:chgData name="Giacomo De Toni" userId="e6ace2866e317739" providerId="LiveId" clId="{7414448D-E60C-4F16-99D3-9C24E744FF90}" dt="2025-05-25T20:06:30.930" v="1286" actId="2711"/>
           <ac:spMkLst>
             <pc:docMk/>
             <pc:sldMk cId="2499611579" sldId="288"/>
@@ -1087,7 +1103,7 @@
           </ac:spMkLst>
         </pc:spChg>
         <pc:spChg chg="mod">
-          <ac:chgData name="Giacomo De Toni" userId="e6ace2866e317739" providerId="LiveId" clId="{7414448D-E60C-4F16-99D3-9C24E744FF90}" dt="2025-05-25T17:03:47.662" v="534" actId="2711"/>
+          <ac:chgData name="Giacomo De Toni" userId="e6ace2866e317739" providerId="LiveId" clId="{7414448D-E60C-4F16-99D3-9C24E744FF90}" dt="2025-05-25T20:06:36.349" v="1287" actId="2711"/>
           <ac:spMkLst>
             <pc:docMk/>
             <pc:sldMk cId="2499611579" sldId="288"/>
@@ -1112,17 +1128,25 @@
         </pc:picChg>
       </pc:sldChg>
       <pc:sldChg chg="addSp delSp modSp mod">
-        <pc:chgData name="Giacomo De Toni" userId="e6ace2866e317739" providerId="LiveId" clId="{7414448D-E60C-4F16-99D3-9C24E744FF90}" dt="2025-05-25T16:34:22.905" v="349" actId="404"/>
+        <pc:chgData name="Giacomo De Toni" userId="e6ace2866e317739" providerId="LiveId" clId="{7414448D-E60C-4F16-99D3-9C24E744FF90}" dt="2025-05-25T20:10:14.807" v="1337" actId="403"/>
         <pc:sldMkLst>
           <pc:docMk/>
           <pc:sldMk cId="3403073105" sldId="289"/>
         </pc:sldMkLst>
         <pc:spChg chg="mod">
-          <ac:chgData name="Giacomo De Toni" userId="e6ace2866e317739" providerId="LiveId" clId="{7414448D-E60C-4F16-99D3-9C24E744FF90}" dt="2025-05-25T16:34:22.905" v="349" actId="404"/>
+          <ac:chgData name="Giacomo De Toni" userId="e6ace2866e317739" providerId="LiveId" clId="{7414448D-E60C-4F16-99D3-9C24E744FF90}" dt="2025-05-25T20:08:27.841" v="1315" actId="2711"/>
           <ac:spMkLst>
             <pc:docMk/>
             <pc:sldMk cId="3403073105" sldId="289"/>
             <ac:spMk id="4" creationId="{223BCEB2-1E9C-E916-0D1A-BB52B157790D}"/>
+          </ac:spMkLst>
+        </pc:spChg>
+        <pc:spChg chg="mod">
+          <ac:chgData name="Giacomo De Toni" userId="e6ace2866e317739" providerId="LiveId" clId="{7414448D-E60C-4F16-99D3-9C24E744FF90}" dt="2025-05-25T20:10:14.807" v="1337" actId="403"/>
+          <ac:spMkLst>
+            <pc:docMk/>
+            <pc:sldMk cId="3403073105" sldId="289"/>
+            <ac:spMk id="17" creationId="{213FA5ED-E599-22F8-385B-D9D8BFFD2C86}"/>
           </ac:spMkLst>
         </pc:spChg>
         <pc:picChg chg="add mod">
@@ -1143,13 +1167,13 @@
         </pc:picChg>
       </pc:sldChg>
       <pc:sldChg chg="addSp delSp modSp mod">
-        <pc:chgData name="Giacomo De Toni" userId="e6ace2866e317739" providerId="LiveId" clId="{7414448D-E60C-4F16-99D3-9C24E744FF90}" dt="2025-05-25T16:49:31.112" v="457" actId="207"/>
+        <pc:chgData name="Giacomo De Toni" userId="e6ace2866e317739" providerId="LiveId" clId="{7414448D-E60C-4F16-99D3-9C24E744FF90}" dt="2025-05-25T20:09:24.393" v="1326" actId="2711"/>
         <pc:sldMkLst>
           <pc:docMk/>
           <pc:sldMk cId="3196635320" sldId="290"/>
         </pc:sldMkLst>
         <pc:spChg chg="mod">
-          <ac:chgData name="Giacomo De Toni" userId="e6ace2866e317739" providerId="LiveId" clId="{7414448D-E60C-4F16-99D3-9C24E744FF90}" dt="2025-05-25T16:33:32.557" v="334" actId="403"/>
+          <ac:chgData name="Giacomo De Toni" userId="e6ace2866e317739" providerId="LiveId" clId="{7414448D-E60C-4F16-99D3-9C24E744FF90}" dt="2025-05-25T20:09:21.331" v="1325" actId="2711"/>
           <ac:spMkLst>
             <pc:docMk/>
             <pc:sldMk cId="3196635320" sldId="290"/>
@@ -1157,7 +1181,7 @@
           </ac:spMkLst>
         </pc:spChg>
         <pc:spChg chg="mod">
-          <ac:chgData name="Giacomo De Toni" userId="e6ace2866e317739" providerId="LiveId" clId="{7414448D-E60C-4F16-99D3-9C24E744FF90}" dt="2025-05-25T16:49:31.112" v="457" actId="207"/>
+          <ac:chgData name="Giacomo De Toni" userId="e6ace2866e317739" providerId="LiveId" clId="{7414448D-E60C-4F16-99D3-9C24E744FF90}" dt="2025-05-25T20:09:24.393" v="1326" actId="2711"/>
           <ac:spMkLst>
             <pc:docMk/>
             <pc:sldMk cId="3196635320" sldId="290"/>
@@ -1182,13 +1206,13 @@
         </pc:picChg>
       </pc:sldChg>
       <pc:sldChg chg="addSp delSp modSp mod">
-        <pc:chgData name="Giacomo De Toni" userId="e6ace2866e317739" providerId="LiveId" clId="{7414448D-E60C-4F16-99D3-9C24E744FF90}" dt="2025-05-25T16:49:35.410" v="458" actId="207"/>
+        <pc:chgData name="Giacomo De Toni" userId="e6ace2866e317739" providerId="LiveId" clId="{7414448D-E60C-4F16-99D3-9C24E744FF90}" dt="2025-05-25T20:09:32.484" v="1328" actId="2711"/>
         <pc:sldMkLst>
           <pc:docMk/>
           <pc:sldMk cId="300586787" sldId="291"/>
         </pc:sldMkLst>
         <pc:spChg chg="mod">
-          <ac:chgData name="Giacomo De Toni" userId="e6ace2866e317739" providerId="LiveId" clId="{7414448D-E60C-4F16-99D3-9C24E744FF90}" dt="2025-05-25T16:33:37.642" v="336" actId="403"/>
+          <ac:chgData name="Giacomo De Toni" userId="e6ace2866e317739" providerId="LiveId" clId="{7414448D-E60C-4F16-99D3-9C24E744FF90}" dt="2025-05-25T20:09:29.549" v="1327" actId="2711"/>
           <ac:spMkLst>
             <pc:docMk/>
             <pc:sldMk cId="300586787" sldId="291"/>
@@ -1196,7 +1220,7 @@
           </ac:spMkLst>
         </pc:spChg>
         <pc:spChg chg="mod">
-          <ac:chgData name="Giacomo De Toni" userId="e6ace2866e317739" providerId="LiveId" clId="{7414448D-E60C-4F16-99D3-9C24E744FF90}" dt="2025-05-25T16:49:35.410" v="458" actId="207"/>
+          <ac:chgData name="Giacomo De Toni" userId="e6ace2866e317739" providerId="LiveId" clId="{7414448D-E60C-4F16-99D3-9C24E744FF90}" dt="2025-05-25T20:09:32.484" v="1328" actId="2711"/>
           <ac:spMkLst>
             <pc:docMk/>
             <pc:sldMk cId="300586787" sldId="291"/>
@@ -1221,13 +1245,13 @@
         </pc:picChg>
       </pc:sldChg>
       <pc:sldChg chg="addSp delSp modSp mod">
-        <pc:chgData name="Giacomo De Toni" userId="e6ace2866e317739" providerId="LiveId" clId="{7414448D-E60C-4F16-99D3-9C24E744FF90}" dt="2025-05-25T16:49:39.615" v="459" actId="207"/>
+        <pc:chgData name="Giacomo De Toni" userId="e6ace2866e317739" providerId="LiveId" clId="{7414448D-E60C-4F16-99D3-9C24E744FF90}" dt="2025-05-25T20:09:41.485" v="1330" actId="2711"/>
         <pc:sldMkLst>
           <pc:docMk/>
           <pc:sldMk cId="1180992734" sldId="292"/>
         </pc:sldMkLst>
         <pc:spChg chg="mod">
-          <ac:chgData name="Giacomo De Toni" userId="e6ace2866e317739" providerId="LiveId" clId="{7414448D-E60C-4F16-99D3-9C24E744FF90}" dt="2025-05-25T16:33:43.470" v="338" actId="403"/>
+          <ac:chgData name="Giacomo De Toni" userId="e6ace2866e317739" providerId="LiveId" clId="{7414448D-E60C-4F16-99D3-9C24E744FF90}" dt="2025-05-25T20:09:37.153" v="1329" actId="2711"/>
           <ac:spMkLst>
             <pc:docMk/>
             <pc:sldMk cId="1180992734" sldId="292"/>
@@ -1235,7 +1259,7 @@
           </ac:spMkLst>
         </pc:spChg>
         <pc:spChg chg="mod">
-          <ac:chgData name="Giacomo De Toni" userId="e6ace2866e317739" providerId="LiveId" clId="{7414448D-E60C-4F16-99D3-9C24E744FF90}" dt="2025-05-25T16:49:39.615" v="459" actId="207"/>
+          <ac:chgData name="Giacomo De Toni" userId="e6ace2866e317739" providerId="LiveId" clId="{7414448D-E60C-4F16-99D3-9C24E744FF90}" dt="2025-05-25T20:09:41.485" v="1330" actId="2711"/>
           <ac:spMkLst>
             <pc:docMk/>
             <pc:sldMk cId="1180992734" sldId="292"/>
@@ -1260,13 +1284,13 @@
         </pc:picChg>
       </pc:sldChg>
       <pc:sldChg chg="addSp delSp modSp mod">
-        <pc:chgData name="Giacomo De Toni" userId="e6ace2866e317739" providerId="LiveId" clId="{7414448D-E60C-4F16-99D3-9C24E744FF90}" dt="2025-05-25T16:49:43.516" v="460" actId="207"/>
+        <pc:chgData name="Giacomo De Toni" userId="e6ace2866e317739" providerId="LiveId" clId="{7414448D-E60C-4F16-99D3-9C24E744FF90}" dt="2025-05-25T20:09:49.983" v="1332" actId="2711"/>
         <pc:sldMkLst>
           <pc:docMk/>
           <pc:sldMk cId="1008615750" sldId="293"/>
         </pc:sldMkLst>
         <pc:spChg chg="mod">
-          <ac:chgData name="Giacomo De Toni" userId="e6ace2866e317739" providerId="LiveId" clId="{7414448D-E60C-4F16-99D3-9C24E744FF90}" dt="2025-05-25T16:33:46.668" v="340" actId="403"/>
+          <ac:chgData name="Giacomo De Toni" userId="e6ace2866e317739" providerId="LiveId" clId="{7414448D-E60C-4F16-99D3-9C24E744FF90}" dt="2025-05-25T20:09:46.416" v="1331" actId="2711"/>
           <ac:spMkLst>
             <pc:docMk/>
             <pc:sldMk cId="1008615750" sldId="293"/>
@@ -1274,7 +1298,7 @@
           </ac:spMkLst>
         </pc:spChg>
         <pc:spChg chg="mod">
-          <ac:chgData name="Giacomo De Toni" userId="e6ace2866e317739" providerId="LiveId" clId="{7414448D-E60C-4F16-99D3-9C24E744FF90}" dt="2025-05-25T16:49:43.516" v="460" actId="207"/>
+          <ac:chgData name="Giacomo De Toni" userId="e6ace2866e317739" providerId="LiveId" clId="{7414448D-E60C-4F16-99D3-9C24E744FF90}" dt="2025-05-25T20:09:49.983" v="1332" actId="2711"/>
           <ac:spMkLst>
             <pc:docMk/>
             <pc:sldMk cId="1008615750" sldId="293"/>
@@ -1299,17 +1323,25 @@
         </pc:picChg>
       </pc:sldChg>
       <pc:sldChg chg="addSp delSp modSp mod">
-        <pc:chgData name="Giacomo De Toni" userId="e6ace2866e317739" providerId="LiveId" clId="{7414448D-E60C-4F16-99D3-9C24E744FF90}" dt="2025-05-25T16:34:17.738" v="348" actId="404"/>
+        <pc:chgData name="Giacomo De Toni" userId="e6ace2866e317739" providerId="LiveId" clId="{7414448D-E60C-4F16-99D3-9C24E744FF90}" dt="2025-05-25T20:10:19.311" v="1339" actId="403"/>
         <pc:sldMkLst>
           <pc:docMk/>
           <pc:sldMk cId="364856534" sldId="294"/>
         </pc:sldMkLst>
         <pc:spChg chg="mod">
-          <ac:chgData name="Giacomo De Toni" userId="e6ace2866e317739" providerId="LiveId" clId="{7414448D-E60C-4F16-99D3-9C24E744FF90}" dt="2025-05-25T16:34:17.738" v="348" actId="404"/>
+          <ac:chgData name="Giacomo De Toni" userId="e6ace2866e317739" providerId="LiveId" clId="{7414448D-E60C-4F16-99D3-9C24E744FF90}" dt="2025-05-25T20:09:13.844" v="1323" actId="2711"/>
           <ac:spMkLst>
             <pc:docMk/>
             <pc:sldMk cId="364856534" sldId="294"/>
             <ac:spMk id="4" creationId="{A33FF632-C709-3571-0CFF-59D2B3C5D504}"/>
+          </ac:spMkLst>
+        </pc:spChg>
+        <pc:spChg chg="mod">
+          <ac:chgData name="Giacomo De Toni" userId="e6ace2866e317739" providerId="LiveId" clId="{7414448D-E60C-4F16-99D3-9C24E744FF90}" dt="2025-05-25T20:10:19.311" v="1339" actId="403"/>
+          <ac:spMkLst>
+            <pc:docMk/>
+            <pc:sldMk cId="364856534" sldId="294"/>
+            <ac:spMk id="17" creationId="{98A1B1EF-1284-976A-705A-1C596172E8A8}"/>
           </ac:spMkLst>
         </pc:spChg>
         <pc:picChg chg="add mod">
@@ -1330,17 +1362,25 @@
         </pc:picChg>
       </pc:sldChg>
       <pc:sldChg chg="addSp delSp modSp mod">
-        <pc:chgData name="Giacomo De Toni" userId="e6ace2866e317739" providerId="LiveId" clId="{7414448D-E60C-4F16-99D3-9C24E744FF90}" dt="2025-05-25T16:34:12.210" v="347" actId="404"/>
+        <pc:chgData name="Giacomo De Toni" userId="e6ace2866e317739" providerId="LiveId" clId="{7414448D-E60C-4F16-99D3-9C24E744FF90}" dt="2025-05-25T20:10:23.845" v="1340" actId="403"/>
         <pc:sldMkLst>
           <pc:docMk/>
           <pc:sldMk cId="2182274725" sldId="295"/>
         </pc:sldMkLst>
         <pc:spChg chg="mod">
-          <ac:chgData name="Giacomo De Toni" userId="e6ace2866e317739" providerId="LiveId" clId="{7414448D-E60C-4F16-99D3-9C24E744FF90}" dt="2025-05-25T16:34:12.210" v="347" actId="404"/>
+          <ac:chgData name="Giacomo De Toni" userId="e6ace2866e317739" providerId="LiveId" clId="{7414448D-E60C-4F16-99D3-9C24E744FF90}" dt="2025-05-25T20:09:54.404" v="1333" actId="2711"/>
           <ac:spMkLst>
             <pc:docMk/>
             <pc:sldMk cId="2182274725" sldId="295"/>
             <ac:spMk id="4" creationId="{80C9291F-F0A0-3D91-6DFC-D8F3A92AAD2A}"/>
+          </ac:spMkLst>
+        </pc:spChg>
+        <pc:spChg chg="mod">
+          <ac:chgData name="Giacomo De Toni" userId="e6ace2866e317739" providerId="LiveId" clId="{7414448D-E60C-4F16-99D3-9C24E744FF90}" dt="2025-05-25T20:10:23.845" v="1340" actId="403"/>
+          <ac:spMkLst>
+            <pc:docMk/>
+            <pc:sldMk cId="2182274725" sldId="295"/>
+            <ac:spMk id="17" creationId="{FB2C9895-87E5-A024-F5A4-A6D79688B45C}"/>
           </ac:spMkLst>
         </pc:spChg>
         <pc:picChg chg="add del mod">
@@ -1361,13 +1401,13 @@
         </pc:picChg>
       </pc:sldChg>
       <pc:sldChg chg="addSp delSp modSp mod">
-        <pc:chgData name="Giacomo De Toni" userId="e6ace2866e317739" providerId="LiveId" clId="{7414448D-E60C-4F16-99D3-9C24E744FF90}" dt="2025-05-25T16:49:17.613" v="454" actId="207"/>
+        <pc:chgData name="Giacomo De Toni" userId="e6ace2866e317739" providerId="LiveId" clId="{7414448D-E60C-4F16-99D3-9C24E744FF90}" dt="2025-05-25T20:08:44.222" v="1318" actId="2711"/>
         <pc:sldMkLst>
           <pc:docMk/>
           <pc:sldMk cId="823792472" sldId="296"/>
         </pc:sldMkLst>
         <pc:spChg chg="mod">
-          <ac:chgData name="Giacomo De Toni" userId="e6ace2866e317739" providerId="LiveId" clId="{7414448D-E60C-4F16-99D3-9C24E744FF90}" dt="2025-05-25T16:33:17.294" v="328" actId="403"/>
+          <ac:chgData name="Giacomo De Toni" userId="e6ace2866e317739" providerId="LiveId" clId="{7414448D-E60C-4F16-99D3-9C24E744FF90}" dt="2025-05-25T20:08:35.815" v="1317" actId="2711"/>
           <ac:spMkLst>
             <pc:docMk/>
             <pc:sldMk cId="823792472" sldId="296"/>
@@ -1375,7 +1415,7 @@
           </ac:spMkLst>
         </pc:spChg>
         <pc:spChg chg="mod">
-          <ac:chgData name="Giacomo De Toni" userId="e6ace2866e317739" providerId="LiveId" clId="{7414448D-E60C-4F16-99D3-9C24E744FF90}" dt="2025-05-25T16:49:17.613" v="454" actId="207"/>
+          <ac:chgData name="Giacomo De Toni" userId="e6ace2866e317739" providerId="LiveId" clId="{7414448D-E60C-4F16-99D3-9C24E744FF90}" dt="2025-05-25T20:08:44.222" v="1318" actId="2711"/>
           <ac:spMkLst>
             <pc:docMk/>
             <pc:sldMk cId="823792472" sldId="296"/>
@@ -1400,17 +1440,25 @@
         </pc:picChg>
       </pc:sldChg>
       <pc:sldChg chg="addSp delSp modSp mod">
-        <pc:chgData name="Giacomo De Toni" userId="e6ace2866e317739" providerId="LiveId" clId="{7414448D-E60C-4F16-99D3-9C24E744FF90}" dt="2025-05-25T16:34:28.676" v="350" actId="404"/>
+        <pc:chgData name="Giacomo De Toni" userId="e6ace2866e317739" providerId="LiveId" clId="{7414448D-E60C-4F16-99D3-9C24E744FF90}" dt="2025-05-25T20:07:33.029" v="1308" actId="2711"/>
         <pc:sldMkLst>
           <pc:docMk/>
           <pc:sldMk cId="2599101359" sldId="297"/>
         </pc:sldMkLst>
         <pc:spChg chg="mod">
-          <ac:chgData name="Giacomo De Toni" userId="e6ace2866e317739" providerId="LiveId" clId="{7414448D-E60C-4F16-99D3-9C24E744FF90}" dt="2025-05-25T16:34:28.676" v="350" actId="404"/>
+          <ac:chgData name="Giacomo De Toni" userId="e6ace2866e317739" providerId="LiveId" clId="{7414448D-E60C-4F16-99D3-9C24E744FF90}" dt="2025-05-25T20:07:29.442" v="1307" actId="2711"/>
           <ac:spMkLst>
             <pc:docMk/>
             <pc:sldMk cId="2599101359" sldId="297"/>
             <ac:spMk id="4" creationId="{3BE9716D-54A0-4410-B19D-A59CE1EC7FFB}"/>
+          </ac:spMkLst>
+        </pc:spChg>
+        <pc:spChg chg="mod">
+          <ac:chgData name="Giacomo De Toni" userId="e6ace2866e317739" providerId="LiveId" clId="{7414448D-E60C-4F16-99D3-9C24E744FF90}" dt="2025-05-25T20:07:33.029" v="1308" actId="2711"/>
+          <ac:spMkLst>
+            <pc:docMk/>
+            <pc:sldMk cId="2599101359" sldId="297"/>
+            <ac:spMk id="17" creationId="{04D03345-67C5-6B85-D597-793FCB2284B4}"/>
           </ac:spMkLst>
         </pc:spChg>
         <pc:picChg chg="add mod">
@@ -1431,13 +1479,13 @@
         </pc:picChg>
       </pc:sldChg>
       <pc:sldChg chg="addSp delSp modSp mod">
-        <pc:chgData name="Giacomo De Toni" userId="e6ace2866e317739" providerId="LiveId" clId="{7414448D-E60C-4F16-99D3-9C24E744FF90}" dt="2025-05-25T16:49:21.507" v="455" actId="207"/>
+        <pc:chgData name="Giacomo De Toni" userId="e6ace2866e317739" providerId="LiveId" clId="{7414448D-E60C-4F16-99D3-9C24E744FF90}" dt="2025-05-25T20:09:00.736" v="1320" actId="2711"/>
         <pc:sldMkLst>
           <pc:docMk/>
           <pc:sldMk cId="3524061933" sldId="298"/>
         </pc:sldMkLst>
         <pc:spChg chg="mod">
-          <ac:chgData name="Giacomo De Toni" userId="e6ace2866e317739" providerId="LiveId" clId="{7414448D-E60C-4F16-99D3-9C24E744FF90}" dt="2025-05-25T16:33:21.968" v="330" actId="403"/>
+          <ac:chgData name="Giacomo De Toni" userId="e6ace2866e317739" providerId="LiveId" clId="{7414448D-E60C-4F16-99D3-9C24E744FF90}" dt="2025-05-25T20:08:53.813" v="1319" actId="2711"/>
           <ac:spMkLst>
             <pc:docMk/>
             <pc:sldMk cId="3524061933" sldId="298"/>
@@ -1445,7 +1493,7 @@
           </ac:spMkLst>
         </pc:spChg>
         <pc:spChg chg="mod">
-          <ac:chgData name="Giacomo De Toni" userId="e6ace2866e317739" providerId="LiveId" clId="{7414448D-E60C-4F16-99D3-9C24E744FF90}" dt="2025-05-25T16:49:21.507" v="455" actId="207"/>
+          <ac:chgData name="Giacomo De Toni" userId="e6ace2866e317739" providerId="LiveId" clId="{7414448D-E60C-4F16-99D3-9C24E744FF90}" dt="2025-05-25T20:09:00.736" v="1320" actId="2711"/>
           <ac:spMkLst>
             <pc:docMk/>
             <pc:sldMk cId="3524061933" sldId="298"/>
@@ -1470,13 +1518,13 @@
         </pc:picChg>
       </pc:sldChg>
       <pc:sldChg chg="addSp delSp modSp mod">
-        <pc:chgData name="Giacomo De Toni" userId="e6ace2866e317739" providerId="LiveId" clId="{7414448D-E60C-4F16-99D3-9C24E744FF90}" dt="2025-05-25T16:49:24.969" v="456" actId="207"/>
+        <pc:chgData name="Giacomo De Toni" userId="e6ace2866e317739" providerId="LiveId" clId="{7414448D-E60C-4F16-99D3-9C24E744FF90}" dt="2025-05-25T20:09:09.492" v="1322" actId="2711"/>
         <pc:sldMkLst>
           <pc:docMk/>
           <pc:sldMk cId="836247162" sldId="299"/>
         </pc:sldMkLst>
         <pc:spChg chg="mod">
-          <ac:chgData name="Giacomo De Toni" userId="e6ace2866e317739" providerId="LiveId" clId="{7414448D-E60C-4F16-99D3-9C24E744FF90}" dt="2025-05-25T16:33:26.601" v="332" actId="403"/>
+          <ac:chgData name="Giacomo De Toni" userId="e6ace2866e317739" providerId="LiveId" clId="{7414448D-E60C-4F16-99D3-9C24E744FF90}" dt="2025-05-25T20:09:04.371" v="1321" actId="2711"/>
           <ac:spMkLst>
             <pc:docMk/>
             <pc:sldMk cId="836247162" sldId="299"/>
@@ -1484,7 +1532,7 @@
           </ac:spMkLst>
         </pc:spChg>
         <pc:spChg chg="mod">
-          <ac:chgData name="Giacomo De Toni" userId="e6ace2866e317739" providerId="LiveId" clId="{7414448D-E60C-4F16-99D3-9C24E744FF90}" dt="2025-05-25T16:49:24.969" v="456" actId="207"/>
+          <ac:chgData name="Giacomo De Toni" userId="e6ace2866e317739" providerId="LiveId" clId="{7414448D-E60C-4F16-99D3-9C24E744FF90}" dt="2025-05-25T20:09:09.492" v="1322" actId="2711"/>
           <ac:spMkLst>
             <pc:docMk/>
             <pc:sldMk cId="836247162" sldId="299"/>
@@ -1509,13 +1557,13 @@
         </pc:picChg>
       </pc:sldChg>
       <pc:sldChg chg="addSp delSp modSp mod">
-        <pc:chgData name="Giacomo De Toni" userId="e6ace2866e317739" providerId="LiveId" clId="{7414448D-E60C-4F16-99D3-9C24E744FF90}" dt="2025-05-25T16:49:52.466" v="462" actId="207"/>
+        <pc:chgData name="Giacomo De Toni" userId="e6ace2866e317739" providerId="LiveId" clId="{7414448D-E60C-4F16-99D3-9C24E744FF90}" dt="2025-05-25T20:10:45.532" v="1344" actId="2711"/>
         <pc:sldMkLst>
           <pc:docMk/>
           <pc:sldMk cId="1269810297" sldId="300"/>
         </pc:sldMkLst>
         <pc:spChg chg="mod">
-          <ac:chgData name="Giacomo De Toni" userId="e6ace2866e317739" providerId="LiveId" clId="{7414448D-E60C-4F16-99D3-9C24E744FF90}" dt="2025-05-25T16:33:57.393" v="344" actId="403"/>
+          <ac:chgData name="Giacomo De Toni" userId="e6ace2866e317739" providerId="LiveId" clId="{7414448D-E60C-4F16-99D3-9C24E744FF90}" dt="2025-05-25T20:10:45.532" v="1344" actId="2711"/>
           <ac:spMkLst>
             <pc:docMk/>
             <pc:sldMk cId="1269810297" sldId="300"/>
@@ -1523,7 +1571,7 @@
           </ac:spMkLst>
         </pc:spChg>
         <pc:spChg chg="mod">
-          <ac:chgData name="Giacomo De Toni" userId="e6ace2866e317739" providerId="LiveId" clId="{7414448D-E60C-4F16-99D3-9C24E744FF90}" dt="2025-05-25T16:49:52.466" v="462" actId="207"/>
+          <ac:chgData name="Giacomo De Toni" userId="e6ace2866e317739" providerId="LiveId" clId="{7414448D-E60C-4F16-99D3-9C24E744FF90}" dt="2025-05-25T20:10:42.425" v="1343" actId="2711"/>
           <ac:spMkLst>
             <pc:docMk/>
             <pc:sldMk cId="1269810297" sldId="300"/>
@@ -1548,13 +1596,13 @@
         </pc:picChg>
       </pc:sldChg>
       <pc:sldChg chg="addSp delSp modSp mod">
-        <pc:chgData name="Giacomo De Toni" userId="e6ace2866e317739" providerId="LiveId" clId="{7414448D-E60C-4F16-99D3-9C24E744FF90}" dt="2025-05-25T16:49:47.467" v="461" actId="207"/>
+        <pc:chgData name="Giacomo De Toni" userId="e6ace2866e317739" providerId="LiveId" clId="{7414448D-E60C-4F16-99D3-9C24E744FF90}" dt="2025-05-25T20:10:36.516" v="1342" actId="2711"/>
         <pc:sldMkLst>
           <pc:docMk/>
           <pc:sldMk cId="3678378563" sldId="301"/>
         </pc:sldMkLst>
         <pc:spChg chg="mod">
-          <ac:chgData name="Giacomo De Toni" userId="e6ace2866e317739" providerId="LiveId" clId="{7414448D-E60C-4F16-99D3-9C24E744FF90}" dt="2025-05-25T16:33:53.190" v="342" actId="403"/>
+          <ac:chgData name="Giacomo De Toni" userId="e6ace2866e317739" providerId="LiveId" clId="{7414448D-E60C-4F16-99D3-9C24E744FF90}" dt="2025-05-25T20:10:33.318" v="1341" actId="2711"/>
           <ac:spMkLst>
             <pc:docMk/>
             <pc:sldMk cId="3678378563" sldId="301"/>
@@ -1562,7 +1610,7 @@
           </ac:spMkLst>
         </pc:spChg>
         <pc:spChg chg="mod">
-          <ac:chgData name="Giacomo De Toni" userId="e6ace2866e317739" providerId="LiveId" clId="{7414448D-E60C-4F16-99D3-9C24E744FF90}" dt="2025-05-25T16:49:47.467" v="461" actId="207"/>
+          <ac:chgData name="Giacomo De Toni" userId="e6ace2866e317739" providerId="LiveId" clId="{7414448D-E60C-4F16-99D3-9C24E744FF90}" dt="2025-05-25T20:10:36.516" v="1342" actId="2711"/>
           <ac:spMkLst>
             <pc:docMk/>
             <pc:sldMk cId="3678378563" sldId="301"/>
@@ -1587,13 +1635,13 @@
         </pc:picChg>
       </pc:sldChg>
       <pc:sldChg chg="addSp delSp modSp mod">
-        <pc:chgData name="Giacomo De Toni" userId="e6ace2866e317739" providerId="LiveId" clId="{7414448D-E60C-4F16-99D3-9C24E744FF90}" dt="2025-05-25T16:34:04.223" v="346" actId="404"/>
+        <pc:chgData name="Giacomo De Toni" userId="e6ace2866e317739" providerId="LiveId" clId="{7414448D-E60C-4F16-99D3-9C24E744FF90}" dt="2025-05-25T20:10:55.073" v="1346" actId="2711"/>
         <pc:sldMkLst>
           <pc:docMk/>
           <pc:sldMk cId="3105498901" sldId="302"/>
         </pc:sldMkLst>
         <pc:spChg chg="mod">
-          <ac:chgData name="Giacomo De Toni" userId="e6ace2866e317739" providerId="LiveId" clId="{7414448D-E60C-4F16-99D3-9C24E744FF90}" dt="2025-05-25T16:34:04.223" v="346" actId="404"/>
+          <ac:chgData name="Giacomo De Toni" userId="e6ace2866e317739" providerId="LiveId" clId="{7414448D-E60C-4F16-99D3-9C24E744FF90}" dt="2025-05-25T20:10:52.242" v="1345" actId="2711"/>
           <ac:spMkLst>
             <pc:docMk/>
             <pc:sldMk cId="3105498901" sldId="302"/>
@@ -1601,7 +1649,7 @@
           </ac:spMkLst>
         </pc:spChg>
         <pc:spChg chg="mod">
-          <ac:chgData name="Giacomo De Toni" userId="e6ace2866e317739" providerId="LiveId" clId="{7414448D-E60C-4F16-99D3-9C24E744FF90}" dt="2025-05-25T16:29:59.579" v="300" actId="20577"/>
+          <ac:chgData name="Giacomo De Toni" userId="e6ace2866e317739" providerId="LiveId" clId="{7414448D-E60C-4F16-99D3-9C24E744FF90}" dt="2025-05-25T20:10:55.073" v="1346" actId="2711"/>
           <ac:spMkLst>
             <pc:docMk/>
             <pc:sldMk cId="3105498901" sldId="302"/>
@@ -1626,11 +1674,27 @@
         </pc:picChg>
       </pc:sldChg>
       <pc:sldChg chg="addSp delSp modSp mod">
-        <pc:chgData name="Giacomo De Toni" userId="e6ace2866e317739" providerId="LiveId" clId="{7414448D-E60C-4F16-99D3-9C24E744FF90}" dt="2025-05-25T16:30:27.604" v="303" actId="1076"/>
+        <pc:chgData name="Giacomo De Toni" userId="e6ace2866e317739" providerId="LiveId" clId="{7414448D-E60C-4F16-99D3-9C24E744FF90}" dt="2025-05-25T20:11:05.649" v="1350" actId="2711"/>
         <pc:sldMkLst>
           <pc:docMk/>
           <pc:sldMk cId="534192337" sldId="303"/>
         </pc:sldMkLst>
+        <pc:spChg chg="mod">
+          <ac:chgData name="Giacomo De Toni" userId="e6ace2866e317739" providerId="LiveId" clId="{7414448D-E60C-4F16-99D3-9C24E744FF90}" dt="2025-05-25T20:10:59.286" v="1347" actId="2711"/>
+          <ac:spMkLst>
+            <pc:docMk/>
+            <pc:sldMk cId="534192337" sldId="303"/>
+            <ac:spMk id="4" creationId="{52D13EC5-7CED-D5BC-A008-200AFF08EC14}"/>
+          </ac:spMkLst>
+        </pc:spChg>
+        <pc:spChg chg="mod">
+          <ac:chgData name="Giacomo De Toni" userId="e6ace2866e317739" providerId="LiveId" clId="{7414448D-E60C-4F16-99D3-9C24E744FF90}" dt="2025-05-25T20:11:05.649" v="1350" actId="2711"/>
+          <ac:spMkLst>
+            <pc:docMk/>
+            <pc:sldMk cId="534192337" sldId="303"/>
+            <ac:spMk id="17" creationId="{F963C9DA-AC68-FAF8-D0C8-4449B906EA56}"/>
+          </ac:spMkLst>
+        </pc:spChg>
         <pc:picChg chg="add mod">
           <ac:chgData name="Giacomo De Toni" userId="e6ace2866e317739" providerId="LiveId" clId="{7414448D-E60C-4F16-99D3-9C24E744FF90}" dt="2025-05-25T16:30:27.604" v="303" actId="1076"/>
           <ac:picMkLst>
@@ -4909,7 +4973,7 @@
                 <a:solidFill>
                   <a:srgbClr val="1C656D"/>
                 </a:solidFill>
-                <a:latin typeface="Leelawadee UI" panose="020B0502040204020203" pitchFamily="34" charset="-34"/>
+                <a:latin typeface="Segoe UI Rounded"/>
                 <a:cs typeface="Leelawadee UI" panose="020B0502040204020203" pitchFamily="34" charset="-34"/>
               </a:rPr>
               <a:t>G</a:t>
@@ -4919,7 +4983,7 @@
                 <a:solidFill>
                   <a:srgbClr val="1C656D"/>
                 </a:solidFill>
-                <a:latin typeface="Leelawadee UI" panose="020B0502040204020203" pitchFamily="34" charset="-34"/>
+                <a:latin typeface="Segoe UI Rounded"/>
                 <a:cs typeface="Leelawadee UI" panose="020B0502040204020203" pitchFamily="34" charset="-34"/>
               </a:rPr>
               <a:t>enerative </a:t>
@@ -4929,7 +4993,7 @@
                 <a:solidFill>
                   <a:srgbClr val="1C656D"/>
                 </a:solidFill>
-                <a:latin typeface="Abadi" panose="020B0604020104020204" pitchFamily="34" charset="0"/>
+                <a:latin typeface="Segoe UI Rounded"/>
                 <a:cs typeface="Leelawadee UI" panose="020B0502040204020203" pitchFamily="34" charset="-34"/>
               </a:rPr>
               <a:t>A</a:t>
@@ -4939,57 +5003,47 @@
                 <a:solidFill>
                   <a:srgbClr val="1C656D"/>
                 </a:solidFill>
-                <a:latin typeface="Abadi" panose="020B0604020104020204" pitchFamily="34" charset="0"/>
+                <a:latin typeface="Segoe UI Rounded"/>
                 <a:cs typeface="Leelawadee UI" panose="020B0502040204020203" pitchFamily="34" charset="-34"/>
               </a:rPr>
-              <a:t>udio</a:t>
+              <a:t>udio via </a:t>
+            </a:r>
+            <a:r>
+              <a:rPr lang="it-IT" sz="4800" b="1" dirty="0">
+                <a:solidFill>
+                  <a:srgbClr val="1C656D"/>
+                </a:solidFill>
+                <a:latin typeface="Segoe UI Rounded"/>
+                <a:cs typeface="Leelawadee UI" panose="020B0502040204020203" pitchFamily="34" charset="-34"/>
+              </a:rPr>
+              <a:t>I</a:t>
             </a:r>
             <a:r>
               <a:rPr lang="it-IT" sz="4400" dirty="0">
                 <a:solidFill>
                   <a:srgbClr val="1C656D"/>
                 </a:solidFill>
-                <a:latin typeface="Leelawadee UI" panose="020B0502040204020203" pitchFamily="34" charset="-34"/>
+                <a:latin typeface="Segoe UI Rounded"/>
                 <a:cs typeface="Leelawadee UI" panose="020B0502040204020203" pitchFamily="34" charset="-34"/>
               </a:rPr>
-              <a:t> via </a:t>
+              <a:t>nteraction with </a:t>
             </a:r>
             <a:r>
               <a:rPr lang="it-IT" sz="4800" b="1" dirty="0">
                 <a:solidFill>
                   <a:srgbClr val="1C656D"/>
                 </a:solidFill>
-                <a:latin typeface="Leelawadee UI" panose="020B0502040204020203" pitchFamily="34" charset="-34"/>
+                <a:latin typeface="Segoe UI Rounded"/>
                 <a:cs typeface="Leelawadee UI" panose="020B0502040204020203" pitchFamily="34" charset="-34"/>
               </a:rPr>
-              <a:t>I</a:t>
+              <a:t>A</a:t>
             </a:r>
             <a:r>
               <a:rPr lang="it-IT" sz="4400" dirty="0">
                 <a:solidFill>
                   <a:srgbClr val="1C656D"/>
                 </a:solidFill>
-                <a:latin typeface="Leelawadee UI" panose="020B0502040204020203" pitchFamily="34" charset="-34"/>
-                <a:cs typeface="Leelawadee UI" panose="020B0502040204020203" pitchFamily="34" charset="-34"/>
-              </a:rPr>
-              <a:t>nteraction with </a:t>
-            </a:r>
-            <a:r>
-              <a:rPr lang="it-IT" sz="4800" b="1" dirty="0">
-                <a:solidFill>
-                  <a:srgbClr val="1C656D"/>
-                </a:solidFill>
-                <a:latin typeface="Leelawadee UI" panose="020B0502040204020203" pitchFamily="34" charset="-34"/>
-                <a:cs typeface="Leelawadee UI" panose="020B0502040204020203" pitchFamily="34" charset="-34"/>
-              </a:rPr>
-              <a:t>A</a:t>
-            </a:r>
-            <a:r>
-              <a:rPr lang="it-IT" sz="4400" dirty="0">
-                <a:solidFill>
-                  <a:srgbClr val="1C656D"/>
-                </a:solidFill>
-                <a:latin typeface="Leelawadee UI" panose="020B0502040204020203" pitchFamily="34" charset="-34"/>
+                <a:latin typeface="Segoe UI Rounded"/>
                 <a:cs typeface="Leelawadee UI" panose="020B0502040204020203" pitchFamily="34" charset="-34"/>
               </a:rPr>
               <a:t>mbient</a:t>
@@ -5031,7 +5085,7 @@
                 <a:solidFill>
                   <a:srgbClr val="5BA191"/>
                 </a:solidFill>
-                <a:latin typeface="Leelawadee UI" panose="020B0502040204020203" pitchFamily="34" charset="-34"/>
+                <a:latin typeface="Segoe UI Rounded"/>
                 <a:cs typeface="Leelawadee UI" panose="020B0502040204020203" pitchFamily="34" charset="-34"/>
               </a:rPr>
               <a:t>CMLS </a:t>
@@ -5041,7 +5095,7 @@
                 <a:solidFill>
                   <a:srgbClr val="5BA191"/>
                 </a:solidFill>
-                <a:latin typeface="Leelawadee UI" panose="020B0502040204020203" pitchFamily="34" charset="-34"/>
+                <a:latin typeface="Segoe UI Rounded"/>
                 <a:cs typeface="Leelawadee UI" panose="020B0502040204020203" pitchFamily="34" charset="-34"/>
               </a:rPr>
               <a:t>Final</a:t>
@@ -5051,7 +5105,7 @@
                 <a:solidFill>
                   <a:srgbClr val="5BA191"/>
                 </a:solidFill>
-                <a:latin typeface="Leelawadee UI" panose="020B0502040204020203" pitchFamily="34" charset="-34"/>
+                <a:latin typeface="Segoe UI Rounded"/>
                 <a:cs typeface="Leelawadee UI" panose="020B0502040204020203" pitchFamily="34" charset="-34"/>
               </a:rPr>
               <a:t> Project 2024/25</a:t>
@@ -5060,7 +5114,7 @@
               <a:solidFill>
                 <a:srgbClr val="5BA191"/>
               </a:solidFill>
-              <a:latin typeface="Leelawadee UI" panose="020B0502040204020203" pitchFamily="34" charset="-34"/>
+              <a:latin typeface="Segoe UI Rounded"/>
               <a:cs typeface="Leelawadee UI" panose="020B0502040204020203" pitchFamily="34" charset="-34"/>
             </a:endParaRPr>
           </a:p>
@@ -5179,7 +5233,7 @@
                 <a:solidFill>
                   <a:srgbClr val="1C656D"/>
                 </a:solidFill>
-                <a:latin typeface="Leelawadee UI" panose="020B0502040204020203" pitchFamily="34" charset="-34"/>
+                <a:latin typeface="Segoe UI Rounded"/>
                 <a:cs typeface="Leelawadee UI" panose="020B0502040204020203" pitchFamily="34" charset="-34"/>
               </a:rPr>
               <a:t>Data transmission</a:t>
@@ -5188,7 +5242,7 @@
               <a:solidFill>
                 <a:srgbClr val="1C656D"/>
               </a:solidFill>
-              <a:latin typeface="Leelawadee UI" panose="020B0502040204020203" pitchFamily="34" charset="-34"/>
+              <a:latin typeface="Segoe UI Rounded"/>
               <a:cs typeface="Leelawadee UI" panose="020B0502040204020203" pitchFamily="34" charset="-34"/>
             </a:endParaRPr>
           </a:p>
@@ -5228,67 +5282,47 @@
                 <a:solidFill>
                   <a:srgbClr val="1C656D"/>
                 </a:solidFill>
-                <a:latin typeface="Leelawadee UI" panose="020B0502040204020203" pitchFamily="34" charset="-34"/>
+                <a:latin typeface="Segoe UI Rounded"/>
                 <a:cs typeface="Leelawadee UI" panose="020B0502040204020203" pitchFamily="34" charset="-34"/>
               </a:rPr>
-              <a:t>Sensor and </a:t>
-            </a:r>
-            <a:r>
-              <a:rPr lang="it-IT" sz="2800">
-                <a:solidFill>
-                  <a:srgbClr val="1C656D"/>
-                </a:solidFill>
-                <a:latin typeface="Leelawadee UI" panose="020B0502040204020203" pitchFamily="34" charset="-34"/>
+              <a:t>Sensor and timing data are </a:t>
+            </a:r>
+            <a:r>
+              <a:rPr lang="it-IT" sz="2800" dirty="0" err="1">
+                <a:solidFill>
+                  <a:srgbClr val="1C656D"/>
+                </a:solidFill>
+                <a:latin typeface="Segoe UI Rounded"/>
                 <a:cs typeface="Leelawadee UI" panose="020B0502040204020203" pitchFamily="34" charset="-34"/>
               </a:rPr>
-              <a:t>timing data </a:t>
+              <a:t>formatted</a:t>
             </a:r>
             <a:r>
               <a:rPr lang="it-IT" sz="2800" dirty="0">
                 <a:solidFill>
                   <a:srgbClr val="1C656D"/>
                 </a:solidFill>
-                <a:latin typeface="Leelawadee UI" panose="020B0502040204020203" pitchFamily="34" charset="-34"/>
+                <a:latin typeface="Segoe UI Rounded"/>
                 <a:cs typeface="Leelawadee UI" panose="020B0502040204020203" pitchFamily="34" charset="-34"/>
               </a:rPr>
-              <a:t>are </a:t>
+              <a:t> and </a:t>
             </a:r>
             <a:r>
               <a:rPr lang="it-IT" sz="2800" dirty="0" err="1">
                 <a:solidFill>
                   <a:srgbClr val="1C656D"/>
                 </a:solidFill>
-                <a:latin typeface="Leelawadee UI" panose="020B0502040204020203" pitchFamily="34" charset="-34"/>
+                <a:latin typeface="Segoe UI Rounded"/>
                 <a:cs typeface="Leelawadee UI" panose="020B0502040204020203" pitchFamily="34" charset="-34"/>
               </a:rPr>
-              <a:t>formatted</a:t>
+              <a:t>transmitted</a:t>
             </a:r>
             <a:r>
               <a:rPr lang="it-IT" sz="2800" dirty="0">
                 <a:solidFill>
                   <a:srgbClr val="1C656D"/>
                 </a:solidFill>
-                <a:latin typeface="Leelawadee UI" panose="020B0502040204020203" pitchFamily="34" charset="-34"/>
-                <a:cs typeface="Leelawadee UI" panose="020B0502040204020203" pitchFamily="34" charset="-34"/>
-              </a:rPr>
-              <a:t> and </a:t>
-            </a:r>
-            <a:r>
-              <a:rPr lang="it-IT" sz="2800" dirty="0" err="1">
-                <a:solidFill>
-                  <a:srgbClr val="1C656D"/>
-                </a:solidFill>
-                <a:latin typeface="Leelawadee UI" panose="020B0502040204020203" pitchFamily="34" charset="-34"/>
-                <a:cs typeface="Leelawadee UI" panose="020B0502040204020203" pitchFamily="34" charset="-34"/>
-              </a:rPr>
-              <a:t>transmitted</a:t>
-            </a:r>
-            <a:r>
-              <a:rPr lang="it-IT" sz="2800" dirty="0">
-                <a:solidFill>
-                  <a:srgbClr val="1C656D"/>
-                </a:solidFill>
-                <a:latin typeface="Leelawadee UI" panose="020B0502040204020203" pitchFamily="34" charset="-34"/>
+                <a:latin typeface="Segoe UI Rounded"/>
                 <a:cs typeface="Leelawadee UI" panose="020B0502040204020203" pitchFamily="34" charset="-34"/>
               </a:rPr>
               <a:t> via Open Sound Control (OSC) over Wi-Fi to SuperCollider and Processing. </a:t>
@@ -5297,7 +5331,7 @@
               <a:solidFill>
                 <a:srgbClr val="1C656D"/>
               </a:solidFill>
-              <a:latin typeface="Leelawadee UI" panose="020B0502040204020203" pitchFamily="34" charset="-34"/>
+              <a:latin typeface="Segoe UI Rounded"/>
               <a:cs typeface="Leelawadee UI" panose="020B0502040204020203" pitchFamily="34" charset="-34"/>
             </a:endParaRPr>
           </a:p>
@@ -5622,7 +5656,7 @@
                 <a:solidFill>
                   <a:srgbClr val="1C656D"/>
                 </a:solidFill>
-                <a:latin typeface="Leelawadee UI" panose="020B0502040204020203" pitchFamily="34" charset="-34"/>
+                <a:latin typeface="Segoe UI Rounded"/>
                 <a:cs typeface="Leelawadee UI" panose="020B0502040204020203" pitchFamily="34" charset="-34"/>
               </a:rPr>
               <a:t>SuperCollider</a:t>
@@ -5631,7 +5665,7 @@
               <a:solidFill>
                 <a:srgbClr val="1C656D"/>
               </a:solidFill>
-              <a:latin typeface="Leelawadee UI" panose="020B0502040204020203" pitchFamily="34" charset="-34"/>
+              <a:latin typeface="Segoe UI Rounded"/>
               <a:cs typeface="Leelawadee UI" panose="020B0502040204020203" pitchFamily="34" charset="-34"/>
             </a:endParaRPr>
           </a:p>
@@ -5652,7 +5686,7 @@
         <p:spPr>
           <a:xfrm>
             <a:off x="581022" y="3739897"/>
-            <a:ext cx="11029950" cy="461665"/>
+            <a:ext cx="11029950" cy="584775"/>
           </a:xfrm>
           <a:prstGeom prst="rect">
             <a:avLst/>
@@ -5667,19 +5701,19 @@
           <a:p>
             <a:pPr algn="ctr"/>
             <a:r>
-              <a:rPr lang="it-IT" sz="2400" dirty="0">
+              <a:rPr lang="it-IT" sz="3200" dirty="0">
                 <a:solidFill>
                   <a:srgbClr val="5BA191"/>
                 </a:solidFill>
-                <a:latin typeface="Abadi" panose="020F0502020204030204" pitchFamily="34" charset="0"/>
+                <a:latin typeface="Segoe UI Rounded"/>
               </a:rPr>
               <a:t>Sound generation</a:t>
             </a:r>
-            <a:endParaRPr lang="it-IT" sz="2000" dirty="0">
+            <a:endParaRPr lang="it-IT" sz="2800" dirty="0">
               <a:solidFill>
                 <a:srgbClr val="5BA191"/>
               </a:solidFill>
-              <a:latin typeface="Abadi" panose="020F0502020204030204" pitchFamily="34" charset="0"/>
+              <a:latin typeface="Segoe UI Rounded"/>
             </a:endParaRPr>
           </a:p>
         </p:txBody>
@@ -5797,7 +5831,7 @@
                 <a:solidFill>
                   <a:srgbClr val="1C656D"/>
                 </a:solidFill>
-                <a:latin typeface="Leelawadee UI" panose="020B0502040204020203" pitchFamily="34" charset="-34"/>
+                <a:latin typeface="Segoe UI Rounded"/>
                 <a:cs typeface="Leelawadee UI" panose="020B0502040204020203" pitchFamily="34" charset="-34"/>
               </a:rPr>
               <a:t>Variables</a:t>
@@ -5807,7 +5841,7 @@
                 <a:solidFill>
                   <a:srgbClr val="1C656D"/>
                 </a:solidFill>
-                <a:latin typeface="Leelawadee UI" panose="020B0502040204020203" pitchFamily="34" charset="-34"/>
+                <a:latin typeface="Segoe UI Rounded"/>
                 <a:cs typeface="Leelawadee UI" panose="020B0502040204020203" pitchFamily="34" charset="-34"/>
               </a:rPr>
               <a:t> </a:t>
@@ -5817,7 +5851,7 @@
                 <a:solidFill>
                   <a:srgbClr val="1C656D"/>
                 </a:solidFill>
-                <a:latin typeface="Leelawadee UI" panose="020B0502040204020203" pitchFamily="34" charset="-34"/>
+                <a:latin typeface="Segoe UI Rounded"/>
                 <a:cs typeface="Leelawadee UI" panose="020B0502040204020203" pitchFamily="34" charset="-34"/>
               </a:rPr>
               <a:t>initialization</a:t>
@@ -5826,7 +5860,7 @@
               <a:solidFill>
                 <a:srgbClr val="1C656D"/>
               </a:solidFill>
-              <a:latin typeface="Leelawadee UI" panose="020B0502040204020203" pitchFamily="34" charset="-34"/>
+              <a:latin typeface="Segoe UI Rounded"/>
               <a:cs typeface="Leelawadee UI" panose="020B0502040204020203" pitchFamily="34" charset="-34"/>
             </a:endParaRPr>
           </a:p>
@@ -5886,151 +5920,16 @@
                 </a:solidFill>
                 <a:latin typeface="Abadi" panose="020F0502020204030204" pitchFamily="34" charset="0"/>
               </a:rPr>
-              <a:t> to be </a:t>
-            </a:r>
-            <a:r>
-              <a:rPr lang="it-IT" sz="2800" dirty="0" err="1">
+              <a:t> to </a:t>
+            </a:r>
+            <a:r>
+              <a:rPr lang="en-US" sz="2800" dirty="0">
                 <a:solidFill>
                   <a:srgbClr val="1C656D"/>
                 </a:solidFill>
                 <a:latin typeface="Abadi" panose="020F0502020204030204" pitchFamily="34" charset="0"/>
               </a:rPr>
-              <a:t>initialized</a:t>
-            </a:r>
-            <a:r>
-              <a:rPr lang="it-IT" sz="2800" dirty="0">
-                <a:solidFill>
-                  <a:srgbClr val="1C656D"/>
-                </a:solidFill>
-                <a:latin typeface="Abadi" panose="020F0502020204030204" pitchFamily="34" charset="0"/>
-              </a:rPr>
-              <a:t> with </a:t>
-            </a:r>
-            <a:r>
-              <a:rPr lang="it-IT" sz="2800" dirty="0" err="1">
-                <a:solidFill>
-                  <a:srgbClr val="1C656D"/>
-                </a:solidFill>
-                <a:latin typeface="Abadi" panose="020F0502020204030204" pitchFamily="34" charset="0"/>
-              </a:rPr>
-              <a:t>all</a:t>
-            </a:r>
-            <a:r>
-              <a:rPr lang="it-IT" sz="2800" dirty="0">
-                <a:solidFill>
-                  <a:srgbClr val="1C656D"/>
-                </a:solidFill>
-                <a:latin typeface="Abadi" panose="020F0502020204030204" pitchFamily="34" charset="0"/>
-              </a:rPr>
-              <a:t> the </a:t>
-            </a:r>
-            <a:r>
-              <a:rPr lang="it-IT" sz="2800" dirty="0" err="1">
-                <a:solidFill>
-                  <a:srgbClr val="1C656D"/>
-                </a:solidFill>
-                <a:latin typeface="Abadi" panose="020F0502020204030204" pitchFamily="34" charset="0"/>
-              </a:rPr>
-              <a:t>variables</a:t>
-            </a:r>
-            <a:r>
-              <a:rPr lang="it-IT" sz="2800" dirty="0">
-                <a:solidFill>
-                  <a:srgbClr val="1C656D"/>
-                </a:solidFill>
-                <a:latin typeface="Abadi" panose="020F0502020204030204" pitchFamily="34" charset="0"/>
-              </a:rPr>
-              <a:t> that are </a:t>
-            </a:r>
-            <a:r>
-              <a:rPr lang="it-IT" sz="2800" dirty="0" err="1">
-                <a:solidFill>
-                  <a:srgbClr val="1C656D"/>
-                </a:solidFill>
-                <a:latin typeface="Abadi" panose="020F0502020204030204" pitchFamily="34" charset="0"/>
-              </a:rPr>
-              <a:t>needed</a:t>
-            </a:r>
-            <a:r>
-              <a:rPr lang="it-IT" sz="2800" dirty="0">
-                <a:solidFill>
-                  <a:srgbClr val="1C656D"/>
-                </a:solidFill>
-                <a:latin typeface="Abadi" panose="020F0502020204030204" pitchFamily="34" charset="0"/>
-              </a:rPr>
-              <a:t> in </a:t>
-            </a:r>
-            <a:r>
-              <a:rPr lang="it-IT" sz="2800" dirty="0" err="1">
-                <a:solidFill>
-                  <a:srgbClr val="1C656D"/>
-                </a:solidFill>
-                <a:latin typeface="Abadi" panose="020F0502020204030204" pitchFamily="34" charset="0"/>
-              </a:rPr>
-              <a:t>order</a:t>
-            </a:r>
-            <a:r>
-              <a:rPr lang="it-IT" sz="2800" dirty="0">
-                <a:solidFill>
-                  <a:srgbClr val="1C656D"/>
-                </a:solidFill>
-                <a:latin typeface="Abadi" panose="020F0502020204030204" pitchFamily="34" charset="0"/>
-              </a:rPr>
-              <a:t> to </a:t>
-            </a:r>
-            <a:r>
-              <a:rPr lang="it-IT" sz="2800" dirty="0" err="1">
-                <a:solidFill>
-                  <a:srgbClr val="1C656D"/>
-                </a:solidFill>
-                <a:latin typeface="Abadi" panose="020F0502020204030204" pitchFamily="34" charset="0"/>
-              </a:rPr>
-              <a:t>guarantee</a:t>
-            </a:r>
-            <a:r>
-              <a:rPr lang="it-IT" sz="2800" dirty="0">
-                <a:solidFill>
-                  <a:srgbClr val="1C656D"/>
-                </a:solidFill>
-                <a:latin typeface="Abadi" panose="020F0502020204030204" pitchFamily="34" charset="0"/>
-              </a:rPr>
-              <a:t> the </a:t>
-            </a:r>
-            <a:r>
-              <a:rPr lang="it-IT" sz="2800" dirty="0" err="1">
-                <a:solidFill>
-                  <a:srgbClr val="1C656D"/>
-                </a:solidFill>
-                <a:latin typeface="Abadi" panose="020F0502020204030204" pitchFamily="34" charset="0"/>
-              </a:rPr>
-              <a:t>correct</a:t>
-            </a:r>
-            <a:r>
-              <a:rPr lang="it-IT" sz="2800" dirty="0">
-                <a:solidFill>
-                  <a:srgbClr val="1C656D"/>
-                </a:solidFill>
-                <a:latin typeface="Abadi" panose="020F0502020204030204" pitchFamily="34" charset="0"/>
-              </a:rPr>
-              <a:t> </a:t>
-            </a:r>
-            <a:r>
-              <a:rPr lang="it-IT" sz="2800" dirty="0" err="1">
-                <a:solidFill>
-                  <a:srgbClr val="1C656D"/>
-                </a:solidFill>
-                <a:latin typeface="Abadi" panose="020F0502020204030204" pitchFamily="34" charset="0"/>
-              </a:rPr>
-              <a:t>execution</a:t>
-            </a:r>
-            <a:r>
-              <a:rPr lang="it-IT" sz="2800" dirty="0">
-                <a:solidFill>
-                  <a:srgbClr val="1C656D"/>
-                </a:solidFill>
-                <a:latin typeface="Abadi" panose="020F0502020204030204" pitchFamily="34" charset="0"/>
-              </a:rPr>
-              <a:t>.</a:t>
+              <a:t>set the audio engine, the OSC ports, and the global parameters.</a:t>
             </a:r>
             <a:endParaRPr lang="it-IT" sz="2400" dirty="0">
               <a:solidFill>
@@ -6324,7 +6223,7 @@
                 <a:solidFill>
                   <a:srgbClr val="1C656D"/>
                 </a:solidFill>
-                <a:latin typeface="Leelawadee UI" panose="020B0502040204020203" pitchFamily="34" charset="-34"/>
+                <a:latin typeface="Segoe UI Rounded"/>
                 <a:cs typeface="Leelawadee UI" panose="020B0502040204020203" pitchFamily="34" charset="-34"/>
               </a:rPr>
               <a:t>Data reception</a:t>
@@ -6333,7 +6232,7 @@
               <a:solidFill>
                 <a:srgbClr val="1C656D"/>
               </a:solidFill>
-              <a:latin typeface="Leelawadee UI" panose="020B0502040204020203" pitchFamily="34" charset="-34"/>
+              <a:latin typeface="Segoe UI Rounded"/>
               <a:cs typeface="Leelawadee UI" panose="020B0502040204020203" pitchFamily="34" charset="-34"/>
             </a:endParaRPr>
           </a:p>
@@ -6373,7 +6272,7 @@
                 <a:solidFill>
                   <a:srgbClr val="1C656D"/>
                 </a:solidFill>
-                <a:latin typeface="Abadi" panose="020F0502020204030204" pitchFamily="34" charset="0"/>
+                <a:latin typeface="Segoe UI Rounded"/>
               </a:rPr>
               <a:t>In </a:t>
             </a:r>
@@ -6382,7 +6281,7 @@
                 <a:solidFill>
                   <a:srgbClr val="1C656D"/>
                 </a:solidFill>
-                <a:latin typeface="Abadi" panose="020F0502020204030204" pitchFamily="34" charset="0"/>
+                <a:latin typeface="Segoe UI Rounded"/>
               </a:rPr>
               <a:t>order</a:t>
             </a:r>
@@ -6391,133 +6290,79 @@
                 <a:solidFill>
                   <a:srgbClr val="1C656D"/>
                 </a:solidFill>
-                <a:latin typeface="Abadi" panose="020F0502020204030204" pitchFamily="34" charset="0"/>
-              </a:rPr>
-              <a:t> to work, it </a:t>
+                <a:latin typeface="Segoe UI Rounded"/>
+              </a:rPr>
+              <a:t> to work, </a:t>
             </a:r>
             <a:r>
               <a:rPr lang="it-IT" sz="2800" dirty="0" err="1">
                 <a:solidFill>
                   <a:srgbClr val="1C656D"/>
                 </a:solidFill>
-                <a:latin typeface="Abadi" panose="020F0502020204030204" pitchFamily="34" charset="0"/>
-              </a:rPr>
-              <a:t>is</a:t>
+                <a:latin typeface="Segoe UI Rounded"/>
+              </a:rPr>
+              <a:t>it</a:t>
             </a:r>
             <a:r>
               <a:rPr lang="it-IT" sz="2800" dirty="0">
                 <a:solidFill>
                   <a:srgbClr val="1C656D"/>
                 </a:solidFill>
-                <a:latin typeface="Abadi" panose="020F0502020204030204" pitchFamily="34" charset="0"/>
+                <a:latin typeface="Segoe UI Rounded"/>
               </a:rPr>
               <a:t> </a:t>
             </a:r>
             <a:r>
+              <a:rPr lang="en-US" sz="2800" dirty="0">
+                <a:solidFill>
+                  <a:srgbClr val="1C656D"/>
+                </a:solidFill>
+                <a:latin typeface="Segoe UI Rounded"/>
+              </a:rPr>
+              <a:t>listens for incoming values from Arduino.</a:t>
+            </a:r>
+            <a:r>
+              <a:rPr lang="it-IT" sz="2800" dirty="0">
+                <a:solidFill>
+                  <a:srgbClr val="1C656D"/>
+                </a:solidFill>
+                <a:latin typeface="Segoe UI Rounded"/>
+              </a:rPr>
+              <a:t> </a:t>
+            </a:r>
+            <a:r>
               <a:rPr lang="it-IT" sz="2800" dirty="0" err="1">
                 <a:solidFill>
                   <a:srgbClr val="1C656D"/>
                 </a:solidFill>
-                <a:latin typeface="Abadi" panose="020F0502020204030204" pitchFamily="34" charset="0"/>
-              </a:rPr>
-              <a:t>mandatory</a:t>
+                <a:latin typeface="Segoe UI Rounded"/>
+              </a:rPr>
+              <a:t>It</a:t>
             </a:r>
             <a:r>
               <a:rPr lang="it-IT" sz="2800" dirty="0">
                 <a:solidFill>
                   <a:srgbClr val="1C656D"/>
                 </a:solidFill>
-                <a:latin typeface="Abadi" panose="020F0502020204030204" pitchFamily="34" charset="0"/>
-              </a:rPr>
-              <a:t> to </a:t>
-            </a:r>
-            <a:r>
-              <a:rPr lang="it-IT" sz="2800" dirty="0" err="1">
-                <a:solidFill>
-                  <a:srgbClr val="1C656D"/>
-                </a:solidFill>
-                <a:latin typeface="Abadi" panose="020F0502020204030204" pitchFamily="34" charset="0"/>
-              </a:rPr>
-              <a:t>retrieve</a:t>
+                <a:latin typeface="Segoe UI Rounded"/>
+              </a:rPr>
+              <a:t> </a:t>
+            </a:r>
+            <a:r>
+              <a:rPr lang="en-US" sz="2800" dirty="0">
+                <a:solidFill>
+                  <a:srgbClr val="1C656D"/>
+                </a:solidFill>
+                <a:latin typeface="Segoe UI Rounded"/>
+              </a:rPr>
+              <a:t>continuously receives: temperature, humidity, light and timing cues</a:t>
             </a:r>
             <a:r>
               <a:rPr lang="it-IT" sz="2800" dirty="0">
                 <a:solidFill>
                   <a:srgbClr val="1C656D"/>
                 </a:solidFill>
-                <a:latin typeface="Abadi" panose="020F0502020204030204" pitchFamily="34" charset="0"/>
-              </a:rPr>
-              <a:t> the data from the GAIA totem. OSC </a:t>
-            </a:r>
-            <a:r>
-              <a:rPr lang="it-IT" sz="2800" dirty="0" err="1">
-                <a:solidFill>
-                  <a:srgbClr val="1C656D"/>
-                </a:solidFill>
-                <a:latin typeface="Abadi" panose="020F0502020204030204" pitchFamily="34" charset="0"/>
-              </a:rPr>
-              <a:t>receivers</a:t>
-            </a:r>
-            <a:r>
-              <a:rPr lang="it-IT" sz="2800" dirty="0">
-                <a:solidFill>
-                  <a:srgbClr val="1C656D"/>
-                </a:solidFill>
-                <a:latin typeface="Abadi" panose="020F0502020204030204" pitchFamily="34" charset="0"/>
-              </a:rPr>
-              <a:t> are so </a:t>
-            </a:r>
-            <a:r>
-              <a:rPr lang="it-IT" sz="2800" dirty="0" err="1">
-                <a:solidFill>
-                  <a:srgbClr val="1C656D"/>
-                </a:solidFill>
-                <a:latin typeface="Abadi" panose="020F0502020204030204" pitchFamily="34" charset="0"/>
-              </a:rPr>
-              <a:t>declared</a:t>
-            </a:r>
-            <a:r>
-              <a:rPr lang="it-IT" sz="2800" dirty="0">
-                <a:solidFill>
-                  <a:srgbClr val="1C656D"/>
-                </a:solidFill>
-                <a:latin typeface="Abadi" panose="020F0502020204030204" pitchFamily="34" charset="0"/>
-              </a:rPr>
-              <a:t> to </a:t>
-            </a:r>
-            <a:r>
-              <a:rPr lang="it-IT" sz="2800" dirty="0" err="1">
-                <a:solidFill>
-                  <a:srgbClr val="1C656D"/>
-                </a:solidFill>
-                <a:latin typeface="Abadi" panose="020F0502020204030204" pitchFamily="34" charset="0"/>
-              </a:rPr>
-              <a:t>achieve</a:t>
-            </a:r>
-            <a:r>
-              <a:rPr lang="it-IT" sz="2800" dirty="0">
-                <a:solidFill>
-                  <a:srgbClr val="1C656D"/>
-                </a:solidFill>
-                <a:latin typeface="Abadi" panose="020F0502020204030204" pitchFamily="34" charset="0"/>
-              </a:rPr>
-              <a:t> </a:t>
-            </a:r>
-            <a:r>
-              <a:rPr lang="it-IT" sz="2800" dirty="0" err="1">
-                <a:solidFill>
-                  <a:srgbClr val="1C656D"/>
-                </a:solidFill>
-                <a:latin typeface="Abadi" panose="020F0502020204030204" pitchFamily="34" charset="0"/>
-              </a:rPr>
-              <a:t>this</a:t>
-            </a:r>
-            <a:r>
-              <a:rPr lang="it-IT" sz="2800" dirty="0">
-                <a:solidFill>
-                  <a:srgbClr val="1C656D"/>
-                </a:solidFill>
-                <a:latin typeface="Abadi" panose="020F0502020204030204" pitchFamily="34" charset="0"/>
+                <a:latin typeface="Segoe UI Rounded"/>
               </a:rPr>
               <a:t>.</a:t>
             </a:r>
@@ -6525,7 +6370,7 @@
               <a:solidFill>
                 <a:srgbClr val="1C656D"/>
               </a:solidFill>
-              <a:latin typeface="Abadi" panose="020F0502020204030204" pitchFamily="34" charset="0"/>
+              <a:latin typeface="Segoe UI Rounded"/>
             </a:endParaRPr>
           </a:p>
         </p:txBody>
@@ -6813,7 +6658,7 @@
                 <a:solidFill>
                   <a:srgbClr val="1C656D"/>
                 </a:solidFill>
-                <a:latin typeface="Leelawadee UI" panose="020B0502040204020203" pitchFamily="34" charset="-34"/>
+                <a:latin typeface="Segoe UI Rounded"/>
                 <a:cs typeface="Leelawadee UI" panose="020B0502040204020203" pitchFamily="34" charset="-34"/>
               </a:rPr>
               <a:t>Synth </a:t>
@@ -6823,7 +6668,7 @@
                 <a:solidFill>
                   <a:srgbClr val="1C656D"/>
                 </a:solidFill>
-                <a:latin typeface="Leelawadee UI" panose="020B0502040204020203" pitchFamily="34" charset="-34"/>
+                <a:latin typeface="Segoe UI Rounded"/>
                 <a:cs typeface="Leelawadee UI" panose="020B0502040204020203" pitchFamily="34" charset="-34"/>
               </a:rPr>
               <a:t>definition</a:t>
@@ -6832,7 +6677,7 @@
               <a:solidFill>
                 <a:srgbClr val="1C656D"/>
               </a:solidFill>
-              <a:latin typeface="Leelawadee UI" panose="020B0502040204020203" pitchFamily="34" charset="-34"/>
+              <a:latin typeface="Segoe UI Rounded"/>
               <a:cs typeface="Leelawadee UI" panose="020B0502040204020203" pitchFamily="34" charset="-34"/>
             </a:endParaRPr>
           </a:p>
@@ -6868,85 +6713,31 @@
           <a:p>
             <a:pPr algn="ctr"/>
             <a:r>
-              <a:rPr lang="it-IT" sz="2800" dirty="0">
+              <a:rPr lang="en-US" sz="2800" dirty="0">
                 <a:solidFill>
                   <a:srgbClr val="1C656D"/>
                 </a:solidFill>
                 <a:latin typeface="Abadi" panose="020F0502020204030204" pitchFamily="34" charset="0"/>
               </a:rPr>
-              <a:t>The GAIA synth </a:t>
-            </a:r>
-            <a:r>
-              <a:rPr lang="it-IT" sz="2800" dirty="0" err="1">
+              <a:t>It defines a </a:t>
+            </a:r>
+            <a:r>
+              <a:rPr lang="en-US" sz="2800" dirty="0" err="1">
                 <a:solidFill>
                   <a:srgbClr val="1C656D"/>
                 </a:solidFill>
                 <a:latin typeface="Abadi" panose="020F0502020204030204" pitchFamily="34" charset="0"/>
               </a:rPr>
-              <a:t>is</a:t>
-            </a:r>
-            <a:r>
-              <a:rPr lang="it-IT" sz="2800" dirty="0">
+              <a:t>SynthDef</a:t>
+            </a:r>
+            <a:r>
+              <a:rPr lang="en-US" sz="2800" dirty="0">
                 <a:solidFill>
                   <a:srgbClr val="1C656D"/>
                 </a:solidFill>
                 <a:latin typeface="Abadi" panose="020F0502020204030204" pitchFamily="34" charset="0"/>
               </a:rPr>
-              <a:t> </a:t>
-            </a:r>
-            <a:r>
-              <a:rPr lang="it-IT" sz="2800" dirty="0" err="1">
-                <a:solidFill>
-                  <a:srgbClr val="1C656D"/>
-                </a:solidFill>
-                <a:latin typeface="Abadi" panose="020F0502020204030204" pitchFamily="34" charset="0"/>
-              </a:rPr>
-              <a:t>defined</a:t>
-            </a:r>
-            <a:r>
-              <a:rPr lang="it-IT" sz="2800" dirty="0">
-                <a:solidFill>
-                  <a:srgbClr val="1C656D"/>
-                </a:solidFill>
-                <a:latin typeface="Abadi" panose="020F0502020204030204" pitchFamily="34" charset="0"/>
-              </a:rPr>
-              <a:t> to compute music with the ambient </a:t>
-            </a:r>
-            <a:r>
-              <a:rPr lang="it-IT" sz="2800" dirty="0" err="1">
-                <a:solidFill>
-                  <a:srgbClr val="1C656D"/>
-                </a:solidFill>
-                <a:latin typeface="Abadi" panose="020F0502020204030204" pitchFamily="34" charset="0"/>
-              </a:rPr>
-              <a:t>values</a:t>
-            </a:r>
-            <a:r>
-              <a:rPr lang="it-IT" sz="2800" dirty="0">
-                <a:solidFill>
-                  <a:srgbClr val="1C656D"/>
-                </a:solidFill>
-                <a:latin typeface="Abadi" panose="020F0502020204030204" pitchFamily="34" charset="0"/>
-              </a:rPr>
-              <a:t> </a:t>
-            </a:r>
-            <a:r>
-              <a:rPr lang="it-IT" sz="2800" dirty="0" err="1">
-                <a:solidFill>
-                  <a:srgbClr val="1C656D"/>
-                </a:solidFill>
-                <a:latin typeface="Abadi" panose="020F0502020204030204" pitchFamily="34" charset="0"/>
-              </a:rPr>
-              <a:t>retrieved</a:t>
-            </a:r>
-            <a:r>
-              <a:rPr lang="it-IT" sz="2800" dirty="0">
-                <a:solidFill>
-                  <a:srgbClr val="1C656D"/>
-                </a:solidFill>
-                <a:latin typeface="Abadi" panose="020F0502020204030204" pitchFamily="34" charset="0"/>
-              </a:rPr>
-              <a:t> from the GAIA totem.</a:t>
+              <a:t> that merges bass, chords, and melody each shaped by light, humidity, and temperature to form a living, ambient texture.</a:t>
             </a:r>
             <a:endParaRPr lang="it-IT" sz="2400" dirty="0">
               <a:solidFill>
@@ -7240,7 +7031,7 @@
                 <a:solidFill>
                   <a:srgbClr val="1C656D"/>
                 </a:solidFill>
-                <a:latin typeface="Leelawadee UI" panose="020B0502040204020203" pitchFamily="34" charset="-34"/>
+                <a:latin typeface="Segoe UI Rounded"/>
                 <a:cs typeface="Leelawadee UI" panose="020B0502040204020203" pitchFamily="34" charset="-34"/>
               </a:rPr>
               <a:t>Alternative </a:t>
@@ -7250,7 +7041,7 @@
                 <a:solidFill>
                   <a:srgbClr val="1C656D"/>
                 </a:solidFill>
-                <a:latin typeface="Leelawadee UI" panose="020B0502040204020203" pitchFamily="34" charset="-34"/>
+                <a:latin typeface="Segoe UI Rounded"/>
                 <a:cs typeface="Leelawadee UI" panose="020B0502040204020203" pitchFamily="34" charset="-34"/>
               </a:rPr>
               <a:t>execution</a:t>
@@ -7259,7 +7050,7 @@
               <a:solidFill>
                 <a:srgbClr val="1C656D"/>
               </a:solidFill>
-              <a:latin typeface="Leelawadee UI" panose="020B0502040204020203" pitchFamily="34" charset="-34"/>
+              <a:latin typeface="Segoe UI Rounded"/>
               <a:cs typeface="Leelawadee UI" panose="020B0502040204020203" pitchFamily="34" charset="-34"/>
             </a:endParaRPr>
           </a:p>
@@ -7295,191 +7086,14 @@
           <a:p>
             <a:pPr algn="ctr"/>
             <a:r>
-              <a:rPr lang="it-IT" sz="2800" dirty="0" err="1">
+              <a:rPr lang="en-US" sz="2800" dirty="0">
                 <a:solidFill>
                   <a:srgbClr val="1C656D"/>
                 </a:solidFill>
                 <a:latin typeface="Abadi" panose="020F0502020204030204" pitchFamily="34" charset="0"/>
               </a:rPr>
-              <a:t>There</a:t>
-            </a:r>
-            <a:r>
-              <a:rPr lang="it-IT" sz="2800" dirty="0">
-                <a:solidFill>
-                  <a:srgbClr val="1C656D"/>
-                </a:solidFill>
-                <a:latin typeface="Abadi" panose="020F0502020204030204" pitchFamily="34" charset="0"/>
-              </a:rPr>
-              <a:t> are </a:t>
-            </a:r>
-            <a:r>
-              <a:rPr lang="it-IT" sz="2800" dirty="0" err="1">
-                <a:solidFill>
-                  <a:srgbClr val="1C656D"/>
-                </a:solidFill>
-                <a:latin typeface="Abadi" panose="020F0502020204030204" pitchFamily="34" charset="0"/>
-              </a:rPr>
-              <a:t>two</a:t>
-            </a:r>
-            <a:r>
-              <a:rPr lang="it-IT" sz="2800" dirty="0">
-                <a:solidFill>
-                  <a:srgbClr val="1C656D"/>
-                </a:solidFill>
-                <a:latin typeface="Abadi" panose="020F0502020204030204" pitchFamily="34" charset="0"/>
-              </a:rPr>
-              <a:t> </a:t>
-            </a:r>
-            <a:r>
-              <a:rPr lang="it-IT" sz="2800" dirty="0" err="1">
-                <a:solidFill>
-                  <a:srgbClr val="1C656D"/>
-                </a:solidFill>
-                <a:latin typeface="Abadi" panose="020F0502020204030204" pitchFamily="34" charset="0"/>
-              </a:rPr>
-              <a:t>possible</a:t>
-            </a:r>
-            <a:r>
-              <a:rPr lang="it-IT" sz="2800" dirty="0">
-                <a:solidFill>
-                  <a:srgbClr val="1C656D"/>
-                </a:solidFill>
-                <a:latin typeface="Abadi" panose="020F0502020204030204" pitchFamily="34" charset="0"/>
-              </a:rPr>
-              <a:t> options to </a:t>
-            </a:r>
-            <a:r>
-              <a:rPr lang="it-IT" sz="2800" dirty="0" err="1">
-                <a:solidFill>
-                  <a:srgbClr val="1C656D"/>
-                </a:solidFill>
-                <a:latin typeface="Abadi" panose="020F0502020204030204" pitchFamily="34" charset="0"/>
-              </a:rPr>
-              <a:t>execute</a:t>
-            </a:r>
-            <a:r>
-              <a:rPr lang="it-IT" sz="2800" dirty="0">
-                <a:solidFill>
-                  <a:srgbClr val="1C656D"/>
-                </a:solidFill>
-                <a:latin typeface="Abadi" panose="020F0502020204030204" pitchFamily="34" charset="0"/>
-              </a:rPr>
-              <a:t> GAIA: one </a:t>
-            </a:r>
-            <a:r>
-              <a:rPr lang="it-IT" sz="2800" dirty="0" err="1">
-                <a:solidFill>
-                  <a:srgbClr val="1C656D"/>
-                </a:solidFill>
-                <a:latin typeface="Abadi" panose="020F0502020204030204" pitchFamily="34" charset="0"/>
-              </a:rPr>
-              <a:t>which</a:t>
-            </a:r>
-            <a:r>
-              <a:rPr lang="it-IT" sz="2800" dirty="0">
-                <a:solidFill>
-                  <a:srgbClr val="1C656D"/>
-                </a:solidFill>
-                <a:latin typeface="Abadi" panose="020F0502020204030204" pitchFamily="34" charset="0"/>
-              </a:rPr>
-              <a:t> </a:t>
-            </a:r>
-            <a:r>
-              <a:rPr lang="it-IT" sz="2800" dirty="0" err="1">
-                <a:solidFill>
-                  <a:srgbClr val="1C656D"/>
-                </a:solidFill>
-                <a:latin typeface="Abadi" panose="020F0502020204030204" pitchFamily="34" charset="0"/>
-              </a:rPr>
-              <a:t>involves</a:t>
-            </a:r>
-            <a:r>
-              <a:rPr lang="it-IT" sz="2800" dirty="0">
-                <a:solidFill>
-                  <a:srgbClr val="1C656D"/>
-                </a:solidFill>
-                <a:latin typeface="Abadi" panose="020F0502020204030204" pitchFamily="34" charset="0"/>
-              </a:rPr>
-              <a:t> the GAIA totem, the </a:t>
-            </a:r>
-            <a:r>
-              <a:rPr lang="it-IT" sz="2800" dirty="0" err="1">
-                <a:solidFill>
-                  <a:srgbClr val="1C656D"/>
-                </a:solidFill>
-                <a:latin typeface="Abadi" panose="020F0502020204030204" pitchFamily="34" charset="0"/>
-              </a:rPr>
-              <a:t>other</a:t>
-            </a:r>
-            <a:r>
-              <a:rPr lang="it-IT" sz="2800" dirty="0">
-                <a:solidFill>
-                  <a:srgbClr val="1C656D"/>
-                </a:solidFill>
-                <a:latin typeface="Abadi" panose="020F0502020204030204" pitchFamily="34" charset="0"/>
-              </a:rPr>
-              <a:t> that </a:t>
-            </a:r>
-            <a:r>
-              <a:rPr lang="it-IT" sz="2800" dirty="0" err="1">
-                <a:solidFill>
-                  <a:srgbClr val="1C656D"/>
-                </a:solidFill>
-                <a:latin typeface="Abadi" panose="020F0502020204030204" pitchFamily="34" charset="0"/>
-              </a:rPr>
-              <a:t>is</a:t>
-            </a:r>
-            <a:r>
-              <a:rPr lang="it-IT" sz="2800" dirty="0">
-                <a:solidFill>
-                  <a:srgbClr val="1C656D"/>
-                </a:solidFill>
-                <a:latin typeface="Abadi" panose="020F0502020204030204" pitchFamily="34" charset="0"/>
-              </a:rPr>
-              <a:t> </a:t>
-            </a:r>
-            <a:r>
-              <a:rPr lang="it-IT" sz="2800" dirty="0" err="1">
-                <a:solidFill>
-                  <a:srgbClr val="1C656D"/>
-                </a:solidFill>
-                <a:latin typeface="Abadi" panose="020F0502020204030204" pitchFamily="34" charset="0"/>
-              </a:rPr>
-              <a:t>based</a:t>
-            </a:r>
-            <a:r>
-              <a:rPr lang="it-IT" sz="2800" dirty="0">
-                <a:solidFill>
-                  <a:srgbClr val="1C656D"/>
-                </a:solidFill>
-                <a:latin typeface="Abadi" panose="020F0502020204030204" pitchFamily="34" charset="0"/>
-              </a:rPr>
-              <a:t> on a random data generation </a:t>
-            </a:r>
-            <a:r>
-              <a:rPr lang="it-IT" sz="2800" dirty="0" err="1">
-                <a:solidFill>
-                  <a:srgbClr val="1C656D"/>
-                </a:solidFill>
-                <a:latin typeface="Abadi" panose="020F0502020204030204" pitchFamily="34" charset="0"/>
-              </a:rPr>
-              <a:t>function</a:t>
-            </a:r>
-            <a:r>
-              <a:rPr lang="it-IT" sz="2800" dirty="0">
-                <a:solidFill>
-                  <a:srgbClr val="1C656D"/>
-                </a:solidFill>
-                <a:latin typeface="Abadi" panose="020F0502020204030204" pitchFamily="34" charset="0"/>
-              </a:rPr>
-              <a:t>.</a:t>
-            </a:r>
-            <a:endParaRPr lang="it-IT" sz="2400" dirty="0">
-              <a:solidFill>
-                <a:srgbClr val="1C656D"/>
-              </a:solidFill>
-              <a:latin typeface="Abadi" panose="020F0502020204030204" pitchFamily="34" charset="0"/>
-            </a:endParaRPr>
+              <a:t>GAIA can also run in a simulation mode: random data replaces real sensor input.</a:t>
+            </a:r>
           </a:p>
         </p:txBody>
       </p:sp>
@@ -7766,7 +7380,7 @@
                 <a:solidFill>
                   <a:srgbClr val="1C656D"/>
                 </a:solidFill>
-                <a:latin typeface="Leelawadee UI" panose="020B0502040204020203" pitchFamily="34" charset="-34"/>
+                <a:latin typeface="Segoe UI Rounded"/>
                 <a:cs typeface="Leelawadee UI" panose="020B0502040204020203" pitchFamily="34" charset="-34"/>
               </a:rPr>
               <a:t>UGen</a:t>
@@ -7776,7 +7390,7 @@
                 <a:solidFill>
                   <a:srgbClr val="1C656D"/>
                 </a:solidFill>
-                <a:latin typeface="Leelawadee UI" panose="020B0502040204020203" pitchFamily="34" charset="-34"/>
+                <a:latin typeface="Segoe UI Rounded"/>
                 <a:cs typeface="Leelawadee UI" panose="020B0502040204020203" pitchFamily="34" charset="-34"/>
               </a:rPr>
               <a:t> </a:t>
@@ -7786,7 +7400,7 @@
                 <a:solidFill>
                   <a:srgbClr val="1C656D"/>
                 </a:solidFill>
-                <a:latin typeface="Leelawadee UI" panose="020B0502040204020203" pitchFamily="34" charset="-34"/>
+                <a:latin typeface="Segoe UI Rounded"/>
                 <a:cs typeface="Leelawadee UI" panose="020B0502040204020203" pitchFamily="34" charset="-34"/>
               </a:rPr>
               <a:t>graphs</a:t>
@@ -7795,7 +7409,7 @@
               <a:solidFill>
                 <a:srgbClr val="1C656D"/>
               </a:solidFill>
-              <a:latin typeface="Leelawadee UI" panose="020B0502040204020203" pitchFamily="34" charset="-34"/>
+              <a:latin typeface="Segoe UI Rounded"/>
               <a:cs typeface="Leelawadee UI" panose="020B0502040204020203" pitchFamily="34" charset="-34"/>
             </a:endParaRPr>
           </a:p>
@@ -7987,7 +7601,7 @@
                 <a:solidFill>
                   <a:srgbClr val="1C656D"/>
                 </a:solidFill>
-                <a:latin typeface="Leelawadee UI" panose="020B0502040204020203" pitchFamily="34" charset="-34"/>
+                <a:latin typeface="Segoe UI Rounded"/>
                 <a:cs typeface="Leelawadee UI" panose="020B0502040204020203" pitchFamily="34" charset="-34"/>
               </a:rPr>
               <a:t>Reaper</a:t>
@@ -7996,7 +7610,7 @@
               <a:solidFill>
                 <a:srgbClr val="1C656D"/>
               </a:solidFill>
-              <a:latin typeface="Leelawadee UI" panose="020B0502040204020203" pitchFamily="34" charset="-34"/>
+              <a:latin typeface="Segoe UI Rounded"/>
               <a:cs typeface="Leelawadee UI" panose="020B0502040204020203" pitchFamily="34" charset="-34"/>
             </a:endParaRPr>
           </a:p>
@@ -8017,7 +7631,7 @@
         <p:spPr>
           <a:xfrm>
             <a:off x="581022" y="3739897"/>
-            <a:ext cx="11029950" cy="461665"/>
+            <a:ext cx="11029950" cy="584775"/>
           </a:xfrm>
           <a:prstGeom prst="rect">
             <a:avLst/>
@@ -8032,19 +7646,19 @@
           <a:p>
             <a:pPr algn="ctr"/>
             <a:r>
-              <a:rPr lang="it-IT" sz="2400" dirty="0">
+              <a:rPr lang="it-IT" sz="3200" dirty="0">
                 <a:solidFill>
                   <a:srgbClr val="5BA191"/>
                 </a:solidFill>
-                <a:latin typeface="Abadi" panose="020F0502020204030204" pitchFamily="34" charset="0"/>
+                <a:latin typeface="Segoe UI Rounded"/>
               </a:rPr>
               <a:t>DAW</a:t>
             </a:r>
-            <a:endParaRPr lang="it-IT" sz="2000" dirty="0">
+            <a:endParaRPr lang="it-IT" sz="2800" dirty="0">
               <a:solidFill>
                 <a:srgbClr val="5BA191"/>
               </a:solidFill>
-              <a:latin typeface="Abadi" panose="020F0502020204030204" pitchFamily="34" charset="0"/>
+              <a:latin typeface="Segoe UI Rounded"/>
             </a:endParaRPr>
           </a:p>
         </p:txBody>
@@ -8162,7 +7776,7 @@
                 <a:solidFill>
                   <a:srgbClr val="1C656D"/>
                 </a:solidFill>
-                <a:latin typeface="Leelawadee UI" panose="020B0502040204020203" pitchFamily="34" charset="-34"/>
+                <a:latin typeface="Segoe UI Rounded"/>
                 <a:cs typeface="Leelawadee UI" panose="020B0502040204020203" pitchFamily="34" charset="-34"/>
               </a:rPr>
               <a:t>Input </a:t>
@@ -8172,7 +7786,7 @@
                 <a:solidFill>
                   <a:srgbClr val="1C656D"/>
                 </a:solidFill>
-                <a:latin typeface="Leelawadee UI" panose="020B0502040204020203" pitchFamily="34" charset="-34"/>
+                <a:latin typeface="Segoe UI Rounded"/>
                 <a:cs typeface="Leelawadee UI" panose="020B0502040204020203" pitchFamily="34" charset="-34"/>
               </a:rPr>
               <a:t>signal</a:t>
@@ -8182,7 +7796,7 @@
                 <a:solidFill>
                   <a:srgbClr val="1C656D"/>
                 </a:solidFill>
-                <a:latin typeface="Leelawadee UI" panose="020B0502040204020203" pitchFamily="34" charset="-34"/>
+                <a:latin typeface="Segoe UI Rounded"/>
                 <a:cs typeface="Leelawadee UI" panose="020B0502040204020203" pitchFamily="34" charset="-34"/>
               </a:rPr>
               <a:t> format</a:t>
@@ -8191,7 +7805,7 @@
               <a:solidFill>
                 <a:srgbClr val="1C656D"/>
               </a:solidFill>
-              <a:latin typeface="Leelawadee UI" panose="020B0502040204020203" pitchFamily="34" charset="-34"/>
+              <a:latin typeface="Segoe UI Rounded"/>
               <a:cs typeface="Leelawadee UI" panose="020B0502040204020203" pitchFamily="34" charset="-34"/>
             </a:endParaRPr>
           </a:p>
@@ -8227,160 +7841,37 @@
           <a:p>
             <a:pPr algn="ctr"/>
             <a:r>
-              <a:rPr lang="it-IT" sz="2800" dirty="0">
-                <a:solidFill>
-                  <a:srgbClr val="1C656D"/>
-                </a:solidFill>
-                <a:latin typeface="Abadi" panose="020F0502020204030204" pitchFamily="34" charset="0"/>
-              </a:rPr>
-              <a:t>Reaper DAW </a:t>
-            </a:r>
-            <a:r>
-              <a:rPr lang="it-IT" sz="2800" dirty="0" err="1">
-                <a:solidFill>
-                  <a:srgbClr val="1C656D"/>
-                </a:solidFill>
-                <a:latin typeface="Abadi" panose="020F0502020204030204" pitchFamily="34" charset="0"/>
-              </a:rPr>
-              <a:t>receives</a:t>
-            </a:r>
-            <a:r>
-              <a:rPr lang="it-IT" sz="2800" dirty="0">
-                <a:solidFill>
-                  <a:srgbClr val="1C656D"/>
-                </a:solidFill>
-                <a:latin typeface="Abadi" panose="020F0502020204030204" pitchFamily="34" charset="0"/>
-              </a:rPr>
-              <a:t> the input from </a:t>
-            </a:r>
-            <a:r>
-              <a:rPr lang="it-IT" sz="2800" dirty="0" err="1">
-                <a:solidFill>
-                  <a:srgbClr val="1C656D"/>
-                </a:solidFill>
-                <a:latin typeface="Abadi" panose="020F0502020204030204" pitchFamily="34" charset="0"/>
-              </a:rPr>
-              <a:t>Supercollider</a:t>
-            </a:r>
-            <a:r>
-              <a:rPr lang="it-IT" sz="2800" dirty="0">
-                <a:solidFill>
-                  <a:srgbClr val="1C656D"/>
-                </a:solidFill>
-                <a:latin typeface="Abadi" panose="020F0502020204030204" pitchFamily="34" charset="0"/>
-              </a:rPr>
-              <a:t>, </a:t>
-            </a:r>
-          </a:p>
-          <a:p>
-            <a:pPr algn="ctr"/>
-            <a:r>
-              <a:rPr lang="it-IT" sz="2800" dirty="0" err="1">
-                <a:solidFill>
-                  <a:srgbClr val="1C656D"/>
-                </a:solidFill>
-                <a:latin typeface="Abadi" panose="020F0502020204030204" pitchFamily="34" charset="0"/>
-              </a:rPr>
-              <a:t>that</a:t>
-            </a:r>
-            <a:r>
-              <a:rPr lang="it-IT" sz="2800" dirty="0">
-                <a:solidFill>
-                  <a:srgbClr val="1C656D"/>
-                </a:solidFill>
-                <a:latin typeface="Abadi" panose="020F0502020204030204" pitchFamily="34" charset="0"/>
-              </a:rPr>
-              <a:t> </a:t>
-            </a:r>
-            <a:r>
-              <a:rPr lang="it-IT" sz="2800" dirty="0" err="1">
-                <a:solidFill>
-                  <a:srgbClr val="1C656D"/>
-                </a:solidFill>
-                <a:latin typeface="Abadi" panose="020F0502020204030204" pitchFamily="34" charset="0"/>
-              </a:rPr>
-              <a:t>consists</a:t>
-            </a:r>
-            <a:r>
-              <a:rPr lang="it-IT" sz="2800" dirty="0">
-                <a:solidFill>
-                  <a:srgbClr val="1C656D"/>
-                </a:solidFill>
-                <a:latin typeface="Abadi" panose="020F0502020204030204" pitchFamily="34" charset="0"/>
-              </a:rPr>
-              <a:t> of </a:t>
-            </a:r>
-            <a:r>
-              <a:rPr lang="it-IT" sz="2800" dirty="0" err="1">
-                <a:solidFill>
-                  <a:srgbClr val="1C656D"/>
-                </a:solidFill>
-                <a:latin typeface="Abadi" panose="020F0502020204030204" pitchFamily="34" charset="0"/>
-              </a:rPr>
-              <a:t>three</a:t>
-            </a:r>
-            <a:r>
-              <a:rPr lang="it-IT" sz="2800" dirty="0">
-                <a:solidFill>
-                  <a:srgbClr val="1C656D"/>
-                </a:solidFill>
-                <a:latin typeface="Abadi" panose="020F0502020204030204" pitchFamily="34" charset="0"/>
-              </a:rPr>
-              <a:t> </a:t>
-            </a:r>
-            <a:r>
-              <a:rPr lang="it-IT" sz="2800" dirty="0" err="1">
-                <a:solidFill>
-                  <a:srgbClr val="1C656D"/>
-                </a:solidFill>
-                <a:latin typeface="Abadi" panose="020F0502020204030204" pitchFamily="34" charset="0"/>
-              </a:rPr>
-              <a:t>couples</a:t>
-            </a:r>
-            <a:r>
-              <a:rPr lang="it-IT" sz="2800" dirty="0">
-                <a:solidFill>
-                  <a:srgbClr val="1C656D"/>
-                </a:solidFill>
-                <a:latin typeface="Abadi" panose="020F0502020204030204" pitchFamily="34" charset="0"/>
-              </a:rPr>
-              <a:t> of L/R stereo inputs </a:t>
-            </a:r>
-          </a:p>
-          <a:p>
-            <a:pPr algn="ctr"/>
-            <a:r>
-              <a:rPr lang="it-IT" sz="2800" dirty="0">
-                <a:solidFill>
-                  <a:srgbClr val="1C656D"/>
-                </a:solidFill>
-                <a:latin typeface="Abadi" panose="020F0502020204030204" pitchFamily="34" charset="0"/>
-              </a:rPr>
-              <a:t>(Bass, </a:t>
-            </a:r>
-            <a:r>
-              <a:rPr lang="it-IT" sz="2800" dirty="0" err="1">
-                <a:solidFill>
-                  <a:srgbClr val="1C656D"/>
-                </a:solidFill>
-                <a:latin typeface="Abadi" panose="020F0502020204030204" pitchFamily="34" charset="0"/>
-              </a:rPr>
-              <a:t>Chors</a:t>
-            </a:r>
-            <a:r>
-              <a:rPr lang="it-IT" sz="2800" dirty="0">
-                <a:solidFill>
-                  <a:srgbClr val="1C656D"/>
-                </a:solidFill>
-                <a:latin typeface="Abadi" panose="020F0502020204030204" pitchFamily="34" charset="0"/>
-              </a:rPr>
-              <a:t> and Notes).</a:t>
+              <a:rPr lang="en-US" sz="2800" dirty="0">
+                <a:solidFill>
+                  <a:srgbClr val="1C656D"/>
+                </a:solidFill>
+                <a:latin typeface="Segoe UI Rounded"/>
+              </a:rPr>
+              <a:t>Reaper receives three stereo audio signals from </a:t>
+            </a:r>
+            <a:r>
+              <a:rPr lang="en-US" sz="2800" dirty="0" err="1">
+                <a:solidFill>
+                  <a:srgbClr val="1C656D"/>
+                </a:solidFill>
+                <a:latin typeface="Segoe UI Rounded"/>
+              </a:rPr>
+              <a:t>SuperCollider</a:t>
+            </a:r>
+            <a:r>
+              <a:rPr lang="en-US" sz="2800" dirty="0">
+                <a:solidFill>
+                  <a:srgbClr val="1C656D"/>
+                </a:solidFill>
+                <a:latin typeface="Segoe UI Rounded"/>
+              </a:rPr>
+              <a:t>: bass, chords, and notes. Each is routed to a separate track for dedicated processing.</a:t>
             </a:r>
             <a:endParaRPr lang="it-IT" sz="2400" dirty="0">
               <a:solidFill>
                 <a:srgbClr val="1C656D"/>
               </a:solidFill>
-              <a:latin typeface="Abadi" panose="020F0502020204030204" pitchFamily="34" charset="0"/>
+              <a:latin typeface="Segoe UI Rounded"/>
             </a:endParaRPr>
           </a:p>
         </p:txBody>
@@ -8653,7 +8144,7 @@
                 <a:solidFill>
                   <a:srgbClr val="1C656D"/>
                 </a:solidFill>
-                <a:latin typeface="Leelawadee UI" panose="020B0502040204020203" pitchFamily="34" charset="-34"/>
+                <a:latin typeface="Segoe UI Rounded"/>
                 <a:cs typeface="Leelawadee UI" panose="020B0502040204020203" pitchFamily="34" charset="-34"/>
               </a:rPr>
               <a:t>Plugin </a:t>
@@ -8663,7 +8154,7 @@
                 <a:solidFill>
                   <a:srgbClr val="1C656D"/>
                 </a:solidFill>
-                <a:latin typeface="Leelawadee UI" panose="020B0502040204020203" pitchFamily="34" charset="-34"/>
+                <a:latin typeface="Segoe UI Rounded"/>
                 <a:cs typeface="Leelawadee UI" panose="020B0502040204020203" pitchFamily="34" charset="-34"/>
               </a:rPr>
               <a:t>execution</a:t>
@@ -8672,7 +8163,7 @@
               <a:solidFill>
                 <a:srgbClr val="1C656D"/>
               </a:solidFill>
-              <a:latin typeface="Leelawadee UI" panose="020B0502040204020203" pitchFamily="34" charset="-34"/>
+              <a:latin typeface="Segoe UI Rounded"/>
               <a:cs typeface="Leelawadee UI" panose="020B0502040204020203" pitchFamily="34" charset="-34"/>
             </a:endParaRPr>
           </a:p>
@@ -8708,163 +8199,19 @@
           <a:p>
             <a:pPr algn="ctr"/>
             <a:r>
-              <a:rPr lang="it-IT" sz="2800" dirty="0">
-                <a:solidFill>
-                  <a:srgbClr val="1C656D"/>
-                </a:solidFill>
-                <a:latin typeface="Abadi" panose="020F0502020204030204" pitchFamily="34" charset="0"/>
-              </a:rPr>
-              <a:t>Reaper </a:t>
-            </a:r>
-            <a:r>
-              <a:rPr lang="it-IT" sz="2800" dirty="0" err="1">
-                <a:solidFill>
-                  <a:srgbClr val="1C656D"/>
-                </a:solidFill>
-                <a:latin typeface="Abadi" panose="020F0502020204030204" pitchFamily="34" charset="0"/>
-              </a:rPr>
-              <a:t>allows</a:t>
-            </a:r>
-            <a:r>
-              <a:rPr lang="it-IT" sz="2800" dirty="0">
-                <a:solidFill>
-                  <a:srgbClr val="1C656D"/>
-                </a:solidFill>
-                <a:latin typeface="Abadi" panose="020F0502020204030204" pitchFamily="34" charset="0"/>
-              </a:rPr>
-              <a:t> the user to </a:t>
-            </a:r>
-            <a:r>
-              <a:rPr lang="it-IT" sz="2800" dirty="0" err="1">
-                <a:solidFill>
-                  <a:srgbClr val="1C656D"/>
-                </a:solidFill>
-                <a:latin typeface="Abadi" panose="020F0502020204030204" pitchFamily="34" charset="0"/>
-              </a:rPr>
-              <a:t>interact</a:t>
-            </a:r>
-            <a:r>
-              <a:rPr lang="it-IT" sz="2800" dirty="0">
-                <a:solidFill>
-                  <a:srgbClr val="1C656D"/>
-                </a:solidFill>
-                <a:latin typeface="Abadi" panose="020F0502020204030204" pitchFamily="34" charset="0"/>
-              </a:rPr>
-              <a:t> with the JUCE </a:t>
-            </a:r>
-            <a:r>
-              <a:rPr lang="it-IT" sz="2800" dirty="0" err="1">
-                <a:solidFill>
-                  <a:srgbClr val="1C656D"/>
-                </a:solidFill>
-                <a:latin typeface="Abadi" panose="020F0502020204030204" pitchFamily="34" charset="0"/>
-              </a:rPr>
-              <a:t>plugin’s</a:t>
-            </a:r>
-            <a:r>
-              <a:rPr lang="it-IT" sz="2800" dirty="0">
-                <a:solidFill>
-                  <a:srgbClr val="1C656D"/>
-                </a:solidFill>
-                <a:latin typeface="Abadi" panose="020F0502020204030204" pitchFamily="34" charset="0"/>
-              </a:rPr>
-              <a:t> UI, </a:t>
-            </a:r>
-            <a:r>
-              <a:rPr lang="it-IT" sz="2800" dirty="0" err="1">
-                <a:solidFill>
-                  <a:srgbClr val="1C656D"/>
-                </a:solidFill>
-                <a:latin typeface="Abadi" panose="020F0502020204030204" pitchFamily="34" charset="0"/>
-              </a:rPr>
-              <a:t>letting</a:t>
-            </a:r>
-            <a:r>
-              <a:rPr lang="it-IT" sz="2800" dirty="0">
-                <a:solidFill>
-                  <a:srgbClr val="1C656D"/>
-                </a:solidFill>
-                <a:latin typeface="Abadi" panose="020F0502020204030204" pitchFamily="34" charset="0"/>
-              </a:rPr>
-              <a:t> the user </a:t>
-            </a:r>
-            <a:r>
-              <a:rPr lang="it-IT" sz="2800" dirty="0" err="1">
-                <a:solidFill>
-                  <a:srgbClr val="1C656D"/>
-                </a:solidFill>
-                <a:latin typeface="Abadi" panose="020F0502020204030204" pitchFamily="34" charset="0"/>
-              </a:rPr>
-              <a:t>manipulate</a:t>
-            </a:r>
-            <a:r>
-              <a:rPr lang="it-IT" sz="2800" dirty="0">
-                <a:solidFill>
-                  <a:srgbClr val="1C656D"/>
-                </a:solidFill>
-                <a:latin typeface="Abadi" panose="020F0502020204030204" pitchFamily="34" charset="0"/>
-              </a:rPr>
-              <a:t> </a:t>
-            </a:r>
-            <a:r>
-              <a:rPr lang="it-IT" sz="2800" dirty="0" err="1">
-                <a:solidFill>
-                  <a:srgbClr val="1C656D"/>
-                </a:solidFill>
-                <a:latin typeface="Abadi" panose="020F0502020204030204" pitchFamily="34" charset="0"/>
-              </a:rPr>
-              <a:t>each</a:t>
-            </a:r>
-            <a:r>
-              <a:rPr lang="it-IT" sz="2800" dirty="0">
-                <a:solidFill>
-                  <a:srgbClr val="1C656D"/>
-                </a:solidFill>
-                <a:latin typeface="Abadi" panose="020F0502020204030204" pitchFamily="34" charset="0"/>
-              </a:rPr>
-              <a:t> one of the </a:t>
-            </a:r>
-            <a:r>
-              <a:rPr lang="it-IT" sz="2800" dirty="0" err="1">
-                <a:solidFill>
-                  <a:srgbClr val="1C656D"/>
-                </a:solidFill>
-                <a:latin typeface="Abadi" panose="020F0502020204030204" pitchFamily="34" charset="0"/>
-              </a:rPr>
-              <a:t>three</a:t>
-            </a:r>
-            <a:r>
-              <a:rPr lang="it-IT" sz="2800" dirty="0">
-                <a:solidFill>
-                  <a:srgbClr val="1C656D"/>
-                </a:solidFill>
-                <a:latin typeface="Abadi" panose="020F0502020204030204" pitchFamily="34" charset="0"/>
-              </a:rPr>
-              <a:t> </a:t>
-            </a:r>
-            <a:r>
-              <a:rPr lang="it-IT" sz="2800" dirty="0" err="1">
-                <a:solidFill>
-                  <a:srgbClr val="1C656D"/>
-                </a:solidFill>
-                <a:latin typeface="Abadi" panose="020F0502020204030204" pitchFamily="34" charset="0"/>
-              </a:rPr>
-              <a:t>signals</a:t>
-            </a:r>
-            <a:r>
-              <a:rPr lang="it-IT" sz="2800" dirty="0">
-                <a:solidFill>
-                  <a:srgbClr val="1C656D"/>
-                </a:solidFill>
-                <a:latin typeface="Abadi" panose="020F0502020204030204" pitchFamily="34" charset="0"/>
-              </a:rPr>
-              <a:t>.</a:t>
+              <a:rPr lang="en-US" sz="2800" dirty="0">
+                <a:solidFill>
+                  <a:srgbClr val="1C656D"/>
+                </a:solidFill>
+                <a:latin typeface="Segoe UI Rounded"/>
+              </a:rPr>
+              <a:t>Each JUCE plugin lets the user shape the sound with distortion, delay, and reverb, all adjustable in real time through a simple interface.</a:t>
             </a:r>
             <a:endParaRPr lang="it-IT" sz="2400" dirty="0">
               <a:solidFill>
                 <a:srgbClr val="1C656D"/>
               </a:solidFill>
-              <a:latin typeface="Abadi" panose="020F0502020204030204" pitchFamily="34" charset="0"/>
+              <a:latin typeface="Segoe UI Rounded"/>
             </a:endParaRPr>
           </a:p>
         </p:txBody>
@@ -9137,7 +8484,7 @@
                 <a:solidFill>
                   <a:srgbClr val="1C656D"/>
                 </a:solidFill>
-                <a:latin typeface="Leelawadee UI" panose="020B0502040204020203" pitchFamily="34" charset="-34"/>
+                <a:latin typeface="Segoe UI Rounded"/>
                 <a:cs typeface="Leelawadee UI" panose="020B0502040204020203" pitchFamily="34" charset="-34"/>
               </a:rPr>
               <a:t>What</a:t>
@@ -9147,7 +8494,7 @@
                 <a:solidFill>
                   <a:srgbClr val="1C656D"/>
                 </a:solidFill>
-                <a:latin typeface="Leelawadee UI" panose="020B0502040204020203" pitchFamily="34" charset="-34"/>
+                <a:latin typeface="Segoe UI Rounded"/>
                 <a:cs typeface="Leelawadee UI" panose="020B0502040204020203" pitchFamily="34" charset="-34"/>
               </a:rPr>
               <a:t> </a:t>
@@ -9157,7 +8504,7 @@
                 <a:solidFill>
                   <a:srgbClr val="1C656D"/>
                 </a:solidFill>
-                <a:latin typeface="Leelawadee UI" panose="020B0502040204020203" pitchFamily="34" charset="-34"/>
+                <a:latin typeface="Segoe UI Rounded"/>
                 <a:cs typeface="Leelawadee UI" panose="020B0502040204020203" pitchFamily="34" charset="-34"/>
               </a:rPr>
               <a:t>is</a:t>
@@ -9167,7 +8514,7 @@
                 <a:solidFill>
                   <a:srgbClr val="1C656D"/>
                 </a:solidFill>
-                <a:latin typeface="Leelawadee UI" panose="020B0502040204020203" pitchFamily="34" charset="-34"/>
+                <a:latin typeface="Segoe UI Rounded"/>
                 <a:cs typeface="Leelawadee UI" panose="020B0502040204020203" pitchFamily="34" charset="-34"/>
               </a:rPr>
               <a:t> GAIA?</a:t>
@@ -9176,7 +8523,7 @@
               <a:solidFill>
                 <a:srgbClr val="1C656D"/>
               </a:solidFill>
-              <a:latin typeface="Leelawadee UI" panose="020B0502040204020203" pitchFamily="34" charset="-34"/>
+              <a:latin typeface="Segoe UI Rounded"/>
               <a:cs typeface="Leelawadee UI" panose="020B0502040204020203" pitchFamily="34" charset="-34"/>
             </a:endParaRPr>
           </a:p>
@@ -9457,7 +8804,7 @@
                 <a:solidFill>
                   <a:srgbClr val="1C656D"/>
                 </a:solidFill>
-                <a:latin typeface="Leelawadee UI" panose="020B0502040204020203" pitchFamily="34" charset="-34"/>
+                <a:latin typeface="Segoe UI Rounded"/>
                 <a:cs typeface="Leelawadee UI" panose="020B0502040204020203" pitchFamily="34" charset="-34"/>
               </a:rPr>
               <a:t>GAIA (Generative Audio via Interaction with Ambient) </a:t>
@@ -9467,7 +8814,7 @@
                 <a:solidFill>
                   <a:srgbClr val="1C656D"/>
                 </a:solidFill>
-                <a:latin typeface="Leelawadee UI" panose="020B0502040204020203" pitchFamily="34" charset="-34"/>
+                <a:latin typeface="Segoe UI Rounded"/>
                 <a:cs typeface="Leelawadee UI" panose="020B0502040204020203" pitchFamily="34" charset="-34"/>
               </a:rPr>
               <a:t>is</a:t>
@@ -9477,7 +8824,7 @@
                 <a:solidFill>
                   <a:srgbClr val="1C656D"/>
                 </a:solidFill>
-                <a:latin typeface="Leelawadee UI" panose="020B0502040204020203" pitchFamily="34" charset="-34"/>
+                <a:latin typeface="Segoe UI Rounded"/>
                 <a:cs typeface="Leelawadee UI" panose="020B0502040204020203" pitchFamily="34" charset="-34"/>
               </a:rPr>
               <a:t> an ambient generative system </a:t>
@@ -9487,7 +8834,7 @@
                 <a:solidFill>
                   <a:srgbClr val="1C656D"/>
                 </a:solidFill>
-                <a:latin typeface="Leelawadee UI" panose="020B0502040204020203" pitchFamily="34" charset="-34"/>
+                <a:latin typeface="Segoe UI Rounded"/>
                 <a:cs typeface="Leelawadee UI" panose="020B0502040204020203" pitchFamily="34" charset="-34"/>
               </a:rPr>
               <a:t>that</a:t>
@@ -9497,7 +8844,7 @@
                 <a:solidFill>
                   <a:srgbClr val="1C656D"/>
                 </a:solidFill>
-                <a:latin typeface="Leelawadee UI" panose="020B0502040204020203" pitchFamily="34" charset="-34"/>
+                <a:latin typeface="Segoe UI Rounded"/>
                 <a:cs typeface="Leelawadee UI" panose="020B0502040204020203" pitchFamily="34" charset="-34"/>
               </a:rPr>
               <a:t> </a:t>
@@ -9507,7 +8854,7 @@
                 <a:solidFill>
                   <a:srgbClr val="1C656D"/>
                 </a:solidFill>
-                <a:latin typeface="Leelawadee UI" panose="020B0502040204020203" pitchFamily="34" charset="-34"/>
+                <a:latin typeface="Segoe UI Rounded"/>
                 <a:cs typeface="Leelawadee UI" panose="020B0502040204020203" pitchFamily="34" charset="-34"/>
               </a:rPr>
               <a:t>transforms</a:t>
@@ -9517,7 +8864,7 @@
                 <a:solidFill>
                   <a:srgbClr val="1C656D"/>
                 </a:solidFill>
-                <a:latin typeface="Leelawadee UI" panose="020B0502040204020203" pitchFamily="34" charset="-34"/>
+                <a:latin typeface="Segoe UI Rounded"/>
                 <a:cs typeface="Leelawadee UI" panose="020B0502040204020203" pitchFamily="34" charset="-34"/>
               </a:rPr>
               <a:t> real-time </a:t>
@@ -9527,7 +8874,7 @@
                 <a:solidFill>
                   <a:srgbClr val="1C656D"/>
                 </a:solidFill>
-                <a:latin typeface="Leelawadee UI" panose="020B0502040204020203" pitchFamily="34" charset="-34"/>
+                <a:latin typeface="Segoe UI Rounded"/>
                 <a:cs typeface="Leelawadee UI" panose="020B0502040204020203" pitchFamily="34" charset="-34"/>
               </a:rPr>
               <a:t>enviromental</a:t>
@@ -9537,7 +8884,7 @@
                 <a:solidFill>
                   <a:srgbClr val="1C656D"/>
                 </a:solidFill>
-                <a:latin typeface="Leelawadee UI" panose="020B0502040204020203" pitchFamily="34" charset="-34"/>
+                <a:latin typeface="Segoe UI Rounded"/>
                 <a:cs typeface="Leelawadee UI" panose="020B0502040204020203" pitchFamily="34" charset="-34"/>
               </a:rPr>
               <a:t> </a:t>
@@ -9547,7 +8894,7 @@
                 <a:solidFill>
                   <a:srgbClr val="1C656D"/>
                 </a:solidFill>
-                <a:latin typeface="Leelawadee UI" panose="020B0502040204020203" pitchFamily="34" charset="-34"/>
+                <a:latin typeface="Segoe UI Rounded"/>
                 <a:cs typeface="Leelawadee UI" panose="020B0502040204020203" pitchFamily="34" charset="-34"/>
               </a:rPr>
               <a:t>conditions</a:t>
@@ -9557,7 +8904,7 @@
                 <a:solidFill>
                   <a:srgbClr val="1C656D"/>
                 </a:solidFill>
-                <a:latin typeface="Leelawadee UI" panose="020B0502040204020203" pitchFamily="34" charset="-34"/>
+                <a:latin typeface="Segoe UI Rounded"/>
                 <a:cs typeface="Leelawadee UI" panose="020B0502040204020203" pitchFamily="34" charset="-34"/>
               </a:rPr>
               <a:t> and user interaction </a:t>
@@ -9567,7 +8914,7 @@
                 <a:solidFill>
                   <a:srgbClr val="1C656D"/>
                 </a:solidFill>
-                <a:latin typeface="Leelawadee UI" panose="020B0502040204020203" pitchFamily="34" charset="-34"/>
+                <a:latin typeface="Segoe UI Rounded"/>
                 <a:cs typeface="Leelawadee UI" panose="020B0502040204020203" pitchFamily="34" charset="-34"/>
               </a:rPr>
               <a:t>into</a:t>
@@ -9577,7 +8924,7 @@
                 <a:solidFill>
                   <a:srgbClr val="1C656D"/>
                 </a:solidFill>
-                <a:latin typeface="Leelawadee UI" panose="020B0502040204020203" pitchFamily="34" charset="-34"/>
+                <a:latin typeface="Segoe UI Rounded"/>
                 <a:cs typeface="Leelawadee UI" panose="020B0502040204020203" pitchFamily="34" charset="-34"/>
               </a:rPr>
               <a:t> immersive </a:t>
@@ -9587,7 +8934,7 @@
                 <a:solidFill>
                   <a:srgbClr val="1C656D"/>
                 </a:solidFill>
-                <a:latin typeface="Leelawadee UI" panose="020B0502040204020203" pitchFamily="34" charset="-34"/>
+                <a:latin typeface="Segoe UI Rounded"/>
                 <a:cs typeface="Leelawadee UI" panose="020B0502040204020203" pitchFamily="34" charset="-34"/>
               </a:rPr>
               <a:t>audiovisual</a:t>
@@ -9597,7 +8944,7 @@
                 <a:solidFill>
                   <a:srgbClr val="1C656D"/>
                 </a:solidFill>
-                <a:latin typeface="Leelawadee UI" panose="020B0502040204020203" pitchFamily="34" charset="-34"/>
+                <a:latin typeface="Segoe UI Rounded"/>
                 <a:cs typeface="Leelawadee UI" panose="020B0502040204020203" pitchFamily="34" charset="-34"/>
               </a:rPr>
               <a:t> </a:t>
@@ -9607,7 +8954,7 @@
                 <a:solidFill>
                   <a:srgbClr val="1C656D"/>
                 </a:solidFill>
-                <a:latin typeface="Leelawadee UI" panose="020B0502040204020203" pitchFamily="34" charset="-34"/>
+                <a:latin typeface="Segoe UI Rounded"/>
                 <a:cs typeface="Leelawadee UI" panose="020B0502040204020203" pitchFamily="34" charset="-34"/>
               </a:rPr>
               <a:t>experience</a:t>
@@ -9617,7 +8964,7 @@
                 <a:solidFill>
                   <a:srgbClr val="1C656D"/>
                 </a:solidFill>
-                <a:latin typeface="Leelawadee UI" panose="020B0502040204020203" pitchFamily="34" charset="-34"/>
+                <a:latin typeface="Segoe UI Rounded"/>
                 <a:cs typeface="Leelawadee UI" panose="020B0502040204020203" pitchFamily="34" charset="-34"/>
               </a:rPr>
               <a:t>.</a:t>
@@ -9626,7 +8973,7 @@
               <a:solidFill>
                 <a:srgbClr val="1C656D"/>
               </a:solidFill>
-              <a:latin typeface="Leelawadee UI" panose="020B0502040204020203" pitchFamily="34" charset="-34"/>
+              <a:latin typeface="Segoe UI Rounded"/>
               <a:cs typeface="Leelawadee UI" panose="020B0502040204020203" pitchFamily="34" charset="-34"/>
             </a:endParaRPr>
           </a:p>
@@ -9710,7 +9057,7 @@
                 <a:solidFill>
                   <a:srgbClr val="1C656D"/>
                 </a:solidFill>
-                <a:latin typeface="Leelawadee UI" panose="020B0502040204020203" pitchFamily="34" charset="-34"/>
+                <a:latin typeface="Segoe UI Rounded"/>
                 <a:cs typeface="Leelawadee UI" panose="020B0502040204020203" pitchFamily="34" charset="-34"/>
               </a:rPr>
               <a:t>Output</a:t>
@@ -9719,7 +9066,7 @@
               <a:solidFill>
                 <a:srgbClr val="1C656D"/>
               </a:solidFill>
-              <a:latin typeface="Leelawadee UI" panose="020B0502040204020203" pitchFamily="34" charset="-34"/>
+              <a:latin typeface="Segoe UI Rounded"/>
               <a:cs typeface="Leelawadee UI" panose="020B0502040204020203" pitchFamily="34" charset="-34"/>
             </a:endParaRPr>
           </a:p>
@@ -9755,127 +9102,19 @@
           <a:p>
             <a:pPr algn="ctr"/>
             <a:r>
-              <a:rPr lang="it-IT" sz="2800" dirty="0">
-                <a:solidFill>
-                  <a:srgbClr val="1C656D"/>
-                </a:solidFill>
-                <a:latin typeface="Abadi" panose="020F0502020204030204" pitchFamily="34" charset="0"/>
-              </a:rPr>
-              <a:t>The </a:t>
-            </a:r>
-            <a:r>
-              <a:rPr lang="it-IT" sz="2800" dirty="0" err="1">
-                <a:solidFill>
-                  <a:srgbClr val="1C656D"/>
-                </a:solidFill>
-                <a:latin typeface="Abadi" panose="020F0502020204030204" pitchFamily="34" charset="0"/>
-              </a:rPr>
-              <a:t>three</a:t>
-            </a:r>
-            <a:r>
-              <a:rPr lang="it-IT" sz="2800" dirty="0">
-                <a:solidFill>
-                  <a:srgbClr val="1C656D"/>
-                </a:solidFill>
-                <a:latin typeface="Abadi" panose="020F0502020204030204" pitchFamily="34" charset="0"/>
-              </a:rPr>
-              <a:t> stereo </a:t>
-            </a:r>
-            <a:r>
-              <a:rPr lang="it-IT" sz="2800" dirty="0" err="1">
-                <a:solidFill>
-                  <a:srgbClr val="1C656D"/>
-                </a:solidFill>
-                <a:latin typeface="Abadi" panose="020F0502020204030204" pitchFamily="34" charset="0"/>
-              </a:rPr>
-              <a:t>signals</a:t>
-            </a:r>
-            <a:r>
-              <a:rPr lang="it-IT" sz="2800" dirty="0">
-                <a:solidFill>
-                  <a:srgbClr val="1C656D"/>
-                </a:solidFill>
-                <a:latin typeface="Abadi" panose="020F0502020204030204" pitchFamily="34" charset="0"/>
-              </a:rPr>
-              <a:t> are </a:t>
-            </a:r>
-            <a:r>
-              <a:rPr lang="it-IT" sz="2800" dirty="0" err="1">
-                <a:solidFill>
-                  <a:srgbClr val="1C656D"/>
-                </a:solidFill>
-                <a:latin typeface="Abadi" panose="020F0502020204030204" pitchFamily="34" charset="0"/>
-              </a:rPr>
-              <a:t>then</a:t>
-            </a:r>
-            <a:r>
-              <a:rPr lang="it-IT" sz="2800" dirty="0">
-                <a:solidFill>
-                  <a:srgbClr val="1C656D"/>
-                </a:solidFill>
-                <a:latin typeface="Abadi" panose="020F0502020204030204" pitchFamily="34" charset="0"/>
-              </a:rPr>
-              <a:t> </a:t>
-            </a:r>
-            <a:r>
-              <a:rPr lang="it-IT" sz="2800" dirty="0" err="1">
-                <a:solidFill>
-                  <a:srgbClr val="1C656D"/>
-                </a:solidFill>
-                <a:latin typeface="Abadi" panose="020F0502020204030204" pitchFamily="34" charset="0"/>
-              </a:rPr>
-              <a:t>combined</a:t>
-            </a:r>
-            <a:r>
-              <a:rPr lang="it-IT" sz="2800" dirty="0">
-                <a:solidFill>
-                  <a:srgbClr val="1C656D"/>
-                </a:solidFill>
-                <a:latin typeface="Abadi" panose="020F0502020204030204" pitchFamily="34" charset="0"/>
-              </a:rPr>
-              <a:t> </a:t>
-            </a:r>
-            <a:r>
-              <a:rPr lang="it-IT" sz="2800" dirty="0" err="1">
-                <a:solidFill>
-                  <a:srgbClr val="1C656D"/>
-                </a:solidFill>
-                <a:latin typeface="Abadi" panose="020F0502020204030204" pitchFamily="34" charset="0"/>
-              </a:rPr>
-              <a:t>into</a:t>
-            </a:r>
-            <a:r>
-              <a:rPr lang="it-IT" sz="2800" dirty="0">
-                <a:solidFill>
-                  <a:srgbClr val="1C656D"/>
-                </a:solidFill>
-                <a:latin typeface="Abadi" panose="020F0502020204030204" pitchFamily="34" charset="0"/>
-              </a:rPr>
-              <a:t> a single output thanks to the DAW </a:t>
-            </a:r>
-            <a:r>
-              <a:rPr lang="it-IT" sz="2800" dirty="0" err="1">
-                <a:solidFill>
-                  <a:srgbClr val="1C656D"/>
-                </a:solidFill>
-                <a:latin typeface="Abadi" panose="020F0502020204030204" pitchFamily="34" charset="0"/>
-              </a:rPr>
-              <a:t>integrated</a:t>
-            </a:r>
-            <a:r>
-              <a:rPr lang="it-IT" sz="2800" dirty="0">
-                <a:solidFill>
-                  <a:srgbClr val="1C656D"/>
-                </a:solidFill>
-                <a:latin typeface="Abadi" panose="020F0502020204030204" pitchFamily="34" charset="0"/>
-              </a:rPr>
-              <a:t> mixer.</a:t>
+              <a:rPr lang="en-US" sz="2800" dirty="0">
+                <a:solidFill>
+                  <a:srgbClr val="1C656D"/>
+                </a:solidFill>
+                <a:latin typeface="Segoe UI Rounded"/>
+              </a:rPr>
+              <a:t>The three processed signals are mixed in Reaper’s master track.</a:t>
             </a:r>
             <a:endParaRPr lang="it-IT" sz="2400" dirty="0">
               <a:solidFill>
                 <a:srgbClr val="1C656D"/>
               </a:solidFill>
-              <a:latin typeface="Abadi" panose="020F0502020204030204" pitchFamily="34" charset="0"/>
+              <a:latin typeface="Segoe UI Rounded"/>
             </a:endParaRPr>
           </a:p>
         </p:txBody>
@@ -10185,7 +9424,7 @@
                 <a:solidFill>
                   <a:srgbClr val="1C656D"/>
                 </a:solidFill>
-                <a:latin typeface="Leelawadee UI" panose="020B0502040204020203" pitchFamily="34" charset="-34"/>
+                <a:latin typeface="Segoe UI Rounded"/>
                 <a:cs typeface="Leelawadee UI" panose="020B0502040204020203" pitchFamily="34" charset="-34"/>
               </a:rPr>
               <a:t>JUCE</a:t>
@@ -10194,7 +9433,7 @@
               <a:solidFill>
                 <a:srgbClr val="1C656D"/>
               </a:solidFill>
-              <a:latin typeface="Leelawadee UI" panose="020B0502040204020203" pitchFamily="34" charset="-34"/>
+              <a:latin typeface="Segoe UI Rounded"/>
               <a:cs typeface="Leelawadee UI" panose="020B0502040204020203" pitchFamily="34" charset="-34"/>
             </a:endParaRPr>
           </a:p>
@@ -10215,7 +9454,7 @@
         <p:spPr>
           <a:xfrm>
             <a:off x="581022" y="3739897"/>
-            <a:ext cx="11029950" cy="461665"/>
+            <a:ext cx="11029950" cy="584775"/>
           </a:xfrm>
           <a:prstGeom prst="rect">
             <a:avLst/>
@@ -10230,46 +9469,46 @@
           <a:p>
             <a:pPr algn="ctr"/>
             <a:r>
-              <a:rPr lang="it-IT" sz="2400" dirty="0">
+              <a:rPr lang="it-IT" sz="3200" dirty="0">
                 <a:solidFill>
                   <a:srgbClr val="5BA191"/>
                 </a:solidFill>
-                <a:latin typeface="Abadi" panose="020F0502020204030204" pitchFamily="34" charset="0"/>
+                <a:latin typeface="Segoe UI Rounded"/>
               </a:rPr>
               <a:t>User interaction – </a:t>
             </a:r>
             <a:r>
-              <a:rPr lang="it-IT" sz="2400" dirty="0" err="1">
+              <a:rPr lang="it-IT" sz="3200" dirty="0" err="1">
                 <a:solidFill>
                   <a:srgbClr val="5BA191"/>
                 </a:solidFill>
-                <a:latin typeface="Abadi" panose="020F0502020204030204" pitchFamily="34" charset="0"/>
+                <a:latin typeface="Segoe UI Rounded"/>
               </a:rPr>
               <a:t>Signal</a:t>
             </a:r>
             <a:r>
-              <a:rPr lang="it-IT" sz="2400" dirty="0">
+              <a:rPr lang="it-IT" sz="3200" dirty="0">
                 <a:solidFill>
                   <a:srgbClr val="5BA191"/>
                 </a:solidFill>
-                <a:latin typeface="Abadi" panose="020F0502020204030204" pitchFamily="34" charset="0"/>
+                <a:latin typeface="Segoe UI Rounded"/>
               </a:rPr>
               <a:t> </a:t>
             </a:r>
             <a:r>
-              <a:rPr lang="it-IT" sz="2400" dirty="0" err="1">
+              <a:rPr lang="it-IT" sz="3200" dirty="0" err="1">
                 <a:solidFill>
                   <a:srgbClr val="5BA191"/>
                 </a:solidFill>
-                <a:latin typeface="Abadi" panose="020F0502020204030204" pitchFamily="34" charset="0"/>
+                <a:latin typeface="Segoe UI Rounded"/>
               </a:rPr>
               <a:t>manipulation</a:t>
             </a:r>
-            <a:endParaRPr lang="it-IT" sz="2000" dirty="0">
+            <a:endParaRPr lang="it-IT" sz="2800" dirty="0">
               <a:solidFill>
                 <a:srgbClr val="5BA191"/>
               </a:solidFill>
-              <a:latin typeface="Abadi" panose="020F0502020204030204" pitchFamily="34" charset="0"/>
+              <a:latin typeface="Segoe UI Rounded"/>
             </a:endParaRPr>
           </a:p>
         </p:txBody>
@@ -10387,7 +9626,7 @@
                 <a:solidFill>
                   <a:srgbClr val="1C656D"/>
                 </a:solidFill>
-                <a:latin typeface="Leelawadee UI" panose="020B0502040204020203" pitchFamily="34" charset="-34"/>
+                <a:latin typeface="Segoe UI Rounded"/>
                 <a:cs typeface="Leelawadee UI" panose="020B0502040204020203" pitchFamily="34" charset="-34"/>
               </a:rPr>
               <a:t>Input </a:t>
@@ -10397,7 +9636,7 @@
                 <a:solidFill>
                   <a:srgbClr val="1C656D"/>
                 </a:solidFill>
-                <a:latin typeface="Leelawadee UI" panose="020B0502040204020203" pitchFamily="34" charset="-34"/>
+                <a:latin typeface="Segoe UI Rounded"/>
                 <a:cs typeface="Leelawadee UI" panose="020B0502040204020203" pitchFamily="34" charset="-34"/>
               </a:rPr>
               <a:t>signal</a:t>
@@ -10407,7 +9646,7 @@
                 <a:solidFill>
                   <a:srgbClr val="1C656D"/>
                 </a:solidFill>
-                <a:latin typeface="Leelawadee UI" panose="020B0502040204020203" pitchFamily="34" charset="-34"/>
+                <a:latin typeface="Segoe UI Rounded"/>
                 <a:cs typeface="Leelawadee UI" panose="020B0502040204020203" pitchFamily="34" charset="-34"/>
               </a:rPr>
               <a:t> reception</a:t>
@@ -10416,7 +9655,7 @@
               <a:solidFill>
                 <a:srgbClr val="1C656D"/>
               </a:solidFill>
-              <a:latin typeface="Leelawadee UI" panose="020B0502040204020203" pitchFamily="34" charset="-34"/>
+              <a:latin typeface="Segoe UI Rounded"/>
               <a:cs typeface="Leelawadee UI" panose="020B0502040204020203" pitchFamily="34" charset="-34"/>
             </a:endParaRPr>
           </a:p>
@@ -10456,7 +9695,7 @@
                 <a:solidFill>
                   <a:srgbClr val="1C656D"/>
                 </a:solidFill>
-                <a:latin typeface="Abadi" panose="020F0502020204030204" pitchFamily="34" charset="0"/>
+                <a:latin typeface="Segoe UI Rounded"/>
               </a:rPr>
               <a:t>The JUCE plugin </a:t>
             </a:r>
@@ -10465,7 +9704,7 @@
                 <a:solidFill>
                   <a:srgbClr val="1C656D"/>
                 </a:solidFill>
-                <a:latin typeface="Abadi" panose="020F0502020204030204" pitchFamily="34" charset="0"/>
+                <a:latin typeface="Segoe UI Rounded"/>
               </a:rPr>
               <a:t>receives</a:t>
             </a:r>
@@ -10474,7 +9713,7 @@
                 <a:solidFill>
                   <a:srgbClr val="1C656D"/>
                 </a:solidFill>
-                <a:latin typeface="Abadi" panose="020F0502020204030204" pitchFamily="34" charset="0"/>
+                <a:latin typeface="Segoe UI Rounded"/>
               </a:rPr>
               <a:t> the L/R </a:t>
             </a:r>
@@ -10483,7 +9722,7 @@
                 <a:solidFill>
                   <a:srgbClr val="1C656D"/>
                 </a:solidFill>
-                <a:latin typeface="Abadi" panose="020F0502020204030204" pitchFamily="34" charset="0"/>
+                <a:latin typeface="Segoe UI Rounded"/>
               </a:rPr>
               <a:t>signal</a:t>
             </a:r>
@@ -10492,7 +9731,7 @@
                 <a:solidFill>
                   <a:srgbClr val="1C656D"/>
                 </a:solidFill>
-                <a:latin typeface="Abadi" panose="020F0502020204030204" pitchFamily="34" charset="0"/>
+                <a:latin typeface="Segoe UI Rounded"/>
               </a:rPr>
               <a:t> from Reaper. It can be one of </a:t>
             </a:r>
@@ -10501,7 +9740,7 @@
                 <a:solidFill>
                   <a:srgbClr val="1C656D"/>
                 </a:solidFill>
-                <a:latin typeface="Abadi" panose="020F0502020204030204" pitchFamily="34" charset="0"/>
+                <a:latin typeface="Segoe UI Rounded"/>
               </a:rPr>
               <a:t>three</a:t>
             </a:r>
@@ -10510,7 +9749,7 @@
                 <a:solidFill>
                   <a:srgbClr val="1C656D"/>
                 </a:solidFill>
-                <a:latin typeface="Abadi" panose="020F0502020204030204" pitchFamily="34" charset="0"/>
+                <a:latin typeface="Segoe UI Rounded"/>
               </a:rPr>
               <a:t> </a:t>
             </a:r>
@@ -10519,7 +9758,7 @@
                 <a:solidFill>
                   <a:srgbClr val="1C656D"/>
                 </a:solidFill>
-                <a:latin typeface="Abadi" panose="020F0502020204030204" pitchFamily="34" charset="0"/>
+                <a:latin typeface="Segoe UI Rounded"/>
               </a:rPr>
               <a:t>possible</a:t>
             </a:r>
@@ -10528,7 +9767,7 @@
                 <a:solidFill>
                   <a:srgbClr val="1C656D"/>
                 </a:solidFill>
-                <a:latin typeface="Abadi" panose="020F0502020204030204" pitchFamily="34" charset="0"/>
+                <a:latin typeface="Segoe UI Rounded"/>
               </a:rPr>
               <a:t> </a:t>
             </a:r>
@@ -10537,7 +9776,7 @@
                 <a:solidFill>
                   <a:srgbClr val="1C656D"/>
                 </a:solidFill>
-                <a:latin typeface="Abadi" panose="020F0502020204030204" pitchFamily="34" charset="0"/>
+                <a:latin typeface="Segoe UI Rounded"/>
               </a:rPr>
               <a:t>components</a:t>
             </a:r>
@@ -10546,7 +9785,7 @@
                 <a:solidFill>
                   <a:srgbClr val="1C656D"/>
                 </a:solidFill>
-                <a:latin typeface="Abadi" panose="020F0502020204030204" pitchFamily="34" charset="0"/>
+                <a:latin typeface="Segoe UI Rounded"/>
               </a:rPr>
               <a:t>: </a:t>
             </a:r>
@@ -10555,7 +9794,7 @@
                 <a:solidFill>
                   <a:srgbClr val="1C656D"/>
                 </a:solidFill>
-                <a:latin typeface="Abadi" panose="020F0502020204030204" pitchFamily="34" charset="0"/>
+                <a:latin typeface="Segoe UI Rounded"/>
               </a:rPr>
               <a:t>bass</a:t>
             </a:r>
@@ -10564,7 +9803,7 @@
                 <a:solidFill>
                   <a:srgbClr val="1C656D"/>
                 </a:solidFill>
-                <a:latin typeface="Abadi" panose="020F0502020204030204" pitchFamily="34" charset="0"/>
+                <a:latin typeface="Segoe UI Rounded"/>
               </a:rPr>
               <a:t> line, notes or </a:t>
             </a:r>
@@ -10573,7 +9812,7 @@
                 <a:solidFill>
                   <a:srgbClr val="1C656D"/>
                 </a:solidFill>
-                <a:latin typeface="Abadi" panose="020F0502020204030204" pitchFamily="34" charset="0"/>
+                <a:latin typeface="Segoe UI Rounded"/>
               </a:rPr>
               <a:t>chords</a:t>
             </a:r>
@@ -10582,7 +9821,7 @@
                 <a:solidFill>
                   <a:srgbClr val="1C656D"/>
                 </a:solidFill>
-                <a:latin typeface="Abadi" panose="020F0502020204030204" pitchFamily="34" charset="0"/>
+                <a:latin typeface="Segoe UI Rounded"/>
               </a:rPr>
               <a:t>.</a:t>
             </a:r>
@@ -10590,7 +9829,7 @@
               <a:solidFill>
                 <a:srgbClr val="1C656D"/>
               </a:solidFill>
-              <a:latin typeface="Abadi" panose="020F0502020204030204" pitchFamily="34" charset="0"/>
+              <a:latin typeface="Segoe UI Rounded"/>
             </a:endParaRPr>
           </a:p>
         </p:txBody>
@@ -10882,7 +10121,7 @@
                 <a:solidFill>
                   <a:srgbClr val="1C656D"/>
                 </a:solidFill>
-                <a:latin typeface="Leelawadee UI" panose="020B0502040204020203" pitchFamily="34" charset="-34"/>
+                <a:latin typeface="Segoe UI Rounded"/>
                 <a:cs typeface="Leelawadee UI" panose="020B0502040204020203" pitchFamily="34" charset="-34"/>
               </a:rPr>
               <a:t>User interaction via GUI</a:t>
@@ -10891,7 +10130,7 @@
               <a:solidFill>
                 <a:srgbClr val="1C656D"/>
               </a:solidFill>
-              <a:latin typeface="Leelawadee UI" panose="020B0502040204020203" pitchFamily="34" charset="-34"/>
+              <a:latin typeface="Segoe UI Rounded"/>
               <a:cs typeface="Leelawadee UI" panose="020B0502040204020203" pitchFamily="34" charset="-34"/>
             </a:endParaRPr>
           </a:p>
@@ -10931,7 +10170,7 @@
                 <a:solidFill>
                   <a:srgbClr val="1C656D"/>
                 </a:solidFill>
-                <a:latin typeface="Abadi" panose="020F0502020204030204" pitchFamily="34" charset="0"/>
+                <a:latin typeface="Segoe UI Rounded"/>
               </a:rPr>
               <a:t>The user </a:t>
             </a:r>
@@ -10940,7 +10179,7 @@
                 <a:solidFill>
                   <a:srgbClr val="1C656D"/>
                 </a:solidFill>
-                <a:latin typeface="Abadi" panose="020F0502020204030204" pitchFamily="34" charset="0"/>
+                <a:latin typeface="Segoe UI Rounded"/>
               </a:rPr>
               <a:t>interacts</a:t>
             </a:r>
@@ -10949,7 +10188,7 @@
                 <a:solidFill>
                   <a:srgbClr val="1C656D"/>
                 </a:solidFill>
-                <a:latin typeface="Abadi" panose="020F0502020204030204" pitchFamily="34" charset="0"/>
+                <a:latin typeface="Segoe UI Rounded"/>
               </a:rPr>
               <a:t> with a GUI with </a:t>
             </a:r>
@@ -10958,7 +10197,7 @@
                 <a:solidFill>
                   <a:srgbClr val="1C656D"/>
                 </a:solidFill>
-                <a:latin typeface="Abadi" panose="020F0502020204030204" pitchFamily="34" charset="0"/>
+                <a:latin typeface="Segoe UI Rounded"/>
               </a:rPr>
               <a:t>different</a:t>
             </a:r>
@@ -10967,7 +10206,7 @@
                 <a:solidFill>
                   <a:srgbClr val="1C656D"/>
                 </a:solidFill>
-                <a:latin typeface="Abadi" panose="020F0502020204030204" pitchFamily="34" charset="0"/>
+                <a:latin typeface="Segoe UI Rounded"/>
               </a:rPr>
               <a:t> handles. </a:t>
             </a:r>
@@ -10979,7 +10218,7 @@
                 <a:solidFill>
                   <a:srgbClr val="1C656D"/>
                 </a:solidFill>
-                <a:latin typeface="Abadi" panose="020F0502020204030204" pitchFamily="34" charset="0"/>
+                <a:latin typeface="Segoe UI Rounded"/>
               </a:rPr>
               <a:t>Each</a:t>
             </a:r>
@@ -10988,7 +10227,7 @@
                 <a:solidFill>
                   <a:srgbClr val="1C656D"/>
                 </a:solidFill>
-                <a:latin typeface="Abadi" panose="020F0502020204030204" pitchFamily="34" charset="0"/>
+                <a:latin typeface="Segoe UI Rounded"/>
               </a:rPr>
               <a:t> of </a:t>
             </a:r>
@@ -10997,7 +10236,7 @@
                 <a:solidFill>
                   <a:srgbClr val="1C656D"/>
                 </a:solidFill>
-                <a:latin typeface="Abadi" panose="020F0502020204030204" pitchFamily="34" charset="0"/>
+                <a:latin typeface="Segoe UI Rounded"/>
               </a:rPr>
               <a:t>them</a:t>
             </a:r>
@@ -11006,7 +10245,7 @@
                 <a:solidFill>
                   <a:srgbClr val="1C656D"/>
                 </a:solidFill>
-                <a:latin typeface="Abadi" panose="020F0502020204030204" pitchFamily="34" charset="0"/>
+                <a:latin typeface="Segoe UI Rounded"/>
               </a:rPr>
               <a:t> </a:t>
             </a:r>
@@ -11015,7 +10254,7 @@
                 <a:solidFill>
                   <a:srgbClr val="1C656D"/>
                 </a:solidFill>
-                <a:latin typeface="Abadi" panose="020F0502020204030204" pitchFamily="34" charset="0"/>
+                <a:latin typeface="Segoe UI Rounded"/>
               </a:rPr>
               <a:t>allows</a:t>
             </a:r>
@@ -11024,7 +10263,7 @@
                 <a:solidFill>
                   <a:srgbClr val="1C656D"/>
                 </a:solidFill>
-                <a:latin typeface="Abadi" panose="020F0502020204030204" pitchFamily="34" charset="0"/>
+                <a:latin typeface="Segoe UI Rounded"/>
               </a:rPr>
               <a:t> to </a:t>
             </a:r>
@@ -11033,7 +10272,7 @@
                 <a:solidFill>
                   <a:srgbClr val="1C656D"/>
                 </a:solidFill>
-                <a:latin typeface="Abadi" panose="020F0502020204030204" pitchFamily="34" charset="0"/>
+                <a:latin typeface="Segoe UI Rounded"/>
               </a:rPr>
               <a:t>vary</a:t>
             </a:r>
@@ -11042,7 +10281,7 @@
                 <a:solidFill>
                   <a:srgbClr val="1C656D"/>
                 </a:solidFill>
-                <a:latin typeface="Abadi" panose="020F0502020204030204" pitchFamily="34" charset="0"/>
+                <a:latin typeface="Segoe UI Rounded"/>
               </a:rPr>
               <a:t> a </a:t>
             </a:r>
@@ -11051,7 +10290,7 @@
                 <a:solidFill>
                   <a:srgbClr val="1C656D"/>
                 </a:solidFill>
-                <a:latin typeface="Abadi" panose="020F0502020204030204" pitchFamily="34" charset="0"/>
+                <a:latin typeface="Segoe UI Rounded"/>
               </a:rPr>
               <a:t>parameter</a:t>
             </a:r>
@@ -11060,7 +10299,7 @@
                 <a:solidFill>
                   <a:srgbClr val="1C656D"/>
                 </a:solidFill>
-                <a:latin typeface="Abadi" panose="020F0502020204030204" pitchFamily="34" charset="0"/>
+                <a:latin typeface="Segoe UI Rounded"/>
               </a:rPr>
               <a:t> of a </a:t>
             </a:r>
@@ -11069,7 +10308,7 @@
                 <a:solidFill>
                   <a:srgbClr val="1C656D"/>
                 </a:solidFill>
-                <a:latin typeface="Abadi" panose="020F0502020204030204" pitchFamily="34" charset="0"/>
+                <a:latin typeface="Segoe UI Rounded"/>
               </a:rPr>
               <a:t>specific</a:t>
             </a:r>
@@ -11078,7 +10317,7 @@
                 <a:solidFill>
                   <a:srgbClr val="1C656D"/>
                 </a:solidFill>
-                <a:latin typeface="Abadi" panose="020F0502020204030204" pitchFamily="34" charset="0"/>
+                <a:latin typeface="Segoe UI Rounded"/>
               </a:rPr>
               <a:t> </a:t>
             </a:r>
@@ -11087,7 +10326,7 @@
                 <a:solidFill>
                   <a:srgbClr val="1C656D"/>
                 </a:solidFill>
-                <a:latin typeface="Abadi" panose="020F0502020204030204" pitchFamily="34" charset="0"/>
+                <a:latin typeface="Segoe UI Rounded"/>
               </a:rPr>
               <a:t>effect</a:t>
             </a:r>
@@ -11096,7 +10335,7 @@
                 <a:solidFill>
                   <a:srgbClr val="1C656D"/>
                 </a:solidFill>
-                <a:latin typeface="Abadi" panose="020F0502020204030204" pitchFamily="34" charset="0"/>
+                <a:latin typeface="Segoe UI Rounded"/>
               </a:rPr>
               <a:t>.</a:t>
             </a:r>
@@ -11104,7 +10343,7 @@
               <a:solidFill>
                 <a:srgbClr val="1C656D"/>
               </a:solidFill>
-              <a:latin typeface="Abadi" panose="020F0502020204030204" pitchFamily="34" charset="0"/>
+              <a:latin typeface="Segoe UI Rounded"/>
             </a:endParaRPr>
           </a:p>
         </p:txBody>
@@ -11396,7 +10635,7 @@
                 <a:solidFill>
                   <a:srgbClr val="1C656D"/>
                 </a:solidFill>
-                <a:latin typeface="Leelawadee UI" panose="020B0502040204020203" pitchFamily="34" charset="-34"/>
+                <a:latin typeface="Segoe UI Rounded"/>
                 <a:cs typeface="Leelawadee UI" panose="020B0502040204020203" pitchFamily="34" charset="-34"/>
               </a:rPr>
               <a:t>Signal</a:t>
@@ -11406,7 +10645,7 @@
                 <a:solidFill>
                   <a:srgbClr val="1C656D"/>
                 </a:solidFill>
-                <a:latin typeface="Leelawadee UI" panose="020B0502040204020203" pitchFamily="34" charset="-34"/>
+                <a:latin typeface="Segoe UI Rounded"/>
                 <a:cs typeface="Leelawadee UI" panose="020B0502040204020203" pitchFamily="34" charset="-34"/>
               </a:rPr>
               <a:t> </a:t>
@@ -11416,7 +10655,7 @@
                 <a:solidFill>
                   <a:srgbClr val="1C656D"/>
                 </a:solidFill>
-                <a:latin typeface="Leelawadee UI" panose="020B0502040204020203" pitchFamily="34" charset="-34"/>
+                <a:latin typeface="Segoe UI Rounded"/>
                 <a:cs typeface="Leelawadee UI" panose="020B0502040204020203" pitchFamily="34" charset="-34"/>
               </a:rPr>
               <a:t>manipulation</a:t>
@@ -11425,7 +10664,7 @@
               <a:solidFill>
                 <a:srgbClr val="1C656D"/>
               </a:solidFill>
-              <a:latin typeface="Leelawadee UI" panose="020B0502040204020203" pitchFamily="34" charset="-34"/>
+              <a:latin typeface="Segoe UI Rounded"/>
               <a:cs typeface="Leelawadee UI" panose="020B0502040204020203" pitchFamily="34" charset="-34"/>
             </a:endParaRPr>
           </a:p>
@@ -11465,7 +10704,7 @@
                 <a:solidFill>
                   <a:srgbClr val="1C656D"/>
                 </a:solidFill>
-                <a:latin typeface="Abadi" panose="020F0502020204030204" pitchFamily="34" charset="0"/>
+                <a:latin typeface="Segoe UI Rounded"/>
               </a:rPr>
               <a:t>It </a:t>
             </a:r>
@@ -11474,7 +10713,7 @@
                 <a:solidFill>
                   <a:srgbClr val="1C656D"/>
                 </a:solidFill>
-                <a:latin typeface="Abadi" panose="020F0502020204030204" pitchFamily="34" charset="0"/>
+                <a:latin typeface="Segoe UI Rounded"/>
               </a:rPr>
               <a:t>is</a:t>
             </a:r>
@@ -11483,7 +10722,7 @@
                 <a:solidFill>
                   <a:srgbClr val="1C656D"/>
                 </a:solidFill>
-                <a:latin typeface="Abadi" panose="020F0502020204030204" pitchFamily="34" charset="0"/>
+                <a:latin typeface="Segoe UI Rounded"/>
               </a:rPr>
               <a:t> </a:t>
             </a:r>
@@ -11492,7 +10731,7 @@
                 <a:solidFill>
                   <a:srgbClr val="1C656D"/>
                 </a:solidFill>
-                <a:latin typeface="Abadi" panose="020F0502020204030204" pitchFamily="34" charset="0"/>
+                <a:latin typeface="Segoe UI Rounded"/>
               </a:rPr>
               <a:t>possible</a:t>
             </a:r>
@@ -11501,7 +10740,7 @@
                 <a:solidFill>
                   <a:srgbClr val="1C656D"/>
                 </a:solidFill>
-                <a:latin typeface="Abadi" panose="020F0502020204030204" pitchFamily="34" charset="0"/>
+                <a:latin typeface="Segoe UI Rounded"/>
               </a:rPr>
               <a:t> to </a:t>
             </a:r>
@@ -11510,7 +10749,7 @@
                 <a:solidFill>
                   <a:srgbClr val="1C656D"/>
                 </a:solidFill>
-                <a:latin typeface="Abadi" panose="020F0502020204030204" pitchFamily="34" charset="0"/>
+                <a:latin typeface="Segoe UI Rounded"/>
               </a:rPr>
               <a:t>manipulate</a:t>
             </a:r>
@@ -11519,7 +10758,7 @@
                 <a:solidFill>
                   <a:srgbClr val="1C656D"/>
                 </a:solidFill>
-                <a:latin typeface="Abadi" panose="020F0502020204030204" pitchFamily="34" charset="0"/>
+                <a:latin typeface="Segoe UI Rounded"/>
               </a:rPr>
               <a:t> the </a:t>
             </a:r>
@@ -11528,7 +10767,7 @@
                 <a:solidFill>
                   <a:srgbClr val="1C656D"/>
                 </a:solidFill>
-                <a:latin typeface="Abadi" panose="020F0502020204030204" pitchFamily="34" charset="0"/>
+                <a:latin typeface="Segoe UI Rounded"/>
               </a:rPr>
               <a:t>parameters</a:t>
             </a:r>
@@ -11537,7 +10776,7 @@
                 <a:solidFill>
                   <a:srgbClr val="1C656D"/>
                 </a:solidFill>
-                <a:latin typeface="Abadi" panose="020F0502020204030204" pitchFamily="34" charset="0"/>
+                <a:latin typeface="Segoe UI Rounded"/>
               </a:rPr>
               <a:t> of  the </a:t>
             </a:r>
@@ -11546,7 +10785,7 @@
                 <a:solidFill>
                   <a:srgbClr val="1C656D"/>
                 </a:solidFill>
-                <a:latin typeface="Abadi" panose="020F0502020204030204" pitchFamily="34" charset="0"/>
+                <a:latin typeface="Segoe UI Rounded"/>
               </a:rPr>
               <a:t>three</a:t>
             </a:r>
@@ -11555,7 +10794,7 @@
                 <a:solidFill>
                   <a:srgbClr val="1C656D"/>
                 </a:solidFill>
-                <a:latin typeface="Abadi" panose="020F0502020204030204" pitchFamily="34" charset="0"/>
+                <a:latin typeface="Segoe UI Rounded"/>
               </a:rPr>
               <a:t> </a:t>
             </a:r>
@@ -11564,7 +10803,7 @@
                 <a:solidFill>
                   <a:srgbClr val="1C656D"/>
                 </a:solidFill>
-                <a:latin typeface="Abadi" panose="020F0502020204030204" pitchFamily="34" charset="0"/>
+                <a:latin typeface="Segoe UI Rounded"/>
               </a:rPr>
               <a:t>implemented</a:t>
             </a:r>
@@ -11573,7 +10812,7 @@
                 <a:solidFill>
                   <a:srgbClr val="1C656D"/>
                 </a:solidFill>
-                <a:latin typeface="Abadi" panose="020F0502020204030204" pitchFamily="34" charset="0"/>
+                <a:latin typeface="Segoe UI Rounded"/>
               </a:rPr>
               <a:t> audio </a:t>
             </a:r>
@@ -11582,7 +10821,7 @@
                 <a:solidFill>
                   <a:srgbClr val="1C656D"/>
                 </a:solidFill>
-                <a:latin typeface="Abadi" panose="020F0502020204030204" pitchFamily="34" charset="0"/>
+                <a:latin typeface="Segoe UI Rounded"/>
               </a:rPr>
               <a:t>effects</a:t>
             </a:r>
@@ -11591,7 +10830,7 @@
                 <a:solidFill>
                   <a:srgbClr val="1C656D"/>
                 </a:solidFill>
-                <a:latin typeface="Abadi" panose="020F0502020204030204" pitchFamily="34" charset="0"/>
+                <a:latin typeface="Segoe UI Rounded"/>
               </a:rPr>
               <a:t>: </a:t>
             </a:r>
@@ -11600,7 +10839,7 @@
                 <a:solidFill>
                   <a:srgbClr val="1C656D"/>
                 </a:solidFill>
-                <a:latin typeface="Abadi" panose="020F0502020204030204" pitchFamily="34" charset="0"/>
+                <a:latin typeface="Segoe UI Rounded"/>
               </a:rPr>
               <a:t>reverberation</a:t>
             </a:r>
@@ -11609,7 +10848,7 @@
                 <a:solidFill>
                   <a:srgbClr val="1C656D"/>
                 </a:solidFill>
-                <a:latin typeface="Abadi" panose="020F0502020204030204" pitchFamily="34" charset="0"/>
+                <a:latin typeface="Segoe UI Rounded"/>
               </a:rPr>
               <a:t>, </a:t>
             </a:r>
@@ -11618,7 +10857,7 @@
                 <a:solidFill>
                   <a:srgbClr val="1C656D"/>
                 </a:solidFill>
-                <a:latin typeface="Abadi" panose="020F0502020204030204" pitchFamily="34" charset="0"/>
+                <a:latin typeface="Segoe UI Rounded"/>
               </a:rPr>
               <a:t>distortion</a:t>
             </a:r>
@@ -11627,7 +10866,7 @@
                 <a:solidFill>
                   <a:srgbClr val="1C656D"/>
                 </a:solidFill>
-                <a:latin typeface="Abadi" panose="020F0502020204030204" pitchFamily="34" charset="0"/>
+                <a:latin typeface="Segoe UI Rounded"/>
               </a:rPr>
               <a:t> and delay. </a:t>
             </a:r>
@@ -11639,7 +10878,7 @@
                 <a:solidFill>
                   <a:srgbClr val="1C656D"/>
                 </a:solidFill>
-                <a:latin typeface="Abadi" panose="020F0502020204030204" pitchFamily="34" charset="0"/>
+                <a:latin typeface="Segoe UI Rounded"/>
               </a:rPr>
               <a:t>The user can </a:t>
             </a:r>
@@ -11648,7 +10887,7 @@
                 <a:solidFill>
                   <a:srgbClr val="1C656D"/>
                 </a:solidFill>
-                <a:latin typeface="Abadi" panose="020F0502020204030204" pitchFamily="34" charset="0"/>
+                <a:latin typeface="Segoe UI Rounded"/>
               </a:rPr>
               <a:t>also</a:t>
             </a:r>
@@ -11657,7 +10896,7 @@
                 <a:solidFill>
                   <a:srgbClr val="1C656D"/>
                 </a:solidFill>
-                <a:latin typeface="Abadi" panose="020F0502020204030204" pitchFamily="34" charset="0"/>
+                <a:latin typeface="Segoe UI Rounded"/>
               </a:rPr>
               <a:t> turn off </a:t>
             </a:r>
@@ -11666,7 +10905,7 @@
                 <a:solidFill>
                   <a:srgbClr val="1C656D"/>
                 </a:solidFill>
-                <a:latin typeface="Abadi" panose="020F0502020204030204" pitchFamily="34" charset="0"/>
+                <a:latin typeface="Segoe UI Rounded"/>
               </a:rPr>
               <a:t>those</a:t>
             </a:r>
@@ -11675,7 +10914,7 @@
                 <a:solidFill>
                   <a:srgbClr val="1C656D"/>
                 </a:solidFill>
-                <a:latin typeface="Abadi" panose="020F0502020204030204" pitchFamily="34" charset="0"/>
+                <a:latin typeface="Segoe UI Rounded"/>
               </a:rPr>
               <a:t> </a:t>
             </a:r>
@@ -11684,7 +10923,7 @@
                 <a:solidFill>
                   <a:srgbClr val="1C656D"/>
                 </a:solidFill>
-                <a:latin typeface="Abadi" panose="020F0502020204030204" pitchFamily="34" charset="0"/>
+                <a:latin typeface="Segoe UI Rounded"/>
               </a:rPr>
               <a:t>effects</a:t>
             </a:r>
@@ -11693,7 +10932,7 @@
                 <a:solidFill>
                   <a:srgbClr val="1C656D"/>
                 </a:solidFill>
-                <a:latin typeface="Abadi" panose="020F0502020204030204" pitchFamily="34" charset="0"/>
+                <a:latin typeface="Segoe UI Rounded"/>
               </a:rPr>
               <a:t> </a:t>
             </a:r>
@@ -11702,7 +10941,7 @@
                 <a:solidFill>
                   <a:srgbClr val="1C656D"/>
                 </a:solidFill>
-                <a:latin typeface="Abadi" panose="020F0502020204030204" pitchFamily="34" charset="0"/>
+                <a:latin typeface="Segoe UI Rounded"/>
               </a:rPr>
               <a:t>if</a:t>
             </a:r>
@@ -11711,7 +10950,7 @@
                 <a:solidFill>
                   <a:srgbClr val="1C656D"/>
                 </a:solidFill>
-                <a:latin typeface="Abadi" panose="020F0502020204030204" pitchFamily="34" charset="0"/>
+                <a:latin typeface="Segoe UI Rounded"/>
               </a:rPr>
               <a:t> </a:t>
             </a:r>
@@ -11720,7 +10959,7 @@
                 <a:solidFill>
                   <a:srgbClr val="1C656D"/>
                 </a:solidFill>
-                <a:latin typeface="Abadi" panose="020F0502020204030204" pitchFamily="34" charset="0"/>
+                <a:latin typeface="Segoe UI Rounded"/>
               </a:rPr>
               <a:t>needed</a:t>
             </a:r>
@@ -11729,7 +10968,7 @@
                 <a:solidFill>
                   <a:srgbClr val="1C656D"/>
                 </a:solidFill>
-                <a:latin typeface="Abadi" panose="020F0502020204030204" pitchFamily="34" charset="0"/>
+                <a:latin typeface="Segoe UI Rounded"/>
               </a:rPr>
               <a:t>.</a:t>
             </a:r>
@@ -11737,7 +10976,7 @@
               <a:solidFill>
                 <a:srgbClr val="1C656D"/>
               </a:solidFill>
-              <a:latin typeface="Abadi" panose="020F0502020204030204" pitchFamily="34" charset="0"/>
+              <a:latin typeface="Segoe UI Rounded"/>
             </a:endParaRPr>
           </a:p>
         </p:txBody>
@@ -12029,7 +11268,7 @@
                 <a:solidFill>
                   <a:srgbClr val="1C656D"/>
                 </a:solidFill>
-                <a:latin typeface="Leelawadee UI" panose="020B0502040204020203" pitchFamily="34" charset="-34"/>
+                <a:latin typeface="Segoe UI Rounded"/>
                 <a:cs typeface="Leelawadee UI" panose="020B0502040204020203" pitchFamily="34" charset="-34"/>
               </a:rPr>
               <a:t>Output</a:t>
@@ -12038,7 +11277,7 @@
               <a:solidFill>
                 <a:srgbClr val="1C656D"/>
               </a:solidFill>
-              <a:latin typeface="Leelawadee UI" panose="020B0502040204020203" pitchFamily="34" charset="-34"/>
+              <a:latin typeface="Segoe UI Rounded"/>
               <a:cs typeface="Leelawadee UI" panose="020B0502040204020203" pitchFamily="34" charset="-34"/>
             </a:endParaRPr>
           </a:p>
@@ -12078,7 +11317,7 @@
                 <a:solidFill>
                   <a:srgbClr val="1C656D"/>
                 </a:solidFill>
-                <a:latin typeface="Abadi" panose="020F0502020204030204" pitchFamily="34" charset="0"/>
+                <a:latin typeface="Segoe UI Rounded"/>
               </a:rPr>
               <a:t>The output </a:t>
             </a:r>
@@ -12087,7 +11326,7 @@
                 <a:solidFill>
                   <a:srgbClr val="1C656D"/>
                 </a:solidFill>
-                <a:latin typeface="Abadi" panose="020F0502020204030204" pitchFamily="34" charset="0"/>
+                <a:latin typeface="Segoe UI Rounded"/>
               </a:rPr>
               <a:t>signal</a:t>
             </a:r>
@@ -12096,7 +11335,7 @@
                 <a:solidFill>
                   <a:srgbClr val="1C656D"/>
                 </a:solidFill>
-                <a:latin typeface="Abadi" panose="020F0502020204030204" pitchFamily="34" charset="0"/>
+                <a:latin typeface="Segoe UI Rounded"/>
               </a:rPr>
               <a:t> </a:t>
             </a:r>
@@ -12105,7 +11344,7 @@
                 <a:solidFill>
                   <a:srgbClr val="1C656D"/>
                 </a:solidFill>
-                <a:latin typeface="Abadi" panose="020F0502020204030204" pitchFamily="34" charset="0"/>
+                <a:latin typeface="Segoe UI Rounded"/>
               </a:rPr>
               <a:t>is</a:t>
             </a:r>
@@ -12114,7 +11353,7 @@
                 <a:solidFill>
                   <a:srgbClr val="1C656D"/>
                 </a:solidFill>
-                <a:latin typeface="Abadi" panose="020F0502020204030204" pitchFamily="34" charset="0"/>
+                <a:latin typeface="Segoe UI Rounded"/>
               </a:rPr>
               <a:t> </a:t>
             </a:r>
@@ -12123,7 +11362,7 @@
                 <a:solidFill>
                   <a:srgbClr val="1C656D"/>
                 </a:solidFill>
-                <a:latin typeface="Abadi" panose="020F0502020204030204" pitchFamily="34" charset="0"/>
+                <a:latin typeface="Segoe UI Rounded"/>
               </a:rPr>
               <a:t>sent</a:t>
             </a:r>
@@ -12132,7 +11371,7 @@
                 <a:solidFill>
                   <a:srgbClr val="1C656D"/>
                 </a:solidFill>
-                <a:latin typeface="Abadi" panose="020F0502020204030204" pitchFamily="34" charset="0"/>
+                <a:latin typeface="Segoe UI Rounded"/>
               </a:rPr>
               <a:t> back to Reaper, </a:t>
             </a:r>
@@ -12141,7 +11380,7 @@
                 <a:solidFill>
                   <a:srgbClr val="1C656D"/>
                 </a:solidFill>
-                <a:latin typeface="Abadi" panose="020F0502020204030204" pitchFamily="34" charset="0"/>
+                <a:latin typeface="Segoe UI Rounded"/>
               </a:rPr>
               <a:t>which</a:t>
             </a:r>
@@ -12150,7 +11389,7 @@
                 <a:solidFill>
                   <a:srgbClr val="1C656D"/>
                 </a:solidFill>
-                <a:latin typeface="Abadi" panose="020F0502020204030204" pitchFamily="34" charset="0"/>
+                <a:latin typeface="Segoe UI Rounded"/>
               </a:rPr>
               <a:t> </a:t>
             </a:r>
@@ -12159,7 +11398,7 @@
                 <a:solidFill>
                   <a:srgbClr val="1C656D"/>
                 </a:solidFill>
-                <a:latin typeface="Abadi" panose="020F0502020204030204" pitchFamily="34" charset="0"/>
+                <a:latin typeface="Segoe UI Rounded"/>
               </a:rPr>
               <a:t>will</a:t>
             </a:r>
@@ -12168,7 +11407,7 @@
                 <a:solidFill>
                   <a:srgbClr val="1C656D"/>
                 </a:solidFill>
-                <a:latin typeface="Abadi" panose="020F0502020204030204" pitchFamily="34" charset="0"/>
+                <a:latin typeface="Segoe UI Rounded"/>
               </a:rPr>
               <a:t> create a mixed output with the </a:t>
             </a:r>
@@ -12177,7 +11416,7 @@
                 <a:solidFill>
                   <a:srgbClr val="1C656D"/>
                 </a:solidFill>
-                <a:latin typeface="Abadi" panose="020F0502020204030204" pitchFamily="34" charset="0"/>
+                <a:latin typeface="Segoe UI Rounded"/>
               </a:rPr>
               <a:t>others</a:t>
             </a:r>
@@ -12186,7 +11425,7 @@
                 <a:solidFill>
                   <a:srgbClr val="1C656D"/>
                 </a:solidFill>
-                <a:latin typeface="Abadi" panose="020F0502020204030204" pitchFamily="34" charset="0"/>
+                <a:latin typeface="Segoe UI Rounded"/>
               </a:rPr>
               <a:t> </a:t>
             </a:r>
@@ -12195,7 +11434,7 @@
                 <a:solidFill>
                   <a:srgbClr val="1C656D"/>
                 </a:solidFill>
-                <a:latin typeface="Abadi" panose="020F0502020204030204" pitchFamily="34" charset="0"/>
+                <a:latin typeface="Segoe UI Rounded"/>
               </a:rPr>
               <a:t>signals</a:t>
             </a:r>
@@ -12204,7 +11443,7 @@
                 <a:solidFill>
                   <a:srgbClr val="1C656D"/>
                 </a:solidFill>
-                <a:latin typeface="Abadi" panose="020F0502020204030204" pitchFamily="34" charset="0"/>
+                <a:latin typeface="Segoe UI Rounded"/>
               </a:rPr>
               <a:t>.</a:t>
             </a:r>
@@ -12212,7 +11451,7 @@
               <a:solidFill>
                 <a:srgbClr val="1C656D"/>
               </a:solidFill>
-              <a:latin typeface="Abadi" panose="020F0502020204030204" pitchFamily="34" charset="0"/>
+              <a:latin typeface="Segoe UI Rounded"/>
             </a:endParaRPr>
           </a:p>
         </p:txBody>
@@ -12541,7 +11780,7 @@
                 <a:solidFill>
                   <a:srgbClr val="1C656D"/>
                 </a:solidFill>
-                <a:latin typeface="Leelawadee UI" panose="020B0502040204020203" pitchFamily="34" charset="-34"/>
+                <a:latin typeface="Segoe UI Rounded"/>
                 <a:cs typeface="Leelawadee UI" panose="020B0502040204020203" pitchFamily="34" charset="-34"/>
               </a:rPr>
               <a:t>Processing</a:t>
@@ -12550,7 +11789,7 @@
               <a:solidFill>
                 <a:srgbClr val="1C656D"/>
               </a:solidFill>
-              <a:latin typeface="Leelawadee UI" panose="020B0502040204020203" pitchFamily="34" charset="-34"/>
+              <a:latin typeface="Segoe UI Rounded"/>
               <a:cs typeface="Leelawadee UI" panose="020B0502040204020203" pitchFamily="34" charset="-34"/>
             </a:endParaRPr>
           </a:p>
@@ -12571,7 +11810,7 @@
         <p:spPr>
           <a:xfrm>
             <a:off x="581022" y="3739897"/>
-            <a:ext cx="11029950" cy="461665"/>
+            <a:ext cx="11029950" cy="584775"/>
           </a:xfrm>
           <a:prstGeom prst="rect">
             <a:avLst/>
@@ -12586,19 +11825,19 @@
           <a:p>
             <a:pPr algn="ctr"/>
             <a:r>
-              <a:rPr lang="it-IT" sz="2400" dirty="0">
+              <a:rPr lang="it-IT" sz="3200" dirty="0">
                 <a:solidFill>
                   <a:srgbClr val="5BA191"/>
                 </a:solidFill>
-                <a:latin typeface="Abadi" panose="020F0502020204030204" pitchFamily="34" charset="0"/>
+                <a:latin typeface="Segoe UI Rounded"/>
               </a:rPr>
               <a:t>Visual generation</a:t>
             </a:r>
-            <a:endParaRPr lang="it-IT" sz="2000" dirty="0">
+            <a:endParaRPr lang="it-IT" sz="2800" dirty="0">
               <a:solidFill>
                 <a:srgbClr val="5BA191"/>
               </a:solidFill>
-              <a:latin typeface="Abadi" panose="020F0502020204030204" pitchFamily="34" charset="0"/>
+              <a:latin typeface="Segoe UI Rounded"/>
             </a:endParaRPr>
           </a:p>
         </p:txBody>
@@ -12716,7 +11955,7 @@
                 <a:solidFill>
                   <a:srgbClr val="1C656D"/>
                 </a:solidFill>
-                <a:latin typeface="Leelawadee UI" panose="020B0502040204020203" pitchFamily="34" charset="-34"/>
+                <a:latin typeface="Segoe UI Rounded"/>
                 <a:cs typeface="Leelawadee UI" panose="020B0502040204020203" pitchFamily="34" charset="-34"/>
               </a:rPr>
               <a:t>OSC </a:t>
@@ -12726,7 +11965,7 @@
                 <a:solidFill>
                   <a:srgbClr val="1C656D"/>
                 </a:solidFill>
-                <a:latin typeface="Leelawadee UI" panose="020B0502040204020203" pitchFamily="34" charset="-34"/>
+                <a:latin typeface="Segoe UI Rounded"/>
                 <a:cs typeface="Leelawadee UI" panose="020B0502040204020203" pitchFamily="34" charset="-34"/>
               </a:rPr>
               <a:t>receiver</a:t>
@@ -12735,7 +11974,7 @@
               <a:solidFill>
                 <a:srgbClr val="1C656D"/>
               </a:solidFill>
-              <a:latin typeface="Leelawadee UI" panose="020B0502040204020203" pitchFamily="34" charset="-34"/>
+              <a:latin typeface="Segoe UI Rounded"/>
               <a:cs typeface="Leelawadee UI" panose="020B0502040204020203" pitchFamily="34" charset="-34"/>
             </a:endParaRPr>
           </a:p>
@@ -12771,20 +12010,65 @@
           <a:p>
             <a:pPr algn="ctr"/>
             <a:r>
+              <a:rPr lang="it-IT" sz="2800" dirty="0" err="1">
+                <a:solidFill>
+                  <a:srgbClr val="1C656D"/>
+                </a:solidFill>
+                <a:latin typeface="Segoe UI Rounded"/>
+              </a:rPr>
+              <a:t>As</a:t>
+            </a:r>
+            <a:r>
               <a:rPr lang="it-IT" sz="2800" dirty="0">
                 <a:solidFill>
                   <a:srgbClr val="1C656D"/>
                 </a:solidFill>
-                <a:latin typeface="Abadi" panose="020F0502020204030204" pitchFamily="34" charset="0"/>
-              </a:rPr>
-              <a:t>Processing </a:t>
+                <a:latin typeface="Segoe UI Rounded"/>
+              </a:rPr>
+              <a:t> </a:t>
             </a:r>
             <a:r>
               <a:rPr lang="it-IT" sz="2800" dirty="0" err="1">
                 <a:solidFill>
                   <a:srgbClr val="1C656D"/>
                 </a:solidFill>
-                <a:latin typeface="Abadi" panose="020F0502020204030204" pitchFamily="34" charset="0"/>
+                <a:latin typeface="Segoe UI Rounded"/>
+              </a:rPr>
+              <a:t>Supercollider</a:t>
+            </a:r>
+            <a:r>
+              <a:rPr lang="it-IT" sz="2800" dirty="0">
+                <a:solidFill>
+                  <a:srgbClr val="1C656D"/>
+                </a:solidFill>
+                <a:latin typeface="Segoe UI Rounded"/>
+              </a:rPr>
+              <a:t> </a:t>
+            </a:r>
+            <a:r>
+              <a:rPr lang="it-IT" sz="2800" dirty="0" err="1">
+                <a:solidFill>
+                  <a:srgbClr val="1C656D"/>
+                </a:solidFill>
+                <a:latin typeface="Segoe UI Rounded"/>
+              </a:rPr>
+              <a:t>also</a:t>
+            </a:r>
+            <a:r>
+              <a:rPr lang="it-IT" sz="2800" dirty="0">
+                <a:solidFill>
+                  <a:srgbClr val="1C656D"/>
+                </a:solidFill>
+                <a:latin typeface="Segoe UI Rounded"/>
+              </a:rPr>
+              <a:t> Processing </a:t>
+            </a:r>
+            <a:r>
+              <a:rPr lang="it-IT" sz="2800" dirty="0" err="1">
+                <a:solidFill>
+                  <a:srgbClr val="1C656D"/>
+                </a:solidFill>
+                <a:latin typeface="Segoe UI Rounded"/>
               </a:rPr>
               <a:t>receives</a:t>
             </a:r>
@@ -12793,142 +12077,10 @@
                 <a:solidFill>
                   <a:srgbClr val="1C656D"/>
                 </a:solidFill>
-                <a:latin typeface="Abadi" panose="020F0502020204030204" pitchFamily="34" charset="0"/>
-              </a:rPr>
-              <a:t> via OSC </a:t>
-            </a:r>
-            <a:r>
-              <a:rPr lang="it-IT" sz="2800" dirty="0" err="1">
-                <a:solidFill>
-                  <a:srgbClr val="1C656D"/>
-                </a:solidFill>
-                <a:latin typeface="Abadi" panose="020F0502020204030204" pitchFamily="34" charset="0"/>
-              </a:rPr>
-              <a:t>protocol</a:t>
-            </a:r>
-            <a:r>
-              <a:rPr lang="it-IT" sz="2800" dirty="0">
-                <a:solidFill>
-                  <a:srgbClr val="1C656D"/>
-                </a:solidFill>
-                <a:latin typeface="Abadi" panose="020F0502020204030204" pitchFamily="34" charset="0"/>
-              </a:rPr>
-              <a:t> the </a:t>
-            </a:r>
-            <a:r>
-              <a:rPr lang="it-IT" sz="2800" dirty="0" err="1">
-                <a:solidFill>
-                  <a:srgbClr val="1C656D"/>
-                </a:solidFill>
-                <a:latin typeface="Abadi" panose="020F0502020204030204" pitchFamily="34" charset="0"/>
-              </a:rPr>
-              <a:t>parameters</a:t>
-            </a:r>
-            <a:r>
-              <a:rPr lang="it-IT" sz="2800" dirty="0">
-                <a:solidFill>
-                  <a:srgbClr val="1C656D"/>
-                </a:solidFill>
-                <a:latin typeface="Abadi" panose="020F0502020204030204" pitchFamily="34" charset="0"/>
-              </a:rPr>
-              <a:t> from Arduino. </a:t>
-            </a:r>
-            <a:r>
-              <a:rPr lang="it-IT" sz="2800" dirty="0" err="1">
-                <a:solidFill>
-                  <a:srgbClr val="1C656D"/>
-                </a:solidFill>
-                <a:latin typeface="Abadi" panose="020F0502020204030204" pitchFamily="34" charset="0"/>
-              </a:rPr>
-              <a:t>This</a:t>
-            </a:r>
-            <a:r>
-              <a:rPr lang="it-IT" sz="2800" dirty="0">
-                <a:solidFill>
-                  <a:srgbClr val="1C656D"/>
-                </a:solidFill>
-                <a:latin typeface="Abadi" panose="020F0502020204030204" pitchFamily="34" charset="0"/>
-              </a:rPr>
-              <a:t> </a:t>
-            </a:r>
-            <a:r>
-              <a:rPr lang="it-IT" sz="2800" dirty="0" err="1">
-                <a:solidFill>
-                  <a:srgbClr val="1C656D"/>
-                </a:solidFill>
-                <a:latin typeface="Abadi" panose="020F0502020204030204" pitchFamily="34" charset="0"/>
-              </a:rPr>
-              <a:t>allows</a:t>
-            </a:r>
-            <a:r>
-              <a:rPr lang="it-IT" sz="2800" dirty="0">
-                <a:solidFill>
-                  <a:srgbClr val="1C656D"/>
-                </a:solidFill>
-                <a:latin typeface="Abadi" panose="020F0502020204030204" pitchFamily="34" charset="0"/>
-              </a:rPr>
-              <a:t> the </a:t>
-            </a:r>
-            <a:r>
-              <a:rPr lang="it-IT" sz="2800" dirty="0" err="1">
-                <a:solidFill>
-                  <a:srgbClr val="1C656D"/>
-                </a:solidFill>
-                <a:latin typeface="Abadi" panose="020F0502020204030204" pitchFamily="34" charset="0"/>
-              </a:rPr>
-              <a:t>proper</a:t>
-            </a:r>
-            <a:r>
-              <a:rPr lang="it-IT" sz="2800" dirty="0">
-                <a:solidFill>
-                  <a:srgbClr val="1C656D"/>
-                </a:solidFill>
-                <a:latin typeface="Abadi" panose="020F0502020204030204" pitchFamily="34" charset="0"/>
-              </a:rPr>
-              <a:t> </a:t>
-            </a:r>
-            <a:r>
-              <a:rPr lang="it-IT" sz="2800" dirty="0" err="1">
-                <a:solidFill>
-                  <a:srgbClr val="1C656D"/>
-                </a:solidFill>
-                <a:latin typeface="Abadi" panose="020F0502020204030204" pitchFamily="34" charset="0"/>
-              </a:rPr>
-              <a:t>functioning</a:t>
-            </a:r>
-            <a:r>
-              <a:rPr lang="it-IT" sz="2800" dirty="0">
-                <a:solidFill>
-                  <a:srgbClr val="1C656D"/>
-                </a:solidFill>
-                <a:latin typeface="Abadi" panose="020F0502020204030204" pitchFamily="34" charset="0"/>
-              </a:rPr>
-              <a:t> of the </a:t>
-            </a:r>
-            <a:r>
-              <a:rPr lang="it-IT" sz="2800" dirty="0" err="1">
-                <a:solidFill>
-                  <a:srgbClr val="1C656D"/>
-                </a:solidFill>
-                <a:latin typeface="Abadi" panose="020F0502020204030204" pitchFamily="34" charset="0"/>
-              </a:rPr>
-              <a:t>particle</a:t>
-            </a:r>
-            <a:r>
-              <a:rPr lang="it-IT" sz="2800" dirty="0">
-                <a:solidFill>
-                  <a:srgbClr val="1C656D"/>
-                </a:solidFill>
-                <a:latin typeface="Abadi" panose="020F0502020204030204" pitchFamily="34" charset="0"/>
-              </a:rPr>
-              <a:t> system.</a:t>
-            </a:r>
-            <a:endParaRPr lang="it-IT" sz="2400" dirty="0">
-              <a:solidFill>
-                <a:srgbClr val="1C656D"/>
-              </a:solidFill>
-              <a:latin typeface="Abadi" panose="020F0502020204030204" pitchFamily="34" charset="0"/>
-            </a:endParaRPr>
+                <a:latin typeface="Segoe UI Rounded"/>
+              </a:rPr>
+              <a:t> real-time data from Arduino via OSC.</a:t>
+            </a:r>
           </a:p>
         </p:txBody>
       </p:sp>
@@ -13139,7 +12291,7 @@
                 <a:solidFill>
                   <a:srgbClr val="1C656D"/>
                 </a:solidFill>
-                <a:latin typeface="Leelawadee UI" panose="020B0502040204020203" pitchFamily="34" charset="-34"/>
+                <a:latin typeface="Segoe UI Rounded"/>
                 <a:cs typeface="Leelawadee UI" panose="020B0502040204020203" pitchFamily="34" charset="-34"/>
               </a:rPr>
               <a:t>Particle</a:t>
@@ -13149,7 +12301,7 @@
                 <a:solidFill>
                   <a:srgbClr val="1C656D"/>
                 </a:solidFill>
-                <a:latin typeface="Leelawadee UI" panose="020B0502040204020203" pitchFamily="34" charset="-34"/>
+                <a:latin typeface="Segoe UI Rounded"/>
                 <a:cs typeface="Leelawadee UI" panose="020B0502040204020203" pitchFamily="34" charset="-34"/>
               </a:rPr>
               <a:t> system</a:t>
@@ -13158,7 +12310,7 @@
               <a:solidFill>
                 <a:srgbClr val="1C656D"/>
               </a:solidFill>
-              <a:latin typeface="Leelawadee UI" panose="020B0502040204020203" pitchFamily="34" charset="-34"/>
+              <a:latin typeface="Segoe UI Rounded"/>
               <a:cs typeface="Leelawadee UI" panose="020B0502040204020203" pitchFamily="34" charset="-34"/>
             </a:endParaRPr>
           </a:p>
@@ -13194,193 +12346,37 @@
           <a:p>
             <a:pPr algn="ctr"/>
             <a:r>
-              <a:rPr lang="it-IT" sz="2800" dirty="0">
-                <a:solidFill>
-                  <a:srgbClr val="1C656D"/>
-                </a:solidFill>
-                <a:latin typeface="Abadi" panose="020F0502020204030204" pitchFamily="34" charset="0"/>
-              </a:rPr>
-              <a:t>The </a:t>
-            </a:r>
-            <a:r>
-              <a:rPr lang="it-IT" sz="2800" dirty="0" err="1">
-                <a:solidFill>
-                  <a:srgbClr val="1C656D"/>
-                </a:solidFill>
-                <a:latin typeface="Abadi" panose="020F0502020204030204" pitchFamily="34" charset="0"/>
-              </a:rPr>
-              <a:t>particle</a:t>
-            </a:r>
-            <a:r>
-              <a:rPr lang="it-IT" sz="2800" dirty="0">
-                <a:solidFill>
-                  <a:srgbClr val="1C656D"/>
-                </a:solidFill>
-                <a:latin typeface="Abadi" panose="020F0502020204030204" pitchFamily="34" charset="0"/>
-              </a:rPr>
-              <a:t> system </a:t>
-            </a:r>
-            <a:r>
-              <a:rPr lang="it-IT" sz="2800" dirty="0" err="1">
-                <a:solidFill>
-                  <a:srgbClr val="1C656D"/>
-                </a:solidFill>
-                <a:latin typeface="Abadi" panose="020F0502020204030204" pitchFamily="34" charset="0"/>
-              </a:rPr>
-              <a:t>creates</a:t>
-            </a:r>
-            <a:r>
-              <a:rPr lang="it-IT" sz="2800" dirty="0">
-                <a:solidFill>
-                  <a:srgbClr val="1C656D"/>
-                </a:solidFill>
-                <a:latin typeface="Abadi" panose="020F0502020204030204" pitchFamily="34" charset="0"/>
-              </a:rPr>
-              <a:t> a visual </a:t>
-            </a:r>
-            <a:r>
-              <a:rPr lang="it-IT" sz="2800" dirty="0" err="1">
-                <a:solidFill>
-                  <a:srgbClr val="1C656D"/>
-                </a:solidFill>
-                <a:latin typeface="Abadi" panose="020F0502020204030204" pitchFamily="34" charset="0"/>
-              </a:rPr>
-              <a:t>interface</a:t>
-            </a:r>
-            <a:r>
-              <a:rPr lang="it-IT" sz="2800" dirty="0">
-                <a:solidFill>
-                  <a:srgbClr val="1C656D"/>
-                </a:solidFill>
-                <a:latin typeface="Abadi" panose="020F0502020204030204" pitchFamily="34" charset="0"/>
-              </a:rPr>
-              <a:t> </a:t>
-            </a:r>
-            <a:r>
-              <a:rPr lang="it-IT" sz="2800" dirty="0" err="1">
-                <a:solidFill>
-                  <a:srgbClr val="1C656D"/>
-                </a:solidFill>
-                <a:latin typeface="Abadi" panose="020F0502020204030204" pitchFamily="34" charset="0"/>
-              </a:rPr>
-              <a:t>that</a:t>
-            </a:r>
-            <a:r>
-              <a:rPr lang="it-IT" sz="2800" dirty="0">
-                <a:solidFill>
-                  <a:srgbClr val="1C656D"/>
-                </a:solidFill>
-                <a:latin typeface="Abadi" panose="020F0502020204030204" pitchFamily="34" charset="0"/>
-              </a:rPr>
-              <a:t> </a:t>
-            </a:r>
-            <a:r>
-              <a:rPr lang="it-IT" sz="2800" dirty="0" err="1">
-                <a:solidFill>
-                  <a:srgbClr val="1C656D"/>
-                </a:solidFill>
-                <a:latin typeface="Abadi" panose="020F0502020204030204" pitchFamily="34" charset="0"/>
-              </a:rPr>
-              <a:t>varies</a:t>
-            </a:r>
-            <a:r>
-              <a:rPr lang="it-IT" sz="2800" dirty="0">
-                <a:solidFill>
-                  <a:srgbClr val="1C656D"/>
-                </a:solidFill>
-                <a:latin typeface="Abadi" panose="020F0502020204030204" pitchFamily="34" charset="0"/>
-              </a:rPr>
-              <a:t> </a:t>
-            </a:r>
-          </a:p>
-          <a:p>
-            <a:pPr algn="ctr"/>
-            <a:r>
-              <a:rPr lang="it-IT" sz="2800" dirty="0">
-                <a:solidFill>
-                  <a:srgbClr val="1C656D"/>
-                </a:solidFill>
-                <a:latin typeface="Abadi" panose="020F0502020204030204" pitchFamily="34" charset="0"/>
-              </a:rPr>
-              <a:t>with </a:t>
-            </a:r>
-            <a:r>
-              <a:rPr lang="it-IT" sz="2800" dirty="0" err="1">
-                <a:solidFill>
-                  <a:srgbClr val="1C656D"/>
-                </a:solidFill>
-                <a:latin typeface="Abadi" panose="020F0502020204030204" pitchFamily="34" charset="0"/>
-              </a:rPr>
-              <a:t>respect</a:t>
-            </a:r>
-            <a:r>
-              <a:rPr lang="it-IT" sz="2800" dirty="0">
-                <a:solidFill>
-                  <a:srgbClr val="1C656D"/>
-                </a:solidFill>
-                <a:latin typeface="Abadi" panose="020F0502020204030204" pitchFamily="34" charset="0"/>
-              </a:rPr>
-              <a:t> to </a:t>
-            </a:r>
-            <a:r>
-              <a:rPr lang="it-IT" sz="2800" dirty="0" err="1">
-                <a:solidFill>
-                  <a:srgbClr val="1C656D"/>
-                </a:solidFill>
-                <a:latin typeface="Abadi" panose="020F0502020204030204" pitchFamily="34" charset="0"/>
-              </a:rPr>
-              <a:t>external</a:t>
-            </a:r>
-            <a:r>
-              <a:rPr lang="it-IT" sz="2800" dirty="0">
-                <a:solidFill>
-                  <a:srgbClr val="1C656D"/>
-                </a:solidFill>
-                <a:latin typeface="Abadi" panose="020F0502020204030204" pitchFamily="34" charset="0"/>
-              </a:rPr>
-              <a:t> </a:t>
-            </a:r>
-            <a:r>
-              <a:rPr lang="it-IT" sz="2800" dirty="0" err="1">
-                <a:solidFill>
-                  <a:srgbClr val="1C656D"/>
-                </a:solidFill>
-                <a:latin typeface="Abadi" panose="020F0502020204030204" pitchFamily="34" charset="0"/>
-              </a:rPr>
-              <a:t>real</a:t>
-            </a:r>
-            <a:r>
-              <a:rPr lang="it-IT" sz="2800" dirty="0">
-                <a:solidFill>
-                  <a:srgbClr val="1C656D"/>
-                </a:solidFill>
-                <a:latin typeface="Abadi" panose="020F0502020204030204" pitchFamily="34" charset="0"/>
-              </a:rPr>
-              <a:t>-world data </a:t>
-            </a:r>
-            <a:r>
-              <a:rPr lang="it-IT" sz="2800" dirty="0" err="1">
-                <a:solidFill>
-                  <a:srgbClr val="1C656D"/>
-                </a:solidFill>
-                <a:latin typeface="Abadi" panose="020F0502020204030204" pitchFamily="34" charset="0"/>
-              </a:rPr>
-              <a:t>collected</a:t>
-            </a:r>
-            <a:r>
-              <a:rPr lang="it-IT" sz="2800" dirty="0">
-                <a:solidFill>
-                  <a:srgbClr val="1C656D"/>
-                </a:solidFill>
-                <a:latin typeface="Abadi" panose="020F0502020204030204" pitchFamily="34" charset="0"/>
-              </a:rPr>
-              <a:t>.</a:t>
+              <a:rPr lang="en-US" sz="2800" dirty="0">
+                <a:solidFill>
+                  <a:srgbClr val="1C656D"/>
+                </a:solidFill>
+                <a:latin typeface="Segoe UI Rounded"/>
+              </a:rPr>
+              <a:t>The particle system translates sensor values into motion and color. Light affects hue, humidity controls </a:t>
+            </a:r>
+            <a:r>
+              <a:rPr lang="en-US" sz="2800" dirty="0" err="1">
+                <a:solidFill>
+                  <a:srgbClr val="1C656D"/>
+                </a:solidFill>
+                <a:latin typeface="Segoe UI Rounded"/>
+              </a:rPr>
+              <a:t>density,and</a:t>
+            </a:r>
+            <a:r>
+              <a:rPr lang="en-US" sz="2800" dirty="0">
+                <a:solidFill>
+                  <a:srgbClr val="1C656D"/>
+                </a:solidFill>
+                <a:latin typeface="Segoe UI Rounded"/>
+              </a:rPr>
+              <a:t> temperature influences movement and speed.</a:t>
             </a:r>
             <a:endParaRPr lang="it-IT" sz="2400" dirty="0">
               <a:solidFill>
                 <a:srgbClr val="1C656D"/>
               </a:solidFill>
-              <a:latin typeface="Abadi" panose="020F0502020204030204" pitchFamily="34" charset="0"/>
+              <a:latin typeface="Segoe UI Rounded"/>
             </a:endParaRPr>
           </a:p>
         </p:txBody>
@@ -13592,7 +12588,7 @@
                 <a:solidFill>
                   <a:srgbClr val="1C656D"/>
                 </a:solidFill>
-                <a:latin typeface="Leelawadee UI" panose="020B0502040204020203" pitchFamily="34" charset="-34"/>
+                <a:latin typeface="Segoe UI Rounded"/>
                 <a:cs typeface="Leelawadee UI" panose="020B0502040204020203" pitchFamily="34" charset="-34"/>
               </a:rPr>
               <a:t>Thanks for </a:t>
@@ -13602,7 +12598,7 @@
                 <a:solidFill>
                   <a:srgbClr val="1C656D"/>
                 </a:solidFill>
-                <a:latin typeface="Leelawadee UI" panose="020B0502040204020203" pitchFamily="34" charset="-34"/>
+                <a:latin typeface="Segoe UI Rounded"/>
                 <a:cs typeface="Leelawadee UI" panose="020B0502040204020203" pitchFamily="34" charset="-34"/>
               </a:rPr>
               <a:t>your</a:t>
@@ -13612,7 +12608,7 @@
                 <a:solidFill>
                   <a:srgbClr val="1C656D"/>
                 </a:solidFill>
-                <a:latin typeface="Leelawadee UI" panose="020B0502040204020203" pitchFamily="34" charset="-34"/>
+                <a:latin typeface="Segoe UI Rounded"/>
                 <a:cs typeface="Leelawadee UI" panose="020B0502040204020203" pitchFamily="34" charset="-34"/>
               </a:rPr>
               <a:t> </a:t>
@@ -13622,7 +12618,7 @@
                 <a:solidFill>
                   <a:srgbClr val="1C656D"/>
                 </a:solidFill>
-                <a:latin typeface="Leelawadee UI" panose="020B0502040204020203" pitchFamily="34" charset="-34"/>
+                <a:latin typeface="Segoe UI Rounded"/>
                 <a:cs typeface="Leelawadee UI" panose="020B0502040204020203" pitchFamily="34" charset="-34"/>
               </a:rPr>
               <a:t>attention</a:t>
@@ -13631,7 +12627,7 @@
               <a:solidFill>
                 <a:srgbClr val="1C656D"/>
               </a:solidFill>
-              <a:latin typeface="Leelawadee UI" panose="020B0502040204020203" pitchFamily="34" charset="-34"/>
+              <a:latin typeface="Segoe UI Rounded"/>
               <a:cs typeface="Leelawadee UI" panose="020B0502040204020203" pitchFamily="34" charset="-34"/>
             </a:endParaRPr>
           </a:p>
@@ -13671,7 +12667,7 @@
                 <a:solidFill>
                   <a:srgbClr val="5BA191"/>
                 </a:solidFill>
-                <a:latin typeface="Abadi" panose="020F0502020204030204" pitchFamily="34" charset="0"/>
+                <a:latin typeface="Segoe UI Rounded"/>
               </a:rPr>
               <a:t>Marco Porcella </a:t>
             </a:r>
@@ -13683,7 +12679,7 @@
                 <a:solidFill>
                   <a:srgbClr val="5BA191"/>
                 </a:solidFill>
-                <a:latin typeface="Abadi" panose="020F0502020204030204" pitchFamily="34" charset="0"/>
+                <a:latin typeface="Segoe UI Rounded"/>
               </a:rPr>
               <a:t>Andrea Crisafulli </a:t>
             </a:r>
@@ -13695,7 +12691,7 @@
                 <a:solidFill>
                   <a:srgbClr val="5BA191"/>
                 </a:solidFill>
-                <a:latin typeface="Abadi" panose="020F0502020204030204" pitchFamily="34" charset="0"/>
+                <a:latin typeface="Segoe UI Rounded"/>
               </a:rPr>
               <a:t>Giacomo De Toni </a:t>
             </a:r>
@@ -13707,7 +12703,7 @@
                 <a:solidFill>
                   <a:srgbClr val="5BA191"/>
                 </a:solidFill>
-                <a:latin typeface="Abadi" panose="020F0502020204030204" pitchFamily="34" charset="0"/>
+                <a:latin typeface="Segoe UI Rounded"/>
               </a:rPr>
               <a:t>Filippo Longhi</a:t>
             </a:r>
@@ -13715,7 +12711,7 @@
               <a:solidFill>
                 <a:srgbClr val="5BA191"/>
               </a:solidFill>
-              <a:latin typeface="Abadi" panose="020F0502020204030204" pitchFamily="34" charset="0"/>
+              <a:latin typeface="Segoe UI Rounded"/>
             </a:endParaRPr>
           </a:p>
         </p:txBody>
@@ -14092,7 +13088,7 @@
                 <a:solidFill>
                   <a:srgbClr val="1C656D"/>
                 </a:solidFill>
-                <a:latin typeface="Leelawadee UI" panose="020B0502040204020203" pitchFamily="34" charset="-34"/>
+                <a:latin typeface="Segoe UI Rounded"/>
                 <a:cs typeface="Leelawadee UI" panose="020B0502040204020203" pitchFamily="34" charset="-34"/>
               </a:rPr>
               <a:t>It</a:t>
@@ -14102,7 +13098,7 @@
                 <a:solidFill>
                   <a:srgbClr val="1C656D"/>
                 </a:solidFill>
-                <a:latin typeface="Leelawadee UI" panose="020B0502040204020203" pitchFamily="34" charset="-34"/>
+                <a:latin typeface="Segoe UI Rounded"/>
                 <a:cs typeface="Leelawadee UI" panose="020B0502040204020203" pitchFamily="34" charset="-34"/>
               </a:rPr>
               <a:t> </a:t>
@@ -14112,7 +13108,7 @@
                 <a:solidFill>
                   <a:srgbClr val="1C656D"/>
                 </a:solidFill>
-                <a:latin typeface="Leelawadee UI" panose="020B0502040204020203" pitchFamily="34" charset="-34"/>
+                <a:latin typeface="Segoe UI Rounded"/>
                 <a:cs typeface="Leelawadee UI" panose="020B0502040204020203" pitchFamily="34" charset="-34"/>
               </a:rPr>
               <a:t>captures</a:t>
@@ -14122,7 +13118,7 @@
                 <a:solidFill>
                   <a:srgbClr val="1C656D"/>
                 </a:solidFill>
-                <a:latin typeface="Leelawadee UI" panose="020B0502040204020203" pitchFamily="34" charset="-34"/>
+                <a:latin typeface="Segoe UI Rounded"/>
                 <a:cs typeface="Leelawadee UI" panose="020B0502040204020203" pitchFamily="34" charset="-34"/>
               </a:rPr>
               <a:t> ambient data – temperature, light and </a:t>
@@ -14132,7 +13128,7 @@
                 <a:solidFill>
                   <a:srgbClr val="1C656D"/>
                 </a:solidFill>
-                <a:latin typeface="Leelawadee UI" panose="020B0502040204020203" pitchFamily="34" charset="-34"/>
+                <a:latin typeface="Segoe UI Rounded"/>
                 <a:cs typeface="Leelawadee UI" panose="020B0502040204020203" pitchFamily="34" charset="-34"/>
               </a:rPr>
               <a:t>humidity</a:t>
@@ -14142,7 +13138,7 @@
                 <a:solidFill>
                   <a:srgbClr val="1C656D"/>
                 </a:solidFill>
-                <a:latin typeface="Leelawadee UI" panose="020B0502040204020203" pitchFamily="34" charset="-34"/>
+                <a:latin typeface="Segoe UI Rounded"/>
                 <a:cs typeface="Leelawadee UI" panose="020B0502040204020203" pitchFamily="34" charset="-34"/>
               </a:rPr>
               <a:t> – </a:t>
@@ -14152,7 +13148,7 @@
                 <a:solidFill>
                   <a:srgbClr val="1C656D"/>
                 </a:solidFill>
-                <a:latin typeface="Leelawadee UI" panose="020B0502040204020203" pitchFamily="34" charset="-34"/>
+                <a:latin typeface="Segoe UI Rounded"/>
                 <a:cs typeface="Leelawadee UI" panose="020B0502040204020203" pitchFamily="34" charset="-34"/>
               </a:rPr>
               <a:t>using</a:t>
@@ -14162,7 +13158,7 @@
                 <a:solidFill>
                   <a:srgbClr val="1C656D"/>
                 </a:solidFill>
-                <a:latin typeface="Leelawadee UI" panose="020B0502040204020203" pitchFamily="34" charset="-34"/>
+                <a:latin typeface="Segoe UI Rounded"/>
                 <a:cs typeface="Leelawadee UI" panose="020B0502040204020203" pitchFamily="34" charset="-34"/>
               </a:rPr>
               <a:t> Arduino-</a:t>
@@ -14172,7 +13168,7 @@
                 <a:solidFill>
                   <a:srgbClr val="1C656D"/>
                 </a:solidFill>
-                <a:latin typeface="Leelawadee UI" panose="020B0502040204020203" pitchFamily="34" charset="-34"/>
+                <a:latin typeface="Segoe UI Rounded"/>
                 <a:cs typeface="Leelawadee UI" panose="020B0502040204020203" pitchFamily="34" charset="-34"/>
               </a:rPr>
               <a:t>based</a:t>
@@ -14182,7 +13178,7 @@
                 <a:solidFill>
                   <a:srgbClr val="1C656D"/>
                 </a:solidFill>
-                <a:latin typeface="Leelawadee UI" panose="020B0502040204020203" pitchFamily="34" charset="-34"/>
+                <a:latin typeface="Segoe UI Rounded"/>
                 <a:cs typeface="Leelawadee UI" panose="020B0502040204020203" pitchFamily="34" charset="-34"/>
               </a:rPr>
               <a:t> </a:t>
@@ -14192,7 +13188,7 @@
                 <a:solidFill>
                   <a:srgbClr val="1C656D"/>
                 </a:solidFill>
-                <a:latin typeface="Leelawadee UI" panose="020B0502040204020203" pitchFamily="34" charset="-34"/>
+                <a:latin typeface="Segoe UI Rounded"/>
                 <a:cs typeface="Leelawadee UI" panose="020B0502040204020203" pitchFamily="34" charset="-34"/>
               </a:rPr>
               <a:t>sensors</a:t>
@@ -14202,7 +13198,7 @@
                 <a:solidFill>
                   <a:srgbClr val="1C656D"/>
                 </a:solidFill>
-                <a:latin typeface="Leelawadee UI" panose="020B0502040204020203" pitchFamily="34" charset="-34"/>
+                <a:latin typeface="Segoe UI Rounded"/>
                 <a:cs typeface="Leelawadee UI" panose="020B0502040204020203" pitchFamily="34" charset="-34"/>
               </a:rPr>
               <a:t> and…</a:t>
@@ -14360,7 +13356,7 @@
                 <a:solidFill>
                   <a:srgbClr val="1C656D"/>
                 </a:solidFill>
-                <a:latin typeface="Leelawadee UI" panose="020B0502040204020203" pitchFamily="34" charset="-34"/>
+                <a:latin typeface="Segoe UI Rounded"/>
                 <a:cs typeface="Leelawadee UI" panose="020B0502040204020203" pitchFamily="34" charset="-34"/>
               </a:rPr>
               <a:t>Live Demo</a:t>
@@ -14383,7 +13379,7 @@
         <p:spPr>
           <a:xfrm>
             <a:off x="581022" y="3739897"/>
-            <a:ext cx="11029950" cy="461665"/>
+            <a:ext cx="11029950" cy="584775"/>
           </a:xfrm>
           <a:prstGeom prst="rect">
             <a:avLst/>
@@ -14398,64 +13394,64 @@
           <a:p>
             <a:pPr algn="ctr"/>
             <a:r>
-              <a:rPr lang="it-IT" sz="2400" dirty="0" err="1">
+              <a:rPr lang="it-IT" sz="3200" dirty="0" err="1">
                 <a:solidFill>
                   <a:srgbClr val="5BA191"/>
                 </a:solidFill>
-                <a:latin typeface="Abadi" panose="020F0502020204030204" pitchFamily="34" charset="0"/>
+                <a:latin typeface="Segoe UI Rounded"/>
               </a:rPr>
               <a:t>Let’s</a:t>
             </a:r>
             <a:r>
-              <a:rPr lang="it-IT" sz="2400" dirty="0">
+              <a:rPr lang="it-IT" sz="3200" dirty="0">
                 <a:solidFill>
                   <a:srgbClr val="5BA191"/>
                 </a:solidFill>
-                <a:latin typeface="Abadi" panose="020F0502020204030204" pitchFamily="34" charset="0"/>
+                <a:latin typeface="Segoe UI Rounded"/>
               </a:rPr>
               <a:t> </a:t>
             </a:r>
             <a:r>
-              <a:rPr lang="it-IT" sz="2400" dirty="0" err="1">
+              <a:rPr lang="it-IT" sz="3200" dirty="0" err="1">
                 <a:solidFill>
                   <a:srgbClr val="5BA191"/>
                 </a:solidFill>
-                <a:latin typeface="Abadi" panose="020F0502020204030204" pitchFamily="34" charset="0"/>
+                <a:latin typeface="Segoe UI Rounded"/>
               </a:rPr>
               <a:t>hope</a:t>
             </a:r>
             <a:r>
-              <a:rPr lang="it-IT" sz="2400" dirty="0">
+              <a:rPr lang="it-IT" sz="3200" dirty="0">
                 <a:solidFill>
                   <a:srgbClr val="5BA191"/>
                 </a:solidFill>
-                <a:latin typeface="Abadi" panose="020F0502020204030204" pitchFamily="34" charset="0"/>
+                <a:latin typeface="Segoe UI Rounded"/>
               </a:rPr>
               <a:t> </a:t>
             </a:r>
             <a:r>
-              <a:rPr lang="it-IT" sz="2400" dirty="0" err="1">
+              <a:rPr lang="it-IT" sz="3200" dirty="0" err="1">
                 <a:solidFill>
                   <a:srgbClr val="5BA191"/>
                 </a:solidFill>
-                <a:latin typeface="Abadi" panose="020F0502020204030204" pitchFamily="34" charset="0"/>
+                <a:latin typeface="Segoe UI Rounded"/>
               </a:rPr>
               <a:t>everything</a:t>
             </a:r>
             <a:r>
-              <a:rPr lang="it-IT" sz="2400" dirty="0">
+              <a:rPr lang="it-IT" sz="3200" dirty="0">
                 <a:solidFill>
                   <a:srgbClr val="5BA191"/>
                 </a:solidFill>
-                <a:latin typeface="Abadi" panose="020F0502020204030204" pitchFamily="34" charset="0"/>
+                <a:latin typeface="Segoe UI Rounded"/>
               </a:rPr>
               <a:t> works</a:t>
             </a:r>
-            <a:endParaRPr lang="it-IT" sz="2000" dirty="0">
+            <a:endParaRPr lang="it-IT" sz="2800" dirty="0">
               <a:solidFill>
                 <a:srgbClr val="5BA191"/>
               </a:solidFill>
-              <a:latin typeface="Abadi" panose="020F0502020204030204" pitchFamily="34" charset="0"/>
+              <a:latin typeface="Segoe UI Rounded"/>
             </a:endParaRPr>
           </a:p>
         </p:txBody>
@@ -14858,7 +13854,7 @@
                 <a:solidFill>
                   <a:srgbClr val="1C656D"/>
                 </a:solidFill>
-                <a:latin typeface="Leelawadee UI" panose="020B0502040204020203" pitchFamily="34" charset="-34"/>
+                <a:latin typeface="Segoe UI Rounded"/>
                 <a:cs typeface="Leelawadee UI" panose="020B0502040204020203" pitchFamily="34" charset="-34"/>
               </a:rPr>
               <a:t>… </a:t>
@@ -14868,7 +13864,7 @@
                 <a:solidFill>
                   <a:srgbClr val="1C656D"/>
                 </a:solidFill>
-                <a:latin typeface="Leelawadee UI" panose="020B0502040204020203" pitchFamily="34" charset="-34"/>
+                <a:latin typeface="Segoe UI Rounded"/>
                 <a:cs typeface="Leelawadee UI" panose="020B0502040204020203" pitchFamily="34" charset="-34"/>
               </a:rPr>
               <a:t>converts</a:t>
@@ -14878,7 +13874,7 @@
                 <a:solidFill>
                   <a:srgbClr val="1C656D"/>
                 </a:solidFill>
-                <a:latin typeface="Leelawadee UI" panose="020B0502040204020203" pitchFamily="34" charset="-34"/>
+                <a:latin typeface="Segoe UI Rounded"/>
                 <a:cs typeface="Leelawadee UI" panose="020B0502040204020203" pitchFamily="34" charset="-34"/>
               </a:rPr>
               <a:t> </a:t>
@@ -14888,7 +13884,7 @@
                 <a:solidFill>
                   <a:srgbClr val="1C656D"/>
                 </a:solidFill>
-                <a:latin typeface="Leelawadee UI" panose="020B0502040204020203" pitchFamily="34" charset="-34"/>
+                <a:latin typeface="Segoe UI Rounded"/>
                 <a:cs typeface="Leelawadee UI" panose="020B0502040204020203" pitchFamily="34" charset="-34"/>
               </a:rPr>
               <a:t>them</a:t>
@@ -14898,7 +13894,7 @@
                 <a:solidFill>
                   <a:srgbClr val="1C656D"/>
                 </a:solidFill>
-                <a:latin typeface="Leelawadee UI" panose="020B0502040204020203" pitchFamily="34" charset="-34"/>
+                <a:latin typeface="Segoe UI Rounded"/>
                 <a:cs typeface="Leelawadee UI" panose="020B0502040204020203" pitchFamily="34" charset="-34"/>
               </a:rPr>
               <a:t> with </a:t>
@@ -14908,7 +13904,7 @@
                 <a:solidFill>
                   <a:srgbClr val="1C656D"/>
                 </a:solidFill>
-                <a:latin typeface="Leelawadee UI" panose="020B0502040204020203" pitchFamily="34" charset="-34"/>
+                <a:latin typeface="Segoe UI Rounded"/>
                 <a:cs typeface="Leelawadee UI" panose="020B0502040204020203" pitchFamily="34" charset="-34"/>
               </a:rPr>
               <a:t>algorithmic</a:t>
@@ -14918,7 +13914,7 @@
                 <a:solidFill>
                   <a:srgbClr val="1C656D"/>
                 </a:solidFill>
-                <a:latin typeface="Leelawadee UI" panose="020B0502040204020203" pitchFamily="34" charset="-34"/>
+                <a:latin typeface="Segoe UI Rounded"/>
                 <a:cs typeface="Leelawadee UI" panose="020B0502040204020203" pitchFamily="34" charset="-34"/>
               </a:rPr>
               <a:t> </a:t>
@@ -14928,7 +13924,7 @@
                 <a:solidFill>
                   <a:srgbClr val="1C656D"/>
                 </a:solidFill>
-                <a:latin typeface="Leelawadee UI" panose="020B0502040204020203" pitchFamily="34" charset="-34"/>
+                <a:latin typeface="Segoe UI Rounded"/>
                 <a:cs typeface="Leelawadee UI" panose="020B0502040204020203" pitchFamily="34" charset="-34"/>
               </a:rPr>
               <a:t>composition</a:t>
@@ -14938,7 +13934,7 @@
                 <a:solidFill>
                   <a:srgbClr val="1C656D"/>
                 </a:solidFill>
-                <a:latin typeface="Leelawadee UI" panose="020B0502040204020203" pitchFamily="34" charset="-34"/>
+                <a:latin typeface="Segoe UI Rounded"/>
                 <a:cs typeface="Leelawadee UI" panose="020B0502040204020203" pitchFamily="34" charset="-34"/>
               </a:rPr>
               <a:t> to produce </a:t>
@@ -14948,7 +13944,7 @@
                 <a:solidFill>
                   <a:srgbClr val="1C656D"/>
                 </a:solidFill>
-                <a:latin typeface="Leelawadee UI" panose="020B0502040204020203" pitchFamily="34" charset="-34"/>
+                <a:latin typeface="Segoe UI Rounded"/>
                 <a:cs typeface="Leelawadee UI" panose="020B0502040204020203" pitchFamily="34" charset="-34"/>
               </a:rPr>
               <a:t>evolving</a:t>
@@ -14958,7 +13954,7 @@
                 <a:solidFill>
                   <a:srgbClr val="1C656D"/>
                 </a:solidFill>
-                <a:latin typeface="Leelawadee UI" panose="020B0502040204020203" pitchFamily="34" charset="-34"/>
+                <a:latin typeface="Segoe UI Rounded"/>
                 <a:cs typeface="Leelawadee UI" panose="020B0502040204020203" pitchFamily="34" charset="-34"/>
               </a:rPr>
               <a:t>, meditative ambient music, </a:t>
@@ -14968,7 +13964,7 @@
                 <a:solidFill>
                   <a:srgbClr val="1C656D"/>
                 </a:solidFill>
-                <a:latin typeface="Leelawadee UI" panose="020B0502040204020203" pitchFamily="34" charset="-34"/>
+                <a:latin typeface="Segoe UI Rounded"/>
                 <a:cs typeface="Leelawadee UI" panose="020B0502040204020203" pitchFamily="34" charset="-34"/>
               </a:rPr>
               <a:t>visually</a:t>
@@ -14978,7 +13974,7 @@
                 <a:solidFill>
                   <a:srgbClr val="1C656D"/>
                 </a:solidFill>
-                <a:latin typeface="Leelawadee UI" panose="020B0502040204020203" pitchFamily="34" charset="-34"/>
+                <a:latin typeface="Segoe UI Rounded"/>
                 <a:cs typeface="Leelawadee UI" panose="020B0502040204020203" pitchFamily="34" charset="-34"/>
               </a:rPr>
               <a:t> </a:t>
@@ -14988,7 +13984,7 @@
                 <a:solidFill>
                   <a:srgbClr val="1C656D"/>
                 </a:solidFill>
-                <a:latin typeface="Leelawadee UI" panose="020B0502040204020203" pitchFamily="34" charset="-34"/>
+                <a:latin typeface="Segoe UI Rounded"/>
                 <a:cs typeface="Leelawadee UI" panose="020B0502040204020203" pitchFamily="34" charset="-34"/>
               </a:rPr>
               <a:t>enhanced</a:t>
@@ -14998,7 +13994,7 @@
                 <a:solidFill>
                   <a:srgbClr val="1C656D"/>
                 </a:solidFill>
-                <a:latin typeface="Leelawadee UI" panose="020B0502040204020203" pitchFamily="34" charset="-34"/>
+                <a:latin typeface="Segoe UI Rounded"/>
                 <a:cs typeface="Leelawadee UI" panose="020B0502040204020203" pitchFamily="34" charset="-34"/>
               </a:rPr>
               <a:t> by a responsive </a:t>
@@ -15008,7 +14004,7 @@
                 <a:solidFill>
                   <a:srgbClr val="1C656D"/>
                 </a:solidFill>
-                <a:latin typeface="Leelawadee UI" panose="020B0502040204020203" pitchFamily="34" charset="-34"/>
+                <a:latin typeface="Segoe UI Rounded"/>
                 <a:cs typeface="Leelawadee UI" panose="020B0502040204020203" pitchFamily="34" charset="-34"/>
               </a:rPr>
               <a:t>particle</a:t>
@@ -15018,7 +14014,7 @@
                 <a:solidFill>
                   <a:srgbClr val="1C656D"/>
                 </a:solidFill>
-                <a:latin typeface="Leelawadee UI" panose="020B0502040204020203" pitchFamily="34" charset="-34"/>
+                <a:latin typeface="Segoe UI Rounded"/>
                 <a:cs typeface="Leelawadee UI" panose="020B0502040204020203" pitchFamily="34" charset="-34"/>
               </a:rPr>
               <a:t> system.</a:t>
@@ -15027,7 +14023,7 @@
               <a:solidFill>
                 <a:srgbClr val="1C656D"/>
               </a:solidFill>
-              <a:latin typeface="Leelawadee UI" panose="020B0502040204020203" pitchFamily="34" charset="-34"/>
+              <a:latin typeface="Segoe UI Rounded"/>
               <a:cs typeface="Leelawadee UI" panose="020B0502040204020203" pitchFamily="34" charset="-34"/>
             </a:endParaRPr>
           </a:p>
@@ -15234,7 +14230,7 @@
                 <a:solidFill>
                   <a:srgbClr val="1C656D"/>
                 </a:solidFill>
-                <a:latin typeface="Leelawadee UI" panose="020B0502040204020203" pitchFamily="34" charset="-34"/>
+                <a:latin typeface="Segoe UI Rounded"/>
                 <a:cs typeface="Leelawadee UI" panose="020B0502040204020203" pitchFamily="34" charset="-34"/>
               </a:rPr>
               <a:t>‘’Wow, se metto la mano sul il sensore le palline cambiano.’’</a:t>
@@ -15247,7 +14243,7 @@
                 <a:solidFill>
                   <a:srgbClr val="5BA191"/>
                 </a:solidFill>
-                <a:latin typeface="Leelawadee UI" panose="020B0502040204020203" pitchFamily="34" charset="-34"/>
+                <a:latin typeface="Segoe UI Rounded"/>
                 <a:cs typeface="Leelawadee UI" panose="020B0502040204020203" pitchFamily="34" charset="-34"/>
               </a:rPr>
               <a:t>– Andrea Crisafulli, has problems keeping up his focus. –</a:t>
@@ -15259,7 +14255,7 @@
               <a:solidFill>
                 <a:srgbClr val="5BA191"/>
               </a:solidFill>
-              <a:latin typeface="Leelawadee UI" panose="020B0502040204020203" pitchFamily="34" charset="-34"/>
+              <a:latin typeface="Segoe UI Rounded"/>
               <a:cs typeface="Leelawadee UI" panose="020B0502040204020203" pitchFamily="34" charset="-34"/>
             </a:endParaRPr>
           </a:p>
@@ -15270,7 +14266,7 @@
                 <a:solidFill>
                   <a:srgbClr val="1C656D"/>
                 </a:solidFill>
-                <a:latin typeface="Leelawadee UI" panose="020B0502040204020203" pitchFamily="34" charset="-34"/>
+                <a:latin typeface="Segoe UI Rounded"/>
                 <a:cs typeface="Leelawadee UI" panose="020B0502040204020203" pitchFamily="34" charset="-34"/>
               </a:rPr>
               <a:t>‘’Ho provato con </a:t>
@@ -15280,7 +14276,7 @@
                 <a:solidFill>
                   <a:srgbClr val="1C656D"/>
                 </a:solidFill>
-                <a:latin typeface="Leelawadee UI" panose="020B0502040204020203" pitchFamily="34" charset="-34"/>
+                <a:latin typeface="Segoe UI Rounded"/>
                 <a:cs typeface="Leelawadee UI" panose="020B0502040204020203" pitchFamily="34" charset="-34"/>
               </a:rPr>
               <a:t>VCable</a:t>
@@ -15290,7 +14286,7 @@
                 <a:solidFill>
                   <a:srgbClr val="1C656D"/>
                 </a:solidFill>
-                <a:latin typeface="Leelawadee UI" panose="020B0502040204020203" pitchFamily="34" charset="-34"/>
+                <a:latin typeface="Segoe UI Rounded"/>
                 <a:cs typeface="Leelawadee UI" panose="020B0502040204020203" pitchFamily="34" charset="-34"/>
               </a:rPr>
               <a:t>, Jack e </a:t>
@@ -15300,7 +14296,7 @@
                 <a:solidFill>
                   <a:srgbClr val="1C656D"/>
                 </a:solidFill>
-                <a:latin typeface="Leelawadee UI" panose="020B0502040204020203" pitchFamily="34" charset="-34"/>
+                <a:latin typeface="Segoe UI Rounded"/>
                 <a:cs typeface="Leelawadee UI" panose="020B0502040204020203" pitchFamily="34" charset="-34"/>
               </a:rPr>
               <a:t>ReaRouter</a:t>
@@ -15310,7 +14306,7 @@
                 <a:solidFill>
                   <a:srgbClr val="1C656D"/>
                 </a:solidFill>
-                <a:latin typeface="Leelawadee UI" panose="020B0502040204020203" pitchFamily="34" charset="-34"/>
+                <a:latin typeface="Segoe UI Rounded"/>
                 <a:cs typeface="Leelawadee UI" panose="020B0502040204020203" pitchFamily="34" charset="-34"/>
               </a:rPr>
               <a:t>, ma non funziona niente.’’</a:t>
@@ -15319,7 +14315,7 @@
               <a:solidFill>
                 <a:srgbClr val="5BA191"/>
               </a:solidFill>
-              <a:latin typeface="Leelawadee UI" panose="020B0502040204020203" pitchFamily="34" charset="-34"/>
+              <a:latin typeface="Segoe UI Rounded"/>
               <a:cs typeface="Leelawadee UI" panose="020B0502040204020203" pitchFamily="34" charset="-34"/>
             </a:endParaRPr>
           </a:p>
@@ -15330,7 +14326,7 @@
                 <a:solidFill>
                   <a:srgbClr val="5BA191"/>
                 </a:solidFill>
-                <a:latin typeface="Leelawadee UI" panose="020B0502040204020203" pitchFamily="34" charset="-34"/>
+                <a:latin typeface="Segoe UI Rounded"/>
                 <a:cs typeface="Leelawadee UI" panose="020B0502040204020203" pitchFamily="34" charset="-34"/>
               </a:rPr>
               <a:t>– Giacomo De Toni, lost his faith in audio </a:t>
@@ -15340,7 +14336,7 @@
                 <a:solidFill>
                   <a:srgbClr val="5BA191"/>
                 </a:solidFill>
-                <a:latin typeface="Leelawadee UI" panose="020B0502040204020203" pitchFamily="34" charset="-34"/>
+                <a:latin typeface="Segoe UI Rounded"/>
                 <a:cs typeface="Leelawadee UI" panose="020B0502040204020203" pitchFamily="34" charset="-34"/>
               </a:rPr>
               <a:t>softwares</a:t>
@@ -15350,7 +14346,7 @@
                 <a:solidFill>
                   <a:srgbClr val="5BA191"/>
                 </a:solidFill>
-                <a:latin typeface="Leelawadee UI" panose="020B0502040204020203" pitchFamily="34" charset="-34"/>
+                <a:latin typeface="Segoe UI Rounded"/>
                 <a:cs typeface="Leelawadee UI" panose="020B0502040204020203" pitchFamily="34" charset="-34"/>
               </a:rPr>
               <a:t>. –</a:t>
@@ -15362,7 +14358,7 @@
               <a:solidFill>
                 <a:srgbClr val="5BA191"/>
               </a:solidFill>
-              <a:latin typeface="Leelawadee UI" panose="020B0502040204020203" pitchFamily="34" charset="-34"/>
+              <a:latin typeface="Segoe UI Rounded"/>
               <a:cs typeface="Leelawadee UI" panose="020B0502040204020203" pitchFamily="34" charset="-34"/>
             </a:endParaRPr>
           </a:p>
@@ -15373,7 +14369,7 @@
                 <a:solidFill>
                   <a:srgbClr val="1C656D"/>
                 </a:solidFill>
-                <a:latin typeface="Leelawadee UI" panose="020B0502040204020203" pitchFamily="34" charset="-34"/>
+                <a:latin typeface="Segoe UI Rounded"/>
                 <a:cs typeface="Leelawadee UI" panose="020B0502040204020203" pitchFamily="34" charset="-34"/>
               </a:rPr>
               <a:t>‘’Ma non possiamo mandare tutto tramite OSC?’’</a:t>
@@ -15386,7 +14382,7 @@
                 <a:solidFill>
                   <a:srgbClr val="5BA191"/>
                 </a:solidFill>
-                <a:latin typeface="Leelawadee UI" panose="020B0502040204020203" pitchFamily="34" charset="-34"/>
+                <a:latin typeface="Segoe UI Rounded"/>
                 <a:cs typeface="Leelawadee UI" panose="020B0502040204020203" pitchFamily="34" charset="-34"/>
               </a:rPr>
               <a:t>– Filippo Longhi, still does not know how OSC works. –</a:t>
@@ -15398,7 +14394,7 @@
               <a:solidFill>
                 <a:srgbClr val="5BA191"/>
               </a:solidFill>
-              <a:latin typeface="Leelawadee UI" panose="020B0502040204020203" pitchFamily="34" charset="-34"/>
+              <a:latin typeface="Segoe UI Rounded"/>
               <a:cs typeface="Leelawadee UI" panose="020B0502040204020203" pitchFamily="34" charset="-34"/>
             </a:endParaRPr>
           </a:p>
@@ -15409,7 +14405,7 @@
                 <a:solidFill>
                   <a:srgbClr val="1C656D"/>
                 </a:solidFill>
-                <a:latin typeface="Leelawadee UI" panose="020B0502040204020203" pitchFamily="34" charset="-34"/>
+                <a:latin typeface="Segoe UI Rounded"/>
                 <a:cs typeface="Leelawadee UI" panose="020B0502040204020203" pitchFamily="34" charset="-34"/>
               </a:rPr>
               <a:t>‘’Ragazzi, ho </a:t>
@@ -15419,7 +14415,7 @@
                 <a:solidFill>
                   <a:srgbClr val="1C656D"/>
                 </a:solidFill>
-                <a:latin typeface="Leelawadee UI" panose="020B0502040204020203" pitchFamily="34" charset="-34"/>
+                <a:latin typeface="Segoe UI Rounded"/>
                 <a:cs typeface="Leelawadee UI" panose="020B0502040204020203" pitchFamily="34" charset="-34"/>
               </a:rPr>
               <a:t>fixato</a:t>
@@ -15429,7 +14425,7 @@
                 <a:solidFill>
                   <a:srgbClr val="1C656D"/>
                 </a:solidFill>
-                <a:latin typeface="Leelawadee UI" panose="020B0502040204020203" pitchFamily="34" charset="-34"/>
+                <a:latin typeface="Segoe UI Rounded"/>
                 <a:cs typeface="Leelawadee UI" panose="020B0502040204020203" pitchFamily="34" charset="-34"/>
               </a:rPr>
               <a:t> e </a:t>
@@ -15439,7 +14435,7 @@
                 <a:solidFill>
                   <a:srgbClr val="1C656D"/>
                 </a:solidFill>
-                <a:latin typeface="Leelawadee UI" panose="020B0502040204020203" pitchFamily="34" charset="-34"/>
+                <a:latin typeface="Segoe UI Rounded"/>
                 <a:cs typeface="Leelawadee UI" panose="020B0502040204020203" pitchFamily="34" charset="-34"/>
               </a:rPr>
               <a:t>pushato</a:t>
@@ -15449,7 +14445,7 @@
                 <a:solidFill>
                   <a:srgbClr val="1C656D"/>
                 </a:solidFill>
-                <a:latin typeface="Leelawadee UI" panose="020B0502040204020203" pitchFamily="34" charset="-34"/>
+                <a:latin typeface="Segoe UI Rounded"/>
                 <a:cs typeface="Leelawadee UI" panose="020B0502040204020203" pitchFamily="34" charset="-34"/>
               </a:rPr>
               <a:t> tutto JUCE.’’</a:t>
@@ -15462,7 +14458,7 @@
                 <a:solidFill>
                   <a:srgbClr val="5BA191"/>
                 </a:solidFill>
-                <a:latin typeface="Leelawadee UI" panose="020B0502040204020203" pitchFamily="34" charset="-34"/>
+                <a:latin typeface="Segoe UI Rounded"/>
                 <a:cs typeface="Leelawadee UI" panose="020B0502040204020203" pitchFamily="34" charset="-34"/>
               </a:rPr>
               <a:t>– Marco Porcella, he didn’t fix anything. –</a:t>
@@ -15471,7 +14467,7 @@
               <a:solidFill>
                 <a:srgbClr val="5BA191"/>
               </a:solidFill>
-              <a:latin typeface="Leelawadee UI" panose="020B0502040204020203" pitchFamily="34" charset="-34"/>
+              <a:latin typeface="Segoe UI Rounded"/>
               <a:cs typeface="Leelawadee UI" panose="020B0502040204020203" pitchFamily="34" charset="-34"/>
             </a:endParaRPr>
           </a:p>
@@ -15590,7 +14586,7 @@
                 <a:solidFill>
                   <a:srgbClr val="1C656D"/>
                 </a:solidFill>
-                <a:latin typeface="Leelawadee UI" panose="020B0502040204020203" pitchFamily="34" charset="-34"/>
+                <a:latin typeface="Segoe UI Rounded"/>
                 <a:cs typeface="Leelawadee UI" panose="020B0502040204020203" pitchFamily="34" charset="-34"/>
               </a:rPr>
               <a:t>Workflow</a:t>
@@ -15599,7 +14595,7 @@
               <a:solidFill>
                 <a:srgbClr val="1C656D"/>
               </a:solidFill>
-              <a:latin typeface="Leelawadee UI" panose="020B0502040204020203" pitchFamily="34" charset="-34"/>
+              <a:latin typeface="Segoe UI Rounded"/>
               <a:cs typeface="Leelawadee UI" panose="020B0502040204020203" pitchFamily="34" charset="-34"/>
             </a:endParaRPr>
           </a:p>
@@ -16335,7 +15331,7 @@
                 <a:solidFill>
                   <a:srgbClr val="5BA191"/>
                 </a:solidFill>
-                <a:latin typeface="Leelawadee UI" panose="020B0502040204020203" pitchFamily="34" charset="-34"/>
+                <a:latin typeface="Segoe UI Rounded"/>
                 <a:cs typeface="Leelawadee UI" panose="020B0502040204020203" pitchFamily="34" charset="-34"/>
               </a:rPr>
               <a:t>OSC</a:t>
@@ -16377,7 +15373,7 @@
                 <a:solidFill>
                   <a:srgbClr val="5BA191"/>
                 </a:solidFill>
-                <a:latin typeface="Leelawadee UI" panose="020B0502040204020203" pitchFamily="34" charset="-34"/>
+                <a:latin typeface="Segoe UI Rounded"/>
                 <a:cs typeface="Leelawadee UI" panose="020B0502040204020203" pitchFamily="34" charset="-34"/>
               </a:rPr>
               <a:t>OSC</a:t>
@@ -16618,7 +15614,7 @@
                 <a:solidFill>
                   <a:srgbClr val="1C656D"/>
                 </a:solidFill>
-                <a:latin typeface="Leelawadee UI" panose="020B0502040204020203" pitchFamily="34" charset="-34"/>
+                <a:latin typeface="Segoe UI Rounded"/>
                 <a:cs typeface="Leelawadee UI" panose="020B0502040204020203" pitchFamily="34" charset="-34"/>
               </a:rPr>
               <a:t>Arduino</a:t>
@@ -16627,7 +15623,7 @@
               <a:solidFill>
                 <a:srgbClr val="1C656D"/>
               </a:solidFill>
-              <a:latin typeface="Leelawadee UI" panose="020B0502040204020203" pitchFamily="34" charset="-34"/>
+              <a:latin typeface="Segoe UI Rounded"/>
               <a:cs typeface="Leelawadee UI" panose="020B0502040204020203" pitchFamily="34" charset="-34"/>
             </a:endParaRPr>
           </a:p>
@@ -16667,7 +15663,7 @@
                 <a:solidFill>
                   <a:srgbClr val="5BA191"/>
                 </a:solidFill>
-                <a:latin typeface="Leelawadee UI" panose="020B0502040204020203" pitchFamily="34" charset="-34"/>
+                <a:latin typeface="Segoe UI Rounded"/>
                 <a:cs typeface="Leelawadee UI" panose="020B0502040204020203" pitchFamily="34" charset="-34"/>
               </a:rPr>
               <a:t>Data </a:t>
@@ -16677,7 +15673,7 @@
                 <a:solidFill>
                   <a:srgbClr val="5BA191"/>
                 </a:solidFill>
-                <a:latin typeface="Leelawadee UI" panose="020B0502040204020203" pitchFamily="34" charset="-34"/>
+                <a:latin typeface="Segoe UI Rounded"/>
                 <a:cs typeface="Leelawadee UI" panose="020B0502040204020203" pitchFamily="34" charset="-34"/>
               </a:rPr>
               <a:t>collection</a:t>
@@ -16687,7 +15683,7 @@
                 <a:solidFill>
                   <a:srgbClr val="5BA191"/>
                 </a:solidFill>
-                <a:latin typeface="Leelawadee UI" panose="020B0502040204020203" pitchFamily="34" charset="-34"/>
+                <a:latin typeface="Segoe UI Rounded"/>
                 <a:cs typeface="Leelawadee UI" panose="020B0502040204020203" pitchFamily="34" charset="-34"/>
               </a:rPr>
               <a:t> – OSC </a:t>
@@ -16697,7 +15693,7 @@
                 <a:solidFill>
                   <a:srgbClr val="5BA191"/>
                 </a:solidFill>
-                <a:latin typeface="Leelawadee UI" panose="020B0502040204020203" pitchFamily="34" charset="-34"/>
+                <a:latin typeface="Segoe UI Rounded"/>
                 <a:cs typeface="Leelawadee UI" panose="020B0502040204020203" pitchFamily="34" charset="-34"/>
               </a:rPr>
               <a:t>protocol</a:t>
@@ -16707,7 +15703,7 @@
                 <a:solidFill>
                   <a:srgbClr val="5BA191"/>
                 </a:solidFill>
-                <a:latin typeface="Leelawadee UI" panose="020B0502040204020203" pitchFamily="34" charset="-34"/>
+                <a:latin typeface="Segoe UI Rounded"/>
                 <a:cs typeface="Leelawadee UI" panose="020B0502040204020203" pitchFamily="34" charset="-34"/>
               </a:rPr>
               <a:t> transmission</a:t>
@@ -16716,7 +15712,7 @@
               <a:solidFill>
                 <a:srgbClr val="5BA191"/>
               </a:solidFill>
-              <a:latin typeface="Leelawadee UI" panose="020B0502040204020203" pitchFamily="34" charset="-34"/>
+              <a:latin typeface="Segoe UI Rounded"/>
               <a:cs typeface="Leelawadee UI" panose="020B0502040204020203" pitchFamily="34" charset="-34"/>
             </a:endParaRPr>
           </a:p>
@@ -16835,7 +15831,7 @@
                 <a:solidFill>
                   <a:srgbClr val="1C656D"/>
                 </a:solidFill>
-                <a:latin typeface="Leelawadee UI" panose="020B0502040204020203" pitchFamily="34" charset="-34"/>
+                <a:latin typeface="Segoe UI Rounded"/>
                 <a:cs typeface="Leelawadee UI" panose="020B0502040204020203" pitchFamily="34" charset="-34"/>
               </a:rPr>
               <a:t>Data </a:t>
@@ -16845,7 +15841,7 @@
                 <a:solidFill>
                   <a:srgbClr val="1C656D"/>
                 </a:solidFill>
-                <a:latin typeface="Leelawadee UI" panose="020B0502040204020203" pitchFamily="34" charset="-34"/>
+                <a:latin typeface="Segoe UI Rounded"/>
                 <a:cs typeface="Leelawadee UI" panose="020B0502040204020203" pitchFamily="34" charset="-34"/>
               </a:rPr>
               <a:t>collection</a:t>
@@ -16854,7 +15850,7 @@
               <a:solidFill>
                 <a:srgbClr val="1C656D"/>
               </a:solidFill>
-              <a:latin typeface="Leelawadee UI" panose="020B0502040204020203" pitchFamily="34" charset="-34"/>
+              <a:latin typeface="Segoe UI Rounded"/>
               <a:cs typeface="Leelawadee UI" panose="020B0502040204020203" pitchFamily="34" charset="-34"/>
             </a:endParaRPr>
           </a:p>
@@ -16894,7 +15890,7 @@
                 <a:solidFill>
                   <a:srgbClr val="1C656D"/>
                 </a:solidFill>
-                <a:latin typeface="Leelawadee UI" panose="020B0502040204020203" pitchFamily="34" charset="-34"/>
+                <a:latin typeface="Segoe UI Rounded"/>
                 <a:cs typeface="Leelawadee UI" panose="020B0502040204020203" pitchFamily="34" charset="-34"/>
               </a:rPr>
               <a:t>Arduino </a:t>
@@ -16904,7 +15900,7 @@
                 <a:solidFill>
                   <a:srgbClr val="1C656D"/>
                 </a:solidFill>
-                <a:latin typeface="Leelawadee UI" panose="020B0502040204020203" pitchFamily="34" charset="-34"/>
+                <a:latin typeface="Segoe UI Rounded"/>
                 <a:cs typeface="Leelawadee UI" panose="020B0502040204020203" pitchFamily="34" charset="-34"/>
               </a:rPr>
               <a:t>reads</a:t>
@@ -16914,7 +15910,7 @@
                 <a:solidFill>
                   <a:srgbClr val="1C656D"/>
                 </a:solidFill>
-                <a:latin typeface="Leelawadee UI" panose="020B0502040204020203" pitchFamily="34" charset="-34"/>
+                <a:latin typeface="Segoe UI Rounded"/>
                 <a:cs typeface="Leelawadee UI" panose="020B0502040204020203" pitchFamily="34" charset="-34"/>
               </a:rPr>
               <a:t> temperature and </a:t>
@@ -16924,7 +15920,7 @@
                 <a:solidFill>
                   <a:srgbClr val="1C656D"/>
                 </a:solidFill>
-                <a:latin typeface="Leelawadee UI" panose="020B0502040204020203" pitchFamily="34" charset="-34"/>
+                <a:latin typeface="Segoe UI Rounded"/>
                 <a:cs typeface="Leelawadee UI" panose="020B0502040204020203" pitchFamily="34" charset="-34"/>
               </a:rPr>
               <a:t>humidity</a:t>
@@ -16934,7 +15930,7 @@
                 <a:solidFill>
                   <a:srgbClr val="1C656D"/>
                 </a:solidFill>
-                <a:latin typeface="Leelawadee UI" panose="020B0502040204020203" pitchFamily="34" charset="-34"/>
+                <a:latin typeface="Segoe UI Rounded"/>
                 <a:cs typeface="Leelawadee UI" panose="020B0502040204020203" pitchFamily="34" charset="-34"/>
               </a:rPr>
               <a:t> (DHT22) and Ambient light (LDR).</a:t>
@@ -16943,7 +15939,7 @@
               <a:solidFill>
                 <a:srgbClr val="1C656D"/>
               </a:solidFill>
-              <a:latin typeface="Leelawadee UI" panose="020B0502040204020203" pitchFamily="34" charset="-34"/>
+              <a:latin typeface="Segoe UI Rounded"/>
               <a:cs typeface="Leelawadee UI" panose="020B0502040204020203" pitchFamily="34" charset="-34"/>
             </a:endParaRPr>
           </a:p>
@@ -17252,16 +16248,16 @@
                 <a:solidFill>
                   <a:srgbClr val="1C656D"/>
                 </a:solidFill>
-                <a:latin typeface="Leelawadee UI" panose="020B0502040204020203" pitchFamily="34" charset="-34"/>
+                <a:latin typeface="Segoe UI Rounded"/>
                 <a:cs typeface="Leelawadee UI" panose="020B0502040204020203" pitchFamily="34" charset="-34"/>
               </a:rPr>
-              <a:t>Musical Timing &amp; Triggers</a:t>
+              <a:t>Musical Timing</a:t>
             </a:r>
             <a:endParaRPr lang="it-IT" sz="4000" dirty="0">
               <a:solidFill>
                 <a:srgbClr val="1C656D"/>
               </a:solidFill>
-              <a:latin typeface="Leelawadee UI" panose="020B0502040204020203" pitchFamily="34" charset="-34"/>
+              <a:latin typeface="Segoe UI Rounded"/>
               <a:cs typeface="Leelawadee UI" panose="020B0502040204020203" pitchFamily="34" charset="-34"/>
             </a:endParaRPr>
           </a:p>
@@ -17301,7 +16297,7 @@
                 <a:solidFill>
                   <a:srgbClr val="1C656D"/>
                 </a:solidFill>
-                <a:latin typeface="Leelawadee UI" panose="020B0502040204020203" pitchFamily="34" charset="-34"/>
+                <a:latin typeface="Segoe UI Rounded"/>
                 <a:cs typeface="Leelawadee UI" panose="020B0502040204020203" pitchFamily="34" charset="-34"/>
               </a:rPr>
               <a:t>Arduino generates musical rhythm impulses: steady pulses define the bar, while random accents create spontaneous melodic gestures.</a:t>
@@ -17310,7 +16306,7 @@
               <a:solidFill>
                 <a:srgbClr val="1C656D"/>
               </a:solidFill>
-              <a:latin typeface="Leelawadee UI" panose="020B0502040204020203" pitchFamily="34" charset="-34"/>
+              <a:latin typeface="Segoe UI Rounded"/>
               <a:cs typeface="Leelawadee UI" panose="020B0502040204020203" pitchFamily="34" charset="-34"/>
             </a:endParaRPr>
           </a:p>
@@ -17823,6 +16819,15 @@
 </file>
 
 <file path=customXml/item1.xml><?xml version="1.0" encoding="utf-8"?>
+<?mso-contentType ?>
+<FormTemplates xmlns="http://schemas.microsoft.com/sharepoint/v3/contenttype/forms">
+  <Display>DocumentLibraryForm</Display>
+  <Edit>DocumentLibraryForm</Edit>
+  <New>DocumentLibraryForm</New>
+</FormTemplates>
+</file>
+
+<file path=customXml/item2.xml><?xml version="1.0" encoding="utf-8"?>
 <ct:contentTypeSchema xmlns:ct="http://schemas.microsoft.com/office/2006/metadata/contentType" xmlns:ma="http://schemas.microsoft.com/office/2006/metadata/properties/metaAttributes" ct:_="" ma:_="" ma:contentTypeName="Documento" ma:contentTypeID="0x010100EF6F287076A75F49AD17119B034FDA65" ma:contentTypeVersion="1" ma:contentTypeDescription="Creare un nuovo documento." ma:contentTypeScope="" ma:versionID="291687a67f9e0d66d5b62e50c4f8e497">
   <xsd:schema xmlns:xsd="http://www.w3.org/2001/XMLSchema" xmlns:xs="http://www.w3.org/2001/XMLSchema" xmlns:p="http://schemas.microsoft.com/office/2006/metadata/properties" xmlns:ns3="af9f28c8-f242-4bf2-863d-de7360702220" targetNamespace="http://schemas.microsoft.com/office/2006/metadata/properties" ma:root="true" ma:fieldsID="5775cb98dde6c85c8448a2da11691acf" ns3:_="">
     <xsd:import namespace="af9f28c8-f242-4bf2-863d-de7360702220"/>
@@ -17948,15 +16953,6 @@
 </ct:contentTypeSchema>
 </file>
 
-<file path=customXml/item2.xml><?xml version="1.0" encoding="utf-8"?>
-<?mso-contentType ?>
-<FormTemplates xmlns="http://schemas.microsoft.com/sharepoint/v3/contenttype/forms">
-  <Display>DocumentLibraryForm</Display>
-  <Edit>DocumentLibraryForm</Edit>
-  <New>DocumentLibraryForm</New>
-</FormTemplates>
-</file>
-
 <file path=customXml/item3.xml><?xml version="1.0" encoding="utf-8"?>
 <p:properties xmlns:p="http://schemas.microsoft.com/office/2006/metadata/properties" xmlns:xsi="http://www.w3.org/2001/XMLSchema-instance" xmlns:pc="http://schemas.microsoft.com/office/infopath/2007/PartnerControls">
   <documentManagement/>
@@ -17964,6 +16960,14 @@
 </file>
 
 <file path=customXml/itemProps1.xml><?xml version="1.0" encoding="utf-8"?>
+<ds:datastoreItem xmlns:ds="http://schemas.openxmlformats.org/officeDocument/2006/customXml" ds:itemID="{D1A546C4-0117-4AF1-AB94-BF911D43918A}">
+  <ds:schemaRefs>
+    <ds:schemaRef ds:uri="http://schemas.microsoft.com/sharepoint/v3/contenttype/forms"/>
+  </ds:schemaRefs>
+</ds:datastoreItem>
+</file>
+
+<file path=customXml/itemProps2.xml><?xml version="1.0" encoding="utf-8"?>
 <ds:datastoreItem xmlns:ds="http://schemas.openxmlformats.org/officeDocument/2006/customXml" ds:itemID="{7CE14167-4FD5-46A0-8649-46C325B593EB}">
   <ds:schemaRefs>
     <ds:schemaRef ds:uri="http://schemas.microsoft.com/office/2006/metadata/contentType"/>
@@ -17977,14 +16981,6 @@
     <ds:schemaRef ds:uri="http://purl.org/dc/elements/1.1/"/>
     <ds:schemaRef ds:uri="http://purl.org/dc/terms/"/>
     <ds:schemaRef ds:uri="http://schemas.microsoft.com/internal/obd"/>
-  </ds:schemaRefs>
-</ds:datastoreItem>
-</file>
-
-<file path=customXml/itemProps2.xml><?xml version="1.0" encoding="utf-8"?>
-<ds:datastoreItem xmlns:ds="http://schemas.openxmlformats.org/officeDocument/2006/customXml" ds:itemID="{D1A546C4-0117-4AF1-AB94-BF911D43918A}">
-  <ds:schemaRefs>
-    <ds:schemaRef ds:uri="http://schemas.microsoft.com/sharepoint/v3/contenttype/forms"/>
   </ds:schemaRefs>
 </ds:datastoreItem>
 </file>

--- a/GAIA.pptx
+++ b/GAIA.pptx
@@ -29,12 +29,13 @@
     <p:sldId id="290" r:id="rId26"/>
     <p:sldId id="291" r:id="rId27"/>
     <p:sldId id="292" r:id="rId28"/>
-    <p:sldId id="293" r:id="rId29"/>
-    <p:sldId id="295" r:id="rId30"/>
-    <p:sldId id="301" r:id="rId31"/>
-    <p:sldId id="300" r:id="rId32"/>
-    <p:sldId id="302" r:id="rId33"/>
-    <p:sldId id="303" r:id="rId34"/>
+    <p:sldId id="304" r:id="rId29"/>
+    <p:sldId id="305" r:id="rId30"/>
+    <p:sldId id="295" r:id="rId31"/>
+    <p:sldId id="301" r:id="rId32"/>
+    <p:sldId id="300" r:id="rId33"/>
+    <p:sldId id="302" r:id="rId34"/>
+    <p:sldId id="303" r:id="rId35"/>
   </p:sldIdLst>
   <p:sldSz cx="12192000" cy="6858000"/>
   <p:notesSz cx="6858000" cy="9144000"/>
@@ -155,7 +156,7 @@
 <file path=ppt/revisionInfo.xml><?xml version="1.0" encoding="utf-8"?>
 <p1510:revInfo xmlns:a="http://schemas.openxmlformats.org/drawingml/2006/main" xmlns:r="http://schemas.openxmlformats.org/officeDocument/2006/relationships" xmlns:p1510="http://schemas.microsoft.com/office/powerpoint/2015/10/main">
   <p1510:revLst>
-    <p1510:client id="{7414448D-E60C-4F16-99D3-9C24E744FF90}" v="51" dt="2025-05-25T17:17:43.298"/>
+    <p1510:client id="{7414448D-E60C-4F16-99D3-9C24E744FF90}" v="53" dt="2025-05-25T20:22:53.407"/>
   </p1510:revLst>
 </p1510:revInfo>
 </file>
@@ -164,13 +165,13 @@
 <pc:chgInfo xmlns:a="http://schemas.openxmlformats.org/drawingml/2006/main" xmlns:r="http://schemas.openxmlformats.org/officeDocument/2006/relationships" xmlns:ac="http://schemas.microsoft.com/office/drawing/2013/main/command" xmlns:pc="http://schemas.microsoft.com/office/powerpoint/2013/main/command">
   <pc:docChgLst>
     <pc:chgData name="Giacomo De Toni" userId="e6ace2866e317739" providerId="LiveId" clId="{7414448D-E60C-4F16-99D3-9C24E744FF90}"/>
-    <pc:docChg chg="undo custSel addSld delSld modSld">
-      <pc:chgData name="Giacomo De Toni" userId="e6ace2866e317739" providerId="LiveId" clId="{7414448D-E60C-4F16-99D3-9C24E744FF90}" dt="2025-05-25T20:11:05.649" v="1350" actId="2711"/>
+    <pc:docChg chg="undo custSel addSld delSld modSld sldOrd">
+      <pc:chgData name="Giacomo De Toni" userId="e6ace2866e317739" providerId="LiveId" clId="{7414448D-E60C-4F16-99D3-9C24E744FF90}" dt="2025-05-25T20:45:08.379" v="1775"/>
       <pc:docMkLst>
         <pc:docMk/>
       </pc:docMkLst>
       <pc:sldChg chg="addSp delSp modSp mod">
-        <pc:chgData name="Giacomo De Toni" userId="e6ace2866e317739" providerId="LiveId" clId="{7414448D-E60C-4F16-99D3-9C24E744FF90}" dt="2025-05-25T20:05:29.303" v="1276" actId="2711"/>
+        <pc:chgData name="Giacomo De Toni" userId="e6ace2866e317739" providerId="LiveId" clId="{7414448D-E60C-4F16-99D3-9C24E744FF90}" dt="2025-05-25T20:34:45.046" v="1452" actId="207"/>
         <pc:sldMkLst>
           <pc:docMk/>
           <pc:sldMk cId="2956257888" sldId="256"/>
@@ -192,7 +193,7 @@
           </ac:spMkLst>
         </pc:spChg>
         <pc:spChg chg="mod topLvl">
-          <ac:chgData name="Giacomo De Toni" userId="e6ace2866e317739" providerId="LiveId" clId="{7414448D-E60C-4F16-99D3-9C24E744FF90}" dt="2025-05-25T20:05:22.229" v="1275" actId="2711"/>
+          <ac:chgData name="Giacomo De Toni" userId="e6ace2866e317739" providerId="LiveId" clId="{7414448D-E60C-4F16-99D3-9C24E744FF90}" dt="2025-05-25T20:34:35.867" v="1451" actId="207"/>
           <ac:spMkLst>
             <pc:docMk/>
             <pc:sldMk cId="2956257888" sldId="256"/>
@@ -200,7 +201,7 @@
           </ac:spMkLst>
         </pc:spChg>
         <pc:spChg chg="mod topLvl">
-          <ac:chgData name="Giacomo De Toni" userId="e6ace2866e317739" providerId="LiveId" clId="{7414448D-E60C-4F16-99D3-9C24E744FF90}" dt="2025-05-25T20:05:29.303" v="1276" actId="2711"/>
+          <ac:chgData name="Giacomo De Toni" userId="e6ace2866e317739" providerId="LiveId" clId="{7414448D-E60C-4F16-99D3-9C24E744FF90}" dt="2025-05-25T20:34:45.046" v="1452" actId="207"/>
           <ac:spMkLst>
             <pc:docMk/>
             <pc:sldMk cId="2956257888" sldId="256"/>
@@ -241,13 +242,13 @@
         </pc:picChg>
       </pc:sldChg>
       <pc:sldChg chg="modSp mod">
-        <pc:chgData name="Giacomo De Toni" userId="e6ace2866e317739" providerId="LiveId" clId="{7414448D-E60C-4F16-99D3-9C24E744FF90}" dt="2025-05-25T20:05:46.978" v="1279" actId="2711"/>
+        <pc:chgData name="Giacomo De Toni" userId="e6ace2866e317739" providerId="LiveId" clId="{7414448D-E60C-4F16-99D3-9C24E744FF90}" dt="2025-05-25T20:34:55.743" v="1454" actId="207"/>
         <pc:sldMkLst>
           <pc:docMk/>
           <pc:sldMk cId="4063116261" sldId="262"/>
         </pc:sldMkLst>
         <pc:spChg chg="mod">
-          <ac:chgData name="Giacomo De Toni" userId="e6ace2866e317739" providerId="LiveId" clId="{7414448D-E60C-4F16-99D3-9C24E744FF90}" dt="2025-05-25T20:05:42.213" v="1278" actId="2711"/>
+          <ac:chgData name="Giacomo De Toni" userId="e6ace2866e317739" providerId="LiveId" clId="{7414448D-E60C-4F16-99D3-9C24E744FF90}" dt="2025-05-25T20:34:51.365" v="1453" actId="207"/>
           <ac:spMkLst>
             <pc:docMk/>
             <pc:sldMk cId="4063116261" sldId="262"/>
@@ -255,7 +256,7 @@
           </ac:spMkLst>
         </pc:spChg>
         <pc:spChg chg="mod">
-          <ac:chgData name="Giacomo De Toni" userId="e6ace2866e317739" providerId="LiveId" clId="{7414448D-E60C-4F16-99D3-9C24E744FF90}" dt="2025-05-25T20:05:46.978" v="1279" actId="2711"/>
+          <ac:chgData name="Giacomo De Toni" userId="e6ace2866e317739" providerId="LiveId" clId="{7414448D-E60C-4F16-99D3-9C24E744FF90}" dt="2025-05-25T20:34:55.743" v="1454" actId="207"/>
           <ac:spMkLst>
             <pc:docMk/>
             <pc:sldMk cId="4063116261" sldId="262"/>
@@ -310,13 +311,13 @@
         </pc:sldMkLst>
       </pc:sldChg>
       <pc:sldChg chg="addSp delSp modSp mod">
-        <pc:chgData name="Giacomo De Toni" userId="e6ace2866e317739" providerId="LiveId" clId="{7414448D-E60C-4F16-99D3-9C24E744FF90}" dt="2025-05-25T20:05:53.517" v="1280" actId="2711"/>
+        <pc:chgData name="Giacomo De Toni" userId="e6ace2866e317739" providerId="LiveId" clId="{7414448D-E60C-4F16-99D3-9C24E744FF90}" dt="2025-05-25T20:35:00.360" v="1456" actId="207"/>
         <pc:sldMkLst>
           <pc:docMk/>
           <pc:sldMk cId="2387010843" sldId="272"/>
         </pc:sldMkLst>
         <pc:spChg chg="mod">
-          <ac:chgData name="Giacomo De Toni" userId="e6ace2866e317739" providerId="LiveId" clId="{7414448D-E60C-4F16-99D3-9C24E744FF90}" dt="2025-05-25T16:17:00.373" v="70" actId="404"/>
+          <ac:chgData name="Giacomo De Toni" userId="e6ace2866e317739" providerId="LiveId" clId="{7414448D-E60C-4F16-99D3-9C24E744FF90}" dt="2025-05-25T20:34:58.473" v="1455" actId="207"/>
           <ac:spMkLst>
             <pc:docMk/>
             <pc:sldMk cId="2387010843" sldId="272"/>
@@ -324,7 +325,7 @@
           </ac:spMkLst>
         </pc:spChg>
         <pc:spChg chg="mod">
-          <ac:chgData name="Giacomo De Toni" userId="e6ace2866e317739" providerId="LiveId" clId="{7414448D-E60C-4F16-99D3-9C24E744FF90}" dt="2025-05-25T20:05:53.517" v="1280" actId="2711"/>
+          <ac:chgData name="Giacomo De Toni" userId="e6ace2866e317739" providerId="LiveId" clId="{7414448D-E60C-4F16-99D3-9C24E744FF90}" dt="2025-05-25T20:35:00.360" v="1456" actId="207"/>
           <ac:spMkLst>
             <pc:docMk/>
             <pc:sldMk cId="2387010843" sldId="272"/>
@@ -397,13 +398,13 @@
         </pc:picChg>
       </pc:sldChg>
       <pc:sldChg chg="addSp delSp modSp mod">
-        <pc:chgData name="Giacomo De Toni" userId="e6ace2866e317739" providerId="LiveId" clId="{7414448D-E60C-4F16-99D3-9C24E744FF90}" dt="2025-05-25T20:06:00.830" v="1281" actId="2711"/>
+        <pc:chgData name="Giacomo De Toni" userId="e6ace2866e317739" providerId="LiveId" clId="{7414448D-E60C-4F16-99D3-9C24E744FF90}" dt="2025-05-25T20:35:05.030" v="1458" actId="207"/>
         <pc:sldMkLst>
           <pc:docMk/>
           <pc:sldMk cId="3722606618" sldId="273"/>
         </pc:sldMkLst>
         <pc:spChg chg="mod">
-          <ac:chgData name="Giacomo De Toni" userId="e6ace2866e317739" providerId="LiveId" clId="{7414448D-E60C-4F16-99D3-9C24E744FF90}" dt="2025-05-25T16:31:56.379" v="305" actId="403"/>
+          <ac:chgData name="Giacomo De Toni" userId="e6ace2866e317739" providerId="LiveId" clId="{7414448D-E60C-4F16-99D3-9C24E744FF90}" dt="2025-05-25T20:35:02.674" v="1457" actId="207"/>
           <ac:spMkLst>
             <pc:docMk/>
             <pc:sldMk cId="3722606618" sldId="273"/>
@@ -411,7 +412,7 @@
           </ac:spMkLst>
         </pc:spChg>
         <pc:spChg chg="mod">
-          <ac:chgData name="Giacomo De Toni" userId="e6ace2866e317739" providerId="LiveId" clId="{7414448D-E60C-4F16-99D3-9C24E744FF90}" dt="2025-05-25T20:06:00.830" v="1281" actId="2711"/>
+          <ac:chgData name="Giacomo De Toni" userId="e6ace2866e317739" providerId="LiveId" clId="{7414448D-E60C-4F16-99D3-9C24E744FF90}" dt="2025-05-25T20:35:05.030" v="1458" actId="207"/>
           <ac:spMkLst>
             <pc:docMk/>
             <pc:sldMk cId="3722606618" sldId="273"/>
@@ -436,13 +437,13 @@
         </pc:picChg>
       </pc:sldChg>
       <pc:sldChg chg="addSp delSp modSp mod">
-        <pc:chgData name="Giacomo De Toni" userId="e6ace2866e317739" providerId="LiveId" clId="{7414448D-E60C-4F16-99D3-9C24E744FF90}" dt="2025-05-25T20:06:07.462" v="1282" actId="2711"/>
+        <pc:chgData name="Giacomo De Toni" userId="e6ace2866e317739" providerId="LiveId" clId="{7414448D-E60C-4F16-99D3-9C24E744FF90}" dt="2025-05-25T20:35:07.750" v="1459" actId="207"/>
         <pc:sldMkLst>
           <pc:docMk/>
           <pc:sldMk cId="4239053765" sldId="274"/>
         </pc:sldMkLst>
         <pc:spChg chg="mod">
-          <ac:chgData name="Giacomo De Toni" userId="e6ace2866e317739" providerId="LiveId" clId="{7414448D-E60C-4F16-99D3-9C24E744FF90}" dt="2025-05-25T20:06:07.462" v="1282" actId="2711"/>
+          <ac:chgData name="Giacomo De Toni" userId="e6ace2866e317739" providerId="LiveId" clId="{7414448D-E60C-4F16-99D3-9C24E744FF90}" dt="2025-05-25T20:28:29.551" v="1419" actId="20577"/>
           <ac:spMkLst>
             <pc:docMk/>
             <pc:sldMk cId="4239053765" sldId="274"/>
@@ -450,7 +451,7 @@
           </ac:spMkLst>
         </pc:spChg>
         <pc:spChg chg="mod">
-          <ac:chgData name="Giacomo De Toni" userId="e6ace2866e317739" providerId="LiveId" clId="{7414448D-E60C-4F16-99D3-9C24E744FF90}" dt="2025-05-25T16:32:00.786" v="307" actId="403"/>
+          <ac:chgData name="Giacomo De Toni" userId="e6ace2866e317739" providerId="LiveId" clId="{7414448D-E60C-4F16-99D3-9C24E744FF90}" dt="2025-05-25T20:35:07.750" v="1459" actId="207"/>
           <ac:spMkLst>
             <pc:docMk/>
             <pc:sldMk cId="4239053765" sldId="274"/>
@@ -475,13 +476,13 @@
         </pc:picChg>
       </pc:sldChg>
       <pc:sldChg chg="addSp delSp modSp mod">
-        <pc:chgData name="Giacomo De Toni" userId="e6ace2866e317739" providerId="LiveId" clId="{7414448D-E60C-4F16-99D3-9C24E744FF90}" dt="2025-05-25T20:06:24.139" v="1285" actId="2711"/>
+        <pc:chgData name="Giacomo De Toni" userId="e6ace2866e317739" providerId="LiveId" clId="{7414448D-E60C-4F16-99D3-9C24E744FF90}" dt="2025-05-25T20:35:23.782" v="1462" actId="207"/>
         <pc:sldMkLst>
           <pc:docMk/>
           <pc:sldMk cId="4095143225" sldId="275"/>
         </pc:sldMkLst>
         <pc:spChg chg="mod">
-          <ac:chgData name="Giacomo De Toni" userId="e6ace2866e317739" providerId="LiveId" clId="{7414448D-E60C-4F16-99D3-9C24E744FF90}" dt="2025-05-25T20:06:14.248" v="1283" actId="2711"/>
+          <ac:chgData name="Giacomo De Toni" userId="e6ace2866e317739" providerId="LiveId" clId="{7414448D-E60C-4F16-99D3-9C24E744FF90}" dt="2025-05-25T20:35:13.967" v="1460" actId="207"/>
           <ac:spMkLst>
             <pc:docMk/>
             <pc:sldMk cId="4095143225" sldId="275"/>
@@ -489,7 +490,7 @@
           </ac:spMkLst>
         </pc:spChg>
         <pc:spChg chg="mod">
-          <ac:chgData name="Giacomo De Toni" userId="e6ace2866e317739" providerId="LiveId" clId="{7414448D-E60C-4F16-99D3-9C24E744FF90}" dt="2025-05-25T20:06:19.878" v="1284" actId="2711"/>
+          <ac:chgData name="Giacomo De Toni" userId="e6ace2866e317739" providerId="LiveId" clId="{7414448D-E60C-4F16-99D3-9C24E744FF90}" dt="2025-05-25T20:35:23.782" v="1462" actId="207"/>
           <ac:spMkLst>
             <pc:docMk/>
             <pc:sldMk cId="4095143225" sldId="275"/>
@@ -522,7 +523,7 @@
         </pc:picChg>
       </pc:sldChg>
       <pc:sldChg chg="addSp delSp modSp mod">
-        <pc:chgData name="Giacomo De Toni" userId="e6ace2866e317739" providerId="LiveId" clId="{7414448D-E60C-4F16-99D3-9C24E744FF90}" dt="2025-05-25T20:06:44.810" v="1289" actId="2711"/>
+        <pc:chgData name="Giacomo De Toni" userId="e6ace2866e317739" providerId="LiveId" clId="{7414448D-E60C-4F16-99D3-9C24E744FF90}" dt="2025-05-25T20:30:26.222" v="1422" actId="20577"/>
         <pc:sldMkLst>
           <pc:docMk/>
           <pc:sldMk cId="1785097808" sldId="276"/>
@@ -536,7 +537,7 @@
           </ac:spMkLst>
         </pc:spChg>
         <pc:spChg chg="mod">
-          <ac:chgData name="Giacomo De Toni" userId="e6ace2866e317739" providerId="LiveId" clId="{7414448D-E60C-4F16-99D3-9C24E744FF90}" dt="2025-05-25T20:06:44.810" v="1289" actId="2711"/>
+          <ac:chgData name="Giacomo De Toni" userId="e6ace2866e317739" providerId="LiveId" clId="{7414448D-E60C-4F16-99D3-9C24E744FF90}" dt="2025-05-25T20:30:26.222" v="1422" actId="20577"/>
           <ac:spMkLst>
             <pc:docMk/>
             <pc:sldMk cId="1785097808" sldId="276"/>
@@ -972,7 +973,7 @@
         </pc:picChg>
       </pc:sldChg>
       <pc:sldChg chg="addSp delSp modSp mod">
-        <pc:chgData name="Giacomo De Toni" userId="e6ace2866e317739" providerId="LiveId" clId="{7414448D-E60C-4F16-99D3-9C24E744FF90}" dt="2025-05-25T20:07:59.380" v="1312" actId="2711"/>
+        <pc:chgData name="Giacomo De Toni" userId="e6ace2866e317739" providerId="LiveId" clId="{7414448D-E60C-4F16-99D3-9C24E744FF90}" dt="2025-05-25T20:31:04.497" v="1423" actId="2711"/>
         <pc:sldMkLst>
           <pc:docMk/>
           <pc:sldMk cId="478401566" sldId="285"/>
@@ -986,7 +987,7 @@
           </ac:spMkLst>
         </pc:spChg>
         <pc:spChg chg="mod">
-          <ac:chgData name="Giacomo De Toni" userId="e6ace2866e317739" providerId="LiveId" clId="{7414448D-E60C-4F16-99D3-9C24E744FF90}" dt="2025-05-25T19:47:50.064" v="1150" actId="20577"/>
+          <ac:chgData name="Giacomo De Toni" userId="e6ace2866e317739" providerId="LiveId" clId="{7414448D-E60C-4F16-99D3-9C24E744FF90}" dt="2025-05-25T20:31:04.497" v="1423" actId="2711"/>
           <ac:spMkLst>
             <pc:docMk/>
             <pc:sldMk cId="478401566" sldId="285"/>
@@ -1011,7 +1012,7 @@
         </pc:picChg>
       </pc:sldChg>
       <pc:sldChg chg="addSp delSp modSp mod">
-        <pc:chgData name="Giacomo De Toni" userId="e6ace2866e317739" providerId="LiveId" clId="{7414448D-E60C-4F16-99D3-9C24E744FF90}" dt="2025-05-25T20:08:11.647" v="1313" actId="2711"/>
+        <pc:chgData name="Giacomo De Toni" userId="e6ace2866e317739" providerId="LiveId" clId="{7414448D-E60C-4F16-99D3-9C24E744FF90}" dt="2025-05-25T20:31:09.459" v="1424" actId="2711"/>
         <pc:sldMkLst>
           <pc:docMk/>
           <pc:sldMk cId="183034043" sldId="286"/>
@@ -1025,7 +1026,7 @@
           </ac:spMkLst>
         </pc:spChg>
         <pc:spChg chg="mod">
-          <ac:chgData name="Giacomo De Toni" userId="e6ace2866e317739" providerId="LiveId" clId="{7414448D-E60C-4F16-99D3-9C24E744FF90}" dt="2025-05-25T19:48:06.973" v="1152" actId="20577"/>
+          <ac:chgData name="Giacomo De Toni" userId="e6ace2866e317739" providerId="LiveId" clId="{7414448D-E60C-4F16-99D3-9C24E744FF90}" dt="2025-05-25T20:31:09.459" v="1424" actId="2711"/>
           <ac:spMkLst>
             <pc:docMk/>
             <pc:sldMk cId="183034043" sldId="286"/>
@@ -1050,7 +1051,7 @@
         </pc:picChg>
       </pc:sldChg>
       <pc:sldChg chg="addSp delSp modSp add del mod">
-        <pc:chgData name="Giacomo De Toni" userId="e6ace2866e317739" providerId="LiveId" clId="{7414448D-E60C-4F16-99D3-9C24E744FF90}" dt="2025-05-25T20:07:41.541" v="1309" actId="2711"/>
+        <pc:chgData name="Giacomo De Toni" userId="e6ace2866e317739" providerId="LiveId" clId="{7414448D-E60C-4F16-99D3-9C24E744FF90}" dt="2025-05-25T20:30:15.026" v="1420" actId="2711"/>
         <pc:sldMkLst>
           <pc:docMk/>
           <pc:sldMk cId="2626402151" sldId="287"/>
@@ -1064,7 +1065,7 @@
           </ac:spMkLst>
         </pc:spChg>
         <pc:spChg chg="mod">
-          <ac:chgData name="Giacomo De Toni" userId="e6ace2866e317739" providerId="LiveId" clId="{7414448D-E60C-4F16-99D3-9C24E744FF90}" dt="2025-05-25T19:41:25.907" v="1074" actId="20577"/>
+          <ac:chgData name="Giacomo De Toni" userId="e6ace2866e317739" providerId="LiveId" clId="{7414448D-E60C-4F16-99D3-9C24E744FF90}" dt="2025-05-25T20:30:15.026" v="1420" actId="2711"/>
           <ac:spMkLst>
             <pc:docMk/>
             <pc:sldMk cId="2626402151" sldId="287"/>
@@ -1128,7 +1129,7 @@
         </pc:picChg>
       </pc:sldChg>
       <pc:sldChg chg="addSp delSp modSp mod">
-        <pc:chgData name="Giacomo De Toni" userId="e6ace2866e317739" providerId="LiveId" clId="{7414448D-E60C-4F16-99D3-9C24E744FF90}" dt="2025-05-25T20:10:14.807" v="1337" actId="403"/>
+        <pc:chgData name="Giacomo De Toni" userId="e6ace2866e317739" providerId="LiveId" clId="{7414448D-E60C-4F16-99D3-9C24E744FF90}" dt="2025-05-25T20:34:16.170" v="1449" actId="404"/>
         <pc:sldMkLst>
           <pc:docMk/>
           <pc:sldMk cId="3403073105" sldId="289"/>
@@ -1142,7 +1143,7 @@
           </ac:spMkLst>
         </pc:spChg>
         <pc:spChg chg="mod">
-          <ac:chgData name="Giacomo De Toni" userId="e6ace2866e317739" providerId="LiveId" clId="{7414448D-E60C-4F16-99D3-9C24E744FF90}" dt="2025-05-25T20:10:14.807" v="1337" actId="403"/>
+          <ac:chgData name="Giacomo De Toni" userId="e6ace2866e317739" providerId="LiveId" clId="{7414448D-E60C-4F16-99D3-9C24E744FF90}" dt="2025-05-25T20:34:16.170" v="1449" actId="404"/>
           <ac:spMkLst>
             <pc:docMk/>
             <pc:sldMk cId="3403073105" sldId="289"/>
@@ -1167,7 +1168,7 @@
         </pc:picChg>
       </pc:sldChg>
       <pc:sldChg chg="addSp delSp modSp mod">
-        <pc:chgData name="Giacomo De Toni" userId="e6ace2866e317739" providerId="LiveId" clId="{7414448D-E60C-4F16-99D3-9C24E744FF90}" dt="2025-05-25T20:09:24.393" v="1326" actId="2711"/>
+        <pc:chgData name="Giacomo De Toni" userId="e6ace2866e317739" providerId="LiveId" clId="{7414448D-E60C-4F16-99D3-9C24E744FF90}" dt="2025-05-25T20:23:12.613" v="1365" actId="1076"/>
         <pc:sldMkLst>
           <pc:docMk/>
           <pc:sldMk cId="3196635320" sldId="290"/>
@@ -1181,19 +1182,59 @@
           </ac:spMkLst>
         </pc:spChg>
         <pc:spChg chg="mod">
-          <ac:chgData name="Giacomo De Toni" userId="e6ace2866e317739" providerId="LiveId" clId="{7414448D-E60C-4F16-99D3-9C24E744FF90}" dt="2025-05-25T20:09:24.393" v="1326" actId="2711"/>
+          <ac:chgData name="Giacomo De Toni" userId="e6ace2866e317739" providerId="LiveId" clId="{7414448D-E60C-4F16-99D3-9C24E744FF90}" dt="2025-05-25T20:21:52.163" v="1357" actId="20577"/>
           <ac:spMkLst>
             <pc:docMk/>
             <pc:sldMk cId="3196635320" sldId="290"/>
             <ac:spMk id="7" creationId="{93002887-6734-77B6-CAC8-1BC8CCC666CC}"/>
           </ac:spMkLst>
         </pc:spChg>
+        <pc:grpChg chg="add del mod">
+          <ac:chgData name="Giacomo De Toni" userId="e6ace2866e317739" providerId="LiveId" clId="{7414448D-E60C-4F16-99D3-9C24E744FF90}" dt="2025-05-25T20:23:12.613" v="1365" actId="1076"/>
+          <ac:grpSpMkLst>
+            <pc:docMk/>
+            <pc:sldMk cId="3196635320" sldId="290"/>
+            <ac:grpSpMk id="17" creationId="{4AB2A309-9BB6-E4DD-B332-9E5541CDA5B9}"/>
+          </ac:grpSpMkLst>
+        </pc:grpChg>
         <pc:picChg chg="add mod">
           <ac:chgData name="Giacomo De Toni" userId="e6ace2866e317739" providerId="LiveId" clId="{7414448D-E60C-4F16-99D3-9C24E744FF90}" dt="2025-05-25T16:27:04.307" v="245"/>
           <ac:picMkLst>
             <pc:docMk/>
             <pc:sldMk cId="3196635320" sldId="290"/>
             <ac:picMk id="2" creationId="{A70784BC-75AE-0456-E536-E8786297C066}"/>
+          </ac:picMkLst>
+        </pc:picChg>
+        <pc:picChg chg="mod topLvl">
+          <ac:chgData name="Giacomo De Toni" userId="e6ace2866e317739" providerId="LiveId" clId="{7414448D-E60C-4F16-99D3-9C24E744FF90}" dt="2025-05-25T20:22:53.407" v="1362" actId="165"/>
+          <ac:picMkLst>
+            <pc:docMk/>
+            <pc:sldMk cId="3196635320" sldId="290"/>
+            <ac:picMk id="3" creationId="{75A02973-1523-F98F-A5C7-7960A645652B}"/>
+          </ac:picMkLst>
+        </pc:picChg>
+        <pc:picChg chg="mod topLvl">
+          <ac:chgData name="Giacomo De Toni" userId="e6ace2866e317739" providerId="LiveId" clId="{7414448D-E60C-4F16-99D3-9C24E744FF90}" dt="2025-05-25T20:22:53.407" v="1362" actId="165"/>
+          <ac:picMkLst>
+            <pc:docMk/>
+            <pc:sldMk cId="3196635320" sldId="290"/>
+            <ac:picMk id="6" creationId="{8A8FC626-B3A7-1DF0-78E9-81359E18F8B5}"/>
+          </ac:picMkLst>
+        </pc:picChg>
+        <pc:picChg chg="del mod topLvl">
+          <ac:chgData name="Giacomo De Toni" userId="e6ace2866e317739" providerId="LiveId" clId="{7414448D-E60C-4F16-99D3-9C24E744FF90}" dt="2025-05-25T20:22:59.774" v="1363" actId="478"/>
+          <ac:picMkLst>
+            <pc:docMk/>
+            <pc:sldMk cId="3196635320" sldId="290"/>
+            <ac:picMk id="14" creationId="{6C85FD83-2267-F569-4E3E-6B0D6274862C}"/>
+          </ac:picMkLst>
+        </pc:picChg>
+        <pc:picChg chg="mod topLvl">
+          <ac:chgData name="Giacomo De Toni" userId="e6ace2866e317739" providerId="LiveId" clId="{7414448D-E60C-4F16-99D3-9C24E744FF90}" dt="2025-05-25T20:22:53.407" v="1362" actId="165"/>
+          <ac:picMkLst>
+            <pc:docMk/>
+            <pc:sldMk cId="3196635320" sldId="290"/>
+            <ac:picMk id="16" creationId="{07D3BFD4-007F-3CF7-B846-6908881CF29D}"/>
           </ac:picMkLst>
         </pc:picChg>
         <pc:picChg chg="del">
@@ -1206,7 +1247,7 @@
         </pc:picChg>
       </pc:sldChg>
       <pc:sldChg chg="addSp delSp modSp mod">
-        <pc:chgData name="Giacomo De Toni" userId="e6ace2866e317739" providerId="LiveId" clId="{7414448D-E60C-4F16-99D3-9C24E744FF90}" dt="2025-05-25T20:09:32.484" v="1328" actId="2711"/>
+        <pc:chgData name="Giacomo De Toni" userId="e6ace2866e317739" providerId="LiveId" clId="{7414448D-E60C-4F16-99D3-9C24E744FF90}" dt="2025-05-25T20:23:21.094" v="1367" actId="1076"/>
         <pc:sldMkLst>
           <pc:docMk/>
           <pc:sldMk cId="300586787" sldId="291"/>
@@ -1227,6 +1268,22 @@
             <ac:spMk id="7" creationId="{E4B760CD-D524-2C78-0C23-AF16C54222B6}"/>
           </ac:spMkLst>
         </pc:spChg>
+        <pc:grpChg chg="mod">
+          <ac:chgData name="Giacomo De Toni" userId="e6ace2866e317739" providerId="LiveId" clId="{7414448D-E60C-4F16-99D3-9C24E744FF90}" dt="2025-05-25T20:23:21.094" v="1367" actId="1076"/>
+          <ac:grpSpMkLst>
+            <pc:docMk/>
+            <pc:sldMk cId="300586787" sldId="291"/>
+            <ac:grpSpMk id="2" creationId="{2CA32D58-533D-6CB3-4BD2-D9FBD8C5FBDC}"/>
+          </ac:grpSpMkLst>
+        </pc:grpChg>
+        <pc:picChg chg="del">
+          <ac:chgData name="Giacomo De Toni" userId="e6ace2866e317739" providerId="LiveId" clId="{7414448D-E60C-4F16-99D3-9C24E744FF90}" dt="2025-05-25T20:23:14.966" v="1366" actId="478"/>
+          <ac:picMkLst>
+            <pc:docMk/>
+            <pc:sldMk cId="300586787" sldId="291"/>
+            <ac:picMk id="6" creationId="{F248DC54-86C6-4442-7BCF-F981DCA6858F}"/>
+          </ac:picMkLst>
+        </pc:picChg>
         <pc:picChg chg="add mod">
           <ac:chgData name="Giacomo De Toni" userId="e6ace2866e317739" providerId="LiveId" clId="{7414448D-E60C-4F16-99D3-9C24E744FF90}" dt="2025-05-25T16:27:05.700" v="246"/>
           <ac:picMkLst>
@@ -1245,13 +1302,13 @@
         </pc:picChg>
       </pc:sldChg>
       <pc:sldChg chg="addSp delSp modSp mod">
-        <pc:chgData name="Giacomo De Toni" userId="e6ace2866e317739" providerId="LiveId" clId="{7414448D-E60C-4F16-99D3-9C24E744FF90}" dt="2025-05-25T20:09:41.485" v="1330" actId="2711"/>
+        <pc:chgData name="Giacomo De Toni" userId="e6ace2866e317739" providerId="LiveId" clId="{7414448D-E60C-4F16-99D3-9C24E744FF90}" dt="2025-05-25T20:39:58.555" v="1639" actId="20577"/>
         <pc:sldMkLst>
           <pc:docMk/>
           <pc:sldMk cId="1180992734" sldId="292"/>
         </pc:sldMkLst>
         <pc:spChg chg="mod">
-          <ac:chgData name="Giacomo De Toni" userId="e6ace2866e317739" providerId="LiveId" clId="{7414448D-E60C-4F16-99D3-9C24E744FF90}" dt="2025-05-25T20:09:37.153" v="1329" actId="2711"/>
+          <ac:chgData name="Giacomo De Toni" userId="e6ace2866e317739" providerId="LiveId" clId="{7414448D-E60C-4F16-99D3-9C24E744FF90}" dt="2025-05-25T20:25:14.110" v="1381" actId="20577"/>
           <ac:spMkLst>
             <pc:docMk/>
             <pc:sldMk cId="1180992734" sldId="292"/>
@@ -1259,13 +1316,29 @@
           </ac:spMkLst>
         </pc:spChg>
         <pc:spChg chg="mod">
-          <ac:chgData name="Giacomo De Toni" userId="e6ace2866e317739" providerId="LiveId" clId="{7414448D-E60C-4F16-99D3-9C24E744FF90}" dt="2025-05-25T20:09:41.485" v="1330" actId="2711"/>
+          <ac:chgData name="Giacomo De Toni" userId="e6ace2866e317739" providerId="LiveId" clId="{7414448D-E60C-4F16-99D3-9C24E744FF90}" dt="2025-05-25T20:39:58.555" v="1639" actId="20577"/>
           <ac:spMkLst>
             <pc:docMk/>
             <pc:sldMk cId="1180992734" sldId="292"/>
             <ac:spMk id="7" creationId="{061738F1-AEC4-3EAF-EDFD-0B1F7AF091F7}"/>
           </ac:spMkLst>
         </pc:spChg>
+        <pc:grpChg chg="mod">
+          <ac:chgData name="Giacomo De Toni" userId="e6ace2866e317739" providerId="LiveId" clId="{7414448D-E60C-4F16-99D3-9C24E744FF90}" dt="2025-05-25T20:23:26.827" v="1369" actId="1076"/>
+          <ac:grpSpMkLst>
+            <pc:docMk/>
+            <pc:sldMk cId="1180992734" sldId="292"/>
+            <ac:grpSpMk id="2" creationId="{4113E1A3-1A85-B1BE-CAFA-91F6495C538C}"/>
+          </ac:grpSpMkLst>
+        </pc:grpChg>
+        <pc:picChg chg="del">
+          <ac:chgData name="Giacomo De Toni" userId="e6ace2866e317739" providerId="LiveId" clId="{7414448D-E60C-4F16-99D3-9C24E744FF90}" dt="2025-05-25T20:23:23.722" v="1368" actId="478"/>
+          <ac:picMkLst>
+            <pc:docMk/>
+            <pc:sldMk cId="1180992734" sldId="292"/>
+            <ac:picMk id="6" creationId="{823D6582-83A5-A674-B08B-61E7DC768DB8}"/>
+          </ac:picMkLst>
+        </pc:picChg>
         <pc:picChg chg="add mod">
           <ac:chgData name="Giacomo De Toni" userId="e6ace2866e317739" providerId="LiveId" clId="{7414448D-E60C-4F16-99D3-9C24E744FF90}" dt="2025-05-25T16:27:06.880" v="247"/>
           <ac:picMkLst>
@@ -1283,8 +1356,8 @@
           </ac:picMkLst>
         </pc:picChg>
       </pc:sldChg>
-      <pc:sldChg chg="addSp delSp modSp mod">
-        <pc:chgData name="Giacomo De Toni" userId="e6ace2866e317739" providerId="LiveId" clId="{7414448D-E60C-4F16-99D3-9C24E744FF90}" dt="2025-05-25T20:09:49.983" v="1332" actId="2711"/>
+      <pc:sldChg chg="addSp delSp modSp del mod">
+        <pc:chgData name="Giacomo De Toni" userId="e6ace2866e317739" providerId="LiveId" clId="{7414448D-E60C-4F16-99D3-9C24E744FF90}" dt="2025-05-25T20:22:42.450" v="1360" actId="47"/>
         <pc:sldMkLst>
           <pc:docMk/>
           <pc:sldMk cId="1008615750" sldId="293"/>
@@ -1323,7 +1396,7 @@
         </pc:picChg>
       </pc:sldChg>
       <pc:sldChg chg="addSp delSp modSp mod">
-        <pc:chgData name="Giacomo De Toni" userId="e6ace2866e317739" providerId="LiveId" clId="{7414448D-E60C-4F16-99D3-9C24E744FF90}" dt="2025-05-25T20:10:19.311" v="1339" actId="403"/>
+        <pc:chgData name="Giacomo De Toni" userId="e6ace2866e317739" providerId="LiveId" clId="{7414448D-E60C-4F16-99D3-9C24E744FF90}" dt="2025-05-25T20:34:12.760" v="1448" actId="404"/>
         <pc:sldMkLst>
           <pc:docMk/>
           <pc:sldMk cId="364856534" sldId="294"/>
@@ -1337,7 +1410,7 @@
           </ac:spMkLst>
         </pc:spChg>
         <pc:spChg chg="mod">
-          <ac:chgData name="Giacomo De Toni" userId="e6ace2866e317739" providerId="LiveId" clId="{7414448D-E60C-4F16-99D3-9C24E744FF90}" dt="2025-05-25T20:10:19.311" v="1339" actId="403"/>
+          <ac:chgData name="Giacomo De Toni" userId="e6ace2866e317739" providerId="LiveId" clId="{7414448D-E60C-4F16-99D3-9C24E744FF90}" dt="2025-05-25T20:34:12.760" v="1448" actId="404"/>
           <ac:spMkLst>
             <pc:docMk/>
             <pc:sldMk cId="364856534" sldId="294"/>
@@ -1362,7 +1435,7 @@
         </pc:picChg>
       </pc:sldChg>
       <pc:sldChg chg="addSp delSp modSp mod">
-        <pc:chgData name="Giacomo De Toni" userId="e6ace2866e317739" providerId="LiveId" clId="{7414448D-E60C-4F16-99D3-9C24E744FF90}" dt="2025-05-25T20:10:23.845" v="1340" actId="403"/>
+        <pc:chgData name="Giacomo De Toni" userId="e6ace2866e317739" providerId="LiveId" clId="{7414448D-E60C-4F16-99D3-9C24E744FF90}" dt="2025-05-25T20:34:08.816" v="1447" actId="404"/>
         <pc:sldMkLst>
           <pc:docMk/>
           <pc:sldMk cId="2182274725" sldId="295"/>
@@ -1376,7 +1449,7 @@
           </ac:spMkLst>
         </pc:spChg>
         <pc:spChg chg="mod">
-          <ac:chgData name="Giacomo De Toni" userId="e6ace2866e317739" providerId="LiveId" clId="{7414448D-E60C-4F16-99D3-9C24E744FF90}" dt="2025-05-25T20:10:23.845" v="1340" actId="403"/>
+          <ac:chgData name="Giacomo De Toni" userId="e6ace2866e317739" providerId="LiveId" clId="{7414448D-E60C-4F16-99D3-9C24E744FF90}" dt="2025-05-25T20:34:08.816" v="1447" actId="404"/>
           <ac:spMkLst>
             <pc:docMk/>
             <pc:sldMk cId="2182274725" sldId="295"/>
@@ -1440,7 +1513,7 @@
         </pc:picChg>
       </pc:sldChg>
       <pc:sldChg chg="addSp delSp modSp mod">
-        <pc:chgData name="Giacomo De Toni" userId="e6ace2866e317739" providerId="LiveId" clId="{7414448D-E60C-4F16-99D3-9C24E744FF90}" dt="2025-05-25T20:07:33.029" v="1308" actId="2711"/>
+        <pc:chgData name="Giacomo De Toni" userId="e6ace2866e317739" providerId="LiveId" clId="{7414448D-E60C-4F16-99D3-9C24E744FF90}" dt="2025-05-25T20:34:20.815" v="1450" actId="404"/>
         <pc:sldMkLst>
           <pc:docMk/>
           <pc:sldMk cId="2599101359" sldId="297"/>
@@ -1454,7 +1527,7 @@
           </ac:spMkLst>
         </pc:spChg>
         <pc:spChg chg="mod">
-          <ac:chgData name="Giacomo De Toni" userId="e6ace2866e317739" providerId="LiveId" clId="{7414448D-E60C-4F16-99D3-9C24E744FF90}" dt="2025-05-25T20:07:33.029" v="1308" actId="2711"/>
+          <ac:chgData name="Giacomo De Toni" userId="e6ace2866e317739" providerId="LiveId" clId="{7414448D-E60C-4F16-99D3-9C24E744FF90}" dt="2025-05-25T20:34:20.815" v="1450" actId="404"/>
           <ac:spMkLst>
             <pc:docMk/>
             <pc:sldMk cId="2599101359" sldId="297"/>
@@ -1557,7 +1630,7 @@
         </pc:picChg>
       </pc:sldChg>
       <pc:sldChg chg="addSp delSp modSp mod">
-        <pc:chgData name="Giacomo De Toni" userId="e6ace2866e317739" providerId="LiveId" clId="{7414448D-E60C-4F16-99D3-9C24E744FF90}" dt="2025-05-25T20:10:45.532" v="1344" actId="2711"/>
+        <pc:chgData name="Giacomo De Toni" userId="e6ace2866e317739" providerId="LiveId" clId="{7414448D-E60C-4F16-99D3-9C24E744FF90}" dt="2025-05-25T20:44:34.369" v="1765" actId="20577"/>
         <pc:sldMkLst>
           <pc:docMk/>
           <pc:sldMk cId="1269810297" sldId="300"/>
@@ -1571,7 +1644,7 @@
           </ac:spMkLst>
         </pc:spChg>
         <pc:spChg chg="mod">
-          <ac:chgData name="Giacomo De Toni" userId="e6ace2866e317739" providerId="LiveId" clId="{7414448D-E60C-4F16-99D3-9C24E744FF90}" dt="2025-05-25T20:10:42.425" v="1343" actId="2711"/>
+          <ac:chgData name="Giacomo De Toni" userId="e6ace2866e317739" providerId="LiveId" clId="{7414448D-E60C-4F16-99D3-9C24E744FF90}" dt="2025-05-25T20:44:34.369" v="1765" actId="20577"/>
           <ac:spMkLst>
             <pc:docMk/>
             <pc:sldMk cId="1269810297" sldId="300"/>
@@ -1634,8 +1707,8 @@
           </ac:picMkLst>
         </pc:picChg>
       </pc:sldChg>
-      <pc:sldChg chg="addSp delSp modSp mod">
-        <pc:chgData name="Giacomo De Toni" userId="e6ace2866e317739" providerId="LiveId" clId="{7414448D-E60C-4F16-99D3-9C24E744FF90}" dt="2025-05-25T20:10:55.073" v="1346" actId="2711"/>
+      <pc:sldChg chg="addSp delSp modSp mod ord">
+        <pc:chgData name="Giacomo De Toni" userId="e6ace2866e317739" providerId="LiveId" clId="{7414448D-E60C-4F16-99D3-9C24E744FF90}" dt="2025-05-25T20:44:56.671" v="1771"/>
         <pc:sldMkLst>
           <pc:docMk/>
           <pc:sldMk cId="3105498901" sldId="302"/>
@@ -1649,7 +1722,7 @@
           </ac:spMkLst>
         </pc:spChg>
         <pc:spChg chg="mod">
-          <ac:chgData name="Giacomo De Toni" userId="e6ace2866e317739" providerId="LiveId" clId="{7414448D-E60C-4F16-99D3-9C24E744FF90}" dt="2025-05-25T20:10:55.073" v="1346" actId="2711"/>
+          <ac:chgData name="Giacomo De Toni" userId="e6ace2866e317739" providerId="LiveId" clId="{7414448D-E60C-4F16-99D3-9C24E744FF90}" dt="2025-05-25T20:33:54.955" v="1445" actId="404"/>
           <ac:spMkLst>
             <pc:docMk/>
             <pc:sldMk cId="3105498901" sldId="302"/>
@@ -1673,8 +1746,8 @@
           </ac:picMkLst>
         </pc:picChg>
       </pc:sldChg>
-      <pc:sldChg chg="addSp delSp modSp mod">
-        <pc:chgData name="Giacomo De Toni" userId="e6ace2866e317739" providerId="LiveId" clId="{7414448D-E60C-4F16-99D3-9C24E744FF90}" dt="2025-05-25T20:11:05.649" v="1350" actId="2711"/>
+      <pc:sldChg chg="addSp delSp modSp mod ord">
+        <pc:chgData name="Giacomo De Toni" userId="e6ace2866e317739" providerId="LiveId" clId="{7414448D-E60C-4F16-99D3-9C24E744FF90}" dt="2025-05-25T20:45:08.379" v="1775"/>
         <pc:sldMkLst>
           <pc:docMk/>
           <pc:sldMk cId="534192337" sldId="303"/>
@@ -1688,7 +1761,7 @@
           </ac:spMkLst>
         </pc:spChg>
         <pc:spChg chg="mod">
-          <ac:chgData name="Giacomo De Toni" userId="e6ace2866e317739" providerId="LiveId" clId="{7414448D-E60C-4F16-99D3-9C24E744FF90}" dt="2025-05-25T20:11:05.649" v="1350" actId="2711"/>
+          <ac:chgData name="Giacomo De Toni" userId="e6ace2866e317739" providerId="LiveId" clId="{7414448D-E60C-4F16-99D3-9C24E744FF90}" dt="2025-05-25T20:34:04.271" v="1446" actId="404"/>
           <ac:spMkLst>
             <pc:docMk/>
             <pc:sldMk cId="534192337" sldId="303"/>
@@ -1711,6 +1784,66 @@
             <ac:picMk id="18" creationId="{11CC5291-44EF-9B26-0A42-FD93ADF521B0}"/>
           </ac:picMkLst>
         </pc:picChg>
+      </pc:sldChg>
+      <pc:sldChg chg="add del">
+        <pc:chgData name="Giacomo De Toni" userId="e6ace2866e317739" providerId="LiveId" clId="{7414448D-E60C-4F16-99D3-9C24E744FF90}" dt="2025-05-25T20:23:28.253" v="1370" actId="47"/>
+        <pc:sldMkLst>
+          <pc:docMk/>
+          <pc:sldMk cId="1508388862" sldId="304"/>
+        </pc:sldMkLst>
+      </pc:sldChg>
+      <pc:sldChg chg="modSp add mod">
+        <pc:chgData name="Giacomo De Toni" userId="e6ace2866e317739" providerId="LiveId" clId="{7414448D-E60C-4F16-99D3-9C24E744FF90}" dt="2025-05-25T20:43:12.874" v="1764"/>
+        <pc:sldMkLst>
+          <pc:docMk/>
+          <pc:sldMk cId="1667943774" sldId="304"/>
+        </pc:sldMkLst>
+        <pc:spChg chg="mod">
+          <ac:chgData name="Giacomo De Toni" userId="e6ace2866e317739" providerId="LiveId" clId="{7414448D-E60C-4F16-99D3-9C24E744FF90}" dt="2025-05-25T20:25:31.708" v="1395" actId="20577"/>
+          <ac:spMkLst>
+            <pc:docMk/>
+            <pc:sldMk cId="1667943774" sldId="304"/>
+            <ac:spMk id="4" creationId="{3E6B74AF-2ACA-D0C6-6A10-493061B20A59}"/>
+          </ac:spMkLst>
+        </pc:spChg>
+        <pc:spChg chg="mod">
+          <ac:chgData name="Giacomo De Toni" userId="e6ace2866e317739" providerId="LiveId" clId="{7414448D-E60C-4F16-99D3-9C24E744FF90}" dt="2025-05-25T20:43:12.874" v="1764"/>
+          <ac:spMkLst>
+            <pc:docMk/>
+            <pc:sldMk cId="1667943774" sldId="304"/>
+            <ac:spMk id="7" creationId="{95E78A19-3C3E-BC1E-012C-8804A640B497}"/>
+          </ac:spMkLst>
+        </pc:spChg>
+      </pc:sldChg>
+      <pc:sldChg chg="modSp add mod">
+        <pc:chgData name="Giacomo De Toni" userId="e6ace2866e317739" providerId="LiveId" clId="{7414448D-E60C-4F16-99D3-9C24E744FF90}" dt="2025-05-25T20:41:23.037" v="1653" actId="20577"/>
+        <pc:sldMkLst>
+          <pc:docMk/>
+          <pc:sldMk cId="1422969176" sldId="305"/>
+        </pc:sldMkLst>
+        <pc:spChg chg="mod">
+          <ac:chgData name="Giacomo De Toni" userId="e6ace2866e317739" providerId="LiveId" clId="{7414448D-E60C-4F16-99D3-9C24E744FF90}" dt="2025-05-25T20:25:40.735" v="1404" actId="20577"/>
+          <ac:spMkLst>
+            <pc:docMk/>
+            <pc:sldMk cId="1422969176" sldId="305"/>
+            <ac:spMk id="4" creationId="{95670AF1-DD5D-EE2F-0DB2-E30776DC5B51}"/>
+          </ac:spMkLst>
+        </pc:spChg>
+        <pc:spChg chg="mod">
+          <ac:chgData name="Giacomo De Toni" userId="e6ace2866e317739" providerId="LiveId" clId="{7414448D-E60C-4F16-99D3-9C24E744FF90}" dt="2025-05-25T20:41:23.037" v="1653" actId="20577"/>
+          <ac:spMkLst>
+            <pc:docMk/>
+            <pc:sldMk cId="1422969176" sldId="305"/>
+            <ac:spMk id="7" creationId="{761963AC-F9A4-860A-49D9-826393DD03F9}"/>
+          </ac:spMkLst>
+        </pc:spChg>
+      </pc:sldChg>
+      <pc:sldChg chg="add del">
+        <pc:chgData name="Giacomo De Toni" userId="e6ace2866e317739" providerId="LiveId" clId="{7414448D-E60C-4F16-99D3-9C24E744FF90}" dt="2025-05-25T20:23:29.616" v="1371" actId="47"/>
+        <pc:sldMkLst>
+          <pc:docMk/>
+          <pc:sldMk cId="3097792960" sldId="305"/>
+        </pc:sldMkLst>
       </pc:sldChg>
     </pc:docChg>
   </pc:docChgLst>
@@ -5686,7 +5819,7 @@
         <p:spPr>
           <a:xfrm>
             <a:off x="581022" y="3739897"/>
-            <a:ext cx="11029950" cy="584775"/>
+            <a:ext cx="11029950" cy="523220"/>
           </a:xfrm>
           <a:prstGeom prst="rect">
             <a:avLst/>
@@ -5701,7 +5834,7 @@
           <a:p>
             <a:pPr algn="ctr"/>
             <a:r>
-              <a:rPr lang="it-IT" sz="3200" dirty="0">
+              <a:rPr lang="it-IT" sz="2800" dirty="0">
                 <a:solidFill>
                   <a:srgbClr val="5BA191"/>
                 </a:solidFill>
@@ -5709,7 +5842,7 @@
               </a:rPr>
               <a:t>Sound generation</a:t>
             </a:r>
-            <a:endParaRPr lang="it-IT" sz="2800" dirty="0">
+            <a:endParaRPr lang="it-IT" sz="2400" dirty="0">
               <a:solidFill>
                 <a:srgbClr val="5BA191"/>
               </a:solidFill>
@@ -5900,7 +6033,7 @@
                 <a:solidFill>
                   <a:srgbClr val="1C656D"/>
                 </a:solidFill>
-                <a:latin typeface="Abadi" panose="020F0502020204030204" pitchFamily="34" charset="0"/>
+                <a:latin typeface="Segoe UI Rounded"/>
               </a:rPr>
               <a:t>SuperCollider first </a:t>
             </a:r>
@@ -5909,7 +6042,7 @@
                 <a:solidFill>
                   <a:srgbClr val="1C656D"/>
                 </a:solidFill>
-                <a:latin typeface="Abadi" panose="020F0502020204030204" pitchFamily="34" charset="0"/>
+                <a:latin typeface="Segoe UI Rounded"/>
               </a:rPr>
               <a:t>needs</a:t>
             </a:r>
@@ -5918,7 +6051,7 @@
                 <a:solidFill>
                   <a:srgbClr val="1C656D"/>
                 </a:solidFill>
-                <a:latin typeface="Abadi" panose="020F0502020204030204" pitchFamily="34" charset="0"/>
+                <a:latin typeface="Segoe UI Rounded"/>
               </a:rPr>
               <a:t> to </a:t>
             </a:r>
@@ -5927,7 +6060,7 @@
                 <a:solidFill>
                   <a:srgbClr val="1C656D"/>
                 </a:solidFill>
-                <a:latin typeface="Abadi" panose="020F0502020204030204" pitchFamily="34" charset="0"/>
+                <a:latin typeface="Segoe UI Rounded"/>
               </a:rPr>
               <a:t>set the audio engine, the OSC ports, and the global parameters.</a:t>
             </a:r>
@@ -5935,7 +6068,7 @@
               <a:solidFill>
                 <a:srgbClr val="1C656D"/>
               </a:solidFill>
-              <a:latin typeface="Abadi" panose="020F0502020204030204" pitchFamily="34" charset="0"/>
+              <a:latin typeface="Segoe UI Rounded"/>
             </a:endParaRPr>
           </a:p>
         </p:txBody>
@@ -6717,7 +6850,7 @@
                 <a:solidFill>
                   <a:srgbClr val="1C656D"/>
                 </a:solidFill>
-                <a:latin typeface="Abadi" panose="020F0502020204030204" pitchFamily="34" charset="0"/>
+                <a:latin typeface="Segoe UI Rounded"/>
               </a:rPr>
               <a:t>It defines a </a:t>
             </a:r>
@@ -6726,7 +6859,7 @@
                 <a:solidFill>
                   <a:srgbClr val="1C656D"/>
                 </a:solidFill>
-                <a:latin typeface="Abadi" panose="020F0502020204030204" pitchFamily="34" charset="0"/>
+                <a:latin typeface="Segoe UI Rounded"/>
               </a:rPr>
               <a:t>SynthDef</a:t>
             </a:r>
@@ -6735,7 +6868,7 @@
                 <a:solidFill>
                   <a:srgbClr val="1C656D"/>
                 </a:solidFill>
-                <a:latin typeface="Abadi" panose="020F0502020204030204" pitchFamily="34" charset="0"/>
+                <a:latin typeface="Segoe UI Rounded"/>
               </a:rPr>
               <a:t> that merges bass, chords, and melody each shaped by light, humidity, and temperature to form a living, ambient texture.</a:t>
             </a:r>
@@ -6743,7 +6876,7 @@
               <a:solidFill>
                 <a:srgbClr val="1C656D"/>
               </a:solidFill>
-              <a:latin typeface="Abadi" panose="020F0502020204030204" pitchFamily="34" charset="0"/>
+              <a:latin typeface="Segoe UI Rounded"/>
             </a:endParaRPr>
           </a:p>
         </p:txBody>
@@ -7090,7 +7223,7 @@
                 <a:solidFill>
                   <a:srgbClr val="1C656D"/>
                 </a:solidFill>
-                <a:latin typeface="Abadi" panose="020F0502020204030204" pitchFamily="34" charset="0"/>
+                <a:latin typeface="Segoe UI Rounded"/>
               </a:rPr>
               <a:t>GAIA can also run in a simulation mode: random data replaces real sensor input.</a:t>
             </a:r>
@@ -7631,7 +7764,7 @@
         <p:spPr>
           <a:xfrm>
             <a:off x="581022" y="3739897"/>
-            <a:ext cx="11029950" cy="584775"/>
+            <a:ext cx="11029950" cy="523220"/>
           </a:xfrm>
           <a:prstGeom prst="rect">
             <a:avLst/>
@@ -7646,7 +7779,7 @@
           <a:p>
             <a:pPr algn="ctr"/>
             <a:r>
-              <a:rPr lang="it-IT" sz="3200" dirty="0">
+              <a:rPr lang="it-IT" sz="2800" dirty="0">
                 <a:solidFill>
                   <a:srgbClr val="5BA191"/>
                 </a:solidFill>
@@ -7654,7 +7787,7 @@
               </a:rPr>
               <a:t>DAW</a:t>
             </a:r>
-            <a:endParaRPr lang="it-IT" sz="2800" dirty="0">
+            <a:endParaRPr lang="it-IT" sz="2400" dirty="0">
               <a:solidFill>
                 <a:srgbClr val="5BA191"/>
               </a:solidFill>
@@ -9454,7 +9587,7 @@
         <p:spPr>
           <a:xfrm>
             <a:off x="581022" y="3739897"/>
-            <a:ext cx="11029950" cy="584775"/>
+            <a:ext cx="11029950" cy="523220"/>
           </a:xfrm>
           <a:prstGeom prst="rect">
             <a:avLst/>
@@ -9469,7 +9602,7 @@
           <a:p>
             <a:pPr algn="ctr"/>
             <a:r>
-              <a:rPr lang="it-IT" sz="3200" dirty="0">
+              <a:rPr lang="it-IT" sz="2800" dirty="0">
                 <a:solidFill>
                   <a:srgbClr val="5BA191"/>
                 </a:solidFill>
@@ -9478,7 +9611,7 @@
               <a:t>User interaction – </a:t>
             </a:r>
             <a:r>
-              <a:rPr lang="it-IT" sz="3200" dirty="0" err="1">
+              <a:rPr lang="it-IT" sz="2800" dirty="0" err="1">
                 <a:solidFill>
                   <a:srgbClr val="5BA191"/>
                 </a:solidFill>
@@ -9487,7 +9620,7 @@
               <a:t>Signal</a:t>
             </a:r>
             <a:r>
-              <a:rPr lang="it-IT" sz="3200" dirty="0">
+              <a:rPr lang="it-IT" sz="2800" dirty="0">
                 <a:solidFill>
                   <a:srgbClr val="5BA191"/>
                 </a:solidFill>
@@ -9496,7 +9629,7 @@
               <a:t> </a:t>
             </a:r>
             <a:r>
-              <a:rPr lang="it-IT" sz="3200" dirty="0" err="1">
+              <a:rPr lang="it-IT" sz="2800" dirty="0" err="1">
                 <a:solidFill>
                   <a:srgbClr val="5BA191"/>
                 </a:solidFill>
@@ -9504,7 +9637,7 @@
               </a:rPr>
               <a:t>manipulation</a:t>
             </a:r>
-            <a:endParaRPr lang="it-IT" sz="2800" dirty="0">
+            <a:endParaRPr lang="it-IT" sz="2400" dirty="0">
               <a:solidFill>
                 <a:srgbClr val="5BA191"/>
               </a:solidFill>
@@ -9715,7 +9848,7 @@
                 </a:solidFill>
                 <a:latin typeface="Segoe UI Rounded"/>
               </a:rPr>
-              <a:t> the L/R </a:t>
+              <a:t> the stereo </a:t>
             </a:r>
             <a:r>
               <a:rPr lang="it-IT" sz="2800" dirty="0" err="1">
@@ -9725,96 +9858,6 @@
                 <a:latin typeface="Segoe UI Rounded"/>
               </a:rPr>
               <a:t>signal</a:t>
-            </a:r>
-            <a:r>
-              <a:rPr lang="it-IT" sz="2800" dirty="0">
-                <a:solidFill>
-                  <a:srgbClr val="1C656D"/>
-                </a:solidFill>
-                <a:latin typeface="Segoe UI Rounded"/>
-              </a:rPr>
-              <a:t> from Reaper. It can be one of </a:t>
-            </a:r>
-            <a:r>
-              <a:rPr lang="it-IT" sz="2800" dirty="0" err="1">
-                <a:solidFill>
-                  <a:srgbClr val="1C656D"/>
-                </a:solidFill>
-                <a:latin typeface="Segoe UI Rounded"/>
-              </a:rPr>
-              <a:t>three</a:t>
-            </a:r>
-            <a:r>
-              <a:rPr lang="it-IT" sz="2800" dirty="0">
-                <a:solidFill>
-                  <a:srgbClr val="1C656D"/>
-                </a:solidFill>
-                <a:latin typeface="Segoe UI Rounded"/>
-              </a:rPr>
-              <a:t> </a:t>
-            </a:r>
-            <a:r>
-              <a:rPr lang="it-IT" sz="2800" dirty="0" err="1">
-                <a:solidFill>
-                  <a:srgbClr val="1C656D"/>
-                </a:solidFill>
-                <a:latin typeface="Segoe UI Rounded"/>
-              </a:rPr>
-              <a:t>possible</a:t>
-            </a:r>
-            <a:r>
-              <a:rPr lang="it-IT" sz="2800" dirty="0">
-                <a:solidFill>
-                  <a:srgbClr val="1C656D"/>
-                </a:solidFill>
-                <a:latin typeface="Segoe UI Rounded"/>
-              </a:rPr>
-              <a:t> </a:t>
-            </a:r>
-            <a:r>
-              <a:rPr lang="it-IT" sz="2800" dirty="0" err="1">
-                <a:solidFill>
-                  <a:srgbClr val="1C656D"/>
-                </a:solidFill>
-                <a:latin typeface="Segoe UI Rounded"/>
-              </a:rPr>
-              <a:t>components</a:t>
-            </a:r>
-            <a:r>
-              <a:rPr lang="it-IT" sz="2800" dirty="0">
-                <a:solidFill>
-                  <a:srgbClr val="1C656D"/>
-                </a:solidFill>
-                <a:latin typeface="Segoe UI Rounded"/>
-              </a:rPr>
-              <a:t>: </a:t>
-            </a:r>
-            <a:r>
-              <a:rPr lang="it-IT" sz="2800" dirty="0" err="1">
-                <a:solidFill>
-                  <a:srgbClr val="1C656D"/>
-                </a:solidFill>
-                <a:latin typeface="Segoe UI Rounded"/>
-              </a:rPr>
-              <a:t>bass</a:t>
-            </a:r>
-            <a:r>
-              <a:rPr lang="it-IT" sz="2800" dirty="0">
-                <a:solidFill>
-                  <a:srgbClr val="1C656D"/>
-                </a:solidFill>
-                <a:latin typeface="Segoe UI Rounded"/>
-              </a:rPr>
-              <a:t> line, notes or </a:t>
-            </a:r>
-            <a:r>
-              <a:rPr lang="it-IT" sz="2800" dirty="0" err="1">
-                <a:solidFill>
-                  <a:srgbClr val="1C656D"/>
-                </a:solidFill>
-                <a:latin typeface="Segoe UI Rounded"/>
-              </a:rPr>
-              <a:t>chords</a:t>
             </a:r>
             <a:r>
               <a:rPr lang="it-IT" sz="2800" dirty="0">
@@ -9848,10 +9891,10 @@
         </p:nvGrpSpPr>
         <p:grpSpPr>
           <a:xfrm>
-            <a:off x="2411547" y="2405359"/>
-            <a:ext cx="7368900" cy="1800000"/>
+            <a:off x="3339697" y="2405359"/>
+            <a:ext cx="5512600" cy="1800000"/>
             <a:chOff x="4186222" y="2405359"/>
-            <a:chExt cx="7368900" cy="1800000"/>
+            <a:chExt cx="5512600" cy="1800000"/>
           </a:xfrm>
           <a:solidFill>
             <a:srgbClr val="5BA191">
@@ -9935,10 +9978,10 @@
         </p:pic>
         <p:pic>
           <p:nvPicPr>
-            <p:cNvPr id="14" name="Elemento grafico 13">
+            <p:cNvPr id="16" name="Elemento grafico 15">
               <a:extLst>
                 <a:ext uri="{FF2B5EF4-FFF2-40B4-BE49-F238E27FC236}">
-                  <a16:creationId xmlns:a16="http://schemas.microsoft.com/office/drawing/2014/main" id="{6C85FD83-2267-F569-4E3E-6B0D6274862C}"/>
+                  <a16:creationId xmlns:a16="http://schemas.microsoft.com/office/drawing/2014/main" id="{07D3BFD4-007F-3CF7-B846-6908881CF29D}"/>
                 </a:ext>
               </a:extLst>
             </p:cNvPr>
@@ -9962,43 +10005,6 @@
           </p:blipFill>
           <p:spPr>
             <a:xfrm>
-              <a:off x="9755122" y="2405359"/>
-              <a:ext cx="1800000" cy="1800000"/>
-            </a:xfrm>
-            <a:prstGeom prst="rect">
-              <a:avLst/>
-            </a:prstGeom>
-          </p:spPr>
-        </p:pic>
-        <p:pic>
-          <p:nvPicPr>
-            <p:cNvPr id="16" name="Elemento grafico 15">
-              <a:extLst>
-                <a:ext uri="{FF2B5EF4-FFF2-40B4-BE49-F238E27FC236}">
-                  <a16:creationId xmlns:a16="http://schemas.microsoft.com/office/drawing/2014/main" id="{07D3BFD4-007F-3CF7-B846-6908881CF29D}"/>
-                </a:ext>
-              </a:extLst>
-            </p:cNvPr>
-            <p:cNvPicPr>
-              <a:picLocks noChangeAspect="1"/>
-            </p:cNvPicPr>
-            <p:nvPr/>
-          </p:nvPicPr>
-          <p:blipFill>
-            <a:blip r:embed="rId8">
-              <a:alphaModFix/>
-              <a:extLst>
-                <a:ext uri="{96DAC541-7B7A-43D3-8B79-37D633B846F1}">
-                  <asvg:svgBlip xmlns:asvg="http://schemas.microsoft.com/office/drawing/2016/SVG/main" r:embed="rId9"/>
-                </a:ext>
-              </a:extLst>
-            </a:blip>
-            <a:stretch>
-              <a:fillRect/>
-            </a:stretch>
-          </p:blipFill>
-          <p:spPr>
-            <a:xfrm>
               <a:off x="7898822" y="2405359"/>
               <a:ext cx="1800000" cy="1800000"/>
             </a:xfrm>
@@ -10023,7 +10029,7 @@
           <p:nvPr/>
         </p:nvPicPr>
         <p:blipFill>
-          <a:blip r:embed="rId10">
+          <a:blip r:embed="rId8">
             <a:extLst>
               <a:ext uri="{28A0092B-C50C-407E-A947-70E740481C1C}">
                 <a14:useLocalDpi xmlns:a14="http://schemas.microsoft.com/office/drawing/2010/main" val="0"/>
@@ -10362,10 +10368,10 @@
         </p:nvGrpSpPr>
         <p:grpSpPr>
           <a:xfrm>
-            <a:off x="2411547" y="2405359"/>
-            <a:ext cx="7368900" cy="1800000"/>
+            <a:off x="3339697" y="2405359"/>
+            <a:ext cx="5512600" cy="1800000"/>
             <a:chOff x="4186222" y="2405359"/>
-            <a:chExt cx="7368900" cy="1800000"/>
+            <a:chExt cx="5512600" cy="1800000"/>
           </a:xfrm>
           <a:solidFill>
             <a:srgbClr val="5BA191">
@@ -10449,10 +10455,10 @@
         </p:pic>
         <p:pic>
           <p:nvPicPr>
-            <p:cNvPr id="6" name="Elemento grafico 5">
+            <p:cNvPr id="13" name="Elemento grafico 12">
               <a:extLst>
                 <a:ext uri="{FF2B5EF4-FFF2-40B4-BE49-F238E27FC236}">
-                  <a16:creationId xmlns:a16="http://schemas.microsoft.com/office/drawing/2014/main" id="{F248DC54-86C6-4442-7BCF-F981DCA6858F}"/>
+                  <a16:creationId xmlns:a16="http://schemas.microsoft.com/office/drawing/2014/main" id="{8A71BDD7-985C-2443-A96F-AD6F2174B8C0}"/>
                 </a:ext>
               </a:extLst>
             </p:cNvPr>
@@ -10476,43 +10482,6 @@
           </p:blipFill>
           <p:spPr>
             <a:xfrm>
-              <a:off x="9755122" y="2405359"/>
-              <a:ext cx="1800000" cy="1800000"/>
-            </a:xfrm>
-            <a:prstGeom prst="rect">
-              <a:avLst/>
-            </a:prstGeom>
-          </p:spPr>
-        </p:pic>
-        <p:pic>
-          <p:nvPicPr>
-            <p:cNvPr id="13" name="Elemento grafico 12">
-              <a:extLst>
-                <a:ext uri="{FF2B5EF4-FFF2-40B4-BE49-F238E27FC236}">
-                  <a16:creationId xmlns:a16="http://schemas.microsoft.com/office/drawing/2014/main" id="{8A71BDD7-985C-2443-A96F-AD6F2174B8C0}"/>
-                </a:ext>
-              </a:extLst>
-            </p:cNvPr>
-            <p:cNvPicPr>
-              <a:picLocks noChangeAspect="1"/>
-            </p:cNvPicPr>
-            <p:nvPr/>
-          </p:nvPicPr>
-          <p:blipFill>
-            <a:blip r:embed="rId8">
-              <a:alphaModFix/>
-              <a:extLst>
-                <a:ext uri="{96DAC541-7B7A-43D3-8B79-37D633B846F1}">
-                  <asvg:svgBlip xmlns:asvg="http://schemas.microsoft.com/office/drawing/2016/SVG/main" r:embed="rId9"/>
-                </a:ext>
-              </a:extLst>
-            </a:blip>
-            <a:stretch>
-              <a:fillRect/>
-            </a:stretch>
-          </p:blipFill>
-          <p:spPr>
-            <a:xfrm>
               <a:off x="7898822" y="2405359"/>
               <a:ext cx="1800000" cy="1800000"/>
             </a:xfrm>
@@ -10537,7 +10506,7 @@
           <p:nvPr/>
         </p:nvPicPr>
         <p:blipFill>
-          <a:blip r:embed="rId10">
+          <a:blip r:embed="rId8">
             <a:extLst>
               <a:ext uri="{28A0092B-C50C-407E-A947-70E740481C1C}">
                 <a14:useLocalDpi xmlns:a14="http://schemas.microsoft.com/office/drawing/2010/main" val="0"/>
@@ -10660,6 +10629,26 @@
               </a:rPr>
               <a:t>manipulation</a:t>
             </a:r>
+            <a:r>
+              <a:rPr lang="it-IT" sz="4400" b="1" dirty="0">
+                <a:solidFill>
+                  <a:srgbClr val="1C656D"/>
+                </a:solidFill>
+                <a:latin typeface="Segoe UI Rounded"/>
+                <a:cs typeface="Leelawadee UI" panose="020B0502040204020203" pitchFamily="34" charset="-34"/>
+              </a:rPr>
+              <a:t>: </a:t>
+            </a:r>
+            <a:r>
+              <a:rPr lang="it-IT" sz="4400" b="1" dirty="0" err="1">
+                <a:solidFill>
+                  <a:srgbClr val="1C656D"/>
+                </a:solidFill>
+                <a:latin typeface="Segoe UI Rounded"/>
+                <a:cs typeface="Leelawadee UI" panose="020B0502040204020203" pitchFamily="34" charset="-34"/>
+              </a:rPr>
+              <a:t>Reverb</a:t>
+            </a:r>
             <a:endParaRPr lang="it-IT" sz="4000" dirty="0">
               <a:solidFill>
                 <a:srgbClr val="1C656D"/>
@@ -10700,277 +10689,13 @@
           <a:p>
             <a:pPr algn="ctr"/>
             <a:r>
-              <a:rPr lang="it-IT" sz="2800" dirty="0">
-                <a:solidFill>
-                  <a:srgbClr val="1C656D"/>
-                </a:solidFill>
-                <a:latin typeface="Segoe UI Rounded"/>
-              </a:rPr>
-              <a:t>It </a:t>
-            </a:r>
-            <a:r>
-              <a:rPr lang="it-IT" sz="2800" dirty="0" err="1">
-                <a:solidFill>
-                  <a:srgbClr val="1C656D"/>
-                </a:solidFill>
-                <a:latin typeface="Segoe UI Rounded"/>
-              </a:rPr>
-              <a:t>is</a:t>
-            </a:r>
-            <a:r>
-              <a:rPr lang="it-IT" sz="2800" dirty="0">
-                <a:solidFill>
-                  <a:srgbClr val="1C656D"/>
-                </a:solidFill>
-                <a:latin typeface="Segoe UI Rounded"/>
-              </a:rPr>
-              <a:t> </a:t>
-            </a:r>
-            <a:r>
-              <a:rPr lang="it-IT" sz="2800" dirty="0" err="1">
-                <a:solidFill>
-                  <a:srgbClr val="1C656D"/>
-                </a:solidFill>
-                <a:latin typeface="Segoe UI Rounded"/>
-              </a:rPr>
-              <a:t>possible</a:t>
-            </a:r>
-            <a:r>
-              <a:rPr lang="it-IT" sz="2800" dirty="0">
-                <a:solidFill>
-                  <a:srgbClr val="1C656D"/>
-                </a:solidFill>
-                <a:latin typeface="Segoe UI Rounded"/>
-              </a:rPr>
-              <a:t> to </a:t>
-            </a:r>
-            <a:r>
-              <a:rPr lang="it-IT" sz="2800" dirty="0" err="1">
-                <a:solidFill>
-                  <a:srgbClr val="1C656D"/>
-                </a:solidFill>
-                <a:latin typeface="Segoe UI Rounded"/>
-              </a:rPr>
-              <a:t>manipulate</a:t>
-            </a:r>
-            <a:r>
-              <a:rPr lang="it-IT" sz="2800" dirty="0">
-                <a:solidFill>
-                  <a:srgbClr val="1C656D"/>
-                </a:solidFill>
-                <a:latin typeface="Segoe UI Rounded"/>
-              </a:rPr>
-              <a:t> the </a:t>
-            </a:r>
-            <a:r>
-              <a:rPr lang="it-IT" sz="2800" dirty="0" err="1">
-                <a:solidFill>
-                  <a:srgbClr val="1C656D"/>
-                </a:solidFill>
-                <a:latin typeface="Segoe UI Rounded"/>
-              </a:rPr>
-              <a:t>parameters</a:t>
-            </a:r>
-            <a:r>
-              <a:rPr lang="it-IT" sz="2800" dirty="0">
-                <a:solidFill>
-                  <a:srgbClr val="1C656D"/>
-                </a:solidFill>
-                <a:latin typeface="Segoe UI Rounded"/>
-              </a:rPr>
-              <a:t> of  the </a:t>
-            </a:r>
-            <a:r>
-              <a:rPr lang="it-IT" sz="2800" dirty="0" err="1">
-                <a:solidFill>
-                  <a:srgbClr val="1C656D"/>
-                </a:solidFill>
-                <a:latin typeface="Segoe UI Rounded"/>
-              </a:rPr>
-              <a:t>three</a:t>
-            </a:r>
-            <a:r>
-              <a:rPr lang="it-IT" sz="2800" dirty="0">
-                <a:solidFill>
-                  <a:srgbClr val="1C656D"/>
-                </a:solidFill>
-                <a:latin typeface="Segoe UI Rounded"/>
-              </a:rPr>
-              <a:t> </a:t>
-            </a:r>
-            <a:r>
-              <a:rPr lang="it-IT" sz="2800" dirty="0" err="1">
-                <a:solidFill>
-                  <a:srgbClr val="1C656D"/>
-                </a:solidFill>
-                <a:latin typeface="Segoe UI Rounded"/>
-              </a:rPr>
-              <a:t>implemented</a:t>
-            </a:r>
-            <a:r>
-              <a:rPr lang="it-IT" sz="2800" dirty="0">
-                <a:solidFill>
-                  <a:srgbClr val="1C656D"/>
-                </a:solidFill>
-                <a:latin typeface="Segoe UI Rounded"/>
-              </a:rPr>
-              <a:t> audio </a:t>
-            </a:r>
-            <a:r>
-              <a:rPr lang="it-IT" sz="2800" dirty="0" err="1">
-                <a:solidFill>
-                  <a:srgbClr val="1C656D"/>
-                </a:solidFill>
-                <a:latin typeface="Segoe UI Rounded"/>
-              </a:rPr>
-              <a:t>effects</a:t>
-            </a:r>
-            <a:r>
-              <a:rPr lang="it-IT" sz="2800" dirty="0">
-                <a:solidFill>
-                  <a:srgbClr val="1C656D"/>
-                </a:solidFill>
-                <a:latin typeface="Segoe UI Rounded"/>
-              </a:rPr>
-              <a:t>: </a:t>
-            </a:r>
-            <a:r>
-              <a:rPr lang="it-IT" sz="2800" dirty="0" err="1">
-                <a:solidFill>
-                  <a:srgbClr val="1C656D"/>
-                </a:solidFill>
-                <a:latin typeface="Segoe UI Rounded"/>
-              </a:rPr>
-              <a:t>reverberation</a:t>
-            </a:r>
-            <a:r>
-              <a:rPr lang="it-IT" sz="2800" dirty="0">
-                <a:solidFill>
-                  <a:srgbClr val="1C656D"/>
-                </a:solidFill>
-                <a:latin typeface="Segoe UI Rounded"/>
-              </a:rPr>
-              <a:t>, </a:t>
-            </a:r>
-            <a:r>
-              <a:rPr lang="it-IT" sz="2800" dirty="0" err="1">
-                <a:solidFill>
-                  <a:srgbClr val="1C656D"/>
-                </a:solidFill>
-                <a:latin typeface="Segoe UI Rounded"/>
-              </a:rPr>
-              <a:t>distortion</a:t>
-            </a:r>
-            <a:r>
-              <a:rPr lang="it-IT" sz="2800" dirty="0">
-                <a:solidFill>
-                  <a:srgbClr val="1C656D"/>
-                </a:solidFill>
-                <a:latin typeface="Segoe UI Rounded"/>
-              </a:rPr>
-              <a:t> and delay. </a:t>
-            </a:r>
-          </a:p>
-          <a:p>
-            <a:pPr algn="ctr"/>
-            <a:r>
-              <a:rPr lang="it-IT" sz="2800" dirty="0">
-                <a:solidFill>
-                  <a:srgbClr val="1C656D"/>
-                </a:solidFill>
-                <a:latin typeface="Segoe UI Rounded"/>
-              </a:rPr>
-              <a:t>The user can </a:t>
-            </a:r>
-            <a:r>
-              <a:rPr lang="it-IT" sz="2800" dirty="0" err="1">
-                <a:solidFill>
-                  <a:srgbClr val="1C656D"/>
-                </a:solidFill>
-                <a:latin typeface="Segoe UI Rounded"/>
-              </a:rPr>
-              <a:t>also</a:t>
-            </a:r>
-            <a:r>
-              <a:rPr lang="it-IT" sz="2800" dirty="0">
-                <a:solidFill>
-                  <a:srgbClr val="1C656D"/>
-                </a:solidFill>
-                <a:latin typeface="Segoe UI Rounded"/>
-              </a:rPr>
-              <a:t> turn off </a:t>
-            </a:r>
-            <a:r>
-              <a:rPr lang="it-IT" sz="2800" dirty="0" err="1">
-                <a:solidFill>
-                  <a:srgbClr val="1C656D"/>
-                </a:solidFill>
-                <a:latin typeface="Segoe UI Rounded"/>
-              </a:rPr>
-              <a:t>those</a:t>
-            </a:r>
-            <a:r>
-              <a:rPr lang="it-IT" sz="2800" dirty="0">
-                <a:solidFill>
-                  <a:srgbClr val="1C656D"/>
-                </a:solidFill>
-                <a:latin typeface="Segoe UI Rounded"/>
-              </a:rPr>
-              <a:t> </a:t>
-            </a:r>
-            <a:r>
-              <a:rPr lang="it-IT" sz="2800" dirty="0" err="1">
-                <a:solidFill>
-                  <a:srgbClr val="1C656D"/>
-                </a:solidFill>
-                <a:latin typeface="Segoe UI Rounded"/>
-              </a:rPr>
-              <a:t>effects</a:t>
-            </a:r>
-            <a:r>
-              <a:rPr lang="it-IT" sz="2800" dirty="0">
-                <a:solidFill>
-                  <a:srgbClr val="1C656D"/>
-                </a:solidFill>
-                <a:latin typeface="Segoe UI Rounded"/>
-              </a:rPr>
-              <a:t> </a:t>
-            </a:r>
-            <a:r>
-              <a:rPr lang="it-IT" sz="2800" dirty="0" err="1">
-                <a:solidFill>
-                  <a:srgbClr val="1C656D"/>
-                </a:solidFill>
-                <a:latin typeface="Segoe UI Rounded"/>
-              </a:rPr>
-              <a:t>if</a:t>
-            </a:r>
-            <a:r>
-              <a:rPr lang="it-IT" sz="2800" dirty="0">
-                <a:solidFill>
-                  <a:srgbClr val="1C656D"/>
-                </a:solidFill>
-                <a:latin typeface="Segoe UI Rounded"/>
-              </a:rPr>
-              <a:t> </a:t>
-            </a:r>
-            <a:r>
-              <a:rPr lang="it-IT" sz="2800" dirty="0" err="1">
-                <a:solidFill>
-                  <a:srgbClr val="1C656D"/>
-                </a:solidFill>
-                <a:latin typeface="Segoe UI Rounded"/>
-              </a:rPr>
-              <a:t>needed</a:t>
-            </a:r>
-            <a:r>
-              <a:rPr lang="it-IT" sz="2800" dirty="0">
-                <a:solidFill>
-                  <a:srgbClr val="1C656D"/>
-                </a:solidFill>
-                <a:latin typeface="Segoe UI Rounded"/>
-              </a:rPr>
-              <a:t>.</a:t>
+              <a:rPr lang="en-US" sz="2800" dirty="0">
+                <a:solidFill>
+                  <a:srgbClr val="1C656D"/>
+                </a:solidFill>
+                <a:latin typeface="Segoe UI Rounded"/>
+              </a:rPr>
+              <a:t>Reverb is implemented with the integrated JUCE class. Users can control various parameters shaping how “distant” or “surrounding” the sound feels.</a:t>
             </a:r>
             <a:endParaRPr lang="it-IT" sz="2400" dirty="0">
               <a:solidFill>
@@ -10995,10 +10720,10 @@
         </p:nvGrpSpPr>
         <p:grpSpPr>
           <a:xfrm>
-            <a:off x="2411547" y="2405359"/>
-            <a:ext cx="7368900" cy="1800000"/>
+            <a:off x="3339697" y="2405359"/>
+            <a:ext cx="5512600" cy="1800000"/>
             <a:chOff x="4186222" y="2405359"/>
-            <a:chExt cx="7368900" cy="1800000"/>
+            <a:chExt cx="5512600" cy="1800000"/>
           </a:xfrm>
           <a:solidFill>
             <a:srgbClr val="5BA191">
@@ -11082,10 +10807,10 @@
         </p:pic>
         <p:pic>
           <p:nvPicPr>
-            <p:cNvPr id="6" name="Elemento grafico 5">
+            <p:cNvPr id="13" name="Elemento grafico 12">
               <a:extLst>
                 <a:ext uri="{FF2B5EF4-FFF2-40B4-BE49-F238E27FC236}">
-                  <a16:creationId xmlns:a16="http://schemas.microsoft.com/office/drawing/2014/main" id="{823D6582-83A5-A674-B08B-61E7DC768DB8}"/>
+                  <a16:creationId xmlns:a16="http://schemas.microsoft.com/office/drawing/2014/main" id="{E5099E98-1D3A-112E-792F-69FE2FE37632}"/>
                 </a:ext>
               </a:extLst>
             </p:cNvPr>
@@ -11109,43 +10834,6 @@
           </p:blipFill>
           <p:spPr>
             <a:xfrm>
-              <a:off x="9755122" y="2405359"/>
-              <a:ext cx="1800000" cy="1800000"/>
-            </a:xfrm>
-            <a:prstGeom prst="rect">
-              <a:avLst/>
-            </a:prstGeom>
-          </p:spPr>
-        </p:pic>
-        <p:pic>
-          <p:nvPicPr>
-            <p:cNvPr id="13" name="Elemento grafico 12">
-              <a:extLst>
-                <a:ext uri="{FF2B5EF4-FFF2-40B4-BE49-F238E27FC236}">
-                  <a16:creationId xmlns:a16="http://schemas.microsoft.com/office/drawing/2014/main" id="{E5099E98-1D3A-112E-792F-69FE2FE37632}"/>
-                </a:ext>
-              </a:extLst>
-            </p:cNvPr>
-            <p:cNvPicPr>
-              <a:picLocks noChangeAspect="1"/>
-            </p:cNvPicPr>
-            <p:nvPr/>
-          </p:nvPicPr>
-          <p:blipFill>
-            <a:blip r:embed="rId8">
-              <a:alphaModFix/>
-              <a:extLst>
-                <a:ext uri="{96DAC541-7B7A-43D3-8B79-37D633B846F1}">
-                  <asvg:svgBlip xmlns:asvg="http://schemas.microsoft.com/office/drawing/2016/SVG/main" r:embed="rId9"/>
-                </a:ext>
-              </a:extLst>
-            </a:blip>
-            <a:stretch>
-              <a:fillRect/>
-            </a:stretch>
-          </p:blipFill>
-          <p:spPr>
-            <a:xfrm>
               <a:off x="7898822" y="2405359"/>
               <a:ext cx="1800000" cy="1800000"/>
             </a:xfrm>
@@ -11170,7 +10858,7 @@
           <p:nvPr/>
         </p:nvPicPr>
         <p:blipFill>
-          <a:blip r:embed="rId10">
+          <a:blip r:embed="rId8">
             <a:extLst>
               <a:ext uri="{28A0092B-C50C-407E-A947-70E740481C1C}">
                 <a14:useLocalDpi xmlns:a14="http://schemas.microsoft.com/office/drawing/2010/main" val="0"/>
@@ -11219,7 +10907,7 @@
         <p:cNvPr id="1" name="">
           <a:extLst>
             <a:ext uri="{FF2B5EF4-FFF2-40B4-BE49-F238E27FC236}">
-              <a16:creationId xmlns:a16="http://schemas.microsoft.com/office/drawing/2014/main" id="{6F4BA3A4-ADF3-C128-3BE6-7CFA4D36CD2B}"/>
+              <a16:creationId xmlns:a16="http://schemas.microsoft.com/office/drawing/2014/main" id="{1984AE43-1F59-235C-B97F-DBCA340E884D}"/>
             </a:ext>
           </a:extLst>
         </p:cNvPr>
@@ -11239,7 +10927,7 @@
           <p:cNvPr id="4" name="CasellaDiTesto 3">
             <a:extLst>
               <a:ext uri="{FF2B5EF4-FFF2-40B4-BE49-F238E27FC236}">
-                <a16:creationId xmlns:a16="http://schemas.microsoft.com/office/drawing/2014/main" id="{1A32C107-89E2-6A14-C15D-CDA2D9A1C683}"/>
+                <a16:creationId xmlns:a16="http://schemas.microsoft.com/office/drawing/2014/main" id="{3E6B74AF-2ACA-D0C6-6A10-493061B20A59}"/>
               </a:ext>
             </a:extLst>
           </p:cNvPr>
@@ -11264,6 +10952,16 @@
           <a:p>
             <a:pPr algn="ctr"/>
             <a:r>
+              <a:rPr lang="it-IT" sz="4400" b="1" dirty="0" err="1">
+                <a:solidFill>
+                  <a:srgbClr val="1C656D"/>
+                </a:solidFill>
+                <a:latin typeface="Segoe UI Rounded"/>
+                <a:cs typeface="Leelawadee UI" panose="020B0502040204020203" pitchFamily="34" charset="-34"/>
+              </a:rPr>
+              <a:t>Signal</a:t>
+            </a:r>
+            <a:r>
               <a:rPr lang="it-IT" sz="4400" b="1" dirty="0">
                 <a:solidFill>
                   <a:srgbClr val="1C656D"/>
@@ -11271,7 +10969,37 @@
                 <a:latin typeface="Segoe UI Rounded"/>
                 <a:cs typeface="Leelawadee UI" panose="020B0502040204020203" pitchFamily="34" charset="-34"/>
               </a:rPr>
-              <a:t>Output</a:t>
+              <a:t> </a:t>
+            </a:r>
+            <a:r>
+              <a:rPr lang="it-IT" sz="4400" b="1" dirty="0" err="1">
+                <a:solidFill>
+                  <a:srgbClr val="1C656D"/>
+                </a:solidFill>
+                <a:latin typeface="Segoe UI Rounded"/>
+                <a:cs typeface="Leelawadee UI" panose="020B0502040204020203" pitchFamily="34" charset="-34"/>
+              </a:rPr>
+              <a:t>manipulation</a:t>
+            </a:r>
+            <a:r>
+              <a:rPr lang="it-IT" sz="4400" b="1" dirty="0">
+                <a:solidFill>
+                  <a:srgbClr val="1C656D"/>
+                </a:solidFill>
+                <a:latin typeface="Segoe UI Rounded"/>
+                <a:cs typeface="Leelawadee UI" panose="020B0502040204020203" pitchFamily="34" charset="-34"/>
+              </a:rPr>
+              <a:t>: </a:t>
+            </a:r>
+            <a:r>
+              <a:rPr lang="it-IT" sz="4400" b="1" dirty="0" err="1">
+                <a:solidFill>
+                  <a:srgbClr val="1C656D"/>
+                </a:solidFill>
+                <a:latin typeface="Segoe UI Rounded"/>
+                <a:cs typeface="Leelawadee UI" panose="020B0502040204020203" pitchFamily="34" charset="-34"/>
+              </a:rPr>
+              <a:t>Distortion</a:t>
             </a:r>
             <a:endParaRPr lang="it-IT" sz="4000" dirty="0">
               <a:solidFill>
@@ -11288,7 +11016,7 @@
           <p:cNvPr id="7" name="CasellaDiTesto 6">
             <a:extLst>
               <a:ext uri="{FF2B5EF4-FFF2-40B4-BE49-F238E27FC236}">
-                <a16:creationId xmlns:a16="http://schemas.microsoft.com/office/drawing/2014/main" id="{16AEC99C-6A99-5391-6AD4-BC7096EB06FD}"/>
+                <a16:creationId xmlns:a16="http://schemas.microsoft.com/office/drawing/2014/main" id="{95E78A19-3C3E-BC1E-012C-8804A640B497}"/>
               </a:ext>
             </a:extLst>
           </p:cNvPr>
@@ -11313,139 +11041,13 @@
           <a:p>
             <a:pPr algn="ctr"/>
             <a:r>
-              <a:rPr lang="it-IT" sz="2800" dirty="0">
-                <a:solidFill>
-                  <a:srgbClr val="1C656D"/>
-                </a:solidFill>
-                <a:latin typeface="Segoe UI Rounded"/>
-              </a:rPr>
-              <a:t>The output </a:t>
-            </a:r>
-            <a:r>
-              <a:rPr lang="it-IT" sz="2800" dirty="0" err="1">
-                <a:solidFill>
-                  <a:srgbClr val="1C656D"/>
-                </a:solidFill>
-                <a:latin typeface="Segoe UI Rounded"/>
-              </a:rPr>
-              <a:t>signal</a:t>
-            </a:r>
-            <a:r>
-              <a:rPr lang="it-IT" sz="2800" dirty="0">
-                <a:solidFill>
-                  <a:srgbClr val="1C656D"/>
-                </a:solidFill>
-                <a:latin typeface="Segoe UI Rounded"/>
-              </a:rPr>
-              <a:t> </a:t>
-            </a:r>
-            <a:r>
-              <a:rPr lang="it-IT" sz="2800" dirty="0" err="1">
-                <a:solidFill>
-                  <a:srgbClr val="1C656D"/>
-                </a:solidFill>
-                <a:latin typeface="Segoe UI Rounded"/>
-              </a:rPr>
-              <a:t>is</a:t>
-            </a:r>
-            <a:r>
-              <a:rPr lang="it-IT" sz="2800" dirty="0">
-                <a:solidFill>
-                  <a:srgbClr val="1C656D"/>
-                </a:solidFill>
-                <a:latin typeface="Segoe UI Rounded"/>
-              </a:rPr>
-              <a:t> </a:t>
-            </a:r>
-            <a:r>
-              <a:rPr lang="it-IT" sz="2800" dirty="0" err="1">
-                <a:solidFill>
-                  <a:srgbClr val="1C656D"/>
-                </a:solidFill>
-                <a:latin typeface="Segoe UI Rounded"/>
-              </a:rPr>
-              <a:t>sent</a:t>
-            </a:r>
-            <a:r>
-              <a:rPr lang="it-IT" sz="2800" dirty="0">
-                <a:solidFill>
-                  <a:srgbClr val="1C656D"/>
-                </a:solidFill>
-                <a:latin typeface="Segoe UI Rounded"/>
-              </a:rPr>
-              <a:t> back to Reaper, </a:t>
-            </a:r>
-            <a:r>
-              <a:rPr lang="it-IT" sz="2800" dirty="0" err="1">
-                <a:solidFill>
-                  <a:srgbClr val="1C656D"/>
-                </a:solidFill>
-                <a:latin typeface="Segoe UI Rounded"/>
-              </a:rPr>
-              <a:t>which</a:t>
-            </a:r>
-            <a:r>
-              <a:rPr lang="it-IT" sz="2800" dirty="0">
-                <a:solidFill>
-                  <a:srgbClr val="1C656D"/>
-                </a:solidFill>
-                <a:latin typeface="Segoe UI Rounded"/>
-              </a:rPr>
-              <a:t> </a:t>
-            </a:r>
-            <a:r>
-              <a:rPr lang="it-IT" sz="2800" dirty="0" err="1">
-                <a:solidFill>
-                  <a:srgbClr val="1C656D"/>
-                </a:solidFill>
-                <a:latin typeface="Segoe UI Rounded"/>
-              </a:rPr>
-              <a:t>will</a:t>
-            </a:r>
-            <a:r>
-              <a:rPr lang="it-IT" sz="2800" dirty="0">
-                <a:solidFill>
-                  <a:srgbClr val="1C656D"/>
-                </a:solidFill>
-                <a:latin typeface="Segoe UI Rounded"/>
-              </a:rPr>
-              <a:t> create a mixed output with the </a:t>
-            </a:r>
-            <a:r>
-              <a:rPr lang="it-IT" sz="2800" dirty="0" err="1">
-                <a:solidFill>
-                  <a:srgbClr val="1C656D"/>
-                </a:solidFill>
-                <a:latin typeface="Segoe UI Rounded"/>
-              </a:rPr>
-              <a:t>others</a:t>
-            </a:r>
-            <a:r>
-              <a:rPr lang="it-IT" sz="2800" dirty="0">
-                <a:solidFill>
-                  <a:srgbClr val="1C656D"/>
-                </a:solidFill>
-                <a:latin typeface="Segoe UI Rounded"/>
-              </a:rPr>
-              <a:t> </a:t>
-            </a:r>
-            <a:r>
-              <a:rPr lang="it-IT" sz="2800" dirty="0" err="1">
-                <a:solidFill>
-                  <a:srgbClr val="1C656D"/>
-                </a:solidFill>
-                <a:latin typeface="Segoe UI Rounded"/>
-              </a:rPr>
-              <a:t>signals</a:t>
-            </a:r>
-            <a:r>
-              <a:rPr lang="it-IT" sz="2800" dirty="0">
-                <a:solidFill>
-                  <a:srgbClr val="1C656D"/>
-                </a:solidFill>
-                <a:latin typeface="Segoe UI Rounded"/>
-              </a:rPr>
-              <a:t>.</a:t>
+              <a:rPr lang="en-US" sz="2800" dirty="0">
+                <a:solidFill>
+                  <a:srgbClr val="1C656D"/>
+                </a:solidFill>
+                <a:latin typeface="Segoe UI Rounded"/>
+              </a:rPr>
+              <a:t>Distortion multiplies and clips the signal, adding harmonic richness and texture. A drive control sets the saturation, with a dry/wet blend to keep it smooth or aggressive.</a:t>
             </a:r>
             <a:endParaRPr lang="it-IT" sz="2400" dirty="0">
               <a:solidFill>
@@ -11458,10 +11060,10 @@
       </p:sp>
       <p:grpSp>
         <p:nvGrpSpPr>
-          <p:cNvPr id="14" name="Gruppo 13">
-            <a:extLst>
-              <a:ext uri="{FF2B5EF4-FFF2-40B4-BE49-F238E27FC236}">
-                <a16:creationId xmlns:a16="http://schemas.microsoft.com/office/drawing/2014/main" id="{D85DA55A-C859-121C-0CF2-0537D45A1E2C}"/>
+          <p:cNvPr id="2" name="Gruppo 1">
+            <a:extLst>
+              <a:ext uri="{FF2B5EF4-FFF2-40B4-BE49-F238E27FC236}">
+                <a16:creationId xmlns:a16="http://schemas.microsoft.com/office/drawing/2014/main" id="{5B8879B0-5D34-8EA1-B2F7-26F63B5B34CB}"/>
               </a:ext>
             </a:extLst>
           </p:cNvPr>
@@ -11470,10 +11072,10 @@
         </p:nvGrpSpPr>
         <p:grpSpPr>
           <a:xfrm>
-            <a:off x="2411547" y="2405359"/>
-            <a:ext cx="7368900" cy="1800000"/>
+            <a:off x="3339697" y="2405359"/>
+            <a:ext cx="5512600" cy="1800000"/>
             <a:chOff x="4186222" y="2405359"/>
-            <a:chExt cx="7368900" cy="1800000"/>
+            <a:chExt cx="5512600" cy="1800000"/>
           </a:xfrm>
           <a:solidFill>
             <a:srgbClr val="5BA191">
@@ -11483,10 +11085,10 @@
         </p:grpSpPr>
         <p:pic>
           <p:nvPicPr>
-            <p:cNvPr id="15" name="Elemento grafico 14">
+            <p:cNvPr id="3" name="Elemento grafico 2">
               <a:extLst>
                 <a:ext uri="{FF2B5EF4-FFF2-40B4-BE49-F238E27FC236}">
-                  <a16:creationId xmlns:a16="http://schemas.microsoft.com/office/drawing/2014/main" id="{6734CB7D-20A0-BA8F-C4A3-F6A805029BBA}"/>
+                  <a16:creationId xmlns:a16="http://schemas.microsoft.com/office/drawing/2014/main" id="{3788B2DB-F614-C224-8C7A-324CF82193A7}"/>
                 </a:ext>
               </a:extLst>
             </p:cNvPr>
@@ -11520,10 +11122,10 @@
         </p:pic>
         <p:pic>
           <p:nvPicPr>
-            <p:cNvPr id="16" name="Elemento grafico 15">
+            <p:cNvPr id="5" name="Elemento grafico 4">
               <a:extLst>
                 <a:ext uri="{FF2B5EF4-FFF2-40B4-BE49-F238E27FC236}">
-                  <a16:creationId xmlns:a16="http://schemas.microsoft.com/office/drawing/2014/main" id="{FD7F05EB-BBDD-163C-5553-D4D01B303005}"/>
+                  <a16:creationId xmlns:a16="http://schemas.microsoft.com/office/drawing/2014/main" id="{26AA1903-F019-9BFA-FC14-9046A063774D}"/>
                 </a:ext>
               </a:extLst>
             </p:cNvPr>
@@ -11557,10 +11159,10 @@
         </p:pic>
         <p:pic>
           <p:nvPicPr>
-            <p:cNvPr id="17" name="Elemento grafico 16">
+            <p:cNvPr id="13" name="Elemento grafico 12">
               <a:extLst>
                 <a:ext uri="{FF2B5EF4-FFF2-40B4-BE49-F238E27FC236}">
-                  <a16:creationId xmlns:a16="http://schemas.microsoft.com/office/drawing/2014/main" id="{E92ABDFE-0193-CEF6-EDCA-0F1F9DC4385E}"/>
+                  <a16:creationId xmlns:a16="http://schemas.microsoft.com/office/drawing/2014/main" id="{EA5C8086-772E-CBEA-2C45-B695CCF0F1EE}"/>
                 </a:ext>
               </a:extLst>
             </p:cNvPr>
@@ -11584,7 +11186,275 @@
           </p:blipFill>
           <p:spPr>
             <a:xfrm>
-              <a:off x="9755122" y="2405359"/>
+              <a:off x="7898822" y="2405359"/>
+              <a:ext cx="1800000" cy="1800000"/>
+            </a:xfrm>
+            <a:prstGeom prst="rect">
+              <a:avLst/>
+            </a:prstGeom>
+          </p:spPr>
+        </p:pic>
+      </p:grpSp>
+      <p:pic>
+        <p:nvPicPr>
+          <p:cNvPr id="8" name="Immagine 7">
+            <a:extLst>
+              <a:ext uri="{FF2B5EF4-FFF2-40B4-BE49-F238E27FC236}">
+                <a16:creationId xmlns:a16="http://schemas.microsoft.com/office/drawing/2014/main" id="{15A32B63-CE97-58EC-1874-57293A012A2B}"/>
+              </a:ext>
+            </a:extLst>
+          </p:cNvPr>
+          <p:cNvPicPr>
+            <a:picLocks noChangeAspect="1"/>
+          </p:cNvPicPr>
+          <p:nvPr/>
+        </p:nvPicPr>
+        <p:blipFill>
+          <a:blip r:embed="rId8">
+            <a:extLst>
+              <a:ext uri="{28A0092B-C50C-407E-A947-70E740481C1C}">
+                <a14:useLocalDpi xmlns:a14="http://schemas.microsoft.com/office/drawing/2010/main" val="0"/>
+              </a:ext>
+            </a:extLst>
+          </a:blip>
+          <a:srcRect/>
+          <a:stretch/>
+        </p:blipFill>
+        <p:spPr>
+          <a:xfrm>
+            <a:off x="3268341" y="951465"/>
+            <a:ext cx="5655312" cy="461539"/>
+          </a:xfrm>
+          <a:prstGeom prst="rect">
+            <a:avLst/>
+          </a:prstGeom>
+        </p:spPr>
+      </p:pic>
+    </p:spTree>
+    <p:extLst>
+      <p:ext uri="{BB962C8B-B14F-4D97-AF65-F5344CB8AC3E}">
+        <p14:creationId xmlns:p14="http://schemas.microsoft.com/office/powerpoint/2010/main" val="1667943774"/>
+      </p:ext>
+    </p:extLst>
+  </p:cSld>
+  <p:clrMapOvr>
+    <a:masterClrMapping/>
+  </p:clrMapOvr>
+</p:sld>
+</file>
+
+<file path=ppt/slides/slide26.xml><?xml version="1.0" encoding="utf-8"?>
+<p:sld xmlns:a="http://schemas.openxmlformats.org/drawingml/2006/main" xmlns:r="http://schemas.openxmlformats.org/officeDocument/2006/relationships" xmlns:p="http://schemas.openxmlformats.org/presentationml/2006/main">
+  <p:cSld>
+    <p:bg>
+      <p:bgPr>
+        <a:solidFill>
+          <a:srgbClr val="FFFDD0"/>
+        </a:solidFill>
+        <a:effectLst/>
+      </p:bgPr>
+    </p:bg>
+    <p:spTree>
+      <p:nvGrpSpPr>
+        <p:cNvPr id="1" name="">
+          <a:extLst>
+            <a:ext uri="{FF2B5EF4-FFF2-40B4-BE49-F238E27FC236}">
+              <a16:creationId xmlns:a16="http://schemas.microsoft.com/office/drawing/2014/main" id="{2D29DF55-CDC6-8CD0-5743-3A8EB0A86265}"/>
+            </a:ext>
+          </a:extLst>
+        </p:cNvPr>
+        <p:cNvGrpSpPr/>
+        <p:nvPr/>
+      </p:nvGrpSpPr>
+      <p:grpSpPr>
+        <a:xfrm>
+          <a:off x="0" y="0"/>
+          <a:ext cx="0" cy="0"/>
+          <a:chOff x="0" y="0"/>
+          <a:chExt cx="0" cy="0"/>
+        </a:xfrm>
+      </p:grpSpPr>
+      <p:sp>
+        <p:nvSpPr>
+          <p:cNvPr id="4" name="CasellaDiTesto 3">
+            <a:extLst>
+              <a:ext uri="{FF2B5EF4-FFF2-40B4-BE49-F238E27FC236}">
+                <a16:creationId xmlns:a16="http://schemas.microsoft.com/office/drawing/2014/main" id="{95670AF1-DD5D-EE2F-0DB2-E30776DC5B51}"/>
+              </a:ext>
+            </a:extLst>
+          </p:cNvPr>
+          <p:cNvSpPr txBox="1"/>
+          <p:nvPr/>
+        </p:nvSpPr>
+        <p:spPr>
+          <a:xfrm>
+            <a:off x="1149842" y="243580"/>
+            <a:ext cx="9892315" cy="769441"/>
+          </a:xfrm>
+          <a:prstGeom prst="rect">
+            <a:avLst/>
+          </a:prstGeom>
+          <a:noFill/>
+        </p:spPr>
+        <p:txBody>
+          <a:bodyPr wrap="square" rtlCol="0" anchor="ctr" anchorCtr="0">
+            <a:spAutoFit/>
+          </a:bodyPr>
+          <a:lstStyle/>
+          <a:p>
+            <a:pPr algn="ctr"/>
+            <a:r>
+              <a:rPr lang="it-IT" sz="4400" b="1" dirty="0" err="1">
+                <a:solidFill>
+                  <a:srgbClr val="1C656D"/>
+                </a:solidFill>
+                <a:latin typeface="Segoe UI Rounded"/>
+                <a:cs typeface="Leelawadee UI" panose="020B0502040204020203" pitchFamily="34" charset="-34"/>
+              </a:rPr>
+              <a:t>Signal</a:t>
+            </a:r>
+            <a:r>
+              <a:rPr lang="it-IT" sz="4400" b="1" dirty="0">
+                <a:solidFill>
+                  <a:srgbClr val="1C656D"/>
+                </a:solidFill>
+                <a:latin typeface="Segoe UI Rounded"/>
+                <a:cs typeface="Leelawadee UI" panose="020B0502040204020203" pitchFamily="34" charset="-34"/>
+              </a:rPr>
+              <a:t> </a:t>
+            </a:r>
+            <a:r>
+              <a:rPr lang="it-IT" sz="4400" b="1" dirty="0" err="1">
+                <a:solidFill>
+                  <a:srgbClr val="1C656D"/>
+                </a:solidFill>
+                <a:latin typeface="Segoe UI Rounded"/>
+                <a:cs typeface="Leelawadee UI" panose="020B0502040204020203" pitchFamily="34" charset="-34"/>
+              </a:rPr>
+              <a:t>manipulation</a:t>
+            </a:r>
+            <a:r>
+              <a:rPr lang="it-IT" sz="4400" b="1" dirty="0">
+                <a:solidFill>
+                  <a:srgbClr val="1C656D"/>
+                </a:solidFill>
+                <a:latin typeface="Segoe UI Rounded"/>
+                <a:cs typeface="Leelawadee UI" panose="020B0502040204020203" pitchFamily="34" charset="-34"/>
+              </a:rPr>
+              <a:t>: Delay</a:t>
+            </a:r>
+            <a:endParaRPr lang="it-IT" sz="4000" dirty="0">
+              <a:solidFill>
+                <a:srgbClr val="1C656D"/>
+              </a:solidFill>
+              <a:latin typeface="Segoe UI Rounded"/>
+              <a:cs typeface="Leelawadee UI" panose="020B0502040204020203" pitchFamily="34" charset="-34"/>
+            </a:endParaRPr>
+          </a:p>
+        </p:txBody>
+      </p:sp>
+      <p:sp>
+        <p:nvSpPr>
+          <p:cNvPr id="7" name="CasellaDiTesto 6">
+            <a:extLst>
+              <a:ext uri="{FF2B5EF4-FFF2-40B4-BE49-F238E27FC236}">
+                <a16:creationId xmlns:a16="http://schemas.microsoft.com/office/drawing/2014/main" id="{761963AC-F9A4-860A-49D9-826393DD03F9}"/>
+              </a:ext>
+            </a:extLst>
+          </p:cNvPr>
+          <p:cNvSpPr txBox="1"/>
+          <p:nvPr/>
+        </p:nvSpPr>
+        <p:spPr>
+          <a:xfrm>
+            <a:off x="960829" y="4205359"/>
+            <a:ext cx="10270337" cy="2347507"/>
+          </a:xfrm>
+          <a:prstGeom prst="rect">
+            <a:avLst/>
+          </a:prstGeom>
+          <a:noFill/>
+        </p:spPr>
+        <p:txBody>
+          <a:bodyPr wrap="square" rtlCol="0" anchor="ctr" anchorCtr="0">
+            <a:noAutofit/>
+          </a:bodyPr>
+          <a:lstStyle/>
+          <a:p>
+            <a:pPr algn="ctr"/>
+            <a:r>
+              <a:rPr lang="en-US" sz="2800" dirty="0">
+                <a:solidFill>
+                  <a:srgbClr val="1C656D"/>
+                </a:solidFill>
+                <a:latin typeface="Segoe UI Rounded"/>
+              </a:rPr>
+              <a:t>The delay effect creates echo-like repetitions, adding rhythm and depth to the sound. Users can adjust the delay time and balance between original and repeated signals.</a:t>
+            </a:r>
+            <a:endParaRPr lang="it-IT" sz="2400" dirty="0">
+              <a:solidFill>
+                <a:srgbClr val="1C656D"/>
+              </a:solidFill>
+              <a:latin typeface="Segoe UI Rounded"/>
+            </a:endParaRPr>
+          </a:p>
+        </p:txBody>
+      </p:sp>
+      <p:grpSp>
+        <p:nvGrpSpPr>
+          <p:cNvPr id="2" name="Gruppo 1">
+            <a:extLst>
+              <a:ext uri="{FF2B5EF4-FFF2-40B4-BE49-F238E27FC236}">
+                <a16:creationId xmlns:a16="http://schemas.microsoft.com/office/drawing/2014/main" id="{A961934D-00C5-EE66-F569-06793DFB1B4E}"/>
+              </a:ext>
+            </a:extLst>
+          </p:cNvPr>
+          <p:cNvGrpSpPr/>
+          <p:nvPr/>
+        </p:nvGrpSpPr>
+        <p:grpSpPr>
+          <a:xfrm>
+            <a:off x="3339697" y="2405359"/>
+            <a:ext cx="5512600" cy="1800000"/>
+            <a:chOff x="4186222" y="2405359"/>
+            <a:chExt cx="5512600" cy="1800000"/>
+          </a:xfrm>
+          <a:solidFill>
+            <a:srgbClr val="5BA191">
+              <a:alpha val="60000"/>
+            </a:srgbClr>
+          </a:solidFill>
+        </p:grpSpPr>
+        <p:pic>
+          <p:nvPicPr>
+            <p:cNvPr id="3" name="Elemento grafico 2">
+              <a:extLst>
+                <a:ext uri="{FF2B5EF4-FFF2-40B4-BE49-F238E27FC236}">
+                  <a16:creationId xmlns:a16="http://schemas.microsoft.com/office/drawing/2014/main" id="{01C918B0-918E-EF00-81E4-CA368CAD7C8E}"/>
+                </a:ext>
+              </a:extLst>
+            </p:cNvPr>
+            <p:cNvPicPr>
+              <a:picLocks noChangeAspect="1"/>
+            </p:cNvPicPr>
+            <p:nvPr/>
+          </p:nvPicPr>
+          <p:blipFill>
+            <a:blip r:embed="rId2">
+              <a:alphaModFix/>
+              <a:extLst>
+                <a:ext uri="{96DAC541-7B7A-43D3-8B79-37D633B846F1}">
+                  <asvg:svgBlip xmlns:asvg="http://schemas.microsoft.com/office/drawing/2016/SVG/main" r:embed="rId3"/>
+                </a:ext>
+              </a:extLst>
+            </a:blip>
+            <a:stretch>
+              <a:fillRect/>
+            </a:stretch>
+          </p:blipFill>
+          <p:spPr>
+            <a:xfrm>
+              <a:off x="4186222" y="2405359"/>
               <a:ext cx="1800000" cy="1800000"/>
             </a:xfrm>
             <a:prstGeom prst="rect">
@@ -11594,10 +11464,10 @@
         </p:pic>
         <p:pic>
           <p:nvPicPr>
-            <p:cNvPr id="19" name="Elemento grafico 18">
+            <p:cNvPr id="5" name="Elemento grafico 4">
               <a:extLst>
                 <a:ext uri="{FF2B5EF4-FFF2-40B4-BE49-F238E27FC236}">
-                  <a16:creationId xmlns:a16="http://schemas.microsoft.com/office/drawing/2014/main" id="{C3461571-B356-666B-F4A1-259182D9D64B}"/>
+                  <a16:creationId xmlns:a16="http://schemas.microsoft.com/office/drawing/2014/main" id="{D01A041C-1FC1-3609-9EA5-867CB2A3B8F4}"/>
                 </a:ext>
               </a:extLst>
             </p:cNvPr>
@@ -11607,11 +11477,48 @@
             <p:nvPr/>
           </p:nvPicPr>
           <p:blipFill>
-            <a:blip r:embed="rId8">
+            <a:blip r:embed="rId4">
               <a:alphaModFix/>
               <a:extLst>
                 <a:ext uri="{96DAC541-7B7A-43D3-8B79-37D633B846F1}">
-                  <asvg:svgBlip xmlns:asvg="http://schemas.microsoft.com/office/drawing/2016/SVG/main" r:embed="rId9"/>
+                  <asvg:svgBlip xmlns:asvg="http://schemas.microsoft.com/office/drawing/2016/SVG/main" r:embed="rId5"/>
+                </a:ext>
+              </a:extLst>
+            </a:blip>
+            <a:stretch>
+              <a:fillRect/>
+            </a:stretch>
+          </p:blipFill>
+          <p:spPr>
+            <a:xfrm>
+              <a:off x="6042522" y="2405359"/>
+              <a:ext cx="1800000" cy="1800000"/>
+            </a:xfrm>
+            <a:prstGeom prst="rect">
+              <a:avLst/>
+            </a:prstGeom>
+          </p:spPr>
+        </p:pic>
+        <p:pic>
+          <p:nvPicPr>
+            <p:cNvPr id="13" name="Elemento grafico 12">
+              <a:extLst>
+                <a:ext uri="{FF2B5EF4-FFF2-40B4-BE49-F238E27FC236}">
+                  <a16:creationId xmlns:a16="http://schemas.microsoft.com/office/drawing/2014/main" id="{1C507B1D-6084-F1F2-9458-CA428B8136AB}"/>
+                </a:ext>
+              </a:extLst>
+            </p:cNvPr>
+            <p:cNvPicPr>
+              <a:picLocks noChangeAspect="1"/>
+            </p:cNvPicPr>
+            <p:nvPr/>
+          </p:nvPicPr>
+          <p:blipFill>
+            <a:blip r:embed="rId6">
+              <a:alphaModFix/>
+              <a:extLst>
+                <a:ext uri="{96DAC541-7B7A-43D3-8B79-37D633B846F1}">
+                  <asvg:svgBlip xmlns:asvg="http://schemas.microsoft.com/office/drawing/2016/SVG/main" r:embed="rId7"/>
                 </a:ext>
               </a:extLst>
             </a:blip>
@@ -11632,10 +11539,10 @@
       </p:grpSp>
       <p:pic>
         <p:nvPicPr>
-          <p:cNvPr id="2" name="Immagine 1">
-            <a:extLst>
-              <a:ext uri="{FF2B5EF4-FFF2-40B4-BE49-F238E27FC236}">
-                <a16:creationId xmlns:a16="http://schemas.microsoft.com/office/drawing/2014/main" id="{DE6F9E24-2B4B-9B46-759B-0AAAC3261646}"/>
+          <p:cNvPr id="8" name="Immagine 7">
+            <a:extLst>
+              <a:ext uri="{FF2B5EF4-FFF2-40B4-BE49-F238E27FC236}">
+                <a16:creationId xmlns:a16="http://schemas.microsoft.com/office/drawing/2014/main" id="{66E0E876-A455-C6EA-C0AC-9AA25A72BE09}"/>
               </a:ext>
             </a:extLst>
           </p:cNvPr>
@@ -11645,7 +11552,7 @@
           <p:nvPr/>
         </p:nvPicPr>
         <p:blipFill>
-          <a:blip r:embed="rId10">
+          <a:blip r:embed="rId8">
             <a:extLst>
               <a:ext uri="{28A0092B-C50C-407E-A947-70E740481C1C}">
                 <a14:useLocalDpi xmlns:a14="http://schemas.microsoft.com/office/drawing/2010/main" val="0"/>
@@ -11668,7 +11575,7 @@
     </p:spTree>
     <p:extLst>
       <p:ext uri="{BB962C8B-B14F-4D97-AF65-F5344CB8AC3E}">
-        <p14:creationId xmlns:p14="http://schemas.microsoft.com/office/powerpoint/2010/main" val="1008615750"/>
+        <p14:creationId xmlns:p14="http://schemas.microsoft.com/office/powerpoint/2010/main" val="1422969176"/>
       </p:ext>
     </p:extLst>
   </p:cSld>
@@ -11678,7 +11585,7 @@
 </p:sld>
 </file>
 
-<file path=ppt/slides/slide26.xml><?xml version="1.0" encoding="utf-8"?>
+<file path=ppt/slides/slide27.xml><?xml version="1.0" encoding="utf-8"?>
 <p:sld xmlns:a="http://schemas.openxmlformats.org/drawingml/2006/main" xmlns:r="http://schemas.openxmlformats.org/officeDocument/2006/relationships" xmlns:p="http://schemas.openxmlformats.org/presentationml/2006/main">
   <p:cSld>
     <p:bg>
@@ -11810,7 +11717,7 @@
         <p:spPr>
           <a:xfrm>
             <a:off x="581022" y="3739897"/>
-            <a:ext cx="11029950" cy="584775"/>
+            <a:ext cx="11029950" cy="523220"/>
           </a:xfrm>
           <a:prstGeom prst="rect">
             <a:avLst/>
@@ -11825,7 +11732,7 @@
           <a:p>
             <a:pPr algn="ctr"/>
             <a:r>
-              <a:rPr lang="it-IT" sz="3200" dirty="0">
+              <a:rPr lang="it-IT" sz="2800" dirty="0">
                 <a:solidFill>
                   <a:srgbClr val="5BA191"/>
                 </a:solidFill>
@@ -11833,7 +11740,7 @@
               </a:rPr>
               <a:t>Visual generation</a:t>
             </a:r>
-            <a:endParaRPr lang="it-IT" sz="2800" dirty="0">
+            <a:endParaRPr lang="it-IT" sz="2400" dirty="0">
               <a:solidFill>
                 <a:srgbClr val="5BA191"/>
               </a:solidFill>
@@ -11890,7 +11797,7 @@
 </p:sld>
 </file>
 
-<file path=ppt/slides/slide27.xml><?xml version="1.0" encoding="utf-8"?>
+<file path=ppt/slides/slide28.xml><?xml version="1.0" encoding="utf-8"?>
 <p:sld xmlns:a="http://schemas.openxmlformats.org/drawingml/2006/main" xmlns:r="http://schemas.openxmlformats.org/officeDocument/2006/relationships" xmlns:p="http://schemas.openxmlformats.org/presentationml/2006/main">
   <p:cSld>
     <p:bg>
@@ -12226,7 +12133,7 @@
 </p:sld>
 </file>
 
-<file path=ppt/slides/slide28.xml><?xml version="1.0" encoding="utf-8"?>
+<file path=ppt/slides/slide29.xml><?xml version="1.0" encoding="utf-8"?>
 <p:sld xmlns:a="http://schemas.openxmlformats.org/drawingml/2006/main" xmlns:r="http://schemas.openxmlformats.org/officeDocument/2006/relationships" xmlns:p="http://schemas.openxmlformats.org/presentationml/2006/main">
   <p:cSld>
     <p:bg>
@@ -12352,25 +12259,7 @@
                 </a:solidFill>
                 <a:latin typeface="Segoe UI Rounded"/>
               </a:rPr>
-              <a:t>The particle system translates sensor values into motion and color. Light affects hue, humidity controls </a:t>
-            </a:r>
-            <a:r>
-              <a:rPr lang="en-US" sz="2800" dirty="0" err="1">
-                <a:solidFill>
-                  <a:srgbClr val="1C656D"/>
-                </a:solidFill>
-                <a:latin typeface="Segoe UI Rounded"/>
-              </a:rPr>
-              <a:t>density,and</a:t>
-            </a:r>
-            <a:r>
-              <a:rPr lang="en-US" sz="2800" dirty="0">
-                <a:solidFill>
-                  <a:srgbClr val="1C656D"/>
-                </a:solidFill>
-                <a:latin typeface="Segoe UI Rounded"/>
-              </a:rPr>
-              <a:t> temperature influences movement and speed.</a:t>
+              <a:t>The particle system translates sensor values into motion and color. Light affects hue, humidity controls density, and temperature influences movement and speed.</a:t>
             </a:r>
             <a:endParaRPr lang="it-IT" sz="2400" dirty="0">
               <a:solidFill>
@@ -12523,247 +12412,6 @@
 </p:sld>
 </file>
 
-<file path=ppt/slides/slide29.xml><?xml version="1.0" encoding="utf-8"?>
-<p:sld xmlns:a="http://schemas.openxmlformats.org/drawingml/2006/main" xmlns:r="http://schemas.openxmlformats.org/officeDocument/2006/relationships" xmlns:p="http://schemas.openxmlformats.org/presentationml/2006/main">
-  <p:cSld>
-    <p:bg>
-      <p:bgPr>
-        <a:solidFill>
-          <a:srgbClr val="FFFDD0"/>
-        </a:solidFill>
-        <a:effectLst/>
-      </p:bgPr>
-    </p:bg>
-    <p:spTree>
-      <p:nvGrpSpPr>
-        <p:cNvPr id="1" name="">
-          <a:extLst>
-            <a:ext uri="{FF2B5EF4-FFF2-40B4-BE49-F238E27FC236}">
-              <a16:creationId xmlns:a16="http://schemas.microsoft.com/office/drawing/2014/main" id="{3057A3FB-B465-FF6A-CE65-C4EC626C0024}"/>
-            </a:ext>
-          </a:extLst>
-        </p:cNvPr>
-        <p:cNvGrpSpPr/>
-        <p:nvPr/>
-      </p:nvGrpSpPr>
-      <p:grpSpPr>
-        <a:xfrm>
-          <a:off x="0" y="0"/>
-          <a:ext cx="0" cy="0"/>
-          <a:chOff x="0" y="0"/>
-          <a:chExt cx="0" cy="0"/>
-        </a:xfrm>
-      </p:grpSpPr>
-      <p:sp>
-        <p:nvSpPr>
-          <p:cNvPr id="4" name="CasellaDiTesto 3">
-            <a:extLst>
-              <a:ext uri="{FF2B5EF4-FFF2-40B4-BE49-F238E27FC236}">
-                <a16:creationId xmlns:a16="http://schemas.microsoft.com/office/drawing/2014/main" id="{8861CB68-4F45-DA51-A561-64E2401C0DAD}"/>
-              </a:ext>
-            </a:extLst>
-          </p:cNvPr>
-          <p:cNvSpPr txBox="1"/>
-          <p:nvPr/>
-        </p:nvSpPr>
-        <p:spPr>
-          <a:xfrm>
-            <a:off x="1149840" y="2367170"/>
-            <a:ext cx="9892315" cy="1015663"/>
-          </a:xfrm>
-          <a:prstGeom prst="rect">
-            <a:avLst/>
-          </a:prstGeom>
-          <a:noFill/>
-        </p:spPr>
-        <p:txBody>
-          <a:bodyPr wrap="square" rtlCol="0" anchor="ctr" anchorCtr="0">
-            <a:spAutoFit/>
-          </a:bodyPr>
-          <a:lstStyle/>
-          <a:p>
-            <a:pPr algn="ctr"/>
-            <a:r>
-              <a:rPr lang="it-IT" sz="6000" b="1" dirty="0">
-                <a:solidFill>
-                  <a:srgbClr val="1C656D"/>
-                </a:solidFill>
-                <a:latin typeface="Segoe UI Rounded"/>
-                <a:cs typeface="Leelawadee UI" panose="020B0502040204020203" pitchFamily="34" charset="-34"/>
-              </a:rPr>
-              <a:t>Thanks for </a:t>
-            </a:r>
-            <a:r>
-              <a:rPr lang="it-IT" sz="6000" b="1" dirty="0" err="1">
-                <a:solidFill>
-                  <a:srgbClr val="1C656D"/>
-                </a:solidFill>
-                <a:latin typeface="Segoe UI Rounded"/>
-                <a:cs typeface="Leelawadee UI" panose="020B0502040204020203" pitchFamily="34" charset="-34"/>
-              </a:rPr>
-              <a:t>your</a:t>
-            </a:r>
-            <a:r>
-              <a:rPr lang="it-IT" sz="6000" b="1" dirty="0">
-                <a:solidFill>
-                  <a:srgbClr val="1C656D"/>
-                </a:solidFill>
-                <a:latin typeface="Segoe UI Rounded"/>
-                <a:cs typeface="Leelawadee UI" panose="020B0502040204020203" pitchFamily="34" charset="-34"/>
-              </a:rPr>
-              <a:t> </a:t>
-            </a:r>
-            <a:r>
-              <a:rPr lang="it-IT" sz="6000" b="1" dirty="0" err="1">
-                <a:solidFill>
-                  <a:srgbClr val="1C656D"/>
-                </a:solidFill>
-                <a:latin typeface="Segoe UI Rounded"/>
-                <a:cs typeface="Leelawadee UI" panose="020B0502040204020203" pitchFamily="34" charset="-34"/>
-              </a:rPr>
-              <a:t>attention</a:t>
-            </a:r>
-            <a:endParaRPr lang="it-IT" sz="6000" b="1" dirty="0">
-              <a:solidFill>
-                <a:srgbClr val="1C656D"/>
-              </a:solidFill>
-              <a:latin typeface="Segoe UI Rounded"/>
-              <a:cs typeface="Leelawadee UI" panose="020B0502040204020203" pitchFamily="34" charset="-34"/>
-            </a:endParaRPr>
-          </a:p>
-        </p:txBody>
-      </p:sp>
-      <p:sp>
-        <p:nvSpPr>
-          <p:cNvPr id="17" name="CasellaDiTesto 16">
-            <a:extLst>
-              <a:ext uri="{FF2B5EF4-FFF2-40B4-BE49-F238E27FC236}">
-                <a16:creationId xmlns:a16="http://schemas.microsoft.com/office/drawing/2014/main" id="{FAA2674B-79F6-99E8-AB6F-FCEB27350B79}"/>
-              </a:ext>
-            </a:extLst>
-          </p:cNvPr>
-          <p:cNvSpPr txBox="1"/>
-          <p:nvPr/>
-        </p:nvSpPr>
-        <p:spPr>
-          <a:xfrm>
-            <a:off x="581022" y="3739897"/>
-            <a:ext cx="11029950" cy="1569660"/>
-          </a:xfrm>
-          <a:prstGeom prst="rect">
-            <a:avLst/>
-          </a:prstGeom>
-          <a:noFill/>
-        </p:spPr>
-        <p:txBody>
-          <a:bodyPr wrap="square" rtlCol="0">
-            <a:spAutoFit/>
-          </a:bodyPr>
-          <a:lstStyle/>
-          <a:p>
-            <a:pPr algn="ctr"/>
-            <a:r>
-              <a:rPr lang="it-IT" sz="2400" dirty="0">
-                <a:solidFill>
-                  <a:srgbClr val="5BA191"/>
-                </a:solidFill>
-                <a:latin typeface="Segoe UI Rounded"/>
-              </a:rPr>
-              <a:t>Marco Porcella </a:t>
-            </a:r>
-          </a:p>
-          <a:p>
-            <a:pPr algn="ctr"/>
-            <a:r>
-              <a:rPr lang="it-IT" sz="2400" dirty="0">
-                <a:solidFill>
-                  <a:srgbClr val="5BA191"/>
-                </a:solidFill>
-                <a:latin typeface="Segoe UI Rounded"/>
-              </a:rPr>
-              <a:t>Andrea Crisafulli </a:t>
-            </a:r>
-          </a:p>
-          <a:p>
-            <a:pPr algn="ctr"/>
-            <a:r>
-              <a:rPr lang="it-IT" sz="2400" dirty="0">
-                <a:solidFill>
-                  <a:srgbClr val="5BA191"/>
-                </a:solidFill>
-                <a:latin typeface="Segoe UI Rounded"/>
-              </a:rPr>
-              <a:t>Giacomo De Toni </a:t>
-            </a:r>
-          </a:p>
-          <a:p>
-            <a:pPr algn="ctr"/>
-            <a:r>
-              <a:rPr lang="it-IT" sz="2400" dirty="0">
-                <a:solidFill>
-                  <a:srgbClr val="5BA191"/>
-                </a:solidFill>
-                <a:latin typeface="Segoe UI Rounded"/>
-              </a:rPr>
-              <a:t>Filippo Longhi</a:t>
-            </a:r>
-            <a:endParaRPr lang="it-IT" sz="2000" dirty="0">
-              <a:solidFill>
-                <a:srgbClr val="5BA191"/>
-              </a:solidFill>
-              <a:latin typeface="Segoe UI Rounded"/>
-            </a:endParaRPr>
-          </a:p>
-        </p:txBody>
-      </p:sp>
-      <p:pic>
-        <p:nvPicPr>
-          <p:cNvPr id="2" name="Immagine 1">
-            <a:extLst>
-              <a:ext uri="{FF2B5EF4-FFF2-40B4-BE49-F238E27FC236}">
-                <a16:creationId xmlns:a16="http://schemas.microsoft.com/office/drawing/2014/main" id="{A529BA21-5BF9-FA2F-319F-89DD0A74B26D}"/>
-              </a:ext>
-            </a:extLst>
-          </p:cNvPr>
-          <p:cNvPicPr>
-            <a:picLocks noChangeAspect="1"/>
-          </p:cNvPicPr>
-          <p:nvPr/>
-        </p:nvPicPr>
-        <p:blipFill>
-          <a:blip r:embed="rId2">
-            <a:extLst>
-              <a:ext uri="{28A0092B-C50C-407E-A947-70E740481C1C}">
-                <a14:useLocalDpi xmlns:a14="http://schemas.microsoft.com/office/drawing/2010/main" val="0"/>
-              </a:ext>
-            </a:extLst>
-          </a:blip>
-          <a:srcRect/>
-          <a:stretch/>
-        </p:blipFill>
-        <p:spPr>
-          <a:xfrm>
-            <a:off x="3268341" y="3353678"/>
-            <a:ext cx="5655312" cy="461539"/>
-          </a:xfrm>
-          <a:prstGeom prst="rect">
-            <a:avLst/>
-          </a:prstGeom>
-        </p:spPr>
-      </p:pic>
-    </p:spTree>
-    <p:extLst>
-      <p:ext uri="{BB962C8B-B14F-4D97-AF65-F5344CB8AC3E}">
-        <p14:creationId xmlns:p14="http://schemas.microsoft.com/office/powerpoint/2010/main" val="3105498901"/>
-      </p:ext>
-    </p:extLst>
-  </p:cSld>
-  <p:clrMapOvr>
-    <a:masterClrMapping/>
-  </p:clrMapOvr>
-</p:sld>
-</file>
-
 <file path=ppt/slides/slide3.xml><?xml version="1.0" encoding="utf-8"?>
 <p:sld xmlns:a="http://schemas.openxmlformats.org/drawingml/2006/main" xmlns:r="http://schemas.openxmlformats.org/officeDocument/2006/relationships" xmlns:p="http://schemas.openxmlformats.org/presentationml/2006/main">
   <p:cSld>
@@ -13201,7 +12849,7 @@
                 <a:latin typeface="Segoe UI Rounded"/>
                 <a:cs typeface="Leelawadee UI" panose="020B0502040204020203" pitchFamily="34" charset="-34"/>
               </a:rPr>
-              <a:t> and…</a:t>
+              <a:t>.</a:t>
             </a:r>
           </a:p>
         </p:txBody>
@@ -13270,6 +12918,211 @@
         <p:cNvPr id="1" name="">
           <a:extLst>
             <a:ext uri="{FF2B5EF4-FFF2-40B4-BE49-F238E27FC236}">
+              <a16:creationId xmlns:a16="http://schemas.microsoft.com/office/drawing/2014/main" id="{3057A3FB-B465-FF6A-CE65-C4EC626C0024}"/>
+            </a:ext>
+          </a:extLst>
+        </p:cNvPr>
+        <p:cNvGrpSpPr/>
+        <p:nvPr/>
+      </p:nvGrpSpPr>
+      <p:grpSpPr>
+        <a:xfrm>
+          <a:off x="0" y="0"/>
+          <a:ext cx="0" cy="0"/>
+          <a:chOff x="0" y="0"/>
+          <a:chExt cx="0" cy="0"/>
+        </a:xfrm>
+      </p:grpSpPr>
+      <p:sp>
+        <p:nvSpPr>
+          <p:cNvPr id="4" name="CasellaDiTesto 3">
+            <a:extLst>
+              <a:ext uri="{FF2B5EF4-FFF2-40B4-BE49-F238E27FC236}">
+                <a16:creationId xmlns:a16="http://schemas.microsoft.com/office/drawing/2014/main" id="{8861CB68-4F45-DA51-A561-64E2401C0DAD}"/>
+              </a:ext>
+            </a:extLst>
+          </p:cNvPr>
+          <p:cNvSpPr txBox="1"/>
+          <p:nvPr/>
+        </p:nvSpPr>
+        <p:spPr>
+          <a:xfrm>
+            <a:off x="1149840" y="2367170"/>
+            <a:ext cx="9892315" cy="1015663"/>
+          </a:xfrm>
+          <a:prstGeom prst="rect">
+            <a:avLst/>
+          </a:prstGeom>
+          <a:noFill/>
+        </p:spPr>
+        <p:txBody>
+          <a:bodyPr wrap="square" rtlCol="0" anchor="ctr" anchorCtr="0">
+            <a:spAutoFit/>
+          </a:bodyPr>
+          <a:lstStyle/>
+          <a:p>
+            <a:pPr algn="ctr"/>
+            <a:r>
+              <a:rPr lang="it-IT" sz="6000" b="1" dirty="0">
+                <a:solidFill>
+                  <a:srgbClr val="1C656D"/>
+                </a:solidFill>
+                <a:latin typeface="Segoe UI Rounded"/>
+                <a:cs typeface="Leelawadee UI" panose="020B0502040204020203" pitchFamily="34" charset="-34"/>
+              </a:rPr>
+              <a:t>Thanks for </a:t>
+            </a:r>
+            <a:r>
+              <a:rPr lang="it-IT" sz="6000" b="1" dirty="0" err="1">
+                <a:solidFill>
+                  <a:srgbClr val="1C656D"/>
+                </a:solidFill>
+                <a:latin typeface="Segoe UI Rounded"/>
+                <a:cs typeface="Leelawadee UI" panose="020B0502040204020203" pitchFamily="34" charset="-34"/>
+              </a:rPr>
+              <a:t>your</a:t>
+            </a:r>
+            <a:r>
+              <a:rPr lang="it-IT" sz="6000" b="1" dirty="0">
+                <a:solidFill>
+                  <a:srgbClr val="1C656D"/>
+                </a:solidFill>
+                <a:latin typeface="Segoe UI Rounded"/>
+                <a:cs typeface="Leelawadee UI" panose="020B0502040204020203" pitchFamily="34" charset="-34"/>
+              </a:rPr>
+              <a:t> </a:t>
+            </a:r>
+            <a:r>
+              <a:rPr lang="it-IT" sz="6000" b="1" dirty="0" err="1">
+                <a:solidFill>
+                  <a:srgbClr val="1C656D"/>
+                </a:solidFill>
+                <a:latin typeface="Segoe UI Rounded"/>
+                <a:cs typeface="Leelawadee UI" panose="020B0502040204020203" pitchFamily="34" charset="-34"/>
+              </a:rPr>
+              <a:t>attention</a:t>
+            </a:r>
+            <a:endParaRPr lang="it-IT" sz="6000" b="1" dirty="0">
+              <a:solidFill>
+                <a:srgbClr val="1C656D"/>
+              </a:solidFill>
+              <a:latin typeface="Segoe UI Rounded"/>
+              <a:cs typeface="Leelawadee UI" panose="020B0502040204020203" pitchFamily="34" charset="-34"/>
+            </a:endParaRPr>
+          </a:p>
+        </p:txBody>
+      </p:sp>
+      <p:sp>
+        <p:nvSpPr>
+          <p:cNvPr id="17" name="CasellaDiTesto 16">
+            <a:extLst>
+              <a:ext uri="{FF2B5EF4-FFF2-40B4-BE49-F238E27FC236}">
+                <a16:creationId xmlns:a16="http://schemas.microsoft.com/office/drawing/2014/main" id="{FAA2674B-79F6-99E8-AB6F-FCEB27350B79}"/>
+              </a:ext>
+            </a:extLst>
+          </p:cNvPr>
+          <p:cNvSpPr txBox="1"/>
+          <p:nvPr/>
+        </p:nvSpPr>
+        <p:spPr>
+          <a:xfrm>
+            <a:off x="581022" y="3739897"/>
+            <a:ext cx="11029950" cy="523220"/>
+          </a:xfrm>
+          <a:prstGeom prst="rect">
+            <a:avLst/>
+          </a:prstGeom>
+          <a:noFill/>
+        </p:spPr>
+        <p:txBody>
+          <a:bodyPr wrap="square" rtlCol="0">
+            <a:spAutoFit/>
+          </a:bodyPr>
+          <a:lstStyle/>
+          <a:p>
+            <a:pPr algn="ctr"/>
+            <a:r>
+              <a:rPr lang="it-IT" sz="2800" dirty="0">
+                <a:solidFill>
+                  <a:srgbClr val="5BA191"/>
+                </a:solidFill>
+                <a:latin typeface="Segoe UI Rounded"/>
+              </a:rPr>
+              <a:t>Andrea Crisafulli, Giacomo De Toni, Filippo Longhi, Marco Porcella </a:t>
+            </a:r>
+            <a:endParaRPr lang="it-IT" sz="2400" dirty="0">
+              <a:solidFill>
+                <a:srgbClr val="5BA191"/>
+              </a:solidFill>
+              <a:latin typeface="Segoe UI Rounded"/>
+            </a:endParaRPr>
+          </a:p>
+        </p:txBody>
+      </p:sp>
+      <p:pic>
+        <p:nvPicPr>
+          <p:cNvPr id="2" name="Immagine 1">
+            <a:extLst>
+              <a:ext uri="{FF2B5EF4-FFF2-40B4-BE49-F238E27FC236}">
+                <a16:creationId xmlns:a16="http://schemas.microsoft.com/office/drawing/2014/main" id="{A529BA21-5BF9-FA2F-319F-89DD0A74B26D}"/>
+              </a:ext>
+            </a:extLst>
+          </p:cNvPr>
+          <p:cNvPicPr>
+            <a:picLocks noChangeAspect="1"/>
+          </p:cNvPicPr>
+          <p:nvPr/>
+        </p:nvPicPr>
+        <p:blipFill>
+          <a:blip r:embed="rId2">
+            <a:extLst>
+              <a:ext uri="{28A0092B-C50C-407E-A947-70E740481C1C}">
+                <a14:useLocalDpi xmlns:a14="http://schemas.microsoft.com/office/drawing/2010/main" val="0"/>
+              </a:ext>
+            </a:extLst>
+          </a:blip>
+          <a:srcRect/>
+          <a:stretch/>
+        </p:blipFill>
+        <p:spPr>
+          <a:xfrm>
+            <a:off x="3268341" y="3353678"/>
+            <a:ext cx="5655312" cy="461539"/>
+          </a:xfrm>
+          <a:prstGeom prst="rect">
+            <a:avLst/>
+          </a:prstGeom>
+        </p:spPr>
+      </p:pic>
+    </p:spTree>
+    <p:extLst>
+      <p:ext uri="{BB962C8B-B14F-4D97-AF65-F5344CB8AC3E}">
+        <p14:creationId xmlns:p14="http://schemas.microsoft.com/office/powerpoint/2010/main" val="3105498901"/>
+      </p:ext>
+    </p:extLst>
+  </p:cSld>
+  <p:clrMapOvr>
+    <a:masterClrMapping/>
+  </p:clrMapOvr>
+</p:sld>
+</file>
+
+<file path=ppt/slides/slide31.xml><?xml version="1.0" encoding="utf-8"?>
+<p:sld xmlns:a="http://schemas.openxmlformats.org/drawingml/2006/main" xmlns:r="http://schemas.openxmlformats.org/officeDocument/2006/relationships" xmlns:p="http://schemas.openxmlformats.org/presentationml/2006/main">
+  <p:cSld>
+    <p:bg>
+      <p:bgPr>
+        <a:solidFill>
+          <a:srgbClr val="FFFDD0"/>
+        </a:solidFill>
+        <a:effectLst/>
+      </p:bgPr>
+    </p:bg>
+    <p:spTree>
+      <p:nvGrpSpPr>
+        <p:cNvPr id="1" name="">
+          <a:extLst>
+            <a:ext uri="{FF2B5EF4-FFF2-40B4-BE49-F238E27FC236}">
               <a16:creationId xmlns:a16="http://schemas.microsoft.com/office/drawing/2014/main" id="{FA28FB37-85F1-9EC9-C55D-F6415972B041}"/>
             </a:ext>
           </a:extLst>
@@ -13379,7 +13232,7 @@
         <p:spPr>
           <a:xfrm>
             <a:off x="581022" y="3739897"/>
-            <a:ext cx="11029950" cy="584775"/>
+            <a:ext cx="11029950" cy="523220"/>
           </a:xfrm>
           <a:prstGeom prst="rect">
             <a:avLst/>
@@ -13394,7 +13247,7 @@
           <a:p>
             <a:pPr algn="ctr"/>
             <a:r>
-              <a:rPr lang="it-IT" sz="3200" dirty="0" err="1">
+              <a:rPr lang="it-IT" sz="2800" dirty="0" err="1">
                 <a:solidFill>
                   <a:srgbClr val="5BA191"/>
                 </a:solidFill>
@@ -13403,7 +13256,7 @@
               <a:t>Let’s</a:t>
             </a:r>
             <a:r>
-              <a:rPr lang="it-IT" sz="3200" dirty="0">
+              <a:rPr lang="it-IT" sz="2800" dirty="0">
                 <a:solidFill>
                   <a:srgbClr val="5BA191"/>
                 </a:solidFill>
@@ -13412,7 +13265,7 @@
               <a:t> </a:t>
             </a:r>
             <a:r>
-              <a:rPr lang="it-IT" sz="3200" dirty="0" err="1">
+              <a:rPr lang="it-IT" sz="2800" dirty="0" err="1">
                 <a:solidFill>
                   <a:srgbClr val="5BA191"/>
                 </a:solidFill>
@@ -13421,7 +13274,7 @@
               <a:t>hope</a:t>
             </a:r>
             <a:r>
-              <a:rPr lang="it-IT" sz="3200" dirty="0">
+              <a:rPr lang="it-IT" sz="2800" dirty="0">
                 <a:solidFill>
                   <a:srgbClr val="5BA191"/>
                 </a:solidFill>
@@ -13430,7 +13283,7 @@
               <a:t> </a:t>
             </a:r>
             <a:r>
-              <a:rPr lang="it-IT" sz="3200" dirty="0" err="1">
+              <a:rPr lang="it-IT" sz="2800" dirty="0" err="1">
                 <a:solidFill>
                   <a:srgbClr val="5BA191"/>
                 </a:solidFill>
@@ -13439,7 +13292,7 @@
               <a:t>everything</a:t>
             </a:r>
             <a:r>
-              <a:rPr lang="it-IT" sz="3200" dirty="0">
+              <a:rPr lang="it-IT" sz="2800" dirty="0">
                 <a:solidFill>
                   <a:srgbClr val="5BA191"/>
                 </a:solidFill>
@@ -13447,7 +13300,7 @@
               </a:rPr>
               <a:t> works</a:t>
             </a:r>
-            <a:endParaRPr lang="it-IT" sz="2800" dirty="0">
+            <a:endParaRPr lang="it-IT" sz="2400" dirty="0">
               <a:solidFill>
                 <a:srgbClr val="5BA191"/>
               </a:solidFill>
@@ -13850,6 +13703,16 @@
           <a:p>
             <a:pPr algn="ctr"/>
             <a:r>
+              <a:rPr lang="it-IT" sz="2800" dirty="0" err="1">
+                <a:solidFill>
+                  <a:srgbClr val="1C656D"/>
+                </a:solidFill>
+                <a:latin typeface="Segoe UI Rounded"/>
+                <a:cs typeface="Leelawadee UI" panose="020B0502040204020203" pitchFamily="34" charset="-34"/>
+              </a:rPr>
+              <a:t>It</a:t>
+            </a:r>
+            <a:r>
               <a:rPr lang="it-IT" sz="2800" dirty="0">
                 <a:solidFill>
                   <a:srgbClr val="1C656D"/>
@@ -13857,7 +13720,7 @@
                 <a:latin typeface="Segoe UI Rounded"/>
                 <a:cs typeface="Leelawadee UI" panose="020B0502040204020203" pitchFamily="34" charset="-34"/>
               </a:rPr>
-              <a:t>… </a:t>
+              <a:t> </a:t>
             </a:r>
             <a:r>
               <a:rPr lang="it-IT" sz="2800" dirty="0" err="1">
@@ -14233,7 +14096,7 @@
                 <a:latin typeface="Segoe UI Rounded"/>
                 <a:cs typeface="Leelawadee UI" panose="020B0502040204020203" pitchFamily="34" charset="-34"/>
               </a:rPr>
-              <a:t>‘’Wow, se metto la mano sul il sensore le palline cambiano.’’</a:t>
+              <a:t>‘’Wow, se metto la mano sul sensore le palline cambiano.’’</a:t>
             </a:r>
           </a:p>
           <a:p>
@@ -15933,7 +15796,7 @@
                 <a:latin typeface="Segoe UI Rounded"/>
                 <a:cs typeface="Leelawadee UI" panose="020B0502040204020203" pitchFamily="34" charset="-34"/>
               </a:rPr>
-              <a:t> (DHT22) and Ambient light (LDR).</a:t>
+              <a:t> (DHT22) and ambient light (LDR).</a:t>
             </a:r>
             <a:endParaRPr lang="it-IT" sz="2400" dirty="0">
               <a:solidFill>
@@ -16819,15 +16682,6 @@
 </file>
 
 <file path=customXml/item1.xml><?xml version="1.0" encoding="utf-8"?>
-<?mso-contentType ?>
-<FormTemplates xmlns="http://schemas.microsoft.com/sharepoint/v3/contenttype/forms">
-  <Display>DocumentLibraryForm</Display>
-  <Edit>DocumentLibraryForm</Edit>
-  <New>DocumentLibraryForm</New>
-</FormTemplates>
-</file>
-
-<file path=customXml/item2.xml><?xml version="1.0" encoding="utf-8"?>
 <ct:contentTypeSchema xmlns:ct="http://schemas.microsoft.com/office/2006/metadata/contentType" xmlns:ma="http://schemas.microsoft.com/office/2006/metadata/properties/metaAttributes" ct:_="" ma:_="" ma:contentTypeName="Documento" ma:contentTypeID="0x010100EF6F287076A75F49AD17119B034FDA65" ma:contentTypeVersion="1" ma:contentTypeDescription="Creare un nuovo documento." ma:contentTypeScope="" ma:versionID="291687a67f9e0d66d5b62e50c4f8e497">
   <xsd:schema xmlns:xsd="http://www.w3.org/2001/XMLSchema" xmlns:xs="http://www.w3.org/2001/XMLSchema" xmlns:p="http://schemas.microsoft.com/office/2006/metadata/properties" xmlns:ns3="af9f28c8-f242-4bf2-863d-de7360702220" targetNamespace="http://schemas.microsoft.com/office/2006/metadata/properties" ma:root="true" ma:fieldsID="5775cb98dde6c85c8448a2da11691acf" ns3:_="">
     <xsd:import namespace="af9f28c8-f242-4bf2-863d-de7360702220"/>
@@ -16953,6 +16807,15 @@
 </ct:contentTypeSchema>
 </file>
 
+<file path=customXml/item2.xml><?xml version="1.0" encoding="utf-8"?>
+<?mso-contentType ?>
+<FormTemplates xmlns="http://schemas.microsoft.com/sharepoint/v3/contenttype/forms">
+  <Display>DocumentLibraryForm</Display>
+  <Edit>DocumentLibraryForm</Edit>
+  <New>DocumentLibraryForm</New>
+</FormTemplates>
+</file>
+
 <file path=customXml/item3.xml><?xml version="1.0" encoding="utf-8"?>
 <p:properties xmlns:p="http://schemas.microsoft.com/office/2006/metadata/properties" xmlns:xsi="http://www.w3.org/2001/XMLSchema-instance" xmlns:pc="http://schemas.microsoft.com/office/infopath/2007/PartnerControls">
   <documentManagement/>
@@ -16960,14 +16823,6 @@
 </file>
 
 <file path=customXml/itemProps1.xml><?xml version="1.0" encoding="utf-8"?>
-<ds:datastoreItem xmlns:ds="http://schemas.openxmlformats.org/officeDocument/2006/customXml" ds:itemID="{D1A546C4-0117-4AF1-AB94-BF911D43918A}">
-  <ds:schemaRefs>
-    <ds:schemaRef ds:uri="http://schemas.microsoft.com/sharepoint/v3/contenttype/forms"/>
-  </ds:schemaRefs>
-</ds:datastoreItem>
-</file>
-
-<file path=customXml/itemProps2.xml><?xml version="1.0" encoding="utf-8"?>
 <ds:datastoreItem xmlns:ds="http://schemas.openxmlformats.org/officeDocument/2006/customXml" ds:itemID="{7CE14167-4FD5-46A0-8649-46C325B593EB}">
   <ds:schemaRefs>
     <ds:schemaRef ds:uri="http://schemas.microsoft.com/office/2006/metadata/contentType"/>
@@ -16981,6 +16836,14 @@
     <ds:schemaRef ds:uri="http://purl.org/dc/elements/1.1/"/>
     <ds:schemaRef ds:uri="http://purl.org/dc/terms/"/>
     <ds:schemaRef ds:uri="http://schemas.microsoft.com/internal/obd"/>
+  </ds:schemaRefs>
+</ds:datastoreItem>
+</file>
+
+<file path=customXml/itemProps2.xml><?xml version="1.0" encoding="utf-8"?>
+<ds:datastoreItem xmlns:ds="http://schemas.openxmlformats.org/officeDocument/2006/customXml" ds:itemID="{D1A546C4-0117-4AF1-AB94-BF911D43918A}">
+  <ds:schemaRefs>
+    <ds:schemaRef ds:uri="http://schemas.microsoft.com/sharepoint/v3/contenttype/forms"/>
   </ds:schemaRefs>
 </ds:datastoreItem>
 </file>
